--- a/figures/pptx files/fig_concept.pptx
+++ b/figures/pptx files/fig_concept.pptx
@@ -7,6 +7,7 @@
   <p:sldIdLst>
     <p:sldId id="256" r:id="rId2"/>
     <p:sldId id="258" r:id="rId3"/>
+    <p:sldId id="259" r:id="rId4"/>
   </p:sldIdLst>
   <p:sldSz cx="12192000" cy="6858000"/>
   <p:notesSz cx="6858000" cy="9144000"/>
@@ -11193,6 +11194,6987 @@
 </p:sld>
 </file>
 
+<file path=ppt/slides/slide3.xml><?xml version="1.0" encoding="utf-8"?>
+<p:sld xmlns:a="http://schemas.openxmlformats.org/drawingml/2006/main" xmlns:r="http://schemas.openxmlformats.org/officeDocument/2006/relationships" xmlns:p="http://schemas.openxmlformats.org/presentationml/2006/main">
+  <p:cSld>
+    <p:spTree>
+      <p:nvGrpSpPr>
+        <p:cNvPr id="1" name=""/>
+        <p:cNvGrpSpPr/>
+        <p:nvPr/>
+      </p:nvGrpSpPr>
+      <p:grpSpPr>
+        <a:xfrm>
+          <a:off x="0" y="0"/>
+          <a:ext cx="0" cy="0"/>
+          <a:chOff x="0" y="0"/>
+          <a:chExt cx="0" cy="0"/>
+        </a:xfrm>
+      </p:grpSpPr>
+      <p:sp>
+        <p:nvSpPr>
+          <p:cNvPr id="89" name="Teardrop 88">
+            <a:extLst>
+              <a:ext uri="{FF2B5EF4-FFF2-40B4-BE49-F238E27FC236}">
+                <a16:creationId xmlns:a16="http://schemas.microsoft.com/office/drawing/2014/main" id="{591901F0-DE9B-4C25-8F1F-53CC054AC2CA}"/>
+              </a:ext>
+            </a:extLst>
+          </p:cNvPr>
+          <p:cNvSpPr/>
+          <p:nvPr/>
+        </p:nvSpPr>
+        <p:spPr>
+          <a:xfrm rot="10538874">
+            <a:off x="6645598" y="2730980"/>
+            <a:ext cx="1877898" cy="1280067"/>
+          </a:xfrm>
+          <a:prstGeom prst="teardrop">
+            <a:avLst>
+              <a:gd name="adj" fmla="val 89487"/>
+            </a:avLst>
+          </a:prstGeom>
+          <a:solidFill>
+            <a:schemeClr val="accent4">
+              <a:alpha val="54000"/>
+            </a:schemeClr>
+          </a:solidFill>
+          <a:ln w="0">
+            <a:solidFill>
+              <a:schemeClr val="tx2"/>
+            </a:solidFill>
+            <a:prstDash val="dash"/>
+          </a:ln>
+        </p:spPr>
+        <p:style>
+          <a:lnRef idx="2">
+            <a:schemeClr val="accent1">
+              <a:shade val="50000"/>
+            </a:schemeClr>
+          </a:lnRef>
+          <a:fillRef idx="1">
+            <a:schemeClr val="accent1"/>
+          </a:fillRef>
+          <a:effectRef idx="0">
+            <a:schemeClr val="accent1"/>
+          </a:effectRef>
+          <a:fontRef idx="minor">
+            <a:schemeClr val="lt1"/>
+          </a:fontRef>
+        </p:style>
+        <p:txBody>
+          <a:bodyPr rtlCol="0" anchor="ctr"/>
+          <a:lstStyle/>
+          <a:p>
+            <a:pPr algn="ctr"/>
+            <a:endParaRPr lang="en-US" dirty="0"/>
+          </a:p>
+        </p:txBody>
+      </p:sp>
+      <p:sp>
+        <p:nvSpPr>
+          <p:cNvPr id="7" name="Cylinder 6">
+            <a:extLst>
+              <a:ext uri="{FF2B5EF4-FFF2-40B4-BE49-F238E27FC236}">
+                <a16:creationId xmlns:a16="http://schemas.microsoft.com/office/drawing/2014/main" id="{92EBF6F0-2C36-4248-87B6-5448D6805FCD}"/>
+              </a:ext>
+            </a:extLst>
+          </p:cNvPr>
+          <p:cNvSpPr/>
+          <p:nvPr/>
+        </p:nvSpPr>
+        <p:spPr>
+          <a:xfrm>
+            <a:off x="6658188" y="3831753"/>
+            <a:ext cx="555413" cy="261621"/>
+          </a:xfrm>
+          <a:prstGeom prst="can">
+            <a:avLst/>
+          </a:prstGeom>
+        </p:spPr>
+        <p:style>
+          <a:lnRef idx="2">
+            <a:schemeClr val="accent1">
+              <a:shade val="50000"/>
+            </a:schemeClr>
+          </a:lnRef>
+          <a:fillRef idx="1">
+            <a:schemeClr val="accent1"/>
+          </a:fillRef>
+          <a:effectRef idx="0">
+            <a:schemeClr val="accent1"/>
+          </a:effectRef>
+          <a:fontRef idx="minor">
+            <a:schemeClr val="lt1"/>
+          </a:fontRef>
+        </p:style>
+        <p:txBody>
+          <a:bodyPr rtlCol="0" anchor="ctr"/>
+          <a:lstStyle/>
+          <a:p>
+            <a:pPr algn="ctr"/>
+            <a:endParaRPr lang="en-US"/>
+          </a:p>
+        </p:txBody>
+      </p:sp>
+      <p:sp>
+        <p:nvSpPr>
+          <p:cNvPr id="8" name="Cylinder 7">
+            <a:extLst>
+              <a:ext uri="{FF2B5EF4-FFF2-40B4-BE49-F238E27FC236}">
+                <a16:creationId xmlns:a16="http://schemas.microsoft.com/office/drawing/2014/main" id="{3D031D9C-7D91-495A-ABD1-24B52B398EE5}"/>
+              </a:ext>
+            </a:extLst>
+          </p:cNvPr>
+          <p:cNvSpPr/>
+          <p:nvPr/>
+        </p:nvSpPr>
+        <p:spPr>
+          <a:xfrm>
+            <a:off x="7372846" y="2983108"/>
+            <a:ext cx="423405" cy="199440"/>
+          </a:xfrm>
+          <a:prstGeom prst="can">
+            <a:avLst/>
+          </a:prstGeom>
+          <a:solidFill>
+            <a:srgbClr val="7030A0"/>
+          </a:solidFill>
+          <a:ln w="6350">
+            <a:solidFill>
+              <a:schemeClr val="tx1"/>
+            </a:solidFill>
+          </a:ln>
+        </p:spPr>
+        <p:style>
+          <a:lnRef idx="2">
+            <a:schemeClr val="accent1">
+              <a:shade val="50000"/>
+            </a:schemeClr>
+          </a:lnRef>
+          <a:fillRef idx="1">
+            <a:schemeClr val="accent1"/>
+          </a:fillRef>
+          <a:effectRef idx="0">
+            <a:schemeClr val="accent1"/>
+          </a:effectRef>
+          <a:fontRef idx="minor">
+            <a:schemeClr val="lt1"/>
+          </a:fontRef>
+        </p:style>
+        <p:txBody>
+          <a:bodyPr rtlCol="0" anchor="ctr"/>
+          <a:lstStyle/>
+          <a:p>
+            <a:pPr algn="ctr"/>
+            <a:endParaRPr lang="en-US"/>
+          </a:p>
+        </p:txBody>
+      </p:sp>
+      <p:sp>
+        <p:nvSpPr>
+          <p:cNvPr id="9" name="Cylinder 8">
+            <a:extLst>
+              <a:ext uri="{FF2B5EF4-FFF2-40B4-BE49-F238E27FC236}">
+                <a16:creationId xmlns:a16="http://schemas.microsoft.com/office/drawing/2014/main" id="{E1EE01DF-86FB-4149-8F92-7C151FF93B5E}"/>
+              </a:ext>
+            </a:extLst>
+          </p:cNvPr>
+          <p:cNvSpPr/>
+          <p:nvPr/>
+        </p:nvSpPr>
+        <p:spPr>
+          <a:xfrm>
+            <a:off x="8351593" y="2755147"/>
+            <a:ext cx="317798" cy="149695"/>
+          </a:xfrm>
+          <a:prstGeom prst="can">
+            <a:avLst/>
+          </a:prstGeom>
+          <a:solidFill>
+            <a:schemeClr val="accent6"/>
+          </a:solidFill>
+          <a:ln w="6350">
+            <a:solidFill>
+              <a:schemeClr val="tx1"/>
+            </a:solidFill>
+          </a:ln>
+        </p:spPr>
+        <p:style>
+          <a:lnRef idx="2">
+            <a:schemeClr val="accent1">
+              <a:shade val="50000"/>
+            </a:schemeClr>
+          </a:lnRef>
+          <a:fillRef idx="1">
+            <a:schemeClr val="accent1"/>
+          </a:fillRef>
+          <a:effectRef idx="0">
+            <a:schemeClr val="accent1"/>
+          </a:effectRef>
+          <a:fontRef idx="minor">
+            <a:schemeClr val="lt1"/>
+          </a:fontRef>
+        </p:style>
+        <p:txBody>
+          <a:bodyPr rtlCol="0" anchor="ctr"/>
+          <a:lstStyle/>
+          <a:p>
+            <a:pPr algn="ctr"/>
+            <a:endParaRPr lang="en-US"/>
+          </a:p>
+        </p:txBody>
+      </p:sp>
+      <p:sp>
+        <p:nvSpPr>
+          <p:cNvPr id="10" name="Cylinder 9">
+            <a:extLst>
+              <a:ext uri="{FF2B5EF4-FFF2-40B4-BE49-F238E27FC236}">
+                <a16:creationId xmlns:a16="http://schemas.microsoft.com/office/drawing/2014/main" id="{C57F3A3C-CDCC-4171-977C-D19BDF4A45DE}"/>
+              </a:ext>
+            </a:extLst>
+          </p:cNvPr>
+          <p:cNvSpPr/>
+          <p:nvPr/>
+        </p:nvSpPr>
+        <p:spPr>
+          <a:xfrm>
+            <a:off x="9241360" y="2142720"/>
+            <a:ext cx="165256" cy="77842"/>
+          </a:xfrm>
+          <a:prstGeom prst="can">
+            <a:avLst/>
+          </a:prstGeom>
+          <a:solidFill>
+            <a:schemeClr val="accent6"/>
+          </a:solidFill>
+          <a:ln w="6350">
+            <a:solidFill>
+              <a:schemeClr val="tx1"/>
+            </a:solidFill>
+          </a:ln>
+        </p:spPr>
+        <p:style>
+          <a:lnRef idx="2">
+            <a:schemeClr val="accent1">
+              <a:shade val="50000"/>
+            </a:schemeClr>
+          </a:lnRef>
+          <a:fillRef idx="1">
+            <a:schemeClr val="accent1"/>
+          </a:fillRef>
+          <a:effectRef idx="0">
+            <a:schemeClr val="accent1"/>
+          </a:effectRef>
+          <a:fontRef idx="minor">
+            <a:schemeClr val="lt1"/>
+          </a:fontRef>
+        </p:style>
+        <p:txBody>
+          <a:bodyPr rtlCol="0" anchor="ctr"/>
+          <a:lstStyle/>
+          <a:p>
+            <a:pPr algn="ctr"/>
+            <a:endParaRPr lang="en-US"/>
+          </a:p>
+        </p:txBody>
+      </p:sp>
+      <p:sp>
+        <p:nvSpPr>
+          <p:cNvPr id="11" name="Cylinder 10">
+            <a:extLst>
+              <a:ext uri="{FF2B5EF4-FFF2-40B4-BE49-F238E27FC236}">
+                <a16:creationId xmlns:a16="http://schemas.microsoft.com/office/drawing/2014/main" id="{78B6FA44-E101-4559-AFC6-9CE118C2E8EE}"/>
+              </a:ext>
+            </a:extLst>
+          </p:cNvPr>
+          <p:cNvSpPr/>
+          <p:nvPr/>
+        </p:nvSpPr>
+        <p:spPr>
+          <a:xfrm>
+            <a:off x="8926778" y="2430534"/>
+            <a:ext cx="248374" cy="116994"/>
+          </a:xfrm>
+          <a:prstGeom prst="can">
+            <a:avLst/>
+          </a:prstGeom>
+          <a:solidFill>
+            <a:schemeClr val="accent6"/>
+          </a:solidFill>
+          <a:ln w="6350">
+            <a:solidFill>
+              <a:schemeClr val="tx1"/>
+            </a:solidFill>
+          </a:ln>
+        </p:spPr>
+        <p:style>
+          <a:lnRef idx="2">
+            <a:schemeClr val="accent1">
+              <a:shade val="50000"/>
+            </a:schemeClr>
+          </a:lnRef>
+          <a:fillRef idx="1">
+            <a:schemeClr val="accent1"/>
+          </a:fillRef>
+          <a:effectRef idx="0">
+            <a:schemeClr val="accent1"/>
+          </a:effectRef>
+          <a:fontRef idx="minor">
+            <a:schemeClr val="lt1"/>
+          </a:fontRef>
+        </p:style>
+        <p:txBody>
+          <a:bodyPr rtlCol="0" anchor="ctr"/>
+          <a:lstStyle/>
+          <a:p>
+            <a:pPr algn="ctr"/>
+            <a:endParaRPr lang="en-US"/>
+          </a:p>
+        </p:txBody>
+      </p:sp>
+      <p:sp>
+        <p:nvSpPr>
+          <p:cNvPr id="15" name="Cylinder 14">
+            <a:extLst>
+              <a:ext uri="{FF2B5EF4-FFF2-40B4-BE49-F238E27FC236}">
+                <a16:creationId xmlns:a16="http://schemas.microsoft.com/office/drawing/2014/main" id="{49FFC1BB-910B-4BDF-B264-7AE7907BDD2D}"/>
+              </a:ext>
+            </a:extLst>
+          </p:cNvPr>
+          <p:cNvSpPr/>
+          <p:nvPr/>
+        </p:nvSpPr>
+        <p:spPr>
+          <a:xfrm>
+            <a:off x="9550669" y="2066536"/>
+            <a:ext cx="88320" cy="45719"/>
+          </a:xfrm>
+          <a:prstGeom prst="can">
+            <a:avLst/>
+          </a:prstGeom>
+          <a:solidFill>
+            <a:srgbClr val="FF0000"/>
+          </a:solidFill>
+          <a:ln w="6350">
+            <a:solidFill>
+              <a:schemeClr val="tx1"/>
+            </a:solidFill>
+          </a:ln>
+        </p:spPr>
+        <p:style>
+          <a:lnRef idx="2">
+            <a:schemeClr val="accent1">
+              <a:shade val="50000"/>
+            </a:schemeClr>
+          </a:lnRef>
+          <a:fillRef idx="1">
+            <a:schemeClr val="accent1"/>
+          </a:fillRef>
+          <a:effectRef idx="0">
+            <a:schemeClr val="accent1"/>
+          </a:effectRef>
+          <a:fontRef idx="minor">
+            <a:schemeClr val="lt1"/>
+          </a:fontRef>
+        </p:style>
+        <p:txBody>
+          <a:bodyPr rtlCol="0" anchor="ctr"/>
+          <a:lstStyle/>
+          <a:p>
+            <a:pPr algn="ctr"/>
+            <a:endParaRPr lang="en-US"/>
+          </a:p>
+        </p:txBody>
+      </p:sp>
+      <p:sp>
+        <p:nvSpPr>
+          <p:cNvPr id="29" name="Speech Bubble: Rectangle 28">
+            <a:extLst>
+              <a:ext uri="{FF2B5EF4-FFF2-40B4-BE49-F238E27FC236}">
+                <a16:creationId xmlns:a16="http://schemas.microsoft.com/office/drawing/2014/main" id="{C1282B76-8847-4E87-AE3E-C992F8CB7839}"/>
+              </a:ext>
+            </a:extLst>
+          </p:cNvPr>
+          <p:cNvSpPr/>
+          <p:nvPr/>
+        </p:nvSpPr>
+        <p:spPr>
+          <a:xfrm>
+            <a:off x="6096000" y="966494"/>
+            <a:ext cx="2315633" cy="1646414"/>
+          </a:xfrm>
+          <a:prstGeom prst="wedgeRectCallout">
+            <a:avLst>
+              <a:gd name="adj1" fmla="val -17505"/>
+              <a:gd name="adj2" fmla="val 122347"/>
+            </a:avLst>
+          </a:prstGeom>
+          <a:solidFill>
+            <a:schemeClr val="bg1"/>
+          </a:solidFill>
+          <a:ln w="6350">
+            <a:solidFill>
+              <a:schemeClr val="tx2"/>
+            </a:solidFill>
+          </a:ln>
+        </p:spPr>
+        <p:style>
+          <a:lnRef idx="2">
+            <a:schemeClr val="accent1">
+              <a:shade val="50000"/>
+            </a:schemeClr>
+          </a:lnRef>
+          <a:fillRef idx="1">
+            <a:schemeClr val="accent1"/>
+          </a:fillRef>
+          <a:effectRef idx="0">
+            <a:schemeClr val="accent1"/>
+          </a:effectRef>
+          <a:fontRef idx="minor">
+            <a:schemeClr val="lt1"/>
+          </a:fontRef>
+        </p:style>
+        <p:txBody>
+          <a:bodyPr rtlCol="0" anchor="ctr"/>
+          <a:lstStyle/>
+          <a:p>
+            <a:pPr algn="ctr"/>
+            <a:endParaRPr lang="en-US"/>
+          </a:p>
+        </p:txBody>
+      </p:sp>
+      <p:grpSp>
+        <p:nvGrpSpPr>
+          <p:cNvPr id="143" name="Group 142">
+            <a:extLst>
+              <a:ext uri="{FF2B5EF4-FFF2-40B4-BE49-F238E27FC236}">
+                <a16:creationId xmlns:a16="http://schemas.microsoft.com/office/drawing/2014/main" id="{07599033-8A6D-4C1C-9F94-5141E73B772A}"/>
+              </a:ext>
+            </a:extLst>
+          </p:cNvPr>
+          <p:cNvGrpSpPr/>
+          <p:nvPr/>
+        </p:nvGrpSpPr>
+        <p:grpSpPr>
+          <a:xfrm>
+            <a:off x="2622550" y="2220562"/>
+            <a:ext cx="3373417" cy="1984298"/>
+            <a:chOff x="2622550" y="2220562"/>
+            <a:chExt cx="3373417" cy="1984298"/>
+          </a:xfrm>
+        </p:grpSpPr>
+        <p:sp>
+          <p:nvSpPr>
+            <p:cNvPr id="96" name="Rectangle: Diagonal Corners Rounded 95">
+              <a:extLst>
+                <a:ext uri="{FF2B5EF4-FFF2-40B4-BE49-F238E27FC236}">
+                  <a16:creationId xmlns:a16="http://schemas.microsoft.com/office/drawing/2014/main" id="{736F94F9-970D-48F7-979C-B1E727F40210}"/>
+                </a:ext>
+              </a:extLst>
+            </p:cNvPr>
+            <p:cNvSpPr/>
+            <p:nvPr/>
+          </p:nvSpPr>
+          <p:spPr>
+            <a:xfrm>
+              <a:off x="2622550" y="2220562"/>
+              <a:ext cx="3373417" cy="1984283"/>
+            </a:xfrm>
+            <a:prstGeom prst="round2DiagRect">
+              <a:avLst>
+                <a:gd name="adj1" fmla="val 8667"/>
+                <a:gd name="adj2" fmla="val 0"/>
+              </a:avLst>
+            </a:prstGeom>
+            <a:solidFill>
+              <a:schemeClr val="bg1"/>
+            </a:solidFill>
+            <a:ln w="9525">
+              <a:solidFill>
+                <a:schemeClr val="tx1"/>
+              </a:solidFill>
+            </a:ln>
+          </p:spPr>
+          <p:style>
+            <a:lnRef idx="3">
+              <a:schemeClr val="lt1"/>
+            </a:lnRef>
+            <a:fillRef idx="1">
+              <a:schemeClr val="accent5"/>
+            </a:fillRef>
+            <a:effectRef idx="1">
+              <a:schemeClr val="accent5"/>
+            </a:effectRef>
+            <a:fontRef idx="minor">
+              <a:schemeClr val="lt1"/>
+            </a:fontRef>
+          </p:style>
+          <p:txBody>
+            <a:bodyPr rtlCol="0" anchor="ctr"/>
+            <a:lstStyle/>
+            <a:p>
+              <a:pPr algn="ctr"/>
+              <a:endParaRPr lang="en-US"/>
+            </a:p>
+          </p:txBody>
+        </p:sp>
+        <p:grpSp>
+          <p:nvGrpSpPr>
+            <p:cNvPr id="41" name="Group 40">
+              <a:extLst>
+                <a:ext uri="{FF2B5EF4-FFF2-40B4-BE49-F238E27FC236}">
+                  <a16:creationId xmlns:a16="http://schemas.microsoft.com/office/drawing/2014/main" id="{A4F451BE-7FD8-46DC-8C02-B79E8C3CAA2B}"/>
+                </a:ext>
+              </a:extLst>
+            </p:cNvPr>
+            <p:cNvGrpSpPr/>
+            <p:nvPr/>
+          </p:nvGrpSpPr>
+          <p:grpSpPr>
+            <a:xfrm>
+              <a:off x="2753555" y="2279465"/>
+              <a:ext cx="798990" cy="1925395"/>
+              <a:chOff x="645579" y="1713653"/>
+              <a:chExt cx="798990" cy="1925395"/>
+            </a:xfrm>
+          </p:grpSpPr>
+          <p:grpSp>
+            <p:nvGrpSpPr>
+              <p:cNvPr id="40" name="Group 39">
+                <a:extLst>
+                  <a:ext uri="{FF2B5EF4-FFF2-40B4-BE49-F238E27FC236}">
+                    <a16:creationId xmlns:a16="http://schemas.microsoft.com/office/drawing/2014/main" id="{8849BEED-8AC8-4024-9EE2-3526062F0AC6}"/>
+                  </a:ext>
+                </a:extLst>
+              </p:cNvPr>
+              <p:cNvGrpSpPr/>
+              <p:nvPr/>
+            </p:nvGrpSpPr>
+            <p:grpSpPr>
+              <a:xfrm>
+                <a:off x="649013" y="1713653"/>
+                <a:ext cx="795556" cy="1625600"/>
+                <a:chOff x="649013" y="1713653"/>
+                <a:chExt cx="795556" cy="1625600"/>
+              </a:xfrm>
+            </p:grpSpPr>
+            <p:sp>
+              <p:nvSpPr>
+                <p:cNvPr id="30" name="Flowchart: Connector 29">
+                  <a:extLst>
+                    <a:ext uri="{FF2B5EF4-FFF2-40B4-BE49-F238E27FC236}">
+                      <a16:creationId xmlns:a16="http://schemas.microsoft.com/office/drawing/2014/main" id="{A3986CB1-1023-499A-A946-3A69CBE31C8F}"/>
+                    </a:ext>
+                  </a:extLst>
+                </p:cNvPr>
+                <p:cNvSpPr/>
+                <p:nvPr/>
+              </p:nvSpPr>
+              <p:spPr>
+                <a:xfrm>
+                  <a:off x="975357" y="3071839"/>
+                  <a:ext cx="116994" cy="116994"/>
+                </a:xfrm>
+                <a:prstGeom prst="flowChartConnector">
+                  <a:avLst/>
+                </a:prstGeom>
+              </p:spPr>
+              <p:style>
+                <a:lnRef idx="2">
+                  <a:schemeClr val="accent1">
+                    <a:shade val="50000"/>
+                  </a:schemeClr>
+                </a:lnRef>
+                <a:fillRef idx="1">
+                  <a:schemeClr val="accent1"/>
+                </a:fillRef>
+                <a:effectRef idx="0">
+                  <a:schemeClr val="accent1"/>
+                </a:effectRef>
+                <a:fontRef idx="minor">
+                  <a:schemeClr val="lt1"/>
+                </a:fontRef>
+              </p:style>
+              <p:txBody>
+                <a:bodyPr rtlCol="0" anchor="ctr"/>
+                <a:lstStyle/>
+                <a:p>
+                  <a:pPr algn="ctr"/>
+                  <a:endParaRPr lang="en-US"/>
+                </a:p>
+              </p:txBody>
+            </p:sp>
+            <p:sp>
+              <p:nvSpPr>
+                <p:cNvPr id="31" name="Flowchart: Connector 30">
+                  <a:extLst>
+                    <a:ext uri="{FF2B5EF4-FFF2-40B4-BE49-F238E27FC236}">
+                      <a16:creationId xmlns:a16="http://schemas.microsoft.com/office/drawing/2014/main" id="{8D5C25D5-6062-4C1C-99EC-DD05D41B38E0}"/>
+                    </a:ext>
+                  </a:extLst>
+                </p:cNvPr>
+                <p:cNvSpPr/>
+                <p:nvPr/>
+              </p:nvSpPr>
+              <p:spPr>
+                <a:xfrm>
+                  <a:off x="1068342" y="2805202"/>
+                  <a:ext cx="116994" cy="116994"/>
+                </a:xfrm>
+                <a:prstGeom prst="flowChartConnector">
+                  <a:avLst/>
+                </a:prstGeom>
+                <a:solidFill>
+                  <a:srgbClr val="7030A0"/>
+                </a:solidFill>
+              </p:spPr>
+              <p:style>
+                <a:lnRef idx="2">
+                  <a:schemeClr val="accent1">
+                    <a:shade val="50000"/>
+                  </a:schemeClr>
+                </a:lnRef>
+                <a:fillRef idx="1">
+                  <a:schemeClr val="accent1"/>
+                </a:fillRef>
+                <a:effectRef idx="0">
+                  <a:schemeClr val="accent1"/>
+                </a:effectRef>
+                <a:fontRef idx="minor">
+                  <a:schemeClr val="lt1"/>
+                </a:fontRef>
+              </p:style>
+              <p:txBody>
+                <a:bodyPr rtlCol="0" anchor="ctr"/>
+                <a:lstStyle/>
+                <a:p>
+                  <a:pPr algn="ctr"/>
+                  <a:endParaRPr lang="en-US"/>
+                </a:p>
+              </p:txBody>
+            </p:sp>
+            <p:sp>
+              <p:nvSpPr>
+                <p:cNvPr id="36" name="Rectangle 35">
+                  <a:extLst>
+                    <a:ext uri="{FF2B5EF4-FFF2-40B4-BE49-F238E27FC236}">
+                      <a16:creationId xmlns:a16="http://schemas.microsoft.com/office/drawing/2014/main" id="{F96EDC97-EAB9-424A-A031-4D6C3EFED4AD}"/>
+                    </a:ext>
+                  </a:extLst>
+                </p:cNvPr>
+                <p:cNvSpPr/>
+                <p:nvPr/>
+              </p:nvSpPr>
+              <p:spPr>
+                <a:xfrm>
+                  <a:off x="649013" y="1713653"/>
+                  <a:ext cx="795556" cy="1625600"/>
+                </a:xfrm>
+                <a:prstGeom prst="rect">
+                  <a:avLst/>
+                </a:prstGeom>
+                <a:noFill/>
+                <a:ln w="6350">
+                  <a:solidFill>
+                    <a:schemeClr val="tx1"/>
+                  </a:solidFill>
+                </a:ln>
+              </p:spPr>
+              <p:style>
+                <a:lnRef idx="2">
+                  <a:schemeClr val="accent1">
+                    <a:shade val="50000"/>
+                  </a:schemeClr>
+                </a:lnRef>
+                <a:fillRef idx="1">
+                  <a:schemeClr val="accent1"/>
+                </a:fillRef>
+                <a:effectRef idx="0">
+                  <a:schemeClr val="accent1"/>
+                </a:effectRef>
+                <a:fontRef idx="minor">
+                  <a:schemeClr val="lt1"/>
+                </a:fontRef>
+              </p:style>
+              <p:txBody>
+                <a:bodyPr rtlCol="0" anchor="ctr"/>
+                <a:lstStyle/>
+                <a:p>
+                  <a:pPr algn="ctr"/>
+                  <a:endParaRPr lang="en-US"/>
+                </a:p>
+              </p:txBody>
+            </p:sp>
+          </p:grpSp>
+          <mc:AlternateContent xmlns:mc="http://schemas.openxmlformats.org/markup-compatibility/2006">
+            <mc:Choice xmlns:a14="http://schemas.microsoft.com/office/drawing/2010/main" Requires="a14">
+              <p:sp>
+                <p:nvSpPr>
+                  <p:cNvPr id="39" name="TextBox 38">
+                    <a:extLst>
+                      <a:ext uri="{FF2B5EF4-FFF2-40B4-BE49-F238E27FC236}">
+                        <a16:creationId xmlns:a16="http://schemas.microsoft.com/office/drawing/2014/main" id="{C312B2A4-04E2-41DF-81C9-D4001FC7C40F}"/>
+                      </a:ext>
+                    </a:extLst>
+                  </p:cNvPr>
+                  <p:cNvSpPr txBox="1"/>
+                  <p:nvPr/>
+                </p:nvSpPr>
+                <p:spPr>
+                  <a:xfrm>
+                    <a:off x="645579" y="3300494"/>
+                    <a:ext cx="798989" cy="338554"/>
+                  </a:xfrm>
+                  <a:prstGeom prst="rect">
+                    <a:avLst/>
+                  </a:prstGeom>
+                  <a:noFill/>
+                </p:spPr>
+                <p:txBody>
+                  <a:bodyPr wrap="square" rtlCol="0">
+                    <a:spAutoFit/>
+                  </a:bodyPr>
+                  <a:lstStyle/>
+                  <a:p>
+                    <a:pPr/>
+                    <a14:m>
+                      <m:oMathPara xmlns:m="http://schemas.openxmlformats.org/officeDocument/2006/math">
+                        <m:oMathParaPr>
+                          <m:jc m:val="center"/>
+                        </m:oMathParaPr>
+                        <m:oMath xmlns:m="http://schemas.openxmlformats.org/officeDocument/2006/math">
+                          <m:r>
+                            <a:rPr lang="en-US" sz="1600" b="0" i="1" spc="-150" smtClean="0">
+                              <a:latin typeface="Cambria Math" panose="02040503050406030204" pitchFamily="18" charset="0"/>
+                            </a:rPr>
+                            <m:t>h</m:t>
+                          </m:r>
+                          <m:r>
+                            <a:rPr lang="en-US" sz="1600" b="0" i="1" spc="-150" smtClean="0">
+                              <a:latin typeface="Cambria Math" panose="02040503050406030204" pitchFamily="18" charset="0"/>
+                            </a:rPr>
+                            <m:t>(</m:t>
+                          </m:r>
+                          <m:r>
+                            <a:rPr lang="en-US" sz="1600" b="0" i="1" spc="-150" smtClean="0">
+                              <a:latin typeface="Cambria Math" panose="02040503050406030204" pitchFamily="18" charset="0"/>
+                            </a:rPr>
+                            <m:t>𝑡</m:t>
+                          </m:r>
+                          <m:r>
+                            <a:rPr lang="en-US" sz="1600" b="0" i="1" spc="-150" smtClean="0">
+                              <a:latin typeface="Cambria Math" panose="02040503050406030204" pitchFamily="18" charset="0"/>
+                            </a:rPr>
+                            <m:t>−</m:t>
+                          </m:r>
+                          <m:r>
+                            <a:rPr lang="en-US" sz="1600" b="0" i="1" spc="-150" smtClean="0">
+                              <a:latin typeface="Cambria Math" panose="02040503050406030204" pitchFamily="18" charset="0"/>
+                            </a:rPr>
+                            <m:t>𝜏</m:t>
+                          </m:r>
+                          <m:r>
+                            <a:rPr lang="en-US" sz="1600" b="0" i="1" spc="-150" smtClean="0">
+                              <a:latin typeface="Cambria Math" panose="02040503050406030204" pitchFamily="18" charset="0"/>
+                            </a:rPr>
+                            <m:t>)</m:t>
+                          </m:r>
+                        </m:oMath>
+                      </m:oMathPara>
+                    </a14:m>
+                    <a:endParaRPr lang="en-US" sz="1600" spc="-150" dirty="0"/>
+                  </a:p>
+                </p:txBody>
+              </p:sp>
+            </mc:Choice>
+            <mc:Fallback>
+              <p:sp>
+                <p:nvSpPr>
+                  <p:cNvPr id="39" name="TextBox 38">
+                    <a:extLst>
+                      <a:ext uri="{FF2B5EF4-FFF2-40B4-BE49-F238E27FC236}">
+                        <a16:creationId xmlns:a16="http://schemas.microsoft.com/office/drawing/2014/main" id="{C312B2A4-04E2-41DF-81C9-D4001FC7C40F}"/>
+                      </a:ext>
+                    </a:extLst>
+                  </p:cNvPr>
+                  <p:cNvSpPr txBox="1">
+                    <a:spLocks noRot="1" noChangeAspect="1" noMove="1" noResize="1" noEditPoints="1" noAdjustHandles="1" noChangeArrowheads="1" noChangeShapeType="1" noTextEdit="1"/>
+                  </p:cNvSpPr>
+                  <p:nvPr/>
+                </p:nvSpPr>
+                <p:spPr>
+                  <a:xfrm>
+                    <a:off x="645579" y="3300494"/>
+                    <a:ext cx="798989" cy="338554"/>
+                  </a:xfrm>
+                  <a:prstGeom prst="rect">
+                    <a:avLst/>
+                  </a:prstGeom>
+                  <a:blipFill>
+                    <a:blip r:embed="rId2"/>
+                    <a:stretch>
+                      <a:fillRect b="-8929"/>
+                    </a:stretch>
+                  </a:blipFill>
+                </p:spPr>
+                <p:txBody>
+                  <a:bodyPr/>
+                  <a:lstStyle/>
+                  <a:p>
+                    <a:r>
+                      <a:rPr lang="en-US">
+                        <a:noFill/>
+                      </a:rPr>
+                      <a:t> </a:t>
+                    </a:r>
+                  </a:p>
+                </p:txBody>
+              </p:sp>
+            </mc:Fallback>
+          </mc:AlternateContent>
+        </p:grpSp>
+        <p:grpSp>
+          <p:nvGrpSpPr>
+            <p:cNvPr id="42" name="Group 41">
+              <a:extLst>
+                <a:ext uri="{FF2B5EF4-FFF2-40B4-BE49-F238E27FC236}">
+                  <a16:creationId xmlns:a16="http://schemas.microsoft.com/office/drawing/2014/main" id="{D4A98DF9-72A3-407B-AF08-E4AB959E26D2}"/>
+                </a:ext>
+              </a:extLst>
+            </p:cNvPr>
+            <p:cNvGrpSpPr/>
+            <p:nvPr/>
+          </p:nvGrpSpPr>
+          <p:grpSpPr>
+            <a:xfrm>
+              <a:off x="4081433" y="2279465"/>
+              <a:ext cx="808064" cy="1925395"/>
+              <a:chOff x="645580" y="1713653"/>
+              <a:chExt cx="808064" cy="1925395"/>
+            </a:xfrm>
+          </p:grpSpPr>
+          <p:grpSp>
+            <p:nvGrpSpPr>
+              <p:cNvPr id="43" name="Group 42">
+                <a:extLst>
+                  <a:ext uri="{FF2B5EF4-FFF2-40B4-BE49-F238E27FC236}">
+                    <a16:creationId xmlns:a16="http://schemas.microsoft.com/office/drawing/2014/main" id="{A19DE75F-071D-4D6F-AFF8-5698E9ADE0B3}"/>
+                  </a:ext>
+                </a:extLst>
+              </p:cNvPr>
+              <p:cNvGrpSpPr/>
+              <p:nvPr/>
+            </p:nvGrpSpPr>
+            <p:grpSpPr>
+              <a:xfrm>
+                <a:off x="649013" y="1713653"/>
+                <a:ext cx="795556" cy="1625600"/>
+                <a:chOff x="649013" y="1713653"/>
+                <a:chExt cx="795556" cy="1625600"/>
+              </a:xfrm>
+            </p:grpSpPr>
+            <p:sp>
+              <p:nvSpPr>
+                <p:cNvPr id="45" name="Flowchart: Connector 44">
+                  <a:extLst>
+                    <a:ext uri="{FF2B5EF4-FFF2-40B4-BE49-F238E27FC236}">
+                      <a16:creationId xmlns:a16="http://schemas.microsoft.com/office/drawing/2014/main" id="{5B6D457B-4CAA-456C-BD0C-05D477F06F67}"/>
+                    </a:ext>
+                  </a:extLst>
+                </p:cNvPr>
+                <p:cNvSpPr/>
+                <p:nvPr/>
+              </p:nvSpPr>
+              <p:spPr>
+                <a:xfrm>
+                  <a:off x="955043" y="3071839"/>
+                  <a:ext cx="116994" cy="116994"/>
+                </a:xfrm>
+                <a:prstGeom prst="flowChartConnector">
+                  <a:avLst/>
+                </a:prstGeom>
+              </p:spPr>
+              <p:style>
+                <a:lnRef idx="2">
+                  <a:schemeClr val="accent1">
+                    <a:shade val="50000"/>
+                  </a:schemeClr>
+                </a:lnRef>
+                <a:fillRef idx="1">
+                  <a:schemeClr val="accent1"/>
+                </a:fillRef>
+                <a:effectRef idx="0">
+                  <a:schemeClr val="accent1"/>
+                </a:effectRef>
+                <a:fontRef idx="minor">
+                  <a:schemeClr val="lt1"/>
+                </a:fontRef>
+              </p:style>
+              <p:txBody>
+                <a:bodyPr rtlCol="0" anchor="ctr"/>
+                <a:lstStyle/>
+                <a:p>
+                  <a:pPr algn="ctr"/>
+                  <a:endParaRPr lang="en-US"/>
+                </a:p>
+              </p:txBody>
+            </p:sp>
+            <p:sp>
+              <p:nvSpPr>
+                <p:cNvPr id="46" name="Flowchart: Connector 45">
+                  <a:extLst>
+                    <a:ext uri="{FF2B5EF4-FFF2-40B4-BE49-F238E27FC236}">
+                      <a16:creationId xmlns:a16="http://schemas.microsoft.com/office/drawing/2014/main" id="{3119E0D6-93B3-4318-9F80-F0F50E21F8B4}"/>
+                    </a:ext>
+                  </a:extLst>
+                </p:cNvPr>
+                <p:cNvSpPr/>
+                <p:nvPr/>
+              </p:nvSpPr>
+              <p:spPr>
+                <a:xfrm>
+                  <a:off x="831273" y="2791656"/>
+                  <a:ext cx="116994" cy="116994"/>
+                </a:xfrm>
+                <a:prstGeom prst="flowChartConnector">
+                  <a:avLst/>
+                </a:prstGeom>
+                <a:solidFill>
+                  <a:srgbClr val="7030A0"/>
+                </a:solidFill>
+              </p:spPr>
+              <p:style>
+                <a:lnRef idx="2">
+                  <a:schemeClr val="accent1">
+                    <a:shade val="50000"/>
+                  </a:schemeClr>
+                </a:lnRef>
+                <a:fillRef idx="1">
+                  <a:schemeClr val="accent1"/>
+                </a:fillRef>
+                <a:effectRef idx="0">
+                  <a:schemeClr val="accent1"/>
+                </a:effectRef>
+                <a:fontRef idx="minor">
+                  <a:schemeClr val="lt1"/>
+                </a:fontRef>
+              </p:style>
+              <p:txBody>
+                <a:bodyPr rtlCol="0" anchor="ctr"/>
+                <a:lstStyle/>
+                <a:p>
+                  <a:pPr algn="ctr"/>
+                  <a:endParaRPr lang="en-US" dirty="0"/>
+                </a:p>
+              </p:txBody>
+            </p:sp>
+            <p:sp>
+              <p:nvSpPr>
+                <p:cNvPr id="51" name="Rectangle 50">
+                  <a:extLst>
+                    <a:ext uri="{FF2B5EF4-FFF2-40B4-BE49-F238E27FC236}">
+                      <a16:creationId xmlns:a16="http://schemas.microsoft.com/office/drawing/2014/main" id="{47B20648-C1A4-4E40-9332-C9A0BC176EAD}"/>
+                    </a:ext>
+                  </a:extLst>
+                </p:cNvPr>
+                <p:cNvSpPr/>
+                <p:nvPr/>
+              </p:nvSpPr>
+              <p:spPr>
+                <a:xfrm>
+                  <a:off x="649013" y="1713653"/>
+                  <a:ext cx="795556" cy="1625600"/>
+                </a:xfrm>
+                <a:prstGeom prst="rect">
+                  <a:avLst/>
+                </a:prstGeom>
+                <a:noFill/>
+                <a:ln w="6350">
+                  <a:solidFill>
+                    <a:schemeClr val="tx1"/>
+                  </a:solidFill>
+                </a:ln>
+              </p:spPr>
+              <p:style>
+                <a:lnRef idx="2">
+                  <a:schemeClr val="accent1">
+                    <a:shade val="50000"/>
+                  </a:schemeClr>
+                </a:lnRef>
+                <a:fillRef idx="1">
+                  <a:schemeClr val="accent1"/>
+                </a:fillRef>
+                <a:effectRef idx="0">
+                  <a:schemeClr val="accent1"/>
+                </a:effectRef>
+                <a:fontRef idx="minor">
+                  <a:schemeClr val="lt1"/>
+                </a:fontRef>
+              </p:style>
+              <p:txBody>
+                <a:bodyPr rtlCol="0" anchor="ctr"/>
+                <a:lstStyle/>
+                <a:p>
+                  <a:pPr algn="ctr"/>
+                  <a:endParaRPr lang="en-US"/>
+                </a:p>
+              </p:txBody>
+            </p:sp>
+          </p:grpSp>
+          <mc:AlternateContent xmlns:mc="http://schemas.openxmlformats.org/markup-compatibility/2006">
+            <mc:Choice xmlns:a14="http://schemas.microsoft.com/office/drawing/2010/main" Requires="a14">
+              <p:sp>
+                <p:nvSpPr>
+                  <p:cNvPr id="44" name="TextBox 43">
+                    <a:extLst>
+                      <a:ext uri="{FF2B5EF4-FFF2-40B4-BE49-F238E27FC236}">
+                        <a16:creationId xmlns:a16="http://schemas.microsoft.com/office/drawing/2014/main" id="{4F10C286-AFAC-482E-95C5-E734CEC2E9E5}"/>
+                      </a:ext>
+                    </a:extLst>
+                  </p:cNvPr>
+                  <p:cNvSpPr txBox="1"/>
+                  <p:nvPr/>
+                </p:nvSpPr>
+                <p:spPr>
+                  <a:xfrm>
+                    <a:off x="645580" y="3300494"/>
+                    <a:ext cx="808064" cy="338554"/>
+                  </a:xfrm>
+                  <a:prstGeom prst="rect">
+                    <a:avLst/>
+                  </a:prstGeom>
+                  <a:noFill/>
+                </p:spPr>
+                <p:txBody>
+                  <a:bodyPr wrap="square" rtlCol="0">
+                    <a:spAutoFit/>
+                  </a:bodyPr>
+                  <a:lstStyle/>
+                  <a:p>
+                    <a:pPr algn="ctr"/>
+                    <a14:m>
+                      <m:oMathPara xmlns:m="http://schemas.openxmlformats.org/officeDocument/2006/math">
+                        <m:oMathParaPr>
+                          <m:jc m:val="centerGroup"/>
+                        </m:oMathParaPr>
+                        <m:oMath xmlns:m="http://schemas.openxmlformats.org/officeDocument/2006/math">
+                          <m:r>
+                            <a:rPr lang="en-US" sz="1600" b="0" i="1" spc="-150" smtClean="0">
+                              <a:latin typeface="Cambria Math" panose="02040503050406030204" pitchFamily="18" charset="0"/>
+                            </a:rPr>
+                            <m:t>h</m:t>
+                          </m:r>
+                          <m:r>
+                            <a:rPr lang="en-US" sz="1600" b="0" i="1" spc="-150" smtClean="0">
+                              <a:latin typeface="Cambria Math" panose="02040503050406030204" pitchFamily="18" charset="0"/>
+                            </a:rPr>
+                            <m:t>(</m:t>
+                          </m:r>
+                          <m:r>
+                            <a:rPr lang="en-US" sz="1600" b="0" i="1" spc="-150" smtClean="0">
+                              <a:latin typeface="Cambria Math" panose="02040503050406030204" pitchFamily="18" charset="0"/>
+                            </a:rPr>
+                            <m:t>𝑡</m:t>
+                          </m:r>
+                          <m:r>
+                            <a:rPr lang="en-US" sz="1600" b="0" i="1" spc="-150" smtClean="0">
+                              <a:latin typeface="Cambria Math" panose="02040503050406030204" pitchFamily="18" charset="0"/>
+                            </a:rPr>
+                            <m:t>−3)</m:t>
+                          </m:r>
+                        </m:oMath>
+                      </m:oMathPara>
+                    </a14:m>
+                    <a:endParaRPr lang="en-US" sz="1600" spc="-150" dirty="0"/>
+                  </a:p>
+                </p:txBody>
+              </p:sp>
+            </mc:Choice>
+            <mc:Fallback>
+              <p:sp>
+                <p:nvSpPr>
+                  <p:cNvPr id="44" name="TextBox 43">
+                    <a:extLst>
+                      <a:ext uri="{FF2B5EF4-FFF2-40B4-BE49-F238E27FC236}">
+                        <a16:creationId xmlns:a16="http://schemas.microsoft.com/office/drawing/2014/main" id="{4F10C286-AFAC-482E-95C5-E734CEC2E9E5}"/>
+                      </a:ext>
+                    </a:extLst>
+                  </p:cNvPr>
+                  <p:cNvSpPr txBox="1">
+                    <a:spLocks noRot="1" noChangeAspect="1" noMove="1" noResize="1" noEditPoints="1" noAdjustHandles="1" noChangeArrowheads="1" noChangeShapeType="1" noTextEdit="1"/>
+                  </p:cNvSpPr>
+                  <p:nvPr/>
+                </p:nvSpPr>
+                <p:spPr>
+                  <a:xfrm>
+                    <a:off x="645580" y="3300494"/>
+                    <a:ext cx="808064" cy="338554"/>
+                  </a:xfrm>
+                  <a:prstGeom prst="rect">
+                    <a:avLst/>
+                  </a:prstGeom>
+                  <a:blipFill>
+                    <a:blip r:embed="rId3"/>
+                    <a:stretch>
+                      <a:fillRect b="-8929"/>
+                    </a:stretch>
+                  </a:blipFill>
+                </p:spPr>
+                <p:txBody>
+                  <a:bodyPr/>
+                  <a:lstStyle/>
+                  <a:p>
+                    <a:r>
+                      <a:rPr lang="en-US">
+                        <a:noFill/>
+                      </a:rPr>
+                      <a:t> </a:t>
+                    </a:r>
+                  </a:p>
+                </p:txBody>
+              </p:sp>
+            </mc:Fallback>
+          </mc:AlternateContent>
+        </p:grpSp>
+        <p:grpSp>
+          <p:nvGrpSpPr>
+            <p:cNvPr id="52" name="Group 51">
+              <a:extLst>
+                <a:ext uri="{FF2B5EF4-FFF2-40B4-BE49-F238E27FC236}">
+                  <a16:creationId xmlns:a16="http://schemas.microsoft.com/office/drawing/2014/main" id="{78998E6D-E38C-4A18-98A4-28ECE3E2C52C}"/>
+                </a:ext>
+              </a:extLst>
+            </p:cNvPr>
+            <p:cNvGrpSpPr/>
+            <p:nvPr/>
+          </p:nvGrpSpPr>
+          <p:grpSpPr>
+            <a:xfrm>
+              <a:off x="5082389" y="2279465"/>
+              <a:ext cx="808064" cy="1925395"/>
+              <a:chOff x="649013" y="1713653"/>
+              <a:chExt cx="808064" cy="1925395"/>
+            </a:xfrm>
+          </p:grpSpPr>
+          <p:grpSp>
+            <p:nvGrpSpPr>
+              <p:cNvPr id="53" name="Group 52">
+                <a:extLst>
+                  <a:ext uri="{FF2B5EF4-FFF2-40B4-BE49-F238E27FC236}">
+                    <a16:creationId xmlns:a16="http://schemas.microsoft.com/office/drawing/2014/main" id="{D52E7ACB-16E5-40BA-98C2-A1A346FD3355}"/>
+                  </a:ext>
+                </a:extLst>
+              </p:cNvPr>
+              <p:cNvGrpSpPr/>
+              <p:nvPr/>
+            </p:nvGrpSpPr>
+            <p:grpSpPr>
+              <a:xfrm>
+                <a:off x="649013" y="1713653"/>
+                <a:ext cx="795556" cy="1625600"/>
+                <a:chOff x="649013" y="1713653"/>
+                <a:chExt cx="795556" cy="1625600"/>
+              </a:xfrm>
+            </p:grpSpPr>
+            <p:sp>
+              <p:nvSpPr>
+                <p:cNvPr id="55" name="Flowchart: Connector 54">
+                  <a:extLst>
+                    <a:ext uri="{FF2B5EF4-FFF2-40B4-BE49-F238E27FC236}">
+                      <a16:creationId xmlns:a16="http://schemas.microsoft.com/office/drawing/2014/main" id="{8569055F-31F1-4E71-94D2-9AF986A71436}"/>
+                    </a:ext>
+                  </a:extLst>
+                </p:cNvPr>
+                <p:cNvSpPr/>
+                <p:nvPr/>
+              </p:nvSpPr>
+              <p:spPr>
+                <a:xfrm>
+                  <a:off x="982134" y="3071839"/>
+                  <a:ext cx="116994" cy="116994"/>
+                </a:xfrm>
+                <a:prstGeom prst="flowChartConnector">
+                  <a:avLst/>
+                </a:prstGeom>
+              </p:spPr>
+              <p:style>
+                <a:lnRef idx="2">
+                  <a:schemeClr val="accent1">
+                    <a:shade val="50000"/>
+                  </a:schemeClr>
+                </a:lnRef>
+                <a:fillRef idx="1">
+                  <a:schemeClr val="accent1"/>
+                </a:fillRef>
+                <a:effectRef idx="0">
+                  <a:schemeClr val="accent1"/>
+                </a:effectRef>
+                <a:fontRef idx="minor">
+                  <a:schemeClr val="lt1"/>
+                </a:fontRef>
+              </p:style>
+              <p:txBody>
+                <a:bodyPr rtlCol="0" anchor="ctr"/>
+                <a:lstStyle/>
+                <a:p>
+                  <a:pPr algn="ctr"/>
+                  <a:endParaRPr lang="en-US"/>
+                </a:p>
+              </p:txBody>
+            </p:sp>
+            <p:sp>
+              <p:nvSpPr>
+                <p:cNvPr id="56" name="Flowchart: Connector 55">
+                  <a:extLst>
+                    <a:ext uri="{FF2B5EF4-FFF2-40B4-BE49-F238E27FC236}">
+                      <a16:creationId xmlns:a16="http://schemas.microsoft.com/office/drawing/2014/main" id="{C8C6FED8-744C-4E1D-8D58-D07701B3E4D5}"/>
+                    </a:ext>
+                  </a:extLst>
+                </p:cNvPr>
+                <p:cNvSpPr/>
+                <p:nvPr/>
+              </p:nvSpPr>
+              <p:spPr>
+                <a:xfrm>
+                  <a:off x="851590" y="2791656"/>
+                  <a:ext cx="116994" cy="116994"/>
+                </a:xfrm>
+                <a:prstGeom prst="flowChartConnector">
+                  <a:avLst/>
+                </a:prstGeom>
+                <a:solidFill>
+                  <a:srgbClr val="7030A0"/>
+                </a:solidFill>
+              </p:spPr>
+              <p:style>
+                <a:lnRef idx="2">
+                  <a:schemeClr val="accent1">
+                    <a:shade val="50000"/>
+                  </a:schemeClr>
+                </a:lnRef>
+                <a:fillRef idx="1">
+                  <a:schemeClr val="accent1"/>
+                </a:fillRef>
+                <a:effectRef idx="0">
+                  <a:schemeClr val="accent1"/>
+                </a:effectRef>
+                <a:fontRef idx="minor">
+                  <a:schemeClr val="lt1"/>
+                </a:fontRef>
+              </p:style>
+              <p:txBody>
+                <a:bodyPr rtlCol="0" anchor="ctr"/>
+                <a:lstStyle/>
+                <a:p>
+                  <a:pPr algn="ctr"/>
+                  <a:endParaRPr lang="en-US"/>
+                </a:p>
+              </p:txBody>
+            </p:sp>
+            <p:sp>
+              <p:nvSpPr>
+                <p:cNvPr id="61" name="Rectangle 60">
+                  <a:extLst>
+                    <a:ext uri="{FF2B5EF4-FFF2-40B4-BE49-F238E27FC236}">
+                      <a16:creationId xmlns:a16="http://schemas.microsoft.com/office/drawing/2014/main" id="{C22746A9-A923-4CC4-B362-251DE06A7CB4}"/>
+                    </a:ext>
+                  </a:extLst>
+                </p:cNvPr>
+                <p:cNvSpPr/>
+                <p:nvPr/>
+              </p:nvSpPr>
+              <p:spPr>
+                <a:xfrm>
+                  <a:off x="649013" y="1713653"/>
+                  <a:ext cx="795556" cy="1625600"/>
+                </a:xfrm>
+                <a:prstGeom prst="rect">
+                  <a:avLst/>
+                </a:prstGeom>
+                <a:noFill/>
+                <a:ln w="6350">
+                  <a:solidFill>
+                    <a:schemeClr val="tx1"/>
+                  </a:solidFill>
+                </a:ln>
+              </p:spPr>
+              <p:style>
+                <a:lnRef idx="2">
+                  <a:schemeClr val="accent1">
+                    <a:shade val="50000"/>
+                  </a:schemeClr>
+                </a:lnRef>
+                <a:fillRef idx="1">
+                  <a:schemeClr val="accent1"/>
+                </a:fillRef>
+                <a:effectRef idx="0">
+                  <a:schemeClr val="accent1"/>
+                </a:effectRef>
+                <a:fontRef idx="minor">
+                  <a:schemeClr val="lt1"/>
+                </a:fontRef>
+              </p:style>
+              <p:txBody>
+                <a:bodyPr rtlCol="0" anchor="ctr"/>
+                <a:lstStyle/>
+                <a:p>
+                  <a:pPr algn="ctr"/>
+                  <a:endParaRPr lang="en-US"/>
+                </a:p>
+              </p:txBody>
+            </p:sp>
+          </p:grpSp>
+          <mc:AlternateContent xmlns:mc="http://schemas.openxmlformats.org/markup-compatibility/2006">
+            <mc:Choice xmlns:a14="http://schemas.microsoft.com/office/drawing/2010/main" Requires="a14">
+              <p:sp>
+                <p:nvSpPr>
+                  <p:cNvPr id="54" name="TextBox 53">
+                    <a:extLst>
+                      <a:ext uri="{FF2B5EF4-FFF2-40B4-BE49-F238E27FC236}">
+                        <a16:creationId xmlns:a16="http://schemas.microsoft.com/office/drawing/2014/main" id="{C1F4DA63-10E5-46EB-9BEA-E094ADA570DE}"/>
+                      </a:ext>
+                    </a:extLst>
+                  </p:cNvPr>
+                  <p:cNvSpPr txBox="1"/>
+                  <p:nvPr/>
+                </p:nvSpPr>
+                <p:spPr>
+                  <a:xfrm>
+                    <a:off x="649013" y="3300494"/>
+                    <a:ext cx="808064" cy="338554"/>
+                  </a:xfrm>
+                  <a:prstGeom prst="rect">
+                    <a:avLst/>
+                  </a:prstGeom>
+                  <a:noFill/>
+                </p:spPr>
+                <p:txBody>
+                  <a:bodyPr wrap="square" rtlCol="0">
+                    <a:spAutoFit/>
+                  </a:bodyPr>
+                  <a:lstStyle/>
+                  <a:p>
+                    <a:pPr/>
+                    <a14:m>
+                      <m:oMathPara xmlns:m="http://schemas.openxmlformats.org/officeDocument/2006/math">
+                        <m:oMathParaPr>
+                          <m:jc m:val="center"/>
+                        </m:oMathParaPr>
+                        <m:oMath xmlns:m="http://schemas.openxmlformats.org/officeDocument/2006/math">
+                          <m:r>
+                            <a:rPr lang="en-US" sz="1600" b="0" i="1" spc="-150" smtClean="0">
+                              <a:latin typeface="Cambria Math" panose="02040503050406030204" pitchFamily="18" charset="0"/>
+                            </a:rPr>
+                            <m:t>h</m:t>
+                          </m:r>
+                          <m:r>
+                            <a:rPr lang="en-US" sz="1600" b="0" i="1" spc="-150" smtClean="0">
+                              <a:latin typeface="Cambria Math" panose="02040503050406030204" pitchFamily="18" charset="0"/>
+                            </a:rPr>
+                            <m:t>(</m:t>
+                          </m:r>
+                          <m:r>
+                            <a:rPr lang="en-US" sz="1600" b="0" i="1" spc="-150" smtClean="0">
+                              <a:latin typeface="Cambria Math" panose="02040503050406030204" pitchFamily="18" charset="0"/>
+                            </a:rPr>
+                            <m:t>𝑡</m:t>
+                          </m:r>
+                          <m:r>
+                            <a:rPr lang="en-US" sz="1600" b="0" i="1" spc="-150" smtClean="0">
+                              <a:latin typeface="Cambria Math" panose="02040503050406030204" pitchFamily="18" charset="0"/>
+                            </a:rPr>
+                            <m:t>−2)</m:t>
+                          </m:r>
+                        </m:oMath>
+                      </m:oMathPara>
+                    </a14:m>
+                    <a:endParaRPr lang="en-US" sz="1600" spc="-150" dirty="0"/>
+                  </a:p>
+                </p:txBody>
+              </p:sp>
+            </mc:Choice>
+            <mc:Fallback>
+              <p:sp>
+                <p:nvSpPr>
+                  <p:cNvPr id="54" name="TextBox 53">
+                    <a:extLst>
+                      <a:ext uri="{FF2B5EF4-FFF2-40B4-BE49-F238E27FC236}">
+                        <a16:creationId xmlns:a16="http://schemas.microsoft.com/office/drawing/2014/main" id="{C1F4DA63-10E5-46EB-9BEA-E094ADA570DE}"/>
+                      </a:ext>
+                    </a:extLst>
+                  </p:cNvPr>
+                  <p:cNvSpPr txBox="1">
+                    <a:spLocks noRot="1" noChangeAspect="1" noMove="1" noResize="1" noEditPoints="1" noAdjustHandles="1" noChangeArrowheads="1" noChangeShapeType="1" noTextEdit="1"/>
+                  </p:cNvSpPr>
+                  <p:nvPr/>
+                </p:nvSpPr>
+                <p:spPr>
+                  <a:xfrm>
+                    <a:off x="649013" y="3300494"/>
+                    <a:ext cx="808064" cy="338554"/>
+                  </a:xfrm>
+                  <a:prstGeom prst="rect">
+                    <a:avLst/>
+                  </a:prstGeom>
+                  <a:blipFill>
+                    <a:blip r:embed="rId4"/>
+                    <a:stretch>
+                      <a:fillRect b="-8929"/>
+                    </a:stretch>
+                  </a:blipFill>
+                </p:spPr>
+                <p:txBody>
+                  <a:bodyPr/>
+                  <a:lstStyle/>
+                  <a:p>
+                    <a:r>
+                      <a:rPr lang="en-US">
+                        <a:noFill/>
+                      </a:rPr>
+                      <a:t> </a:t>
+                    </a:r>
+                  </a:p>
+                </p:txBody>
+              </p:sp>
+            </mc:Fallback>
+          </mc:AlternateContent>
+        </p:grpSp>
+        <p:sp>
+          <p:nvSpPr>
+            <p:cNvPr id="62" name="TextBox 61">
+              <a:extLst>
+                <a:ext uri="{FF2B5EF4-FFF2-40B4-BE49-F238E27FC236}">
+                  <a16:creationId xmlns:a16="http://schemas.microsoft.com/office/drawing/2014/main" id="{523FB744-9242-491C-A1AB-BCEE52B539F2}"/>
+                </a:ext>
+              </a:extLst>
+            </p:cNvPr>
+            <p:cNvSpPr txBox="1"/>
+            <p:nvPr/>
+          </p:nvSpPr>
+          <p:spPr>
+            <a:xfrm>
+              <a:off x="3577769" y="2529263"/>
+              <a:ext cx="503664" cy="646331"/>
+            </a:xfrm>
+            <a:prstGeom prst="rect">
+              <a:avLst/>
+            </a:prstGeom>
+            <a:noFill/>
+          </p:spPr>
+          <p:txBody>
+            <a:bodyPr wrap="none" rtlCol="0">
+              <a:spAutoFit/>
+            </a:bodyPr>
+            <a:lstStyle/>
+            <a:p>
+              <a:r>
+                <a:rPr lang="en-US" sz="3600" dirty="0"/>
+                <a:t>…</a:t>
+              </a:r>
+            </a:p>
+          </p:txBody>
+        </p:sp>
+      </p:grpSp>
+      <p:grpSp>
+        <p:nvGrpSpPr>
+          <p:cNvPr id="81" name="Group 80">
+            <a:extLst>
+              <a:ext uri="{FF2B5EF4-FFF2-40B4-BE49-F238E27FC236}">
+                <a16:creationId xmlns:a16="http://schemas.microsoft.com/office/drawing/2014/main" id="{F7D31EEA-E693-41FC-BDF6-E6B54894EA66}"/>
+              </a:ext>
+            </a:extLst>
+          </p:cNvPr>
+          <p:cNvGrpSpPr/>
+          <p:nvPr/>
+        </p:nvGrpSpPr>
+        <p:grpSpPr>
+          <a:xfrm>
+            <a:off x="2673351" y="981937"/>
+            <a:ext cx="978444" cy="1086185"/>
+            <a:chOff x="4668206" y="981937"/>
+            <a:chExt cx="978444" cy="1086185"/>
+          </a:xfrm>
+        </p:grpSpPr>
+        <p:grpSp>
+          <p:nvGrpSpPr>
+            <p:cNvPr id="64" name="Group 63">
+              <a:extLst>
+                <a:ext uri="{FF2B5EF4-FFF2-40B4-BE49-F238E27FC236}">
+                  <a16:creationId xmlns:a16="http://schemas.microsoft.com/office/drawing/2014/main" id="{EB92FF03-016F-4022-8261-77F69C0F5547}"/>
+                </a:ext>
+              </a:extLst>
+            </p:cNvPr>
+            <p:cNvGrpSpPr/>
+            <p:nvPr/>
+          </p:nvGrpSpPr>
+          <p:grpSpPr>
+            <a:xfrm>
+              <a:off x="4762818" y="981937"/>
+              <a:ext cx="795556" cy="786389"/>
+              <a:chOff x="649013" y="2552863"/>
+              <a:chExt cx="795556" cy="786389"/>
+            </a:xfrm>
+          </p:grpSpPr>
+          <p:sp>
+            <p:nvSpPr>
+              <p:cNvPr id="66" name="Flowchart: Connector 65">
+                <a:extLst>
+                  <a:ext uri="{FF2B5EF4-FFF2-40B4-BE49-F238E27FC236}">
+                    <a16:creationId xmlns:a16="http://schemas.microsoft.com/office/drawing/2014/main" id="{E6FDBDDF-8B00-436D-B28A-DFC420B57686}"/>
+                  </a:ext>
+                </a:extLst>
+              </p:cNvPr>
+              <p:cNvSpPr/>
+              <p:nvPr/>
+            </p:nvSpPr>
+            <p:spPr>
+              <a:xfrm>
+                <a:off x="982134" y="3071839"/>
+                <a:ext cx="116994" cy="116994"/>
+              </a:xfrm>
+              <a:prstGeom prst="flowChartConnector">
+                <a:avLst/>
+              </a:prstGeom>
+            </p:spPr>
+            <p:style>
+              <a:lnRef idx="2">
+                <a:schemeClr val="accent1">
+                  <a:shade val="50000"/>
+                </a:schemeClr>
+              </a:lnRef>
+              <a:fillRef idx="1">
+                <a:schemeClr val="accent1"/>
+              </a:fillRef>
+              <a:effectRef idx="0">
+                <a:schemeClr val="accent1"/>
+              </a:effectRef>
+              <a:fontRef idx="minor">
+                <a:schemeClr val="lt1"/>
+              </a:fontRef>
+            </p:style>
+            <p:txBody>
+              <a:bodyPr rtlCol="0" anchor="ctr"/>
+              <a:lstStyle/>
+              <a:p>
+                <a:pPr algn="ctr"/>
+                <a:endParaRPr lang="en-US"/>
+              </a:p>
+            </p:txBody>
+          </p:sp>
+          <p:sp>
+            <p:nvSpPr>
+              <p:cNvPr id="67" name="Flowchart: Connector 66">
+                <a:extLst>
+                  <a:ext uri="{FF2B5EF4-FFF2-40B4-BE49-F238E27FC236}">
+                    <a16:creationId xmlns:a16="http://schemas.microsoft.com/office/drawing/2014/main" id="{8847966E-9D35-45D3-ADBB-D8BBD89857E5}"/>
+                  </a:ext>
+                </a:extLst>
+              </p:cNvPr>
+              <p:cNvSpPr/>
+              <p:nvPr/>
+            </p:nvSpPr>
+            <p:spPr>
+              <a:xfrm>
+                <a:off x="851590" y="2812821"/>
+                <a:ext cx="116994" cy="116994"/>
+              </a:xfrm>
+              <a:prstGeom prst="flowChartConnector">
+                <a:avLst/>
+              </a:prstGeom>
+              <a:solidFill>
+                <a:srgbClr val="7030A0"/>
+              </a:solidFill>
+            </p:spPr>
+            <p:style>
+              <a:lnRef idx="2">
+                <a:schemeClr val="accent1">
+                  <a:shade val="50000"/>
+                </a:schemeClr>
+              </a:lnRef>
+              <a:fillRef idx="1">
+                <a:schemeClr val="accent1"/>
+              </a:fillRef>
+              <a:effectRef idx="0">
+                <a:schemeClr val="accent1"/>
+              </a:effectRef>
+              <a:fontRef idx="minor">
+                <a:schemeClr val="lt1"/>
+              </a:fontRef>
+            </p:style>
+            <p:txBody>
+              <a:bodyPr rtlCol="0" anchor="ctr"/>
+              <a:lstStyle/>
+              <a:p>
+                <a:pPr algn="ctr"/>
+                <a:endParaRPr lang="en-US"/>
+              </a:p>
+            </p:txBody>
+          </p:sp>
+          <p:sp>
+            <p:nvSpPr>
+              <p:cNvPr id="72" name="Rectangle 71">
+                <a:extLst>
+                  <a:ext uri="{FF2B5EF4-FFF2-40B4-BE49-F238E27FC236}">
+                    <a16:creationId xmlns:a16="http://schemas.microsoft.com/office/drawing/2014/main" id="{9239AC2D-80F1-47A2-B34B-D644294B670C}"/>
+                  </a:ext>
+                </a:extLst>
+              </p:cNvPr>
+              <p:cNvSpPr/>
+              <p:nvPr/>
+            </p:nvSpPr>
+            <p:spPr>
+              <a:xfrm>
+                <a:off x="649013" y="2552863"/>
+                <a:ext cx="795556" cy="786389"/>
+              </a:xfrm>
+              <a:prstGeom prst="rect">
+                <a:avLst/>
+              </a:prstGeom>
+              <a:noFill/>
+              <a:ln w="6350">
+                <a:solidFill>
+                  <a:schemeClr val="tx1"/>
+                </a:solidFill>
+              </a:ln>
+            </p:spPr>
+            <p:style>
+              <a:lnRef idx="2">
+                <a:schemeClr val="accent1">
+                  <a:shade val="50000"/>
+                </a:schemeClr>
+              </a:lnRef>
+              <a:fillRef idx="1">
+                <a:schemeClr val="accent1"/>
+              </a:fillRef>
+              <a:effectRef idx="0">
+                <a:schemeClr val="accent1"/>
+              </a:effectRef>
+              <a:fontRef idx="minor">
+                <a:schemeClr val="lt1"/>
+              </a:fontRef>
+            </p:style>
+            <p:txBody>
+              <a:bodyPr rtlCol="0" anchor="ctr"/>
+              <a:lstStyle/>
+              <a:p>
+                <a:pPr algn="ctr"/>
+                <a:endParaRPr lang="en-US"/>
+              </a:p>
+            </p:txBody>
+          </p:sp>
+        </p:grpSp>
+        <mc:AlternateContent xmlns:mc="http://schemas.openxmlformats.org/markup-compatibility/2006">
+          <mc:Choice xmlns:a14="http://schemas.microsoft.com/office/drawing/2010/main" Requires="a14">
+            <p:sp>
+              <p:nvSpPr>
+                <p:cNvPr id="65" name="TextBox 64">
+                  <a:extLst>
+                    <a:ext uri="{FF2B5EF4-FFF2-40B4-BE49-F238E27FC236}">
+                      <a16:creationId xmlns:a16="http://schemas.microsoft.com/office/drawing/2014/main" id="{F4DAE835-79DD-4BBD-B35D-E543E4A8FA46}"/>
+                    </a:ext>
+                  </a:extLst>
+                </p:cNvPr>
+                <p:cNvSpPr txBox="1"/>
+                <p:nvPr/>
+              </p:nvSpPr>
+              <p:spPr>
+                <a:xfrm>
+                  <a:off x="4668206" y="1729568"/>
+                  <a:ext cx="978444" cy="338554"/>
+                </a:xfrm>
+                <a:prstGeom prst="rect">
+                  <a:avLst/>
+                </a:prstGeom>
+                <a:noFill/>
+              </p:spPr>
+              <p:txBody>
+                <a:bodyPr wrap="square" rtlCol="0">
+                  <a:spAutoFit/>
+                </a:bodyPr>
+                <a:lstStyle/>
+                <a:p>
+                  <a:pPr/>
+                  <a14:m>
+                    <m:oMathPara xmlns:m="http://schemas.openxmlformats.org/officeDocument/2006/math">
+                      <m:oMathParaPr>
+                        <m:jc m:val="center"/>
+                      </m:oMathParaPr>
+                      <m:oMath xmlns:m="http://schemas.openxmlformats.org/officeDocument/2006/math">
+                        <m:r>
+                          <a:rPr lang="en-US" sz="1600" b="0" i="1" spc="-150" smtClean="0">
+                            <a:latin typeface="Cambria Math" panose="02040503050406030204" pitchFamily="18" charset="0"/>
+                          </a:rPr>
+                          <m:t>𝑂</m:t>
+                        </m:r>
+                        <m:r>
+                          <a:rPr lang="en-US" sz="1600" b="0" i="1" spc="-150" smtClean="0">
+                            <a:latin typeface="Cambria Math" panose="02040503050406030204" pitchFamily="18" charset="0"/>
+                          </a:rPr>
+                          <m:t>(</m:t>
+                        </m:r>
+                        <m:r>
+                          <a:rPr lang="en-US" sz="1600" b="0" i="1" spc="-150" smtClean="0">
+                            <a:latin typeface="Cambria Math" panose="02040503050406030204" pitchFamily="18" charset="0"/>
+                          </a:rPr>
+                          <m:t>𝑡</m:t>
+                        </m:r>
+                        <m:r>
+                          <a:rPr lang="en-US" sz="1600" b="0" i="1" spc="-150" smtClean="0">
+                            <a:latin typeface="Cambria Math" panose="02040503050406030204" pitchFamily="18" charset="0"/>
+                          </a:rPr>
+                          <m:t>−1, </m:t>
+                        </m:r>
+                        <m:r>
+                          <a:rPr lang="en-US" sz="1600" b="0" i="1" spc="-150" smtClean="0">
+                            <a:latin typeface="Cambria Math" panose="02040503050406030204" pitchFamily="18" charset="0"/>
+                          </a:rPr>
+                          <m:t>𝑡</m:t>
+                        </m:r>
+                        <m:r>
+                          <a:rPr lang="en-US" sz="1600" b="0" i="1" spc="-150" smtClean="0">
+                            <a:latin typeface="Cambria Math" panose="02040503050406030204" pitchFamily="18" charset="0"/>
+                          </a:rPr>
+                          <m:t>)</m:t>
+                        </m:r>
+                      </m:oMath>
+                    </m:oMathPara>
+                  </a14:m>
+                  <a:endParaRPr lang="en-US" sz="1600" spc="-150" dirty="0"/>
+                </a:p>
+              </p:txBody>
+            </p:sp>
+          </mc:Choice>
+          <mc:Fallback>
+            <p:sp>
+              <p:nvSpPr>
+                <p:cNvPr id="65" name="TextBox 64">
+                  <a:extLst>
+                    <a:ext uri="{FF2B5EF4-FFF2-40B4-BE49-F238E27FC236}">
+                      <a16:creationId xmlns:a16="http://schemas.microsoft.com/office/drawing/2014/main" id="{F4DAE835-79DD-4BBD-B35D-E543E4A8FA46}"/>
+                    </a:ext>
+                  </a:extLst>
+                </p:cNvPr>
+                <p:cNvSpPr txBox="1">
+                  <a:spLocks noRot="1" noChangeAspect="1" noMove="1" noResize="1" noEditPoints="1" noAdjustHandles="1" noChangeArrowheads="1" noChangeShapeType="1" noTextEdit="1"/>
+                </p:cNvSpPr>
+                <p:nvPr/>
+              </p:nvSpPr>
+              <p:spPr>
+                <a:xfrm>
+                  <a:off x="4668206" y="1729568"/>
+                  <a:ext cx="978444" cy="338554"/>
+                </a:xfrm>
+                <a:prstGeom prst="rect">
+                  <a:avLst/>
+                </a:prstGeom>
+                <a:blipFill>
+                  <a:blip r:embed="rId5"/>
+                  <a:stretch>
+                    <a:fillRect b="-10909"/>
+                  </a:stretch>
+                </a:blipFill>
+              </p:spPr>
+              <p:txBody>
+                <a:bodyPr/>
+                <a:lstStyle/>
+                <a:p>
+                  <a:r>
+                    <a:rPr lang="en-US">
+                      <a:noFill/>
+                    </a:rPr>
+                    <a:t> </a:t>
+                  </a:r>
+                </a:p>
+              </p:txBody>
+            </p:sp>
+          </mc:Fallback>
+        </mc:AlternateContent>
+        <p:sp>
+          <p:nvSpPr>
+            <p:cNvPr id="73" name="Flowchart: Connector 72">
+              <a:extLst>
+                <a:ext uri="{FF2B5EF4-FFF2-40B4-BE49-F238E27FC236}">
+                  <a16:creationId xmlns:a16="http://schemas.microsoft.com/office/drawing/2014/main" id="{DDF3CDCD-F44E-4871-A99B-EDEEACE13521}"/>
+                </a:ext>
+              </a:extLst>
+            </p:cNvPr>
+            <p:cNvSpPr/>
+            <p:nvPr/>
+          </p:nvSpPr>
+          <p:spPr>
+            <a:xfrm>
+              <a:off x="5215014" y="1166556"/>
+              <a:ext cx="116994" cy="116994"/>
+            </a:xfrm>
+            <a:prstGeom prst="flowChartConnector">
+              <a:avLst/>
+            </a:prstGeom>
+            <a:solidFill>
+              <a:srgbClr val="7030A0"/>
+            </a:solidFill>
+          </p:spPr>
+          <p:style>
+            <a:lnRef idx="2">
+              <a:schemeClr val="accent1">
+                <a:shade val="50000"/>
+              </a:schemeClr>
+            </a:lnRef>
+            <a:fillRef idx="1">
+              <a:schemeClr val="accent1"/>
+            </a:fillRef>
+            <a:effectRef idx="0">
+              <a:schemeClr val="accent1"/>
+            </a:effectRef>
+            <a:fontRef idx="minor">
+              <a:schemeClr val="lt1"/>
+            </a:fontRef>
+          </p:style>
+          <p:txBody>
+            <a:bodyPr rtlCol="0" anchor="ctr"/>
+            <a:lstStyle/>
+            <a:p>
+              <a:pPr algn="ctr"/>
+              <a:endParaRPr lang="en-US"/>
+            </a:p>
+          </p:txBody>
+        </p:sp>
+        <p:cxnSp>
+          <p:nvCxnSpPr>
+            <p:cNvPr id="77" name="Straight Arrow Connector 76">
+              <a:extLst>
+                <a:ext uri="{FF2B5EF4-FFF2-40B4-BE49-F238E27FC236}">
+                  <a16:creationId xmlns:a16="http://schemas.microsoft.com/office/drawing/2014/main" id="{DE04BFA7-A1B8-4BB7-A503-4036D94A8268}"/>
+                </a:ext>
+              </a:extLst>
+            </p:cNvPr>
+            <p:cNvCxnSpPr>
+              <a:cxnSpLocks/>
+              <a:stCxn id="67" idx="6"/>
+              <a:endCxn id="73" idx="3"/>
+            </p:cNvCxnSpPr>
+            <p:nvPr/>
+          </p:nvCxnSpPr>
+          <p:spPr>
+            <a:xfrm flipV="1">
+              <a:off x="5082389" y="1266417"/>
+              <a:ext cx="149758" cy="33975"/>
+            </a:xfrm>
+            <a:prstGeom prst="straightConnector1">
+              <a:avLst/>
+            </a:prstGeom>
+            <a:ln>
+              <a:solidFill>
+                <a:schemeClr val="tx1"/>
+              </a:solidFill>
+              <a:tailEnd type="triangle"/>
+            </a:ln>
+          </p:spPr>
+          <p:style>
+            <a:lnRef idx="1">
+              <a:schemeClr val="accent1"/>
+            </a:lnRef>
+            <a:fillRef idx="0">
+              <a:schemeClr val="accent1"/>
+            </a:fillRef>
+            <a:effectRef idx="0">
+              <a:schemeClr val="accent1"/>
+            </a:effectRef>
+            <a:fontRef idx="minor">
+              <a:schemeClr val="tx1"/>
+            </a:fontRef>
+          </p:style>
+        </p:cxnSp>
+      </p:grpSp>
+      <p:sp>
+        <p:nvSpPr>
+          <p:cNvPr id="82" name="Rectangle 81">
+            <a:extLst>
+              <a:ext uri="{FF2B5EF4-FFF2-40B4-BE49-F238E27FC236}">
+                <a16:creationId xmlns:a16="http://schemas.microsoft.com/office/drawing/2014/main" id="{53EF24B5-B4C4-4036-AAA1-E4A8FE387135}"/>
+              </a:ext>
+            </a:extLst>
+          </p:cNvPr>
+          <p:cNvSpPr/>
+          <p:nvPr/>
+        </p:nvSpPr>
+        <p:spPr>
+          <a:xfrm>
+            <a:off x="4148733" y="980819"/>
+            <a:ext cx="681026" cy="947435"/>
+          </a:xfrm>
+          <a:prstGeom prst="rect">
+            <a:avLst/>
+          </a:prstGeom>
+          <a:solidFill>
+            <a:srgbClr val="00B0F0"/>
+          </a:solidFill>
+          <a:ln>
+            <a:solidFill>
+              <a:schemeClr val="tx1"/>
+            </a:solidFill>
+          </a:ln>
+        </p:spPr>
+        <p:style>
+          <a:lnRef idx="2">
+            <a:schemeClr val="accent1">
+              <a:shade val="50000"/>
+            </a:schemeClr>
+          </a:lnRef>
+          <a:fillRef idx="1">
+            <a:schemeClr val="accent1"/>
+          </a:fillRef>
+          <a:effectRef idx="0">
+            <a:schemeClr val="accent1"/>
+          </a:effectRef>
+          <a:fontRef idx="minor">
+            <a:schemeClr val="lt1"/>
+          </a:fontRef>
+        </p:style>
+        <p:txBody>
+          <a:bodyPr rtlCol="0" anchor="ctr"/>
+          <a:lstStyle/>
+          <a:p>
+            <a:pPr algn="ctr"/>
+            <a:r>
+              <a:rPr lang="en-US" sz="2000" b="1" i="1" dirty="0">
+                <a:latin typeface="Arial" panose="020B0604020202020204" pitchFamily="34" charset="0"/>
+                <a:cs typeface="Arial" panose="020B0604020202020204" pitchFamily="34" charset="0"/>
+              </a:rPr>
+              <a:t>IPY</a:t>
+            </a:r>
+          </a:p>
+        </p:txBody>
+      </p:sp>
+      <p:cxnSp>
+        <p:nvCxnSpPr>
+          <p:cNvPr id="91" name="Straight Arrow Connector 90">
+            <a:extLst>
+              <a:ext uri="{FF2B5EF4-FFF2-40B4-BE49-F238E27FC236}">
+                <a16:creationId xmlns:a16="http://schemas.microsoft.com/office/drawing/2014/main" id="{A88EA29A-1662-4EC9-A976-33782CC21B79}"/>
+              </a:ext>
+            </a:extLst>
+          </p:cNvPr>
+          <p:cNvCxnSpPr>
+            <a:cxnSpLocks/>
+          </p:cNvCxnSpPr>
+          <p:nvPr/>
+        </p:nvCxnSpPr>
+        <p:spPr>
+          <a:xfrm>
+            <a:off x="3588294" y="1474505"/>
+            <a:ext cx="452139" cy="0"/>
+          </a:xfrm>
+          <a:prstGeom prst="straightConnector1">
+            <a:avLst/>
+          </a:prstGeom>
+          <a:ln w="22225">
+            <a:solidFill>
+              <a:schemeClr val="tx1"/>
+            </a:solidFill>
+            <a:tailEnd type="triangle"/>
+          </a:ln>
+        </p:spPr>
+        <p:style>
+          <a:lnRef idx="1">
+            <a:schemeClr val="accent1"/>
+          </a:lnRef>
+          <a:fillRef idx="0">
+            <a:schemeClr val="accent1"/>
+          </a:fillRef>
+          <a:effectRef idx="0">
+            <a:schemeClr val="accent1"/>
+          </a:effectRef>
+          <a:fontRef idx="minor">
+            <a:schemeClr val="tx1"/>
+          </a:fontRef>
+        </p:style>
+      </p:cxnSp>
+      <p:cxnSp>
+        <p:nvCxnSpPr>
+          <p:cNvPr id="94" name="Straight Arrow Connector 93">
+            <a:extLst>
+              <a:ext uri="{FF2B5EF4-FFF2-40B4-BE49-F238E27FC236}">
+                <a16:creationId xmlns:a16="http://schemas.microsoft.com/office/drawing/2014/main" id="{AC66DFE7-3AE9-4A55-8379-FC036B628019}"/>
+              </a:ext>
+            </a:extLst>
+          </p:cNvPr>
+          <p:cNvCxnSpPr>
+            <a:cxnSpLocks/>
+          </p:cNvCxnSpPr>
+          <p:nvPr/>
+        </p:nvCxnSpPr>
+        <p:spPr>
+          <a:xfrm>
+            <a:off x="4922732" y="1474504"/>
+            <a:ext cx="1109768" cy="0"/>
+          </a:xfrm>
+          <a:prstGeom prst="straightConnector1">
+            <a:avLst/>
+          </a:prstGeom>
+          <a:ln w="22225">
+            <a:solidFill>
+              <a:schemeClr val="tx1"/>
+            </a:solidFill>
+            <a:tailEnd type="triangle"/>
+          </a:ln>
+        </p:spPr>
+        <p:style>
+          <a:lnRef idx="1">
+            <a:schemeClr val="accent1"/>
+          </a:lnRef>
+          <a:fillRef idx="0">
+            <a:schemeClr val="accent1"/>
+          </a:fillRef>
+          <a:effectRef idx="0">
+            <a:schemeClr val="accent1"/>
+          </a:effectRef>
+          <a:fontRef idx="minor">
+            <a:schemeClr val="tx1"/>
+          </a:fontRef>
+        </p:style>
+      </p:cxnSp>
+      <p:cxnSp>
+        <p:nvCxnSpPr>
+          <p:cNvPr id="98" name="Straight Arrow Connector 97">
+            <a:extLst>
+              <a:ext uri="{FF2B5EF4-FFF2-40B4-BE49-F238E27FC236}">
+                <a16:creationId xmlns:a16="http://schemas.microsoft.com/office/drawing/2014/main" id="{B264975C-416A-4556-A9ED-32FE309AE673}"/>
+              </a:ext>
+            </a:extLst>
+          </p:cNvPr>
+          <p:cNvCxnSpPr>
+            <a:cxnSpLocks/>
+          </p:cNvCxnSpPr>
+          <p:nvPr/>
+        </p:nvCxnSpPr>
+        <p:spPr>
+          <a:xfrm flipV="1">
+            <a:off x="4471560" y="1976398"/>
+            <a:ext cx="0" cy="241268"/>
+          </a:xfrm>
+          <a:prstGeom prst="straightConnector1">
+            <a:avLst/>
+          </a:prstGeom>
+          <a:ln w="22225">
+            <a:solidFill>
+              <a:schemeClr val="tx1"/>
+            </a:solidFill>
+            <a:tailEnd type="triangle"/>
+          </a:ln>
+        </p:spPr>
+        <p:style>
+          <a:lnRef idx="1">
+            <a:schemeClr val="accent1"/>
+          </a:lnRef>
+          <a:fillRef idx="0">
+            <a:schemeClr val="accent1"/>
+          </a:fillRef>
+          <a:effectRef idx="0">
+            <a:schemeClr val="accent1"/>
+          </a:effectRef>
+          <a:fontRef idx="minor">
+            <a:schemeClr val="tx1"/>
+          </a:fontRef>
+        </p:style>
+      </p:cxnSp>
+      <p:sp>
+        <p:nvSpPr>
+          <p:cNvPr id="3" name="Oval 2">
+            <a:extLst>
+              <a:ext uri="{FF2B5EF4-FFF2-40B4-BE49-F238E27FC236}">
+                <a16:creationId xmlns:a16="http://schemas.microsoft.com/office/drawing/2014/main" id="{333BA9B8-4710-44D5-A66A-B8AF23DEF59D}"/>
+              </a:ext>
+            </a:extLst>
+          </p:cNvPr>
+          <p:cNvSpPr/>
+          <p:nvPr/>
+        </p:nvSpPr>
+        <p:spPr>
+          <a:xfrm rot="4267154">
+            <a:off x="7050394" y="1810550"/>
+            <a:ext cx="868118" cy="263795"/>
+          </a:xfrm>
+          <a:prstGeom prst="ellipse">
+            <a:avLst/>
+          </a:prstGeom>
+          <a:solidFill>
+            <a:schemeClr val="bg2">
+              <a:lumMod val="75000"/>
+            </a:schemeClr>
+          </a:solidFill>
+          <a:ln w="3810">
+            <a:solidFill>
+              <a:schemeClr val="tx1"/>
+            </a:solidFill>
+          </a:ln>
+        </p:spPr>
+        <p:style>
+          <a:lnRef idx="2">
+            <a:schemeClr val="accent1">
+              <a:shade val="50000"/>
+            </a:schemeClr>
+          </a:lnRef>
+          <a:fillRef idx="1">
+            <a:schemeClr val="accent1"/>
+          </a:fillRef>
+          <a:effectRef idx="0">
+            <a:schemeClr val="accent1"/>
+          </a:effectRef>
+          <a:fontRef idx="minor">
+            <a:schemeClr val="lt1"/>
+          </a:fontRef>
+        </p:style>
+        <p:txBody>
+          <a:bodyPr rtlCol="0" anchor="ctr"/>
+          <a:lstStyle/>
+          <a:p>
+            <a:pPr algn="ctr"/>
+            <a:endParaRPr lang="en-US"/>
+          </a:p>
+        </p:txBody>
+      </p:sp>
+      <p:grpSp>
+        <p:nvGrpSpPr>
+          <p:cNvPr id="131" name="Group 130">
+            <a:extLst>
+              <a:ext uri="{FF2B5EF4-FFF2-40B4-BE49-F238E27FC236}">
+                <a16:creationId xmlns:a16="http://schemas.microsoft.com/office/drawing/2014/main" id="{04F6C2E2-7B33-4EA9-9145-7655F00E7D1D}"/>
+              </a:ext>
+            </a:extLst>
+          </p:cNvPr>
+          <p:cNvGrpSpPr/>
+          <p:nvPr/>
+        </p:nvGrpSpPr>
+        <p:grpSpPr>
+          <a:xfrm rot="1258963">
+            <a:off x="6250754" y="2169831"/>
+            <a:ext cx="384566" cy="340142"/>
+            <a:chOff x="6374779" y="2106166"/>
+            <a:chExt cx="384566" cy="340142"/>
+          </a:xfrm>
+        </p:grpSpPr>
+        <p:sp>
+          <p:nvSpPr>
+            <p:cNvPr id="130" name="Teardrop 129">
+              <a:extLst>
+                <a:ext uri="{FF2B5EF4-FFF2-40B4-BE49-F238E27FC236}">
+                  <a16:creationId xmlns:a16="http://schemas.microsoft.com/office/drawing/2014/main" id="{F1D33F98-4D02-4EC4-B0F6-ED0E6662B2C7}"/>
+                </a:ext>
+              </a:extLst>
+            </p:cNvPr>
+            <p:cNvSpPr/>
+            <p:nvPr/>
+          </p:nvSpPr>
+          <p:spPr>
+            <a:xfrm rot="11134720">
+              <a:off x="6374779" y="2106166"/>
+              <a:ext cx="384566" cy="340142"/>
+            </a:xfrm>
+            <a:prstGeom prst="teardrop">
+              <a:avLst>
+                <a:gd name="adj" fmla="val 65205"/>
+              </a:avLst>
+            </a:prstGeom>
+            <a:solidFill>
+              <a:schemeClr val="bg2">
+                <a:lumMod val="75000"/>
+              </a:schemeClr>
+            </a:solidFill>
+            <a:ln w="3810">
+              <a:solidFill>
+                <a:schemeClr val="tx1"/>
+              </a:solidFill>
+            </a:ln>
+          </p:spPr>
+          <p:style>
+            <a:lnRef idx="2">
+              <a:schemeClr val="accent1">
+                <a:shade val="50000"/>
+              </a:schemeClr>
+            </a:lnRef>
+            <a:fillRef idx="1">
+              <a:schemeClr val="accent1"/>
+            </a:fillRef>
+            <a:effectRef idx="0">
+              <a:schemeClr val="accent1"/>
+            </a:effectRef>
+            <a:fontRef idx="minor">
+              <a:schemeClr val="lt1"/>
+            </a:fontRef>
+          </p:style>
+          <p:txBody>
+            <a:bodyPr rtlCol="0" anchor="ctr"/>
+            <a:lstStyle/>
+            <a:p>
+              <a:pPr algn="ctr"/>
+              <a:endParaRPr lang="en-US"/>
+            </a:p>
+          </p:txBody>
+        </p:sp>
+        <p:sp>
+          <p:nvSpPr>
+            <p:cNvPr id="101" name="Teardrop 100">
+              <a:extLst>
+                <a:ext uri="{FF2B5EF4-FFF2-40B4-BE49-F238E27FC236}">
+                  <a16:creationId xmlns:a16="http://schemas.microsoft.com/office/drawing/2014/main" id="{75FDEB19-3908-4D87-9FC4-8B7279242547}"/>
+                </a:ext>
+              </a:extLst>
+            </p:cNvPr>
+            <p:cNvSpPr/>
+            <p:nvPr/>
+          </p:nvSpPr>
+          <p:spPr>
+            <a:xfrm rot="11017409">
+              <a:off x="6399091" y="2147562"/>
+              <a:ext cx="324346" cy="263804"/>
+            </a:xfrm>
+            <a:prstGeom prst="teardrop">
+              <a:avLst>
+                <a:gd name="adj" fmla="val 63136"/>
+              </a:avLst>
+            </a:prstGeom>
+            <a:solidFill>
+              <a:srgbClr val="0070C0"/>
+            </a:solidFill>
+            <a:ln w="3810">
+              <a:solidFill>
+                <a:schemeClr val="tx1"/>
+              </a:solidFill>
+            </a:ln>
+          </p:spPr>
+          <p:style>
+            <a:lnRef idx="2">
+              <a:schemeClr val="accent1">
+                <a:shade val="50000"/>
+              </a:schemeClr>
+            </a:lnRef>
+            <a:fillRef idx="1">
+              <a:schemeClr val="accent1"/>
+            </a:fillRef>
+            <a:effectRef idx="0">
+              <a:schemeClr val="accent1"/>
+            </a:effectRef>
+            <a:fontRef idx="minor">
+              <a:schemeClr val="lt1"/>
+            </a:fontRef>
+          </p:style>
+          <p:txBody>
+            <a:bodyPr rtlCol="0" anchor="ctr"/>
+            <a:lstStyle/>
+            <a:p>
+              <a:pPr algn="ctr"/>
+              <a:endParaRPr lang="en-US"/>
+            </a:p>
+          </p:txBody>
+        </p:sp>
+        <p:sp>
+          <p:nvSpPr>
+            <p:cNvPr id="104" name="Teardrop 103">
+              <a:extLst>
+                <a:ext uri="{FF2B5EF4-FFF2-40B4-BE49-F238E27FC236}">
+                  <a16:creationId xmlns:a16="http://schemas.microsoft.com/office/drawing/2014/main" id="{3CA309F7-FED3-4EC1-863B-5D763819CA2B}"/>
+                </a:ext>
+              </a:extLst>
+            </p:cNvPr>
+            <p:cNvSpPr/>
+            <p:nvPr/>
+          </p:nvSpPr>
+          <p:spPr>
+            <a:xfrm rot="10405643">
+              <a:off x="6433861" y="2202910"/>
+              <a:ext cx="255977" cy="134609"/>
+            </a:xfrm>
+            <a:prstGeom prst="teardrop">
+              <a:avLst>
+                <a:gd name="adj" fmla="val 79104"/>
+              </a:avLst>
+            </a:prstGeom>
+            <a:solidFill>
+              <a:srgbClr val="61FFF7"/>
+            </a:solidFill>
+            <a:ln w="3810">
+              <a:solidFill>
+                <a:schemeClr val="tx1"/>
+              </a:solidFill>
+            </a:ln>
+          </p:spPr>
+          <p:style>
+            <a:lnRef idx="2">
+              <a:schemeClr val="accent1">
+                <a:shade val="50000"/>
+              </a:schemeClr>
+            </a:lnRef>
+            <a:fillRef idx="1">
+              <a:schemeClr val="accent1"/>
+            </a:fillRef>
+            <a:effectRef idx="0">
+              <a:schemeClr val="accent1"/>
+            </a:effectRef>
+            <a:fontRef idx="minor">
+              <a:schemeClr val="lt1"/>
+            </a:fontRef>
+          </p:style>
+          <p:txBody>
+            <a:bodyPr rtlCol="0" anchor="ctr"/>
+            <a:lstStyle/>
+            <a:p>
+              <a:pPr algn="ctr"/>
+              <a:endParaRPr lang="en-US"/>
+            </a:p>
+          </p:txBody>
+        </p:sp>
+        <p:sp>
+          <p:nvSpPr>
+            <p:cNvPr id="105" name="Teardrop 104">
+              <a:extLst>
+                <a:ext uri="{FF2B5EF4-FFF2-40B4-BE49-F238E27FC236}">
+                  <a16:creationId xmlns:a16="http://schemas.microsoft.com/office/drawing/2014/main" id="{A56EDDD4-46B3-4ECF-B666-B4397E4F5652}"/>
+                </a:ext>
+              </a:extLst>
+            </p:cNvPr>
+            <p:cNvSpPr/>
+            <p:nvPr/>
+          </p:nvSpPr>
+          <p:spPr>
+            <a:xfrm rot="8953453">
+              <a:off x="6492191" y="2224585"/>
+              <a:ext cx="128469" cy="90571"/>
+            </a:xfrm>
+            <a:prstGeom prst="teardrop">
+              <a:avLst>
+                <a:gd name="adj" fmla="val 34076"/>
+              </a:avLst>
+            </a:prstGeom>
+            <a:solidFill>
+              <a:srgbClr val="FFFF01"/>
+            </a:solidFill>
+            <a:ln w="3810">
+              <a:solidFill>
+                <a:schemeClr val="tx1"/>
+              </a:solidFill>
+            </a:ln>
+          </p:spPr>
+          <p:style>
+            <a:lnRef idx="2">
+              <a:schemeClr val="accent1">
+                <a:shade val="50000"/>
+              </a:schemeClr>
+            </a:lnRef>
+            <a:fillRef idx="1">
+              <a:schemeClr val="accent1"/>
+            </a:fillRef>
+            <a:effectRef idx="0">
+              <a:schemeClr val="accent1"/>
+            </a:effectRef>
+            <a:fontRef idx="minor">
+              <a:schemeClr val="lt1"/>
+            </a:fontRef>
+          </p:style>
+          <p:txBody>
+            <a:bodyPr rtlCol="0" anchor="ctr"/>
+            <a:lstStyle/>
+            <a:p>
+              <a:pPr algn="ctr"/>
+              <a:endParaRPr lang="en-US"/>
+            </a:p>
+          </p:txBody>
+        </p:sp>
+        <p:sp>
+          <p:nvSpPr>
+            <p:cNvPr id="106" name="Teardrop 105">
+              <a:extLst>
+                <a:ext uri="{FF2B5EF4-FFF2-40B4-BE49-F238E27FC236}">
+                  <a16:creationId xmlns:a16="http://schemas.microsoft.com/office/drawing/2014/main" id="{1D63398E-118A-4F6B-9E28-F0F278A3E35C}"/>
+                </a:ext>
+              </a:extLst>
+            </p:cNvPr>
+            <p:cNvSpPr/>
+            <p:nvPr/>
+          </p:nvSpPr>
+          <p:spPr>
+            <a:xfrm rot="8834827">
+              <a:off x="6527338" y="2244146"/>
+              <a:ext cx="54635" cy="44625"/>
+            </a:xfrm>
+            <a:prstGeom prst="teardrop">
+              <a:avLst>
+                <a:gd name="adj" fmla="val 30239"/>
+              </a:avLst>
+            </a:prstGeom>
+            <a:solidFill>
+              <a:srgbClr val="FF0000"/>
+            </a:solidFill>
+            <a:ln w="3810">
+              <a:solidFill>
+                <a:schemeClr val="tx1"/>
+              </a:solidFill>
+            </a:ln>
+          </p:spPr>
+          <p:style>
+            <a:lnRef idx="2">
+              <a:schemeClr val="accent1">
+                <a:shade val="50000"/>
+              </a:schemeClr>
+            </a:lnRef>
+            <a:fillRef idx="1">
+              <a:schemeClr val="accent1"/>
+            </a:fillRef>
+            <a:effectRef idx="0">
+              <a:schemeClr val="accent1"/>
+            </a:effectRef>
+            <a:fontRef idx="minor">
+              <a:schemeClr val="lt1"/>
+            </a:fontRef>
+          </p:style>
+          <p:txBody>
+            <a:bodyPr rtlCol="0" anchor="ctr"/>
+            <a:lstStyle/>
+            <a:p>
+              <a:pPr algn="ctr"/>
+              <a:endParaRPr lang="en-US"/>
+            </a:p>
+          </p:txBody>
+        </p:sp>
+      </p:grpSp>
+      <p:grpSp>
+        <p:nvGrpSpPr>
+          <p:cNvPr id="134" name="Group 133">
+            <a:extLst>
+              <a:ext uri="{FF2B5EF4-FFF2-40B4-BE49-F238E27FC236}">
+                <a16:creationId xmlns:a16="http://schemas.microsoft.com/office/drawing/2014/main" id="{63EEE190-F178-4169-AAA0-569EDCCC128D}"/>
+              </a:ext>
+            </a:extLst>
+          </p:cNvPr>
+          <p:cNvGrpSpPr/>
+          <p:nvPr/>
+        </p:nvGrpSpPr>
+        <p:grpSpPr>
+          <a:xfrm rot="21396822">
+            <a:off x="7388846" y="1630482"/>
+            <a:ext cx="199455" cy="654730"/>
+            <a:chOff x="6906258" y="1491543"/>
+            <a:chExt cx="199455" cy="677585"/>
+          </a:xfrm>
+        </p:grpSpPr>
+        <p:sp>
+          <p:nvSpPr>
+            <p:cNvPr id="109" name="Teardrop 108">
+              <a:extLst>
+                <a:ext uri="{FF2B5EF4-FFF2-40B4-BE49-F238E27FC236}">
+                  <a16:creationId xmlns:a16="http://schemas.microsoft.com/office/drawing/2014/main" id="{59E1F23B-764B-4709-BB77-B8DD090A4E15}"/>
+                </a:ext>
+              </a:extLst>
+            </p:cNvPr>
+            <p:cNvSpPr/>
+            <p:nvPr/>
+          </p:nvSpPr>
+          <p:spPr>
+            <a:xfrm rot="10011382">
+              <a:off x="6906258" y="1491543"/>
+              <a:ext cx="199455" cy="677585"/>
+            </a:xfrm>
+            <a:prstGeom prst="teardrop">
+              <a:avLst>
+                <a:gd name="adj" fmla="val 45563"/>
+              </a:avLst>
+            </a:prstGeom>
+            <a:solidFill>
+              <a:srgbClr val="0070C0"/>
+            </a:solidFill>
+            <a:ln w="3810">
+              <a:solidFill>
+                <a:schemeClr val="accent1">
+                  <a:shade val="50000"/>
+                </a:schemeClr>
+              </a:solidFill>
+            </a:ln>
+          </p:spPr>
+          <p:style>
+            <a:lnRef idx="2">
+              <a:schemeClr val="accent1">
+                <a:shade val="50000"/>
+              </a:schemeClr>
+            </a:lnRef>
+            <a:fillRef idx="1">
+              <a:schemeClr val="accent1"/>
+            </a:fillRef>
+            <a:effectRef idx="0">
+              <a:schemeClr val="accent1"/>
+            </a:effectRef>
+            <a:fontRef idx="minor">
+              <a:schemeClr val="lt1"/>
+            </a:fontRef>
+          </p:style>
+          <p:txBody>
+            <a:bodyPr rtlCol="0" anchor="ctr"/>
+            <a:lstStyle/>
+            <a:p>
+              <a:pPr algn="ctr"/>
+              <a:endParaRPr lang="en-US"/>
+            </a:p>
+          </p:txBody>
+        </p:sp>
+        <p:sp>
+          <p:nvSpPr>
+            <p:cNvPr id="110" name="Teardrop 109">
+              <a:extLst>
+                <a:ext uri="{FF2B5EF4-FFF2-40B4-BE49-F238E27FC236}">
+                  <a16:creationId xmlns:a16="http://schemas.microsoft.com/office/drawing/2014/main" id="{C74B096F-05E4-47E0-8D64-2922A1CF7CEE}"/>
+                </a:ext>
+              </a:extLst>
+            </p:cNvPr>
+            <p:cNvSpPr/>
+            <p:nvPr/>
+          </p:nvSpPr>
+          <p:spPr>
+            <a:xfrm rot="9929798">
+              <a:off x="6942797" y="1604949"/>
+              <a:ext cx="153842" cy="485549"/>
+            </a:xfrm>
+            <a:prstGeom prst="teardrop">
+              <a:avLst>
+                <a:gd name="adj" fmla="val 44329"/>
+              </a:avLst>
+            </a:prstGeom>
+            <a:solidFill>
+              <a:srgbClr val="61FFF7"/>
+            </a:solidFill>
+            <a:ln w="3810">
+              <a:solidFill>
+                <a:schemeClr val="accent1">
+                  <a:shade val="50000"/>
+                </a:schemeClr>
+              </a:solidFill>
+            </a:ln>
+          </p:spPr>
+          <p:style>
+            <a:lnRef idx="2">
+              <a:schemeClr val="accent1">
+                <a:shade val="50000"/>
+              </a:schemeClr>
+            </a:lnRef>
+            <a:fillRef idx="1">
+              <a:schemeClr val="accent1"/>
+            </a:fillRef>
+            <a:effectRef idx="0">
+              <a:schemeClr val="accent1"/>
+            </a:effectRef>
+            <a:fontRef idx="minor">
+              <a:schemeClr val="lt1"/>
+            </a:fontRef>
+          </p:style>
+          <p:txBody>
+            <a:bodyPr rtlCol="0" anchor="ctr"/>
+            <a:lstStyle/>
+            <a:p>
+              <a:pPr algn="ctr"/>
+              <a:endParaRPr lang="en-US"/>
+            </a:p>
+          </p:txBody>
+        </p:sp>
+        <p:sp>
+          <p:nvSpPr>
+            <p:cNvPr id="111" name="Teardrop 110">
+              <a:extLst>
+                <a:ext uri="{FF2B5EF4-FFF2-40B4-BE49-F238E27FC236}">
+                  <a16:creationId xmlns:a16="http://schemas.microsoft.com/office/drawing/2014/main" id="{36CDF219-10C4-4B06-B2CB-3058CE86A13C}"/>
+                </a:ext>
+              </a:extLst>
+            </p:cNvPr>
+            <p:cNvSpPr/>
+            <p:nvPr/>
+          </p:nvSpPr>
+          <p:spPr>
+            <a:xfrm rot="10149176">
+              <a:off x="6968784" y="1735727"/>
+              <a:ext cx="115440" cy="244779"/>
+            </a:xfrm>
+            <a:prstGeom prst="teardrop">
+              <a:avLst>
+                <a:gd name="adj" fmla="val 42889"/>
+              </a:avLst>
+            </a:prstGeom>
+            <a:solidFill>
+              <a:srgbClr val="FFFF01"/>
+            </a:solidFill>
+            <a:ln w="3810">
+              <a:solidFill>
+                <a:schemeClr val="accent1">
+                  <a:shade val="50000"/>
+                </a:schemeClr>
+              </a:solidFill>
+            </a:ln>
+          </p:spPr>
+          <p:style>
+            <a:lnRef idx="2">
+              <a:schemeClr val="accent1">
+                <a:shade val="50000"/>
+              </a:schemeClr>
+            </a:lnRef>
+            <a:fillRef idx="1">
+              <a:schemeClr val="accent1"/>
+            </a:fillRef>
+            <a:effectRef idx="0">
+              <a:schemeClr val="accent1"/>
+            </a:effectRef>
+            <a:fontRef idx="minor">
+              <a:schemeClr val="lt1"/>
+            </a:fontRef>
+          </p:style>
+          <p:txBody>
+            <a:bodyPr rtlCol="0" anchor="ctr"/>
+            <a:lstStyle/>
+            <a:p>
+              <a:pPr algn="ctr"/>
+              <a:endParaRPr lang="en-US"/>
+            </a:p>
+          </p:txBody>
+        </p:sp>
+        <p:sp>
+          <p:nvSpPr>
+            <p:cNvPr id="112" name="Teardrop 111">
+              <a:extLst>
+                <a:ext uri="{FF2B5EF4-FFF2-40B4-BE49-F238E27FC236}">
+                  <a16:creationId xmlns:a16="http://schemas.microsoft.com/office/drawing/2014/main" id="{6BCF2B75-40D9-47BF-A2ED-6172A7CFDD9B}"/>
+                </a:ext>
+              </a:extLst>
+            </p:cNvPr>
+            <p:cNvSpPr/>
+            <p:nvPr/>
+          </p:nvSpPr>
+          <p:spPr>
+            <a:xfrm rot="9326464">
+              <a:off x="6990257" y="1803478"/>
+              <a:ext cx="72167" cy="115031"/>
+            </a:xfrm>
+            <a:prstGeom prst="teardrop">
+              <a:avLst>
+                <a:gd name="adj" fmla="val 32346"/>
+              </a:avLst>
+            </a:prstGeom>
+            <a:solidFill>
+              <a:srgbClr val="FF0000"/>
+            </a:solidFill>
+            <a:ln w="3810">
+              <a:solidFill>
+                <a:schemeClr val="accent1">
+                  <a:shade val="50000"/>
+                </a:schemeClr>
+              </a:solidFill>
+            </a:ln>
+          </p:spPr>
+          <p:style>
+            <a:lnRef idx="2">
+              <a:schemeClr val="accent1">
+                <a:shade val="50000"/>
+              </a:schemeClr>
+            </a:lnRef>
+            <a:fillRef idx="1">
+              <a:schemeClr val="accent1"/>
+            </a:fillRef>
+            <a:effectRef idx="0">
+              <a:schemeClr val="accent1"/>
+            </a:effectRef>
+            <a:fontRef idx="minor">
+              <a:schemeClr val="lt1"/>
+            </a:fontRef>
+          </p:style>
+          <p:txBody>
+            <a:bodyPr rtlCol="0" anchor="ctr"/>
+            <a:lstStyle/>
+            <a:p>
+              <a:pPr algn="ctr"/>
+              <a:endParaRPr lang="en-US"/>
+            </a:p>
+          </p:txBody>
+        </p:sp>
+      </p:grpSp>
+      <p:grpSp>
+        <p:nvGrpSpPr>
+          <p:cNvPr id="132" name="Group 131">
+            <a:extLst>
+              <a:ext uri="{FF2B5EF4-FFF2-40B4-BE49-F238E27FC236}">
+                <a16:creationId xmlns:a16="http://schemas.microsoft.com/office/drawing/2014/main" id="{118E454C-4CAC-4A6A-99CF-FE2F30754CC2}"/>
+              </a:ext>
+            </a:extLst>
+          </p:cNvPr>
+          <p:cNvGrpSpPr/>
+          <p:nvPr/>
+        </p:nvGrpSpPr>
+        <p:grpSpPr>
+          <a:xfrm rot="20637106">
+            <a:off x="6665350" y="1589390"/>
+            <a:ext cx="309500" cy="656904"/>
+            <a:chOff x="6916911" y="1853469"/>
+            <a:chExt cx="548585" cy="438384"/>
+          </a:xfrm>
+        </p:grpSpPr>
+        <p:sp>
+          <p:nvSpPr>
+            <p:cNvPr id="124" name="Teardrop 123">
+              <a:extLst>
+                <a:ext uri="{FF2B5EF4-FFF2-40B4-BE49-F238E27FC236}">
+                  <a16:creationId xmlns:a16="http://schemas.microsoft.com/office/drawing/2014/main" id="{56A53783-82EF-46BE-9F9E-FB4E9CC7C0DC}"/>
+                </a:ext>
+              </a:extLst>
+            </p:cNvPr>
+            <p:cNvSpPr/>
+            <p:nvPr/>
+          </p:nvSpPr>
+          <p:spPr>
+            <a:xfrm rot="10800000">
+              <a:off x="6916911" y="1853469"/>
+              <a:ext cx="548585" cy="438384"/>
+            </a:xfrm>
+            <a:prstGeom prst="teardrop">
+              <a:avLst>
+                <a:gd name="adj" fmla="val 58778"/>
+              </a:avLst>
+            </a:prstGeom>
+            <a:solidFill>
+              <a:schemeClr val="bg2">
+                <a:lumMod val="75000"/>
+              </a:schemeClr>
+            </a:solidFill>
+            <a:ln w="3810">
+              <a:solidFill>
+                <a:schemeClr val="accent1">
+                  <a:shade val="50000"/>
+                </a:schemeClr>
+              </a:solidFill>
+            </a:ln>
+          </p:spPr>
+          <p:style>
+            <a:lnRef idx="2">
+              <a:schemeClr val="accent1">
+                <a:shade val="50000"/>
+              </a:schemeClr>
+            </a:lnRef>
+            <a:fillRef idx="1">
+              <a:schemeClr val="accent1"/>
+            </a:fillRef>
+            <a:effectRef idx="0">
+              <a:schemeClr val="accent1"/>
+            </a:effectRef>
+            <a:fontRef idx="minor">
+              <a:schemeClr val="lt1"/>
+            </a:fontRef>
+          </p:style>
+          <p:txBody>
+            <a:bodyPr rtlCol="0" anchor="ctr"/>
+            <a:lstStyle/>
+            <a:p>
+              <a:pPr algn="ctr"/>
+              <a:endParaRPr lang="en-US"/>
+            </a:p>
+          </p:txBody>
+        </p:sp>
+        <p:sp>
+          <p:nvSpPr>
+            <p:cNvPr id="115" name="Teardrop 114">
+              <a:extLst>
+                <a:ext uri="{FF2B5EF4-FFF2-40B4-BE49-F238E27FC236}">
+                  <a16:creationId xmlns:a16="http://schemas.microsoft.com/office/drawing/2014/main" id="{662C65A7-A63E-4F6B-8D29-96190784D4D5}"/>
+                </a:ext>
+              </a:extLst>
+            </p:cNvPr>
+            <p:cNvSpPr/>
+            <p:nvPr/>
+          </p:nvSpPr>
+          <p:spPr>
+            <a:xfrm rot="10800000">
+              <a:off x="6948588" y="1892306"/>
+              <a:ext cx="485233" cy="368350"/>
+            </a:xfrm>
+            <a:prstGeom prst="teardrop">
+              <a:avLst>
+                <a:gd name="adj" fmla="val 58778"/>
+              </a:avLst>
+            </a:prstGeom>
+            <a:solidFill>
+              <a:srgbClr val="0070C0"/>
+            </a:solidFill>
+            <a:ln w="3810">
+              <a:solidFill>
+                <a:schemeClr val="accent1">
+                  <a:shade val="50000"/>
+                </a:schemeClr>
+              </a:solidFill>
+            </a:ln>
+          </p:spPr>
+          <p:style>
+            <a:lnRef idx="2">
+              <a:schemeClr val="accent1">
+                <a:shade val="50000"/>
+              </a:schemeClr>
+            </a:lnRef>
+            <a:fillRef idx="1">
+              <a:schemeClr val="accent1"/>
+            </a:fillRef>
+            <a:effectRef idx="0">
+              <a:schemeClr val="accent1"/>
+            </a:effectRef>
+            <a:fontRef idx="minor">
+              <a:schemeClr val="lt1"/>
+            </a:fontRef>
+          </p:style>
+          <p:txBody>
+            <a:bodyPr rtlCol="0" anchor="ctr"/>
+            <a:lstStyle/>
+            <a:p>
+              <a:pPr algn="ctr"/>
+              <a:endParaRPr lang="en-US"/>
+            </a:p>
+          </p:txBody>
+        </p:sp>
+        <p:sp>
+          <p:nvSpPr>
+            <p:cNvPr id="116" name="Teardrop 115">
+              <a:extLst>
+                <a:ext uri="{FF2B5EF4-FFF2-40B4-BE49-F238E27FC236}">
+                  <a16:creationId xmlns:a16="http://schemas.microsoft.com/office/drawing/2014/main" id="{114B7AF3-6882-4F9E-B04B-94ABC90AF285}"/>
+                </a:ext>
+              </a:extLst>
+            </p:cNvPr>
+            <p:cNvSpPr/>
+            <p:nvPr/>
+          </p:nvSpPr>
+          <p:spPr>
+            <a:xfrm rot="11279673">
+              <a:off x="6993393" y="1939438"/>
+              <a:ext cx="395622" cy="291524"/>
+            </a:xfrm>
+            <a:prstGeom prst="teardrop">
+              <a:avLst>
+                <a:gd name="adj" fmla="val 51326"/>
+              </a:avLst>
+            </a:prstGeom>
+            <a:solidFill>
+              <a:srgbClr val="61FFF7"/>
+            </a:solidFill>
+            <a:ln w="3810">
+              <a:solidFill>
+                <a:schemeClr val="accent1">
+                  <a:shade val="50000"/>
+                </a:schemeClr>
+              </a:solidFill>
+            </a:ln>
+          </p:spPr>
+          <p:style>
+            <a:lnRef idx="2">
+              <a:schemeClr val="accent1">
+                <a:shade val="50000"/>
+              </a:schemeClr>
+            </a:lnRef>
+            <a:fillRef idx="1">
+              <a:schemeClr val="accent1"/>
+            </a:fillRef>
+            <a:effectRef idx="0">
+              <a:schemeClr val="accent1"/>
+            </a:effectRef>
+            <a:fontRef idx="minor">
+              <a:schemeClr val="lt1"/>
+            </a:fontRef>
+          </p:style>
+          <p:txBody>
+            <a:bodyPr rtlCol="0" anchor="ctr"/>
+            <a:lstStyle/>
+            <a:p>
+              <a:pPr algn="ctr"/>
+              <a:endParaRPr lang="en-US"/>
+            </a:p>
+          </p:txBody>
+        </p:sp>
+        <p:sp>
+          <p:nvSpPr>
+            <p:cNvPr id="117" name="Teardrop 116">
+              <a:extLst>
+                <a:ext uri="{FF2B5EF4-FFF2-40B4-BE49-F238E27FC236}">
+                  <a16:creationId xmlns:a16="http://schemas.microsoft.com/office/drawing/2014/main" id="{F66F6DD6-0971-4F8D-8465-7B50FE1FEAE5}"/>
+                </a:ext>
+              </a:extLst>
+            </p:cNvPr>
+            <p:cNvSpPr/>
+            <p:nvPr/>
+          </p:nvSpPr>
+          <p:spPr>
+            <a:xfrm rot="11367340">
+              <a:off x="7062042" y="2016700"/>
+              <a:ext cx="246143" cy="154758"/>
+            </a:xfrm>
+            <a:prstGeom prst="teardrop">
+              <a:avLst>
+                <a:gd name="adj" fmla="val 34300"/>
+              </a:avLst>
+            </a:prstGeom>
+            <a:solidFill>
+              <a:srgbClr val="FFFF01"/>
+            </a:solidFill>
+            <a:ln w="3810">
+              <a:solidFill>
+                <a:schemeClr val="accent1">
+                  <a:shade val="50000"/>
+                </a:schemeClr>
+              </a:solidFill>
+            </a:ln>
+          </p:spPr>
+          <p:style>
+            <a:lnRef idx="2">
+              <a:schemeClr val="accent1">
+                <a:shade val="50000"/>
+              </a:schemeClr>
+            </a:lnRef>
+            <a:fillRef idx="1">
+              <a:schemeClr val="accent1"/>
+            </a:fillRef>
+            <a:effectRef idx="0">
+              <a:schemeClr val="accent1"/>
+            </a:effectRef>
+            <a:fontRef idx="minor">
+              <a:schemeClr val="lt1"/>
+            </a:fontRef>
+          </p:style>
+          <p:txBody>
+            <a:bodyPr rtlCol="0" anchor="ctr"/>
+            <a:lstStyle/>
+            <a:p>
+              <a:pPr algn="ctr"/>
+              <a:endParaRPr lang="en-US"/>
+            </a:p>
+          </p:txBody>
+        </p:sp>
+        <p:sp>
+          <p:nvSpPr>
+            <p:cNvPr id="118" name="Teardrop 117">
+              <a:extLst>
+                <a:ext uri="{FF2B5EF4-FFF2-40B4-BE49-F238E27FC236}">
+                  <a16:creationId xmlns:a16="http://schemas.microsoft.com/office/drawing/2014/main" id="{86ECC121-899A-42C7-8465-8F5F667C9DBE}"/>
+                </a:ext>
+              </a:extLst>
+            </p:cNvPr>
+            <p:cNvSpPr/>
+            <p:nvPr/>
+          </p:nvSpPr>
+          <p:spPr>
+            <a:xfrm rot="11762894">
+              <a:off x="7139584" y="2054412"/>
+              <a:ext cx="104625" cy="84786"/>
+            </a:xfrm>
+            <a:prstGeom prst="teardrop">
+              <a:avLst>
+                <a:gd name="adj" fmla="val 29240"/>
+              </a:avLst>
+            </a:prstGeom>
+            <a:solidFill>
+              <a:srgbClr val="FF0000"/>
+            </a:solidFill>
+            <a:ln w="3810">
+              <a:solidFill>
+                <a:schemeClr val="accent1">
+                  <a:shade val="50000"/>
+                </a:schemeClr>
+              </a:solidFill>
+            </a:ln>
+          </p:spPr>
+          <p:style>
+            <a:lnRef idx="2">
+              <a:schemeClr val="accent1">
+                <a:shade val="50000"/>
+              </a:schemeClr>
+            </a:lnRef>
+            <a:fillRef idx="1">
+              <a:schemeClr val="accent1"/>
+            </a:fillRef>
+            <a:effectRef idx="0">
+              <a:schemeClr val="accent1"/>
+            </a:effectRef>
+            <a:fontRef idx="minor">
+              <a:schemeClr val="lt1"/>
+            </a:fontRef>
+          </p:style>
+          <p:txBody>
+            <a:bodyPr rtlCol="0" anchor="ctr"/>
+            <a:lstStyle/>
+            <a:p>
+              <a:pPr algn="ctr"/>
+              <a:endParaRPr lang="en-US"/>
+            </a:p>
+          </p:txBody>
+        </p:sp>
+      </p:grpSp>
+      <p:grpSp>
+        <p:nvGrpSpPr>
+          <p:cNvPr id="141" name="Group 140">
+            <a:extLst>
+              <a:ext uri="{FF2B5EF4-FFF2-40B4-BE49-F238E27FC236}">
+                <a16:creationId xmlns:a16="http://schemas.microsoft.com/office/drawing/2014/main" id="{5FE7F912-CB79-4DA7-BF7A-72CF5CD56383}"/>
+              </a:ext>
+            </a:extLst>
+          </p:cNvPr>
+          <p:cNvGrpSpPr/>
+          <p:nvPr/>
+        </p:nvGrpSpPr>
+        <p:grpSpPr>
+          <a:xfrm>
+            <a:off x="7769700" y="1055907"/>
+            <a:ext cx="437988" cy="638448"/>
+            <a:chOff x="7656841" y="1115516"/>
+            <a:chExt cx="309513" cy="1047728"/>
+          </a:xfrm>
+        </p:grpSpPr>
+        <p:sp>
+          <p:nvSpPr>
+            <p:cNvPr id="136" name="Teardrop 135">
+              <a:extLst>
+                <a:ext uri="{FF2B5EF4-FFF2-40B4-BE49-F238E27FC236}">
+                  <a16:creationId xmlns:a16="http://schemas.microsoft.com/office/drawing/2014/main" id="{99B198A7-9AD7-46FC-A5B4-E7081C6E17ED}"/>
+                </a:ext>
+              </a:extLst>
+            </p:cNvPr>
+            <p:cNvSpPr/>
+            <p:nvPr/>
+          </p:nvSpPr>
+          <p:spPr>
+            <a:xfrm rot="9830347">
+              <a:off x="7656841" y="1115516"/>
+              <a:ext cx="309513" cy="1047728"/>
+            </a:xfrm>
+            <a:prstGeom prst="teardrop">
+              <a:avLst>
+                <a:gd name="adj" fmla="val 76866"/>
+              </a:avLst>
+            </a:prstGeom>
+            <a:solidFill>
+              <a:schemeClr val="bg2">
+                <a:lumMod val="75000"/>
+              </a:schemeClr>
+            </a:solidFill>
+            <a:ln w="3810">
+              <a:solidFill>
+                <a:schemeClr val="accent1">
+                  <a:shade val="50000"/>
+                </a:schemeClr>
+              </a:solidFill>
+            </a:ln>
+          </p:spPr>
+          <p:style>
+            <a:lnRef idx="2">
+              <a:schemeClr val="accent1">
+                <a:shade val="50000"/>
+              </a:schemeClr>
+            </a:lnRef>
+            <a:fillRef idx="1">
+              <a:schemeClr val="accent1"/>
+            </a:fillRef>
+            <a:effectRef idx="0">
+              <a:schemeClr val="accent1"/>
+            </a:effectRef>
+            <a:fontRef idx="minor">
+              <a:schemeClr val="lt1"/>
+            </a:fontRef>
+          </p:style>
+          <p:txBody>
+            <a:bodyPr rtlCol="0" anchor="ctr"/>
+            <a:lstStyle/>
+            <a:p>
+              <a:pPr algn="ctr"/>
+              <a:endParaRPr lang="en-US"/>
+            </a:p>
+          </p:txBody>
+        </p:sp>
+        <p:sp>
+          <p:nvSpPr>
+            <p:cNvPr id="137" name="Teardrop 136">
+              <a:extLst>
+                <a:ext uri="{FF2B5EF4-FFF2-40B4-BE49-F238E27FC236}">
+                  <a16:creationId xmlns:a16="http://schemas.microsoft.com/office/drawing/2014/main" id="{BCE62E94-98BD-4F63-B52C-75F84B9E5861}"/>
+                </a:ext>
+              </a:extLst>
+            </p:cNvPr>
+            <p:cNvSpPr/>
+            <p:nvPr/>
+          </p:nvSpPr>
+          <p:spPr>
+            <a:xfrm rot="9937100">
+              <a:off x="7686680" y="1226044"/>
+              <a:ext cx="261731" cy="859431"/>
+            </a:xfrm>
+            <a:prstGeom prst="teardrop">
+              <a:avLst>
+                <a:gd name="adj" fmla="val 72891"/>
+              </a:avLst>
+            </a:prstGeom>
+            <a:solidFill>
+              <a:srgbClr val="0070C0"/>
+            </a:solidFill>
+            <a:ln w="3810">
+              <a:solidFill>
+                <a:schemeClr val="accent1">
+                  <a:shade val="50000"/>
+                </a:schemeClr>
+              </a:solidFill>
+            </a:ln>
+          </p:spPr>
+          <p:style>
+            <a:lnRef idx="2">
+              <a:schemeClr val="accent1">
+                <a:shade val="50000"/>
+              </a:schemeClr>
+            </a:lnRef>
+            <a:fillRef idx="1">
+              <a:schemeClr val="accent1"/>
+            </a:fillRef>
+            <a:effectRef idx="0">
+              <a:schemeClr val="accent1"/>
+            </a:effectRef>
+            <a:fontRef idx="minor">
+              <a:schemeClr val="lt1"/>
+            </a:fontRef>
+          </p:style>
+          <p:txBody>
+            <a:bodyPr rtlCol="0" anchor="ctr"/>
+            <a:lstStyle/>
+            <a:p>
+              <a:pPr algn="ctr"/>
+              <a:endParaRPr lang="en-US"/>
+            </a:p>
+          </p:txBody>
+        </p:sp>
+        <p:sp>
+          <p:nvSpPr>
+            <p:cNvPr id="138" name="Teardrop 137">
+              <a:extLst>
+                <a:ext uri="{FF2B5EF4-FFF2-40B4-BE49-F238E27FC236}">
+                  <a16:creationId xmlns:a16="http://schemas.microsoft.com/office/drawing/2014/main" id="{8D5FEC33-EC02-4BE6-AE16-5F12277D023D}"/>
+                </a:ext>
+              </a:extLst>
+            </p:cNvPr>
+            <p:cNvSpPr/>
+            <p:nvPr/>
+          </p:nvSpPr>
+          <p:spPr>
+            <a:xfrm rot="9834477">
+              <a:off x="7712082" y="1383728"/>
+              <a:ext cx="215527" cy="588216"/>
+            </a:xfrm>
+            <a:prstGeom prst="teardrop">
+              <a:avLst>
+                <a:gd name="adj" fmla="val 74809"/>
+              </a:avLst>
+            </a:prstGeom>
+            <a:solidFill>
+              <a:srgbClr val="61FFF7"/>
+            </a:solidFill>
+            <a:ln w="3810">
+              <a:solidFill>
+                <a:schemeClr val="accent1">
+                  <a:shade val="50000"/>
+                </a:schemeClr>
+              </a:solidFill>
+            </a:ln>
+          </p:spPr>
+          <p:style>
+            <a:lnRef idx="2">
+              <a:schemeClr val="accent1">
+                <a:shade val="50000"/>
+              </a:schemeClr>
+            </a:lnRef>
+            <a:fillRef idx="1">
+              <a:schemeClr val="accent1"/>
+            </a:fillRef>
+            <a:effectRef idx="0">
+              <a:schemeClr val="accent1"/>
+            </a:effectRef>
+            <a:fontRef idx="minor">
+              <a:schemeClr val="lt1"/>
+            </a:fontRef>
+          </p:style>
+          <p:txBody>
+            <a:bodyPr rtlCol="0" anchor="ctr"/>
+            <a:lstStyle/>
+            <a:p>
+              <a:pPr algn="ctr"/>
+              <a:endParaRPr lang="en-US"/>
+            </a:p>
+          </p:txBody>
+        </p:sp>
+        <p:sp>
+          <p:nvSpPr>
+            <p:cNvPr id="139" name="Teardrop 138">
+              <a:extLst>
+                <a:ext uri="{FF2B5EF4-FFF2-40B4-BE49-F238E27FC236}">
+                  <a16:creationId xmlns:a16="http://schemas.microsoft.com/office/drawing/2014/main" id="{F5F66F04-8C3C-4908-9189-497DC84ACED7}"/>
+                </a:ext>
+              </a:extLst>
+            </p:cNvPr>
+            <p:cNvSpPr/>
+            <p:nvPr/>
+          </p:nvSpPr>
+          <p:spPr>
+            <a:xfrm rot="9609584">
+              <a:off x="7751356" y="1502944"/>
+              <a:ext cx="136830" cy="402700"/>
+            </a:xfrm>
+            <a:prstGeom prst="teardrop">
+              <a:avLst>
+                <a:gd name="adj" fmla="val 82065"/>
+              </a:avLst>
+            </a:prstGeom>
+            <a:solidFill>
+              <a:srgbClr val="FFFF01"/>
+            </a:solidFill>
+            <a:ln w="3810">
+              <a:solidFill>
+                <a:schemeClr val="accent1">
+                  <a:shade val="50000"/>
+                </a:schemeClr>
+              </a:solidFill>
+            </a:ln>
+          </p:spPr>
+          <p:style>
+            <a:lnRef idx="2">
+              <a:schemeClr val="accent1">
+                <a:shade val="50000"/>
+              </a:schemeClr>
+            </a:lnRef>
+            <a:fillRef idx="1">
+              <a:schemeClr val="accent1"/>
+            </a:fillRef>
+            <a:effectRef idx="0">
+              <a:schemeClr val="accent1"/>
+            </a:effectRef>
+            <a:fontRef idx="minor">
+              <a:schemeClr val="lt1"/>
+            </a:fontRef>
+          </p:style>
+          <p:txBody>
+            <a:bodyPr rtlCol="0" anchor="ctr"/>
+            <a:lstStyle/>
+            <a:p>
+              <a:pPr algn="ctr"/>
+              <a:endParaRPr lang="en-US"/>
+            </a:p>
+          </p:txBody>
+        </p:sp>
+        <p:sp>
+          <p:nvSpPr>
+            <p:cNvPr id="140" name="Teardrop 139">
+              <a:extLst>
+                <a:ext uri="{FF2B5EF4-FFF2-40B4-BE49-F238E27FC236}">
+                  <a16:creationId xmlns:a16="http://schemas.microsoft.com/office/drawing/2014/main" id="{ABDC3990-DFC7-4B47-8972-5A135D5B427B}"/>
+                </a:ext>
+              </a:extLst>
+            </p:cNvPr>
+            <p:cNvSpPr/>
+            <p:nvPr/>
+          </p:nvSpPr>
+          <p:spPr>
+            <a:xfrm rot="9453822">
+              <a:off x="7783796" y="1612769"/>
+              <a:ext cx="70738" cy="215252"/>
+            </a:xfrm>
+            <a:prstGeom prst="teardrop">
+              <a:avLst>
+                <a:gd name="adj" fmla="val 84823"/>
+              </a:avLst>
+            </a:prstGeom>
+            <a:solidFill>
+              <a:srgbClr val="FF0000"/>
+            </a:solidFill>
+            <a:ln w="3810">
+              <a:solidFill>
+                <a:schemeClr val="accent1">
+                  <a:shade val="50000"/>
+                </a:schemeClr>
+              </a:solidFill>
+            </a:ln>
+          </p:spPr>
+          <p:style>
+            <a:lnRef idx="2">
+              <a:schemeClr val="accent1">
+                <a:shade val="50000"/>
+              </a:schemeClr>
+            </a:lnRef>
+            <a:fillRef idx="1">
+              <a:schemeClr val="accent1"/>
+            </a:fillRef>
+            <a:effectRef idx="0">
+              <a:schemeClr val="accent1"/>
+            </a:effectRef>
+            <a:fontRef idx="minor">
+              <a:schemeClr val="lt1"/>
+            </a:fontRef>
+          </p:style>
+          <p:txBody>
+            <a:bodyPr rtlCol="0" anchor="ctr"/>
+            <a:lstStyle/>
+            <a:p>
+              <a:pPr algn="ctr"/>
+              <a:endParaRPr lang="en-US"/>
+            </a:p>
+          </p:txBody>
+        </p:sp>
+      </p:grpSp>
+      <p:sp>
+        <p:nvSpPr>
+          <p:cNvPr id="2" name="Arrow: Right 1">
+            <a:extLst>
+              <a:ext uri="{FF2B5EF4-FFF2-40B4-BE49-F238E27FC236}">
+                <a16:creationId xmlns:a16="http://schemas.microsoft.com/office/drawing/2014/main" id="{83F335F3-B774-427C-A047-D22CCB2358B9}"/>
+              </a:ext>
+            </a:extLst>
+          </p:cNvPr>
+          <p:cNvSpPr/>
+          <p:nvPr/>
+        </p:nvSpPr>
+        <p:spPr>
+          <a:xfrm>
+            <a:off x="8633232" y="3082427"/>
+            <a:ext cx="1216256" cy="452612"/>
+          </a:xfrm>
+          <a:prstGeom prst="rightArrow">
+            <a:avLst>
+              <a:gd name="adj1" fmla="val 50000"/>
+              <a:gd name="adj2" fmla="val 99350"/>
+            </a:avLst>
+          </a:prstGeom>
+          <a:solidFill>
+            <a:srgbClr val="FF0000"/>
+          </a:solidFill>
+          <a:ln w="6350">
+            <a:solidFill>
+              <a:schemeClr val="tx1"/>
+            </a:solidFill>
+          </a:ln>
+          <a:scene3d>
+            <a:camera prst="isometricOffAxis1Top">
+              <a:rot lat="18969643" lon="18762693" rev="4983430"/>
+            </a:camera>
+            <a:lightRig rig="threePt" dir="t"/>
+          </a:scene3d>
+        </p:spPr>
+        <p:style>
+          <a:lnRef idx="2">
+            <a:schemeClr val="accent1">
+              <a:shade val="50000"/>
+            </a:schemeClr>
+          </a:lnRef>
+          <a:fillRef idx="1">
+            <a:schemeClr val="accent1"/>
+          </a:fillRef>
+          <a:effectRef idx="0">
+            <a:schemeClr val="accent1"/>
+          </a:effectRef>
+          <a:fontRef idx="minor">
+            <a:schemeClr val="lt1"/>
+          </a:fontRef>
+        </p:style>
+        <p:txBody>
+          <a:bodyPr rtlCol="0" anchor="ctr"/>
+          <a:lstStyle/>
+          <a:p>
+            <a:pPr algn="ctr"/>
+            <a:endParaRPr lang="en-US"/>
+          </a:p>
+        </p:txBody>
+      </p:sp>
+      <p:grpSp>
+        <p:nvGrpSpPr>
+          <p:cNvPr id="4" name="Group 3">
+            <a:extLst>
+              <a:ext uri="{FF2B5EF4-FFF2-40B4-BE49-F238E27FC236}">
+                <a16:creationId xmlns:a16="http://schemas.microsoft.com/office/drawing/2014/main" id="{BA88478B-5116-4FEC-A548-8F3D1D256B7D}"/>
+              </a:ext>
+            </a:extLst>
+          </p:cNvPr>
+          <p:cNvGrpSpPr/>
+          <p:nvPr/>
+        </p:nvGrpSpPr>
+        <p:grpSpPr>
+          <a:xfrm>
+            <a:off x="3189807" y="3067226"/>
+            <a:ext cx="275865" cy="207261"/>
+            <a:chOff x="3252685" y="4363039"/>
+            <a:chExt cx="303452" cy="227987"/>
+          </a:xfrm>
+        </p:grpSpPr>
+        <p:sp>
+          <p:nvSpPr>
+            <p:cNvPr id="85" name="Flowchart: Connector 84">
+              <a:extLst>
+                <a:ext uri="{FF2B5EF4-FFF2-40B4-BE49-F238E27FC236}">
+                  <a16:creationId xmlns:a16="http://schemas.microsoft.com/office/drawing/2014/main" id="{F8E9BA3C-1EDD-4272-8C01-AD9399A7BD47}"/>
+                </a:ext>
+              </a:extLst>
+            </p:cNvPr>
+            <p:cNvSpPr/>
+            <p:nvPr/>
+          </p:nvSpPr>
+          <p:spPr>
+            <a:xfrm>
+              <a:off x="3252685" y="4363039"/>
+              <a:ext cx="303452" cy="227987"/>
+            </a:xfrm>
+            <a:prstGeom prst="flowChartConnector">
+              <a:avLst/>
+            </a:prstGeom>
+            <a:solidFill>
+              <a:srgbClr val="0070C0"/>
+            </a:solidFill>
+          </p:spPr>
+          <p:style>
+            <a:lnRef idx="2">
+              <a:schemeClr val="accent1">
+                <a:shade val="50000"/>
+              </a:schemeClr>
+            </a:lnRef>
+            <a:fillRef idx="1">
+              <a:schemeClr val="accent1"/>
+            </a:fillRef>
+            <a:effectRef idx="0">
+              <a:schemeClr val="accent1"/>
+            </a:effectRef>
+            <a:fontRef idx="minor">
+              <a:schemeClr val="lt1"/>
+            </a:fontRef>
+          </p:style>
+          <p:txBody>
+            <a:bodyPr rtlCol="0" anchor="ctr"/>
+            <a:lstStyle/>
+            <a:p>
+              <a:pPr algn="ctr"/>
+              <a:endParaRPr lang="en-US"/>
+            </a:p>
+          </p:txBody>
+        </p:sp>
+        <p:sp>
+          <p:nvSpPr>
+            <p:cNvPr id="84" name="Flowchart: Connector 83">
+              <a:extLst>
+                <a:ext uri="{FF2B5EF4-FFF2-40B4-BE49-F238E27FC236}">
+                  <a16:creationId xmlns:a16="http://schemas.microsoft.com/office/drawing/2014/main" id="{0534C09C-5815-4DC8-9430-C79CA6A0ABEF}"/>
+                </a:ext>
+              </a:extLst>
+            </p:cNvPr>
+            <p:cNvSpPr/>
+            <p:nvPr/>
+          </p:nvSpPr>
+          <p:spPr>
+            <a:xfrm>
+              <a:off x="3281502" y="4394219"/>
+              <a:ext cx="250786" cy="155718"/>
+            </a:xfrm>
+            <a:prstGeom prst="flowChartConnector">
+              <a:avLst/>
+            </a:prstGeom>
+            <a:solidFill>
+              <a:srgbClr val="61FFF7"/>
+            </a:solidFill>
+          </p:spPr>
+          <p:style>
+            <a:lnRef idx="2">
+              <a:schemeClr val="accent1">
+                <a:shade val="50000"/>
+              </a:schemeClr>
+            </a:lnRef>
+            <a:fillRef idx="1">
+              <a:schemeClr val="accent1"/>
+            </a:fillRef>
+            <a:effectRef idx="0">
+              <a:schemeClr val="accent1"/>
+            </a:effectRef>
+            <a:fontRef idx="minor">
+              <a:schemeClr val="lt1"/>
+            </a:fontRef>
+          </p:style>
+          <p:txBody>
+            <a:bodyPr rtlCol="0" anchor="ctr"/>
+            <a:lstStyle/>
+            <a:p>
+              <a:pPr algn="ctr"/>
+              <a:endParaRPr lang="en-US"/>
+            </a:p>
+          </p:txBody>
+        </p:sp>
+        <p:sp>
+          <p:nvSpPr>
+            <p:cNvPr id="83" name="Flowchart: Connector 82">
+              <a:extLst>
+                <a:ext uri="{FF2B5EF4-FFF2-40B4-BE49-F238E27FC236}">
+                  <a16:creationId xmlns:a16="http://schemas.microsoft.com/office/drawing/2014/main" id="{4106126C-3253-4ECB-9AF6-333D5041D076}"/>
+                </a:ext>
+              </a:extLst>
+            </p:cNvPr>
+            <p:cNvSpPr/>
+            <p:nvPr/>
+          </p:nvSpPr>
+          <p:spPr>
+            <a:xfrm>
+              <a:off x="3331881" y="4418897"/>
+              <a:ext cx="141562" cy="106358"/>
+            </a:xfrm>
+            <a:prstGeom prst="flowChartConnector">
+              <a:avLst/>
+            </a:prstGeom>
+            <a:solidFill>
+              <a:srgbClr val="FFFF01"/>
+            </a:solidFill>
+          </p:spPr>
+          <p:style>
+            <a:lnRef idx="2">
+              <a:schemeClr val="accent1">
+                <a:shade val="50000"/>
+              </a:schemeClr>
+            </a:lnRef>
+            <a:fillRef idx="1">
+              <a:schemeClr val="accent1"/>
+            </a:fillRef>
+            <a:effectRef idx="0">
+              <a:schemeClr val="accent1"/>
+            </a:effectRef>
+            <a:fontRef idx="minor">
+              <a:schemeClr val="lt1"/>
+            </a:fontRef>
+          </p:style>
+          <p:txBody>
+            <a:bodyPr rtlCol="0" anchor="ctr"/>
+            <a:lstStyle/>
+            <a:p>
+              <a:pPr algn="ctr"/>
+              <a:endParaRPr lang="en-US"/>
+            </a:p>
+          </p:txBody>
+        </p:sp>
+        <p:sp>
+          <p:nvSpPr>
+            <p:cNvPr id="80" name="Flowchart: Connector 79">
+              <a:extLst>
+                <a:ext uri="{FF2B5EF4-FFF2-40B4-BE49-F238E27FC236}">
+                  <a16:creationId xmlns:a16="http://schemas.microsoft.com/office/drawing/2014/main" id="{AE8BA498-272C-4741-ADB8-CC5D4EC57FC8}"/>
+                </a:ext>
+              </a:extLst>
+            </p:cNvPr>
+            <p:cNvSpPr/>
+            <p:nvPr/>
+          </p:nvSpPr>
+          <p:spPr>
+            <a:xfrm>
+              <a:off x="3366340" y="4439052"/>
+              <a:ext cx="72644" cy="66040"/>
+            </a:xfrm>
+            <a:prstGeom prst="flowChartConnector">
+              <a:avLst/>
+            </a:prstGeom>
+            <a:solidFill>
+              <a:srgbClr val="FF0000"/>
+            </a:solidFill>
+          </p:spPr>
+          <p:style>
+            <a:lnRef idx="2">
+              <a:schemeClr val="accent1">
+                <a:shade val="50000"/>
+              </a:schemeClr>
+            </a:lnRef>
+            <a:fillRef idx="1">
+              <a:schemeClr val="accent1"/>
+            </a:fillRef>
+            <a:effectRef idx="0">
+              <a:schemeClr val="accent1"/>
+            </a:effectRef>
+            <a:fontRef idx="minor">
+              <a:schemeClr val="lt1"/>
+            </a:fontRef>
+          </p:style>
+          <p:txBody>
+            <a:bodyPr rtlCol="0" anchor="ctr"/>
+            <a:lstStyle/>
+            <a:p>
+              <a:pPr algn="ctr"/>
+              <a:endParaRPr lang="en-US"/>
+            </a:p>
+          </p:txBody>
+        </p:sp>
+      </p:grpSp>
+      <p:grpSp>
+        <p:nvGrpSpPr>
+          <p:cNvPr id="86" name="Group 85">
+            <a:extLst>
+              <a:ext uri="{FF2B5EF4-FFF2-40B4-BE49-F238E27FC236}">
+                <a16:creationId xmlns:a16="http://schemas.microsoft.com/office/drawing/2014/main" id="{EB6637B4-9B2A-4FE5-B529-C18344238983}"/>
+              </a:ext>
+            </a:extLst>
+          </p:cNvPr>
+          <p:cNvGrpSpPr/>
+          <p:nvPr/>
+        </p:nvGrpSpPr>
+        <p:grpSpPr>
+          <a:xfrm rot="19958770">
+            <a:off x="2932139" y="2843921"/>
+            <a:ext cx="331216" cy="207261"/>
+            <a:chOff x="3252685" y="4363039"/>
+            <a:chExt cx="303452" cy="227987"/>
+          </a:xfrm>
+        </p:grpSpPr>
+        <p:sp>
+          <p:nvSpPr>
+            <p:cNvPr id="87" name="Flowchart: Connector 86">
+              <a:extLst>
+                <a:ext uri="{FF2B5EF4-FFF2-40B4-BE49-F238E27FC236}">
+                  <a16:creationId xmlns:a16="http://schemas.microsoft.com/office/drawing/2014/main" id="{20CD3D4A-3F46-4333-AC29-63A5F209C95A}"/>
+                </a:ext>
+              </a:extLst>
+            </p:cNvPr>
+            <p:cNvSpPr/>
+            <p:nvPr/>
+          </p:nvSpPr>
+          <p:spPr>
+            <a:xfrm>
+              <a:off x="3252685" y="4363039"/>
+              <a:ext cx="303452" cy="227987"/>
+            </a:xfrm>
+            <a:prstGeom prst="flowChartConnector">
+              <a:avLst/>
+            </a:prstGeom>
+            <a:solidFill>
+              <a:srgbClr val="0070C0"/>
+            </a:solidFill>
+          </p:spPr>
+          <p:style>
+            <a:lnRef idx="2">
+              <a:schemeClr val="accent1">
+                <a:shade val="50000"/>
+              </a:schemeClr>
+            </a:lnRef>
+            <a:fillRef idx="1">
+              <a:schemeClr val="accent1"/>
+            </a:fillRef>
+            <a:effectRef idx="0">
+              <a:schemeClr val="accent1"/>
+            </a:effectRef>
+            <a:fontRef idx="minor">
+              <a:schemeClr val="lt1"/>
+            </a:fontRef>
+          </p:style>
+          <p:txBody>
+            <a:bodyPr rtlCol="0" anchor="ctr"/>
+            <a:lstStyle/>
+            <a:p>
+              <a:pPr algn="ctr"/>
+              <a:endParaRPr lang="en-US"/>
+            </a:p>
+          </p:txBody>
+        </p:sp>
+        <p:sp>
+          <p:nvSpPr>
+            <p:cNvPr id="88" name="Flowchart: Connector 87">
+              <a:extLst>
+                <a:ext uri="{FF2B5EF4-FFF2-40B4-BE49-F238E27FC236}">
+                  <a16:creationId xmlns:a16="http://schemas.microsoft.com/office/drawing/2014/main" id="{46D2E2C9-E35E-4725-8AE8-63AB416A49E6}"/>
+                </a:ext>
+              </a:extLst>
+            </p:cNvPr>
+            <p:cNvSpPr/>
+            <p:nvPr/>
+          </p:nvSpPr>
+          <p:spPr>
+            <a:xfrm>
+              <a:off x="3281502" y="4394219"/>
+              <a:ext cx="250786" cy="155718"/>
+            </a:xfrm>
+            <a:prstGeom prst="flowChartConnector">
+              <a:avLst/>
+            </a:prstGeom>
+            <a:solidFill>
+              <a:srgbClr val="61FFF7"/>
+            </a:solidFill>
+          </p:spPr>
+          <p:style>
+            <a:lnRef idx="2">
+              <a:schemeClr val="accent1">
+                <a:shade val="50000"/>
+              </a:schemeClr>
+            </a:lnRef>
+            <a:fillRef idx="1">
+              <a:schemeClr val="accent1"/>
+            </a:fillRef>
+            <a:effectRef idx="0">
+              <a:schemeClr val="accent1"/>
+            </a:effectRef>
+            <a:fontRef idx="minor">
+              <a:schemeClr val="lt1"/>
+            </a:fontRef>
+          </p:style>
+          <p:txBody>
+            <a:bodyPr rtlCol="0" anchor="ctr"/>
+            <a:lstStyle/>
+            <a:p>
+              <a:pPr algn="ctr"/>
+              <a:endParaRPr lang="en-US"/>
+            </a:p>
+          </p:txBody>
+        </p:sp>
+        <p:sp>
+          <p:nvSpPr>
+            <p:cNvPr id="90" name="Flowchart: Connector 89">
+              <a:extLst>
+                <a:ext uri="{FF2B5EF4-FFF2-40B4-BE49-F238E27FC236}">
+                  <a16:creationId xmlns:a16="http://schemas.microsoft.com/office/drawing/2014/main" id="{B21265F7-E27F-487A-BE06-E92FB3758989}"/>
+                </a:ext>
+              </a:extLst>
+            </p:cNvPr>
+            <p:cNvSpPr/>
+            <p:nvPr/>
+          </p:nvSpPr>
+          <p:spPr>
+            <a:xfrm>
+              <a:off x="3331881" y="4418897"/>
+              <a:ext cx="141562" cy="106358"/>
+            </a:xfrm>
+            <a:prstGeom prst="flowChartConnector">
+              <a:avLst/>
+            </a:prstGeom>
+            <a:solidFill>
+              <a:srgbClr val="FFFF01"/>
+            </a:solidFill>
+          </p:spPr>
+          <p:style>
+            <a:lnRef idx="2">
+              <a:schemeClr val="accent1">
+                <a:shade val="50000"/>
+              </a:schemeClr>
+            </a:lnRef>
+            <a:fillRef idx="1">
+              <a:schemeClr val="accent1"/>
+            </a:fillRef>
+            <a:effectRef idx="0">
+              <a:schemeClr val="accent1"/>
+            </a:effectRef>
+            <a:fontRef idx="minor">
+              <a:schemeClr val="lt1"/>
+            </a:fontRef>
+          </p:style>
+          <p:txBody>
+            <a:bodyPr rtlCol="0" anchor="ctr"/>
+            <a:lstStyle/>
+            <a:p>
+              <a:pPr algn="ctr"/>
+              <a:endParaRPr lang="en-US"/>
+            </a:p>
+          </p:txBody>
+        </p:sp>
+        <p:sp>
+          <p:nvSpPr>
+            <p:cNvPr id="92" name="Flowchart: Connector 91">
+              <a:extLst>
+                <a:ext uri="{FF2B5EF4-FFF2-40B4-BE49-F238E27FC236}">
+                  <a16:creationId xmlns:a16="http://schemas.microsoft.com/office/drawing/2014/main" id="{07A0CA71-FF72-4565-94DD-7984DCF6546D}"/>
+                </a:ext>
+              </a:extLst>
+            </p:cNvPr>
+            <p:cNvSpPr/>
+            <p:nvPr/>
+          </p:nvSpPr>
+          <p:spPr>
+            <a:xfrm>
+              <a:off x="3366340" y="4439052"/>
+              <a:ext cx="72644" cy="66040"/>
+            </a:xfrm>
+            <a:prstGeom prst="flowChartConnector">
+              <a:avLst/>
+            </a:prstGeom>
+            <a:solidFill>
+              <a:srgbClr val="FF0000"/>
+            </a:solidFill>
+          </p:spPr>
+          <p:style>
+            <a:lnRef idx="2">
+              <a:schemeClr val="accent1">
+                <a:shade val="50000"/>
+              </a:schemeClr>
+            </a:lnRef>
+            <a:fillRef idx="1">
+              <a:schemeClr val="accent1"/>
+            </a:fillRef>
+            <a:effectRef idx="0">
+              <a:schemeClr val="accent1"/>
+            </a:effectRef>
+            <a:fontRef idx="minor">
+              <a:schemeClr val="lt1"/>
+            </a:fontRef>
+          </p:style>
+          <p:txBody>
+            <a:bodyPr rtlCol="0" anchor="ctr"/>
+            <a:lstStyle/>
+            <a:p>
+              <a:pPr algn="ctr"/>
+              <a:endParaRPr lang="en-US"/>
+            </a:p>
+          </p:txBody>
+        </p:sp>
+      </p:grpSp>
+      <p:grpSp>
+        <p:nvGrpSpPr>
+          <p:cNvPr id="93" name="Group 92">
+            <a:extLst>
+              <a:ext uri="{FF2B5EF4-FFF2-40B4-BE49-F238E27FC236}">
+                <a16:creationId xmlns:a16="http://schemas.microsoft.com/office/drawing/2014/main" id="{AA89F6E3-5F40-4367-8839-A1C0733515A9}"/>
+              </a:ext>
+            </a:extLst>
+          </p:cNvPr>
+          <p:cNvGrpSpPr/>
+          <p:nvPr/>
+        </p:nvGrpSpPr>
+        <p:grpSpPr>
+          <a:xfrm rot="187554">
+            <a:off x="2819534" y="2542474"/>
+            <a:ext cx="364338" cy="207261"/>
+            <a:chOff x="3252685" y="4363039"/>
+            <a:chExt cx="303452" cy="227987"/>
+          </a:xfrm>
+        </p:grpSpPr>
+        <p:sp>
+          <p:nvSpPr>
+            <p:cNvPr id="95" name="Flowchart: Connector 94">
+              <a:extLst>
+                <a:ext uri="{FF2B5EF4-FFF2-40B4-BE49-F238E27FC236}">
+                  <a16:creationId xmlns:a16="http://schemas.microsoft.com/office/drawing/2014/main" id="{2B554F19-39CC-439E-8471-59D816146EBE}"/>
+                </a:ext>
+              </a:extLst>
+            </p:cNvPr>
+            <p:cNvSpPr/>
+            <p:nvPr/>
+          </p:nvSpPr>
+          <p:spPr>
+            <a:xfrm>
+              <a:off x="3252685" y="4363039"/>
+              <a:ext cx="303452" cy="227987"/>
+            </a:xfrm>
+            <a:prstGeom prst="flowChartConnector">
+              <a:avLst/>
+            </a:prstGeom>
+            <a:solidFill>
+              <a:srgbClr val="0070C0"/>
+            </a:solidFill>
+          </p:spPr>
+          <p:style>
+            <a:lnRef idx="2">
+              <a:schemeClr val="accent1">
+                <a:shade val="50000"/>
+              </a:schemeClr>
+            </a:lnRef>
+            <a:fillRef idx="1">
+              <a:schemeClr val="accent1"/>
+            </a:fillRef>
+            <a:effectRef idx="0">
+              <a:schemeClr val="accent1"/>
+            </a:effectRef>
+            <a:fontRef idx="minor">
+              <a:schemeClr val="lt1"/>
+            </a:fontRef>
+          </p:style>
+          <p:txBody>
+            <a:bodyPr rtlCol="0" anchor="ctr"/>
+            <a:lstStyle/>
+            <a:p>
+              <a:pPr algn="ctr"/>
+              <a:endParaRPr lang="en-US"/>
+            </a:p>
+          </p:txBody>
+        </p:sp>
+        <p:sp>
+          <p:nvSpPr>
+            <p:cNvPr id="97" name="Flowchart: Connector 96">
+              <a:extLst>
+                <a:ext uri="{FF2B5EF4-FFF2-40B4-BE49-F238E27FC236}">
+                  <a16:creationId xmlns:a16="http://schemas.microsoft.com/office/drawing/2014/main" id="{FDB3863D-D8DE-4A75-89E8-B33393CDBB49}"/>
+                </a:ext>
+              </a:extLst>
+            </p:cNvPr>
+            <p:cNvSpPr/>
+            <p:nvPr/>
+          </p:nvSpPr>
+          <p:spPr>
+            <a:xfrm>
+              <a:off x="3281502" y="4394219"/>
+              <a:ext cx="250786" cy="155718"/>
+            </a:xfrm>
+            <a:prstGeom prst="flowChartConnector">
+              <a:avLst/>
+            </a:prstGeom>
+            <a:solidFill>
+              <a:srgbClr val="61FFF7"/>
+            </a:solidFill>
+          </p:spPr>
+          <p:style>
+            <a:lnRef idx="2">
+              <a:schemeClr val="accent1">
+                <a:shade val="50000"/>
+              </a:schemeClr>
+            </a:lnRef>
+            <a:fillRef idx="1">
+              <a:schemeClr val="accent1"/>
+            </a:fillRef>
+            <a:effectRef idx="0">
+              <a:schemeClr val="accent1"/>
+            </a:effectRef>
+            <a:fontRef idx="minor">
+              <a:schemeClr val="lt1"/>
+            </a:fontRef>
+          </p:style>
+          <p:txBody>
+            <a:bodyPr rtlCol="0" anchor="ctr"/>
+            <a:lstStyle/>
+            <a:p>
+              <a:pPr algn="ctr"/>
+              <a:endParaRPr lang="en-US"/>
+            </a:p>
+          </p:txBody>
+        </p:sp>
+        <p:sp>
+          <p:nvSpPr>
+            <p:cNvPr id="99" name="Flowchart: Connector 98">
+              <a:extLst>
+                <a:ext uri="{FF2B5EF4-FFF2-40B4-BE49-F238E27FC236}">
+                  <a16:creationId xmlns:a16="http://schemas.microsoft.com/office/drawing/2014/main" id="{D4623523-09D4-4702-8273-5FD086267966}"/>
+                </a:ext>
+              </a:extLst>
+            </p:cNvPr>
+            <p:cNvSpPr/>
+            <p:nvPr/>
+          </p:nvSpPr>
+          <p:spPr>
+            <a:xfrm>
+              <a:off x="3331881" y="4418897"/>
+              <a:ext cx="141562" cy="106358"/>
+            </a:xfrm>
+            <a:prstGeom prst="flowChartConnector">
+              <a:avLst/>
+            </a:prstGeom>
+            <a:solidFill>
+              <a:srgbClr val="FFFF01"/>
+            </a:solidFill>
+          </p:spPr>
+          <p:style>
+            <a:lnRef idx="2">
+              <a:schemeClr val="accent1">
+                <a:shade val="50000"/>
+              </a:schemeClr>
+            </a:lnRef>
+            <a:fillRef idx="1">
+              <a:schemeClr val="accent1"/>
+            </a:fillRef>
+            <a:effectRef idx="0">
+              <a:schemeClr val="accent1"/>
+            </a:effectRef>
+            <a:fontRef idx="minor">
+              <a:schemeClr val="lt1"/>
+            </a:fontRef>
+          </p:style>
+          <p:txBody>
+            <a:bodyPr rtlCol="0" anchor="ctr"/>
+            <a:lstStyle/>
+            <a:p>
+              <a:pPr algn="ctr"/>
+              <a:endParaRPr lang="en-US"/>
+            </a:p>
+          </p:txBody>
+        </p:sp>
+        <p:sp>
+          <p:nvSpPr>
+            <p:cNvPr id="100" name="Flowchart: Connector 99">
+              <a:extLst>
+                <a:ext uri="{FF2B5EF4-FFF2-40B4-BE49-F238E27FC236}">
+                  <a16:creationId xmlns:a16="http://schemas.microsoft.com/office/drawing/2014/main" id="{46FC31EA-D9A9-4BCF-9AE2-C653D1B9C30A}"/>
+                </a:ext>
+              </a:extLst>
+            </p:cNvPr>
+            <p:cNvSpPr/>
+            <p:nvPr/>
+          </p:nvSpPr>
+          <p:spPr>
+            <a:xfrm>
+              <a:off x="3366340" y="4439052"/>
+              <a:ext cx="72644" cy="66040"/>
+            </a:xfrm>
+            <a:prstGeom prst="flowChartConnector">
+              <a:avLst/>
+            </a:prstGeom>
+            <a:solidFill>
+              <a:srgbClr val="FF0000"/>
+            </a:solidFill>
+          </p:spPr>
+          <p:style>
+            <a:lnRef idx="2">
+              <a:schemeClr val="accent1">
+                <a:shade val="50000"/>
+              </a:schemeClr>
+            </a:lnRef>
+            <a:fillRef idx="1">
+              <a:schemeClr val="accent1"/>
+            </a:fillRef>
+            <a:effectRef idx="0">
+              <a:schemeClr val="accent1"/>
+            </a:effectRef>
+            <a:fontRef idx="minor">
+              <a:schemeClr val="lt1"/>
+            </a:fontRef>
+          </p:style>
+          <p:txBody>
+            <a:bodyPr rtlCol="0" anchor="ctr"/>
+            <a:lstStyle/>
+            <a:p>
+              <a:pPr algn="ctr"/>
+              <a:endParaRPr lang="en-US"/>
+            </a:p>
+          </p:txBody>
+        </p:sp>
+      </p:grpSp>
+      <p:grpSp>
+        <p:nvGrpSpPr>
+          <p:cNvPr id="102" name="Group 101">
+            <a:extLst>
+              <a:ext uri="{FF2B5EF4-FFF2-40B4-BE49-F238E27FC236}">
+                <a16:creationId xmlns:a16="http://schemas.microsoft.com/office/drawing/2014/main" id="{E1BAA48D-B303-42AF-BC12-AC30C82C40C0}"/>
+              </a:ext>
+            </a:extLst>
+          </p:cNvPr>
+          <p:cNvGrpSpPr/>
+          <p:nvPr/>
+        </p:nvGrpSpPr>
+        <p:grpSpPr>
+          <a:xfrm rot="2207151">
+            <a:off x="3132152" y="2362159"/>
+            <a:ext cx="400772" cy="207261"/>
+            <a:chOff x="3252685" y="4363039"/>
+            <a:chExt cx="303452" cy="227987"/>
+          </a:xfrm>
+        </p:grpSpPr>
+        <p:sp>
+          <p:nvSpPr>
+            <p:cNvPr id="103" name="Flowchart: Connector 102">
+              <a:extLst>
+                <a:ext uri="{FF2B5EF4-FFF2-40B4-BE49-F238E27FC236}">
+                  <a16:creationId xmlns:a16="http://schemas.microsoft.com/office/drawing/2014/main" id="{2CA456F3-91CC-4103-BFEE-96767A4439BD}"/>
+                </a:ext>
+              </a:extLst>
+            </p:cNvPr>
+            <p:cNvSpPr/>
+            <p:nvPr/>
+          </p:nvSpPr>
+          <p:spPr>
+            <a:xfrm>
+              <a:off x="3252685" y="4363039"/>
+              <a:ext cx="303452" cy="227987"/>
+            </a:xfrm>
+            <a:prstGeom prst="flowChartConnector">
+              <a:avLst/>
+            </a:prstGeom>
+            <a:solidFill>
+              <a:srgbClr val="0070C0"/>
+            </a:solidFill>
+          </p:spPr>
+          <p:style>
+            <a:lnRef idx="2">
+              <a:schemeClr val="accent1">
+                <a:shade val="50000"/>
+              </a:schemeClr>
+            </a:lnRef>
+            <a:fillRef idx="1">
+              <a:schemeClr val="accent1"/>
+            </a:fillRef>
+            <a:effectRef idx="0">
+              <a:schemeClr val="accent1"/>
+            </a:effectRef>
+            <a:fontRef idx="minor">
+              <a:schemeClr val="lt1"/>
+            </a:fontRef>
+          </p:style>
+          <p:txBody>
+            <a:bodyPr rtlCol="0" anchor="ctr"/>
+            <a:lstStyle/>
+            <a:p>
+              <a:pPr algn="ctr"/>
+              <a:endParaRPr lang="en-US"/>
+            </a:p>
+          </p:txBody>
+        </p:sp>
+        <p:sp>
+          <p:nvSpPr>
+            <p:cNvPr id="107" name="Flowchart: Connector 106">
+              <a:extLst>
+                <a:ext uri="{FF2B5EF4-FFF2-40B4-BE49-F238E27FC236}">
+                  <a16:creationId xmlns:a16="http://schemas.microsoft.com/office/drawing/2014/main" id="{45CADC5F-E81A-407A-8450-F61D4953B2F0}"/>
+                </a:ext>
+              </a:extLst>
+            </p:cNvPr>
+            <p:cNvSpPr/>
+            <p:nvPr/>
+          </p:nvSpPr>
+          <p:spPr>
+            <a:xfrm>
+              <a:off x="3281502" y="4394219"/>
+              <a:ext cx="250786" cy="155718"/>
+            </a:xfrm>
+            <a:prstGeom prst="flowChartConnector">
+              <a:avLst/>
+            </a:prstGeom>
+            <a:solidFill>
+              <a:srgbClr val="61FFF7"/>
+            </a:solidFill>
+          </p:spPr>
+          <p:style>
+            <a:lnRef idx="2">
+              <a:schemeClr val="accent1">
+                <a:shade val="50000"/>
+              </a:schemeClr>
+            </a:lnRef>
+            <a:fillRef idx="1">
+              <a:schemeClr val="accent1"/>
+            </a:fillRef>
+            <a:effectRef idx="0">
+              <a:schemeClr val="accent1"/>
+            </a:effectRef>
+            <a:fontRef idx="minor">
+              <a:schemeClr val="lt1"/>
+            </a:fontRef>
+          </p:style>
+          <p:txBody>
+            <a:bodyPr rtlCol="0" anchor="ctr"/>
+            <a:lstStyle/>
+            <a:p>
+              <a:pPr algn="ctr"/>
+              <a:endParaRPr lang="en-US"/>
+            </a:p>
+          </p:txBody>
+        </p:sp>
+        <p:sp>
+          <p:nvSpPr>
+            <p:cNvPr id="108" name="Flowchart: Connector 107">
+              <a:extLst>
+                <a:ext uri="{FF2B5EF4-FFF2-40B4-BE49-F238E27FC236}">
+                  <a16:creationId xmlns:a16="http://schemas.microsoft.com/office/drawing/2014/main" id="{02AC890B-937F-4599-AEEE-C7F742D5C926}"/>
+                </a:ext>
+              </a:extLst>
+            </p:cNvPr>
+            <p:cNvSpPr/>
+            <p:nvPr/>
+          </p:nvSpPr>
+          <p:spPr>
+            <a:xfrm>
+              <a:off x="3331881" y="4418897"/>
+              <a:ext cx="141562" cy="106358"/>
+            </a:xfrm>
+            <a:prstGeom prst="flowChartConnector">
+              <a:avLst/>
+            </a:prstGeom>
+            <a:solidFill>
+              <a:srgbClr val="FFFF01"/>
+            </a:solidFill>
+          </p:spPr>
+          <p:style>
+            <a:lnRef idx="2">
+              <a:schemeClr val="accent1">
+                <a:shade val="50000"/>
+              </a:schemeClr>
+            </a:lnRef>
+            <a:fillRef idx="1">
+              <a:schemeClr val="accent1"/>
+            </a:fillRef>
+            <a:effectRef idx="0">
+              <a:schemeClr val="accent1"/>
+            </a:effectRef>
+            <a:fontRef idx="minor">
+              <a:schemeClr val="lt1"/>
+            </a:fontRef>
+          </p:style>
+          <p:txBody>
+            <a:bodyPr rtlCol="0" anchor="ctr"/>
+            <a:lstStyle/>
+            <a:p>
+              <a:pPr algn="ctr"/>
+              <a:endParaRPr lang="en-US"/>
+            </a:p>
+          </p:txBody>
+        </p:sp>
+        <p:sp>
+          <p:nvSpPr>
+            <p:cNvPr id="113" name="Flowchart: Connector 112">
+              <a:extLst>
+                <a:ext uri="{FF2B5EF4-FFF2-40B4-BE49-F238E27FC236}">
+                  <a16:creationId xmlns:a16="http://schemas.microsoft.com/office/drawing/2014/main" id="{0C5C7C87-BF99-4FDF-8BC2-B1487E9A84AE}"/>
+                </a:ext>
+              </a:extLst>
+            </p:cNvPr>
+            <p:cNvSpPr/>
+            <p:nvPr/>
+          </p:nvSpPr>
+          <p:spPr>
+            <a:xfrm>
+              <a:off x="3366340" y="4439052"/>
+              <a:ext cx="72644" cy="66040"/>
+            </a:xfrm>
+            <a:prstGeom prst="flowChartConnector">
+              <a:avLst/>
+            </a:prstGeom>
+            <a:solidFill>
+              <a:srgbClr val="FF0000"/>
+            </a:solidFill>
+          </p:spPr>
+          <p:style>
+            <a:lnRef idx="2">
+              <a:schemeClr val="accent1">
+                <a:shade val="50000"/>
+              </a:schemeClr>
+            </a:lnRef>
+            <a:fillRef idx="1">
+              <a:schemeClr val="accent1"/>
+            </a:fillRef>
+            <a:effectRef idx="0">
+              <a:schemeClr val="accent1"/>
+            </a:effectRef>
+            <a:fontRef idx="minor">
+              <a:schemeClr val="lt1"/>
+            </a:fontRef>
+          </p:style>
+          <p:txBody>
+            <a:bodyPr rtlCol="0" anchor="ctr"/>
+            <a:lstStyle/>
+            <a:p>
+              <a:pPr algn="ctr"/>
+              <a:endParaRPr lang="en-US"/>
+            </a:p>
+          </p:txBody>
+        </p:sp>
+      </p:grpSp>
+      <p:grpSp>
+        <p:nvGrpSpPr>
+          <p:cNvPr id="123" name="Group 122">
+            <a:extLst>
+              <a:ext uri="{FF2B5EF4-FFF2-40B4-BE49-F238E27FC236}">
+                <a16:creationId xmlns:a16="http://schemas.microsoft.com/office/drawing/2014/main" id="{319D5A50-2176-4D4C-B2C8-F3B049D5B991}"/>
+              </a:ext>
+            </a:extLst>
+          </p:cNvPr>
+          <p:cNvGrpSpPr/>
+          <p:nvPr/>
+        </p:nvGrpSpPr>
+        <p:grpSpPr>
+          <a:xfrm rot="1438659">
+            <a:off x="4379928" y="3114336"/>
+            <a:ext cx="275865" cy="207261"/>
+            <a:chOff x="3252685" y="4363039"/>
+            <a:chExt cx="303452" cy="227987"/>
+          </a:xfrm>
+        </p:grpSpPr>
+        <p:sp>
+          <p:nvSpPr>
+            <p:cNvPr id="125" name="Flowchart: Connector 124">
+              <a:extLst>
+                <a:ext uri="{FF2B5EF4-FFF2-40B4-BE49-F238E27FC236}">
+                  <a16:creationId xmlns:a16="http://schemas.microsoft.com/office/drawing/2014/main" id="{429AA344-CAC1-4EF0-B766-2C62D09C6021}"/>
+                </a:ext>
+              </a:extLst>
+            </p:cNvPr>
+            <p:cNvSpPr/>
+            <p:nvPr/>
+          </p:nvSpPr>
+          <p:spPr>
+            <a:xfrm>
+              <a:off x="3252685" y="4363039"/>
+              <a:ext cx="303452" cy="227987"/>
+            </a:xfrm>
+            <a:prstGeom prst="flowChartConnector">
+              <a:avLst/>
+            </a:prstGeom>
+            <a:solidFill>
+              <a:srgbClr val="0070C0"/>
+            </a:solidFill>
+          </p:spPr>
+          <p:style>
+            <a:lnRef idx="2">
+              <a:schemeClr val="accent1">
+                <a:shade val="50000"/>
+              </a:schemeClr>
+            </a:lnRef>
+            <a:fillRef idx="1">
+              <a:schemeClr val="accent1"/>
+            </a:fillRef>
+            <a:effectRef idx="0">
+              <a:schemeClr val="accent1"/>
+            </a:effectRef>
+            <a:fontRef idx="minor">
+              <a:schemeClr val="lt1"/>
+            </a:fontRef>
+          </p:style>
+          <p:txBody>
+            <a:bodyPr rtlCol="0" anchor="ctr"/>
+            <a:lstStyle/>
+            <a:p>
+              <a:pPr algn="ctr"/>
+              <a:endParaRPr lang="en-US"/>
+            </a:p>
+          </p:txBody>
+        </p:sp>
+        <p:sp>
+          <p:nvSpPr>
+            <p:cNvPr id="126" name="Flowchart: Connector 125">
+              <a:extLst>
+                <a:ext uri="{FF2B5EF4-FFF2-40B4-BE49-F238E27FC236}">
+                  <a16:creationId xmlns:a16="http://schemas.microsoft.com/office/drawing/2014/main" id="{366D2FB1-7FAA-4CF2-98E2-1D6C157B9B09}"/>
+                </a:ext>
+              </a:extLst>
+            </p:cNvPr>
+            <p:cNvSpPr/>
+            <p:nvPr/>
+          </p:nvSpPr>
+          <p:spPr>
+            <a:xfrm>
+              <a:off x="3281502" y="4394219"/>
+              <a:ext cx="250786" cy="155718"/>
+            </a:xfrm>
+            <a:prstGeom prst="flowChartConnector">
+              <a:avLst/>
+            </a:prstGeom>
+            <a:solidFill>
+              <a:srgbClr val="61FFF7"/>
+            </a:solidFill>
+          </p:spPr>
+          <p:style>
+            <a:lnRef idx="2">
+              <a:schemeClr val="accent1">
+                <a:shade val="50000"/>
+              </a:schemeClr>
+            </a:lnRef>
+            <a:fillRef idx="1">
+              <a:schemeClr val="accent1"/>
+            </a:fillRef>
+            <a:effectRef idx="0">
+              <a:schemeClr val="accent1"/>
+            </a:effectRef>
+            <a:fontRef idx="minor">
+              <a:schemeClr val="lt1"/>
+            </a:fontRef>
+          </p:style>
+          <p:txBody>
+            <a:bodyPr rtlCol="0" anchor="ctr"/>
+            <a:lstStyle/>
+            <a:p>
+              <a:pPr algn="ctr"/>
+              <a:endParaRPr lang="en-US"/>
+            </a:p>
+          </p:txBody>
+        </p:sp>
+        <p:sp>
+          <p:nvSpPr>
+            <p:cNvPr id="127" name="Flowchart: Connector 126">
+              <a:extLst>
+                <a:ext uri="{FF2B5EF4-FFF2-40B4-BE49-F238E27FC236}">
+                  <a16:creationId xmlns:a16="http://schemas.microsoft.com/office/drawing/2014/main" id="{C982404A-E2DB-4E88-91F9-BA7F7CD979FF}"/>
+                </a:ext>
+              </a:extLst>
+            </p:cNvPr>
+            <p:cNvSpPr/>
+            <p:nvPr/>
+          </p:nvSpPr>
+          <p:spPr>
+            <a:xfrm>
+              <a:off x="3331881" y="4418897"/>
+              <a:ext cx="141562" cy="106358"/>
+            </a:xfrm>
+            <a:prstGeom prst="flowChartConnector">
+              <a:avLst/>
+            </a:prstGeom>
+            <a:solidFill>
+              <a:srgbClr val="FFFF01"/>
+            </a:solidFill>
+          </p:spPr>
+          <p:style>
+            <a:lnRef idx="2">
+              <a:schemeClr val="accent1">
+                <a:shade val="50000"/>
+              </a:schemeClr>
+            </a:lnRef>
+            <a:fillRef idx="1">
+              <a:schemeClr val="accent1"/>
+            </a:fillRef>
+            <a:effectRef idx="0">
+              <a:schemeClr val="accent1"/>
+            </a:effectRef>
+            <a:fontRef idx="minor">
+              <a:schemeClr val="lt1"/>
+            </a:fontRef>
+          </p:style>
+          <p:txBody>
+            <a:bodyPr rtlCol="0" anchor="ctr"/>
+            <a:lstStyle/>
+            <a:p>
+              <a:pPr algn="ctr"/>
+              <a:endParaRPr lang="en-US"/>
+            </a:p>
+          </p:txBody>
+        </p:sp>
+        <p:sp>
+          <p:nvSpPr>
+            <p:cNvPr id="128" name="Flowchart: Connector 127">
+              <a:extLst>
+                <a:ext uri="{FF2B5EF4-FFF2-40B4-BE49-F238E27FC236}">
+                  <a16:creationId xmlns:a16="http://schemas.microsoft.com/office/drawing/2014/main" id="{392D25B1-2852-404A-9506-827357845CE6}"/>
+                </a:ext>
+              </a:extLst>
+            </p:cNvPr>
+            <p:cNvSpPr/>
+            <p:nvPr/>
+          </p:nvSpPr>
+          <p:spPr>
+            <a:xfrm>
+              <a:off x="3366340" y="4439052"/>
+              <a:ext cx="72644" cy="66040"/>
+            </a:xfrm>
+            <a:prstGeom prst="flowChartConnector">
+              <a:avLst/>
+            </a:prstGeom>
+            <a:solidFill>
+              <a:srgbClr val="FF0000"/>
+            </a:solidFill>
+          </p:spPr>
+          <p:style>
+            <a:lnRef idx="2">
+              <a:schemeClr val="accent1">
+                <a:shade val="50000"/>
+              </a:schemeClr>
+            </a:lnRef>
+            <a:fillRef idx="1">
+              <a:schemeClr val="accent1"/>
+            </a:fillRef>
+            <a:effectRef idx="0">
+              <a:schemeClr val="accent1"/>
+            </a:effectRef>
+            <a:fontRef idx="minor">
+              <a:schemeClr val="lt1"/>
+            </a:fontRef>
+          </p:style>
+          <p:txBody>
+            <a:bodyPr rtlCol="0" anchor="ctr"/>
+            <a:lstStyle/>
+            <a:p>
+              <a:pPr algn="ctr"/>
+              <a:endParaRPr lang="en-US"/>
+            </a:p>
+          </p:txBody>
+        </p:sp>
+      </p:grpSp>
+      <p:grpSp>
+        <p:nvGrpSpPr>
+          <p:cNvPr id="129" name="Group 128">
+            <a:extLst>
+              <a:ext uri="{FF2B5EF4-FFF2-40B4-BE49-F238E27FC236}">
+                <a16:creationId xmlns:a16="http://schemas.microsoft.com/office/drawing/2014/main" id="{44522797-672D-4B95-99DD-5D6511FBD4BE}"/>
+              </a:ext>
+            </a:extLst>
+          </p:cNvPr>
+          <p:cNvGrpSpPr/>
+          <p:nvPr/>
+        </p:nvGrpSpPr>
+        <p:grpSpPr>
+          <a:xfrm rot="413890">
+            <a:off x="4282966" y="2804567"/>
+            <a:ext cx="333797" cy="207261"/>
+            <a:chOff x="3252685" y="4363039"/>
+            <a:chExt cx="303452" cy="227987"/>
+          </a:xfrm>
+        </p:grpSpPr>
+        <p:sp>
+          <p:nvSpPr>
+            <p:cNvPr id="133" name="Flowchart: Connector 132">
+              <a:extLst>
+                <a:ext uri="{FF2B5EF4-FFF2-40B4-BE49-F238E27FC236}">
+                  <a16:creationId xmlns:a16="http://schemas.microsoft.com/office/drawing/2014/main" id="{8F4FA053-9BF9-4A02-843F-050586F203BE}"/>
+                </a:ext>
+              </a:extLst>
+            </p:cNvPr>
+            <p:cNvSpPr/>
+            <p:nvPr/>
+          </p:nvSpPr>
+          <p:spPr>
+            <a:xfrm>
+              <a:off x="3252685" y="4363039"/>
+              <a:ext cx="303452" cy="227987"/>
+            </a:xfrm>
+            <a:prstGeom prst="flowChartConnector">
+              <a:avLst/>
+            </a:prstGeom>
+            <a:solidFill>
+              <a:srgbClr val="0070C0"/>
+            </a:solidFill>
+          </p:spPr>
+          <p:style>
+            <a:lnRef idx="2">
+              <a:schemeClr val="accent1">
+                <a:shade val="50000"/>
+              </a:schemeClr>
+            </a:lnRef>
+            <a:fillRef idx="1">
+              <a:schemeClr val="accent1"/>
+            </a:fillRef>
+            <a:effectRef idx="0">
+              <a:schemeClr val="accent1"/>
+            </a:effectRef>
+            <a:fontRef idx="minor">
+              <a:schemeClr val="lt1"/>
+            </a:fontRef>
+          </p:style>
+          <p:txBody>
+            <a:bodyPr rtlCol="0" anchor="ctr"/>
+            <a:lstStyle/>
+            <a:p>
+              <a:pPr algn="ctr"/>
+              <a:endParaRPr lang="en-US"/>
+            </a:p>
+          </p:txBody>
+        </p:sp>
+        <p:sp>
+          <p:nvSpPr>
+            <p:cNvPr id="135" name="Flowchart: Connector 134">
+              <a:extLst>
+                <a:ext uri="{FF2B5EF4-FFF2-40B4-BE49-F238E27FC236}">
+                  <a16:creationId xmlns:a16="http://schemas.microsoft.com/office/drawing/2014/main" id="{31924B64-66AE-4E60-A30A-952704900452}"/>
+                </a:ext>
+              </a:extLst>
+            </p:cNvPr>
+            <p:cNvSpPr/>
+            <p:nvPr/>
+          </p:nvSpPr>
+          <p:spPr>
+            <a:xfrm>
+              <a:off x="3281502" y="4394219"/>
+              <a:ext cx="250786" cy="155718"/>
+            </a:xfrm>
+            <a:prstGeom prst="flowChartConnector">
+              <a:avLst/>
+            </a:prstGeom>
+            <a:solidFill>
+              <a:srgbClr val="61FFF7"/>
+            </a:solidFill>
+          </p:spPr>
+          <p:style>
+            <a:lnRef idx="2">
+              <a:schemeClr val="accent1">
+                <a:shade val="50000"/>
+              </a:schemeClr>
+            </a:lnRef>
+            <a:fillRef idx="1">
+              <a:schemeClr val="accent1"/>
+            </a:fillRef>
+            <a:effectRef idx="0">
+              <a:schemeClr val="accent1"/>
+            </a:effectRef>
+            <a:fontRef idx="minor">
+              <a:schemeClr val="lt1"/>
+            </a:fontRef>
+          </p:style>
+          <p:txBody>
+            <a:bodyPr rtlCol="0" anchor="ctr"/>
+            <a:lstStyle/>
+            <a:p>
+              <a:pPr algn="ctr"/>
+              <a:endParaRPr lang="en-US"/>
+            </a:p>
+          </p:txBody>
+        </p:sp>
+        <p:sp>
+          <p:nvSpPr>
+            <p:cNvPr id="142" name="Flowchart: Connector 141">
+              <a:extLst>
+                <a:ext uri="{FF2B5EF4-FFF2-40B4-BE49-F238E27FC236}">
+                  <a16:creationId xmlns:a16="http://schemas.microsoft.com/office/drawing/2014/main" id="{A6B9213A-407A-4A88-8828-26A7B9B393F4}"/>
+                </a:ext>
+              </a:extLst>
+            </p:cNvPr>
+            <p:cNvSpPr/>
+            <p:nvPr/>
+          </p:nvSpPr>
+          <p:spPr>
+            <a:xfrm>
+              <a:off x="3331881" y="4418897"/>
+              <a:ext cx="141562" cy="106358"/>
+            </a:xfrm>
+            <a:prstGeom prst="flowChartConnector">
+              <a:avLst/>
+            </a:prstGeom>
+            <a:solidFill>
+              <a:srgbClr val="FFFF01"/>
+            </a:solidFill>
+          </p:spPr>
+          <p:style>
+            <a:lnRef idx="2">
+              <a:schemeClr val="accent1">
+                <a:shade val="50000"/>
+              </a:schemeClr>
+            </a:lnRef>
+            <a:fillRef idx="1">
+              <a:schemeClr val="accent1"/>
+            </a:fillRef>
+            <a:effectRef idx="0">
+              <a:schemeClr val="accent1"/>
+            </a:effectRef>
+            <a:fontRef idx="minor">
+              <a:schemeClr val="lt1"/>
+            </a:fontRef>
+          </p:style>
+          <p:txBody>
+            <a:bodyPr rtlCol="0" anchor="ctr"/>
+            <a:lstStyle/>
+            <a:p>
+              <a:pPr algn="ctr"/>
+              <a:endParaRPr lang="en-US"/>
+            </a:p>
+          </p:txBody>
+        </p:sp>
+        <p:sp>
+          <p:nvSpPr>
+            <p:cNvPr id="144" name="Flowchart: Connector 143">
+              <a:extLst>
+                <a:ext uri="{FF2B5EF4-FFF2-40B4-BE49-F238E27FC236}">
+                  <a16:creationId xmlns:a16="http://schemas.microsoft.com/office/drawing/2014/main" id="{CDEB1AAA-FD67-49AD-B429-23502FD02333}"/>
+                </a:ext>
+              </a:extLst>
+            </p:cNvPr>
+            <p:cNvSpPr/>
+            <p:nvPr/>
+          </p:nvSpPr>
+          <p:spPr>
+            <a:xfrm>
+              <a:off x="3366340" y="4439052"/>
+              <a:ext cx="72644" cy="66040"/>
+            </a:xfrm>
+            <a:prstGeom prst="flowChartConnector">
+              <a:avLst/>
+            </a:prstGeom>
+            <a:solidFill>
+              <a:srgbClr val="FF0000"/>
+            </a:solidFill>
+          </p:spPr>
+          <p:style>
+            <a:lnRef idx="2">
+              <a:schemeClr val="accent1">
+                <a:shade val="50000"/>
+              </a:schemeClr>
+            </a:lnRef>
+            <a:fillRef idx="1">
+              <a:schemeClr val="accent1"/>
+            </a:fillRef>
+            <a:effectRef idx="0">
+              <a:schemeClr val="accent1"/>
+            </a:effectRef>
+            <a:fontRef idx="minor">
+              <a:schemeClr val="lt1"/>
+            </a:fontRef>
+          </p:style>
+          <p:txBody>
+            <a:bodyPr rtlCol="0" anchor="ctr"/>
+            <a:lstStyle/>
+            <a:p>
+              <a:pPr algn="ctr"/>
+              <a:endParaRPr lang="en-US"/>
+            </a:p>
+          </p:txBody>
+        </p:sp>
+      </p:grpSp>
+      <p:grpSp>
+        <p:nvGrpSpPr>
+          <p:cNvPr id="145" name="Group 144">
+            <a:extLst>
+              <a:ext uri="{FF2B5EF4-FFF2-40B4-BE49-F238E27FC236}">
+                <a16:creationId xmlns:a16="http://schemas.microsoft.com/office/drawing/2014/main" id="{5A4CE631-251D-4A42-9595-FC8BA800C3AB}"/>
+              </a:ext>
+            </a:extLst>
+          </p:cNvPr>
+          <p:cNvGrpSpPr/>
+          <p:nvPr/>
+        </p:nvGrpSpPr>
+        <p:grpSpPr>
+          <a:xfrm rot="20972468">
+            <a:off x="4492473" y="2532803"/>
+            <a:ext cx="333797" cy="207261"/>
+            <a:chOff x="3252685" y="4363039"/>
+            <a:chExt cx="303452" cy="227987"/>
+          </a:xfrm>
+        </p:grpSpPr>
+        <p:sp>
+          <p:nvSpPr>
+            <p:cNvPr id="146" name="Flowchart: Connector 145">
+              <a:extLst>
+                <a:ext uri="{FF2B5EF4-FFF2-40B4-BE49-F238E27FC236}">
+                  <a16:creationId xmlns:a16="http://schemas.microsoft.com/office/drawing/2014/main" id="{3BAA2867-C94D-493E-A0D6-EE80454E862D}"/>
+                </a:ext>
+              </a:extLst>
+            </p:cNvPr>
+            <p:cNvSpPr/>
+            <p:nvPr/>
+          </p:nvSpPr>
+          <p:spPr>
+            <a:xfrm>
+              <a:off x="3252685" y="4363039"/>
+              <a:ext cx="303452" cy="227987"/>
+            </a:xfrm>
+            <a:prstGeom prst="flowChartConnector">
+              <a:avLst/>
+            </a:prstGeom>
+            <a:solidFill>
+              <a:srgbClr val="0070C0"/>
+            </a:solidFill>
+          </p:spPr>
+          <p:style>
+            <a:lnRef idx="2">
+              <a:schemeClr val="accent1">
+                <a:shade val="50000"/>
+              </a:schemeClr>
+            </a:lnRef>
+            <a:fillRef idx="1">
+              <a:schemeClr val="accent1"/>
+            </a:fillRef>
+            <a:effectRef idx="0">
+              <a:schemeClr val="accent1"/>
+            </a:effectRef>
+            <a:fontRef idx="minor">
+              <a:schemeClr val="lt1"/>
+            </a:fontRef>
+          </p:style>
+          <p:txBody>
+            <a:bodyPr rtlCol="0" anchor="ctr"/>
+            <a:lstStyle/>
+            <a:p>
+              <a:pPr algn="ctr"/>
+              <a:endParaRPr lang="en-US"/>
+            </a:p>
+          </p:txBody>
+        </p:sp>
+        <p:sp>
+          <p:nvSpPr>
+            <p:cNvPr id="147" name="Flowchart: Connector 146">
+              <a:extLst>
+                <a:ext uri="{FF2B5EF4-FFF2-40B4-BE49-F238E27FC236}">
+                  <a16:creationId xmlns:a16="http://schemas.microsoft.com/office/drawing/2014/main" id="{F8BE0A59-A042-4CB4-8F7E-F265BCDB8B54}"/>
+                </a:ext>
+              </a:extLst>
+            </p:cNvPr>
+            <p:cNvSpPr/>
+            <p:nvPr/>
+          </p:nvSpPr>
+          <p:spPr>
+            <a:xfrm>
+              <a:off x="3281502" y="4394219"/>
+              <a:ext cx="250786" cy="155718"/>
+            </a:xfrm>
+            <a:prstGeom prst="flowChartConnector">
+              <a:avLst/>
+            </a:prstGeom>
+            <a:solidFill>
+              <a:srgbClr val="61FFF7"/>
+            </a:solidFill>
+          </p:spPr>
+          <p:style>
+            <a:lnRef idx="2">
+              <a:schemeClr val="accent1">
+                <a:shade val="50000"/>
+              </a:schemeClr>
+            </a:lnRef>
+            <a:fillRef idx="1">
+              <a:schemeClr val="accent1"/>
+            </a:fillRef>
+            <a:effectRef idx="0">
+              <a:schemeClr val="accent1"/>
+            </a:effectRef>
+            <a:fontRef idx="minor">
+              <a:schemeClr val="lt1"/>
+            </a:fontRef>
+          </p:style>
+          <p:txBody>
+            <a:bodyPr rtlCol="0" anchor="ctr"/>
+            <a:lstStyle/>
+            <a:p>
+              <a:pPr algn="ctr"/>
+              <a:endParaRPr lang="en-US"/>
+            </a:p>
+          </p:txBody>
+        </p:sp>
+        <p:sp>
+          <p:nvSpPr>
+            <p:cNvPr id="148" name="Flowchart: Connector 147">
+              <a:extLst>
+                <a:ext uri="{FF2B5EF4-FFF2-40B4-BE49-F238E27FC236}">
+                  <a16:creationId xmlns:a16="http://schemas.microsoft.com/office/drawing/2014/main" id="{3F2316C2-235A-4AF0-B4D7-5BDED23FA7E0}"/>
+                </a:ext>
+              </a:extLst>
+            </p:cNvPr>
+            <p:cNvSpPr/>
+            <p:nvPr/>
+          </p:nvSpPr>
+          <p:spPr>
+            <a:xfrm>
+              <a:off x="3331881" y="4418897"/>
+              <a:ext cx="141562" cy="106358"/>
+            </a:xfrm>
+            <a:prstGeom prst="flowChartConnector">
+              <a:avLst/>
+            </a:prstGeom>
+            <a:solidFill>
+              <a:srgbClr val="FFFF01"/>
+            </a:solidFill>
+          </p:spPr>
+          <p:style>
+            <a:lnRef idx="2">
+              <a:schemeClr val="accent1">
+                <a:shade val="50000"/>
+              </a:schemeClr>
+            </a:lnRef>
+            <a:fillRef idx="1">
+              <a:schemeClr val="accent1"/>
+            </a:fillRef>
+            <a:effectRef idx="0">
+              <a:schemeClr val="accent1"/>
+            </a:effectRef>
+            <a:fontRef idx="minor">
+              <a:schemeClr val="lt1"/>
+            </a:fontRef>
+          </p:style>
+          <p:txBody>
+            <a:bodyPr rtlCol="0" anchor="ctr"/>
+            <a:lstStyle/>
+            <a:p>
+              <a:pPr algn="ctr"/>
+              <a:endParaRPr lang="en-US"/>
+            </a:p>
+          </p:txBody>
+        </p:sp>
+        <p:sp>
+          <p:nvSpPr>
+            <p:cNvPr id="149" name="Flowchart: Connector 148">
+              <a:extLst>
+                <a:ext uri="{FF2B5EF4-FFF2-40B4-BE49-F238E27FC236}">
+                  <a16:creationId xmlns:a16="http://schemas.microsoft.com/office/drawing/2014/main" id="{EF47C1A6-6FB4-4CBA-9F1E-DA58B70A7DBD}"/>
+                </a:ext>
+              </a:extLst>
+            </p:cNvPr>
+            <p:cNvSpPr/>
+            <p:nvPr/>
+          </p:nvSpPr>
+          <p:spPr>
+            <a:xfrm>
+              <a:off x="3366340" y="4439052"/>
+              <a:ext cx="72644" cy="66040"/>
+            </a:xfrm>
+            <a:prstGeom prst="flowChartConnector">
+              <a:avLst/>
+            </a:prstGeom>
+            <a:solidFill>
+              <a:srgbClr val="FF0000"/>
+            </a:solidFill>
+          </p:spPr>
+          <p:style>
+            <a:lnRef idx="2">
+              <a:schemeClr val="accent1">
+                <a:shade val="50000"/>
+              </a:schemeClr>
+            </a:lnRef>
+            <a:fillRef idx="1">
+              <a:schemeClr val="accent1"/>
+            </a:fillRef>
+            <a:effectRef idx="0">
+              <a:schemeClr val="accent1"/>
+            </a:effectRef>
+            <a:fontRef idx="minor">
+              <a:schemeClr val="lt1"/>
+            </a:fontRef>
+          </p:style>
+          <p:txBody>
+            <a:bodyPr rtlCol="0" anchor="ctr"/>
+            <a:lstStyle/>
+            <a:p>
+              <a:pPr algn="ctr"/>
+              <a:endParaRPr lang="en-US"/>
+            </a:p>
+          </p:txBody>
+        </p:sp>
+      </p:grpSp>
+      <p:grpSp>
+        <p:nvGrpSpPr>
+          <p:cNvPr id="150" name="Group 149">
+            <a:extLst>
+              <a:ext uri="{FF2B5EF4-FFF2-40B4-BE49-F238E27FC236}">
+                <a16:creationId xmlns:a16="http://schemas.microsoft.com/office/drawing/2014/main" id="{D43303D1-BAF8-4441-AA0E-7702C5AB8AD4}"/>
+              </a:ext>
+            </a:extLst>
+          </p:cNvPr>
+          <p:cNvGrpSpPr/>
+          <p:nvPr/>
+        </p:nvGrpSpPr>
+        <p:grpSpPr>
+          <a:xfrm rot="20882992">
+            <a:off x="4162015" y="2344388"/>
+            <a:ext cx="403895" cy="207261"/>
+            <a:chOff x="3252685" y="4363039"/>
+            <a:chExt cx="303452" cy="227987"/>
+          </a:xfrm>
+        </p:grpSpPr>
+        <p:sp>
+          <p:nvSpPr>
+            <p:cNvPr id="151" name="Flowchart: Connector 150">
+              <a:extLst>
+                <a:ext uri="{FF2B5EF4-FFF2-40B4-BE49-F238E27FC236}">
+                  <a16:creationId xmlns:a16="http://schemas.microsoft.com/office/drawing/2014/main" id="{2D3DFE02-CDC7-412F-9009-5DE291598489}"/>
+                </a:ext>
+              </a:extLst>
+            </p:cNvPr>
+            <p:cNvSpPr/>
+            <p:nvPr/>
+          </p:nvSpPr>
+          <p:spPr>
+            <a:xfrm>
+              <a:off x="3252685" y="4363039"/>
+              <a:ext cx="303452" cy="227987"/>
+            </a:xfrm>
+            <a:prstGeom prst="flowChartConnector">
+              <a:avLst/>
+            </a:prstGeom>
+            <a:solidFill>
+              <a:srgbClr val="0070C0"/>
+            </a:solidFill>
+          </p:spPr>
+          <p:style>
+            <a:lnRef idx="2">
+              <a:schemeClr val="accent1">
+                <a:shade val="50000"/>
+              </a:schemeClr>
+            </a:lnRef>
+            <a:fillRef idx="1">
+              <a:schemeClr val="accent1"/>
+            </a:fillRef>
+            <a:effectRef idx="0">
+              <a:schemeClr val="accent1"/>
+            </a:effectRef>
+            <a:fontRef idx="minor">
+              <a:schemeClr val="lt1"/>
+            </a:fontRef>
+          </p:style>
+          <p:txBody>
+            <a:bodyPr rtlCol="0" anchor="ctr"/>
+            <a:lstStyle/>
+            <a:p>
+              <a:pPr algn="ctr"/>
+              <a:endParaRPr lang="en-US"/>
+            </a:p>
+          </p:txBody>
+        </p:sp>
+        <p:sp>
+          <p:nvSpPr>
+            <p:cNvPr id="152" name="Flowchart: Connector 151">
+              <a:extLst>
+                <a:ext uri="{FF2B5EF4-FFF2-40B4-BE49-F238E27FC236}">
+                  <a16:creationId xmlns:a16="http://schemas.microsoft.com/office/drawing/2014/main" id="{7ED7223C-E894-40B0-B71E-16567B5272FF}"/>
+                </a:ext>
+              </a:extLst>
+            </p:cNvPr>
+            <p:cNvSpPr/>
+            <p:nvPr/>
+          </p:nvSpPr>
+          <p:spPr>
+            <a:xfrm>
+              <a:off x="3281502" y="4394219"/>
+              <a:ext cx="250786" cy="155718"/>
+            </a:xfrm>
+            <a:prstGeom prst="flowChartConnector">
+              <a:avLst/>
+            </a:prstGeom>
+            <a:solidFill>
+              <a:srgbClr val="61FFF7"/>
+            </a:solidFill>
+          </p:spPr>
+          <p:style>
+            <a:lnRef idx="2">
+              <a:schemeClr val="accent1">
+                <a:shade val="50000"/>
+              </a:schemeClr>
+            </a:lnRef>
+            <a:fillRef idx="1">
+              <a:schemeClr val="accent1"/>
+            </a:fillRef>
+            <a:effectRef idx="0">
+              <a:schemeClr val="accent1"/>
+            </a:effectRef>
+            <a:fontRef idx="minor">
+              <a:schemeClr val="lt1"/>
+            </a:fontRef>
+          </p:style>
+          <p:txBody>
+            <a:bodyPr rtlCol="0" anchor="ctr"/>
+            <a:lstStyle/>
+            <a:p>
+              <a:pPr algn="ctr"/>
+              <a:endParaRPr lang="en-US"/>
+            </a:p>
+          </p:txBody>
+        </p:sp>
+        <p:sp>
+          <p:nvSpPr>
+            <p:cNvPr id="153" name="Flowchart: Connector 152">
+              <a:extLst>
+                <a:ext uri="{FF2B5EF4-FFF2-40B4-BE49-F238E27FC236}">
+                  <a16:creationId xmlns:a16="http://schemas.microsoft.com/office/drawing/2014/main" id="{92BBBA26-B15D-452D-AF44-8B90B17063C0}"/>
+                </a:ext>
+              </a:extLst>
+            </p:cNvPr>
+            <p:cNvSpPr/>
+            <p:nvPr/>
+          </p:nvSpPr>
+          <p:spPr>
+            <a:xfrm>
+              <a:off x="3331881" y="4418897"/>
+              <a:ext cx="141562" cy="106358"/>
+            </a:xfrm>
+            <a:prstGeom prst="flowChartConnector">
+              <a:avLst/>
+            </a:prstGeom>
+            <a:solidFill>
+              <a:srgbClr val="FFFF01"/>
+            </a:solidFill>
+          </p:spPr>
+          <p:style>
+            <a:lnRef idx="2">
+              <a:schemeClr val="accent1">
+                <a:shade val="50000"/>
+              </a:schemeClr>
+            </a:lnRef>
+            <a:fillRef idx="1">
+              <a:schemeClr val="accent1"/>
+            </a:fillRef>
+            <a:effectRef idx="0">
+              <a:schemeClr val="accent1"/>
+            </a:effectRef>
+            <a:fontRef idx="minor">
+              <a:schemeClr val="lt1"/>
+            </a:fontRef>
+          </p:style>
+          <p:txBody>
+            <a:bodyPr rtlCol="0" anchor="ctr"/>
+            <a:lstStyle/>
+            <a:p>
+              <a:pPr algn="ctr"/>
+              <a:endParaRPr lang="en-US"/>
+            </a:p>
+          </p:txBody>
+        </p:sp>
+        <p:sp>
+          <p:nvSpPr>
+            <p:cNvPr id="154" name="Flowchart: Connector 153">
+              <a:extLst>
+                <a:ext uri="{FF2B5EF4-FFF2-40B4-BE49-F238E27FC236}">
+                  <a16:creationId xmlns:a16="http://schemas.microsoft.com/office/drawing/2014/main" id="{A4333F36-2E55-426C-BBFA-2FCA597DE8C3}"/>
+                </a:ext>
+              </a:extLst>
+            </p:cNvPr>
+            <p:cNvSpPr/>
+            <p:nvPr/>
+          </p:nvSpPr>
+          <p:spPr>
+            <a:xfrm>
+              <a:off x="3366340" y="4439052"/>
+              <a:ext cx="72644" cy="66040"/>
+            </a:xfrm>
+            <a:prstGeom prst="flowChartConnector">
+              <a:avLst/>
+            </a:prstGeom>
+            <a:solidFill>
+              <a:srgbClr val="FF0000"/>
+            </a:solidFill>
+          </p:spPr>
+          <p:style>
+            <a:lnRef idx="2">
+              <a:schemeClr val="accent1">
+                <a:shade val="50000"/>
+              </a:schemeClr>
+            </a:lnRef>
+            <a:fillRef idx="1">
+              <a:schemeClr val="accent1"/>
+            </a:fillRef>
+            <a:effectRef idx="0">
+              <a:schemeClr val="accent1"/>
+            </a:effectRef>
+            <a:fontRef idx="minor">
+              <a:schemeClr val="lt1"/>
+            </a:fontRef>
+          </p:style>
+          <p:txBody>
+            <a:bodyPr rtlCol="0" anchor="ctr"/>
+            <a:lstStyle/>
+            <a:p>
+              <a:pPr algn="ctr"/>
+              <a:endParaRPr lang="en-US"/>
+            </a:p>
+          </p:txBody>
+        </p:sp>
+      </p:grpSp>
+      <p:grpSp>
+        <p:nvGrpSpPr>
+          <p:cNvPr id="155" name="Group 154">
+            <a:extLst>
+              <a:ext uri="{FF2B5EF4-FFF2-40B4-BE49-F238E27FC236}">
+                <a16:creationId xmlns:a16="http://schemas.microsoft.com/office/drawing/2014/main" id="{C639E2C1-3AFA-4342-82B3-B1FFC251EB84}"/>
+              </a:ext>
+            </a:extLst>
+          </p:cNvPr>
+          <p:cNvGrpSpPr/>
+          <p:nvPr/>
+        </p:nvGrpSpPr>
+        <p:grpSpPr>
+          <a:xfrm rot="843769">
+            <a:off x="5416740" y="3088096"/>
+            <a:ext cx="275865" cy="207261"/>
+            <a:chOff x="3252685" y="4363039"/>
+            <a:chExt cx="303452" cy="227987"/>
+          </a:xfrm>
+        </p:grpSpPr>
+        <p:sp>
+          <p:nvSpPr>
+            <p:cNvPr id="156" name="Flowchart: Connector 155">
+              <a:extLst>
+                <a:ext uri="{FF2B5EF4-FFF2-40B4-BE49-F238E27FC236}">
+                  <a16:creationId xmlns:a16="http://schemas.microsoft.com/office/drawing/2014/main" id="{F9183E72-E693-45F2-B4F5-C1B6D27F0D06}"/>
+                </a:ext>
+              </a:extLst>
+            </p:cNvPr>
+            <p:cNvSpPr/>
+            <p:nvPr/>
+          </p:nvSpPr>
+          <p:spPr>
+            <a:xfrm>
+              <a:off x="3252685" y="4363039"/>
+              <a:ext cx="303452" cy="227987"/>
+            </a:xfrm>
+            <a:prstGeom prst="flowChartConnector">
+              <a:avLst/>
+            </a:prstGeom>
+            <a:solidFill>
+              <a:srgbClr val="0070C0"/>
+            </a:solidFill>
+          </p:spPr>
+          <p:style>
+            <a:lnRef idx="2">
+              <a:schemeClr val="accent1">
+                <a:shade val="50000"/>
+              </a:schemeClr>
+            </a:lnRef>
+            <a:fillRef idx="1">
+              <a:schemeClr val="accent1"/>
+            </a:fillRef>
+            <a:effectRef idx="0">
+              <a:schemeClr val="accent1"/>
+            </a:effectRef>
+            <a:fontRef idx="minor">
+              <a:schemeClr val="lt1"/>
+            </a:fontRef>
+          </p:style>
+          <p:txBody>
+            <a:bodyPr rtlCol="0" anchor="ctr"/>
+            <a:lstStyle/>
+            <a:p>
+              <a:pPr algn="ctr"/>
+              <a:endParaRPr lang="en-US"/>
+            </a:p>
+          </p:txBody>
+        </p:sp>
+        <p:sp>
+          <p:nvSpPr>
+            <p:cNvPr id="157" name="Flowchart: Connector 156">
+              <a:extLst>
+                <a:ext uri="{FF2B5EF4-FFF2-40B4-BE49-F238E27FC236}">
+                  <a16:creationId xmlns:a16="http://schemas.microsoft.com/office/drawing/2014/main" id="{D4071003-904D-4E71-B257-86EBE1DFF014}"/>
+                </a:ext>
+              </a:extLst>
+            </p:cNvPr>
+            <p:cNvSpPr/>
+            <p:nvPr/>
+          </p:nvSpPr>
+          <p:spPr>
+            <a:xfrm>
+              <a:off x="3281502" y="4394219"/>
+              <a:ext cx="250786" cy="155718"/>
+            </a:xfrm>
+            <a:prstGeom prst="flowChartConnector">
+              <a:avLst/>
+            </a:prstGeom>
+            <a:solidFill>
+              <a:srgbClr val="61FFF7"/>
+            </a:solidFill>
+          </p:spPr>
+          <p:style>
+            <a:lnRef idx="2">
+              <a:schemeClr val="accent1">
+                <a:shade val="50000"/>
+              </a:schemeClr>
+            </a:lnRef>
+            <a:fillRef idx="1">
+              <a:schemeClr val="accent1"/>
+            </a:fillRef>
+            <a:effectRef idx="0">
+              <a:schemeClr val="accent1"/>
+            </a:effectRef>
+            <a:fontRef idx="minor">
+              <a:schemeClr val="lt1"/>
+            </a:fontRef>
+          </p:style>
+          <p:txBody>
+            <a:bodyPr rtlCol="0" anchor="ctr"/>
+            <a:lstStyle/>
+            <a:p>
+              <a:pPr algn="ctr"/>
+              <a:endParaRPr lang="en-US"/>
+            </a:p>
+          </p:txBody>
+        </p:sp>
+        <p:sp>
+          <p:nvSpPr>
+            <p:cNvPr id="158" name="Flowchart: Connector 157">
+              <a:extLst>
+                <a:ext uri="{FF2B5EF4-FFF2-40B4-BE49-F238E27FC236}">
+                  <a16:creationId xmlns:a16="http://schemas.microsoft.com/office/drawing/2014/main" id="{3AB2F142-E4C9-4681-AE07-DE664644F371}"/>
+                </a:ext>
+              </a:extLst>
+            </p:cNvPr>
+            <p:cNvSpPr/>
+            <p:nvPr/>
+          </p:nvSpPr>
+          <p:spPr>
+            <a:xfrm>
+              <a:off x="3331881" y="4418897"/>
+              <a:ext cx="141562" cy="106358"/>
+            </a:xfrm>
+            <a:prstGeom prst="flowChartConnector">
+              <a:avLst/>
+            </a:prstGeom>
+            <a:solidFill>
+              <a:srgbClr val="FFFF01"/>
+            </a:solidFill>
+          </p:spPr>
+          <p:style>
+            <a:lnRef idx="2">
+              <a:schemeClr val="accent1">
+                <a:shade val="50000"/>
+              </a:schemeClr>
+            </a:lnRef>
+            <a:fillRef idx="1">
+              <a:schemeClr val="accent1"/>
+            </a:fillRef>
+            <a:effectRef idx="0">
+              <a:schemeClr val="accent1"/>
+            </a:effectRef>
+            <a:fontRef idx="minor">
+              <a:schemeClr val="lt1"/>
+            </a:fontRef>
+          </p:style>
+          <p:txBody>
+            <a:bodyPr rtlCol="0" anchor="ctr"/>
+            <a:lstStyle/>
+            <a:p>
+              <a:pPr algn="ctr"/>
+              <a:endParaRPr lang="en-US"/>
+            </a:p>
+          </p:txBody>
+        </p:sp>
+        <p:sp>
+          <p:nvSpPr>
+            <p:cNvPr id="159" name="Flowchart: Connector 158">
+              <a:extLst>
+                <a:ext uri="{FF2B5EF4-FFF2-40B4-BE49-F238E27FC236}">
+                  <a16:creationId xmlns:a16="http://schemas.microsoft.com/office/drawing/2014/main" id="{85E4339C-CC17-41FF-A1A1-C88FDEC337C1}"/>
+                </a:ext>
+              </a:extLst>
+            </p:cNvPr>
+            <p:cNvSpPr/>
+            <p:nvPr/>
+          </p:nvSpPr>
+          <p:spPr>
+            <a:xfrm>
+              <a:off x="3366340" y="4439052"/>
+              <a:ext cx="72644" cy="66040"/>
+            </a:xfrm>
+            <a:prstGeom prst="flowChartConnector">
+              <a:avLst/>
+            </a:prstGeom>
+            <a:solidFill>
+              <a:srgbClr val="FF0000"/>
+            </a:solidFill>
+          </p:spPr>
+          <p:style>
+            <a:lnRef idx="2">
+              <a:schemeClr val="accent1">
+                <a:shade val="50000"/>
+              </a:schemeClr>
+            </a:lnRef>
+            <a:fillRef idx="1">
+              <a:schemeClr val="accent1"/>
+            </a:fillRef>
+            <a:effectRef idx="0">
+              <a:schemeClr val="accent1"/>
+            </a:effectRef>
+            <a:fontRef idx="minor">
+              <a:schemeClr val="lt1"/>
+            </a:fontRef>
+          </p:style>
+          <p:txBody>
+            <a:bodyPr rtlCol="0" anchor="ctr"/>
+            <a:lstStyle/>
+            <a:p>
+              <a:pPr algn="ctr"/>
+              <a:endParaRPr lang="en-US"/>
+            </a:p>
+          </p:txBody>
+        </p:sp>
+      </p:grpSp>
+      <p:grpSp>
+        <p:nvGrpSpPr>
+          <p:cNvPr id="160" name="Group 159">
+            <a:extLst>
+              <a:ext uri="{FF2B5EF4-FFF2-40B4-BE49-F238E27FC236}">
+                <a16:creationId xmlns:a16="http://schemas.microsoft.com/office/drawing/2014/main" id="{8CA2280E-D6A3-41B6-A650-CFEBBB78F7A3}"/>
+              </a:ext>
+            </a:extLst>
+          </p:cNvPr>
+          <p:cNvGrpSpPr/>
+          <p:nvPr/>
+        </p:nvGrpSpPr>
+        <p:grpSpPr>
+          <a:xfrm rot="21244488">
+            <a:off x="5467495" y="2824604"/>
+            <a:ext cx="367177" cy="171290"/>
+            <a:chOff x="3252685" y="4363039"/>
+            <a:chExt cx="303452" cy="227987"/>
+          </a:xfrm>
+        </p:grpSpPr>
+        <p:sp>
+          <p:nvSpPr>
+            <p:cNvPr id="161" name="Flowchart: Connector 160">
+              <a:extLst>
+                <a:ext uri="{FF2B5EF4-FFF2-40B4-BE49-F238E27FC236}">
+                  <a16:creationId xmlns:a16="http://schemas.microsoft.com/office/drawing/2014/main" id="{A2ED0E83-1E8F-43E5-96B0-A588F15FF6E9}"/>
+                </a:ext>
+              </a:extLst>
+            </p:cNvPr>
+            <p:cNvSpPr/>
+            <p:nvPr/>
+          </p:nvSpPr>
+          <p:spPr>
+            <a:xfrm>
+              <a:off x="3252685" y="4363039"/>
+              <a:ext cx="303452" cy="227987"/>
+            </a:xfrm>
+            <a:prstGeom prst="flowChartConnector">
+              <a:avLst/>
+            </a:prstGeom>
+            <a:solidFill>
+              <a:srgbClr val="0070C0"/>
+            </a:solidFill>
+          </p:spPr>
+          <p:style>
+            <a:lnRef idx="2">
+              <a:schemeClr val="accent1">
+                <a:shade val="50000"/>
+              </a:schemeClr>
+            </a:lnRef>
+            <a:fillRef idx="1">
+              <a:schemeClr val="accent1"/>
+            </a:fillRef>
+            <a:effectRef idx="0">
+              <a:schemeClr val="accent1"/>
+            </a:effectRef>
+            <a:fontRef idx="minor">
+              <a:schemeClr val="lt1"/>
+            </a:fontRef>
+          </p:style>
+          <p:txBody>
+            <a:bodyPr rtlCol="0" anchor="ctr"/>
+            <a:lstStyle/>
+            <a:p>
+              <a:pPr algn="ctr"/>
+              <a:endParaRPr lang="en-US"/>
+            </a:p>
+          </p:txBody>
+        </p:sp>
+        <p:sp>
+          <p:nvSpPr>
+            <p:cNvPr id="162" name="Flowchart: Connector 161">
+              <a:extLst>
+                <a:ext uri="{FF2B5EF4-FFF2-40B4-BE49-F238E27FC236}">
+                  <a16:creationId xmlns:a16="http://schemas.microsoft.com/office/drawing/2014/main" id="{3CBE0EE5-CAE4-4193-9D9D-0434C652B1F6}"/>
+                </a:ext>
+              </a:extLst>
+            </p:cNvPr>
+            <p:cNvSpPr/>
+            <p:nvPr/>
+          </p:nvSpPr>
+          <p:spPr>
+            <a:xfrm>
+              <a:off x="3281502" y="4394219"/>
+              <a:ext cx="250786" cy="155718"/>
+            </a:xfrm>
+            <a:prstGeom prst="flowChartConnector">
+              <a:avLst/>
+            </a:prstGeom>
+            <a:solidFill>
+              <a:srgbClr val="61FFF7"/>
+            </a:solidFill>
+          </p:spPr>
+          <p:style>
+            <a:lnRef idx="2">
+              <a:schemeClr val="accent1">
+                <a:shade val="50000"/>
+              </a:schemeClr>
+            </a:lnRef>
+            <a:fillRef idx="1">
+              <a:schemeClr val="accent1"/>
+            </a:fillRef>
+            <a:effectRef idx="0">
+              <a:schemeClr val="accent1"/>
+            </a:effectRef>
+            <a:fontRef idx="minor">
+              <a:schemeClr val="lt1"/>
+            </a:fontRef>
+          </p:style>
+          <p:txBody>
+            <a:bodyPr rtlCol="0" anchor="ctr"/>
+            <a:lstStyle/>
+            <a:p>
+              <a:pPr algn="ctr"/>
+              <a:endParaRPr lang="en-US"/>
+            </a:p>
+          </p:txBody>
+        </p:sp>
+        <p:sp>
+          <p:nvSpPr>
+            <p:cNvPr id="163" name="Flowchart: Connector 162">
+              <a:extLst>
+                <a:ext uri="{FF2B5EF4-FFF2-40B4-BE49-F238E27FC236}">
+                  <a16:creationId xmlns:a16="http://schemas.microsoft.com/office/drawing/2014/main" id="{3BECE72D-735F-477A-A1A2-2E2DA0C40848}"/>
+                </a:ext>
+              </a:extLst>
+            </p:cNvPr>
+            <p:cNvSpPr/>
+            <p:nvPr/>
+          </p:nvSpPr>
+          <p:spPr>
+            <a:xfrm>
+              <a:off x="3331881" y="4418897"/>
+              <a:ext cx="141562" cy="106358"/>
+            </a:xfrm>
+            <a:prstGeom prst="flowChartConnector">
+              <a:avLst/>
+            </a:prstGeom>
+            <a:solidFill>
+              <a:srgbClr val="FFFF01"/>
+            </a:solidFill>
+          </p:spPr>
+          <p:style>
+            <a:lnRef idx="2">
+              <a:schemeClr val="accent1">
+                <a:shade val="50000"/>
+              </a:schemeClr>
+            </a:lnRef>
+            <a:fillRef idx="1">
+              <a:schemeClr val="accent1"/>
+            </a:fillRef>
+            <a:effectRef idx="0">
+              <a:schemeClr val="accent1"/>
+            </a:effectRef>
+            <a:fontRef idx="minor">
+              <a:schemeClr val="lt1"/>
+            </a:fontRef>
+          </p:style>
+          <p:txBody>
+            <a:bodyPr rtlCol="0" anchor="ctr"/>
+            <a:lstStyle/>
+            <a:p>
+              <a:pPr algn="ctr"/>
+              <a:endParaRPr lang="en-US"/>
+            </a:p>
+          </p:txBody>
+        </p:sp>
+        <p:sp>
+          <p:nvSpPr>
+            <p:cNvPr id="164" name="Flowchart: Connector 163">
+              <a:extLst>
+                <a:ext uri="{FF2B5EF4-FFF2-40B4-BE49-F238E27FC236}">
+                  <a16:creationId xmlns:a16="http://schemas.microsoft.com/office/drawing/2014/main" id="{1BF5FAAF-8D4E-447B-8F94-C598EEC75404}"/>
+                </a:ext>
+              </a:extLst>
+            </p:cNvPr>
+            <p:cNvSpPr/>
+            <p:nvPr/>
+          </p:nvSpPr>
+          <p:spPr>
+            <a:xfrm>
+              <a:off x="3366340" y="4439052"/>
+              <a:ext cx="72644" cy="66040"/>
+            </a:xfrm>
+            <a:prstGeom prst="flowChartConnector">
+              <a:avLst/>
+            </a:prstGeom>
+            <a:solidFill>
+              <a:srgbClr val="FF0000"/>
+            </a:solidFill>
+          </p:spPr>
+          <p:style>
+            <a:lnRef idx="2">
+              <a:schemeClr val="accent1">
+                <a:shade val="50000"/>
+              </a:schemeClr>
+            </a:lnRef>
+            <a:fillRef idx="1">
+              <a:schemeClr val="accent1"/>
+            </a:fillRef>
+            <a:effectRef idx="0">
+              <a:schemeClr val="accent1"/>
+            </a:effectRef>
+            <a:fontRef idx="minor">
+              <a:schemeClr val="lt1"/>
+            </a:fontRef>
+          </p:style>
+          <p:txBody>
+            <a:bodyPr rtlCol="0" anchor="ctr"/>
+            <a:lstStyle/>
+            <a:p>
+              <a:pPr algn="ctr"/>
+              <a:endParaRPr lang="en-US"/>
+            </a:p>
+          </p:txBody>
+        </p:sp>
+      </p:grpSp>
+      <p:grpSp>
+        <p:nvGrpSpPr>
+          <p:cNvPr id="165" name="Group 164">
+            <a:extLst>
+              <a:ext uri="{FF2B5EF4-FFF2-40B4-BE49-F238E27FC236}">
+                <a16:creationId xmlns:a16="http://schemas.microsoft.com/office/drawing/2014/main" id="{EE65B262-7061-494E-B5DB-EC6D790AD2F7}"/>
+              </a:ext>
+            </a:extLst>
+          </p:cNvPr>
+          <p:cNvGrpSpPr/>
+          <p:nvPr/>
+        </p:nvGrpSpPr>
+        <p:grpSpPr>
+          <a:xfrm rot="21244488">
+            <a:off x="5391604" y="2539828"/>
+            <a:ext cx="403895" cy="207261"/>
+            <a:chOff x="3252685" y="4363039"/>
+            <a:chExt cx="303452" cy="227987"/>
+          </a:xfrm>
+        </p:grpSpPr>
+        <p:sp>
+          <p:nvSpPr>
+            <p:cNvPr id="166" name="Flowchart: Connector 165">
+              <a:extLst>
+                <a:ext uri="{FF2B5EF4-FFF2-40B4-BE49-F238E27FC236}">
+                  <a16:creationId xmlns:a16="http://schemas.microsoft.com/office/drawing/2014/main" id="{5A69125C-8533-4DCE-8F70-585AFEE6FEC8}"/>
+                </a:ext>
+              </a:extLst>
+            </p:cNvPr>
+            <p:cNvSpPr/>
+            <p:nvPr/>
+          </p:nvSpPr>
+          <p:spPr>
+            <a:xfrm>
+              <a:off x="3252685" y="4363039"/>
+              <a:ext cx="303452" cy="227987"/>
+            </a:xfrm>
+            <a:prstGeom prst="flowChartConnector">
+              <a:avLst/>
+            </a:prstGeom>
+            <a:solidFill>
+              <a:srgbClr val="0070C0"/>
+            </a:solidFill>
+          </p:spPr>
+          <p:style>
+            <a:lnRef idx="2">
+              <a:schemeClr val="accent1">
+                <a:shade val="50000"/>
+              </a:schemeClr>
+            </a:lnRef>
+            <a:fillRef idx="1">
+              <a:schemeClr val="accent1"/>
+            </a:fillRef>
+            <a:effectRef idx="0">
+              <a:schemeClr val="accent1"/>
+            </a:effectRef>
+            <a:fontRef idx="minor">
+              <a:schemeClr val="lt1"/>
+            </a:fontRef>
+          </p:style>
+          <p:txBody>
+            <a:bodyPr rtlCol="0" anchor="ctr"/>
+            <a:lstStyle/>
+            <a:p>
+              <a:pPr algn="ctr"/>
+              <a:endParaRPr lang="en-US"/>
+            </a:p>
+          </p:txBody>
+        </p:sp>
+        <p:sp>
+          <p:nvSpPr>
+            <p:cNvPr id="167" name="Flowchart: Connector 166">
+              <a:extLst>
+                <a:ext uri="{FF2B5EF4-FFF2-40B4-BE49-F238E27FC236}">
+                  <a16:creationId xmlns:a16="http://schemas.microsoft.com/office/drawing/2014/main" id="{F5E32F7B-97BC-45C0-A567-5F83405D2D54}"/>
+                </a:ext>
+              </a:extLst>
+            </p:cNvPr>
+            <p:cNvSpPr/>
+            <p:nvPr/>
+          </p:nvSpPr>
+          <p:spPr>
+            <a:xfrm>
+              <a:off x="3281502" y="4394219"/>
+              <a:ext cx="250786" cy="155718"/>
+            </a:xfrm>
+            <a:prstGeom prst="flowChartConnector">
+              <a:avLst/>
+            </a:prstGeom>
+            <a:solidFill>
+              <a:srgbClr val="61FFF7"/>
+            </a:solidFill>
+          </p:spPr>
+          <p:style>
+            <a:lnRef idx="2">
+              <a:schemeClr val="accent1">
+                <a:shade val="50000"/>
+              </a:schemeClr>
+            </a:lnRef>
+            <a:fillRef idx="1">
+              <a:schemeClr val="accent1"/>
+            </a:fillRef>
+            <a:effectRef idx="0">
+              <a:schemeClr val="accent1"/>
+            </a:effectRef>
+            <a:fontRef idx="minor">
+              <a:schemeClr val="lt1"/>
+            </a:fontRef>
+          </p:style>
+          <p:txBody>
+            <a:bodyPr rtlCol="0" anchor="ctr"/>
+            <a:lstStyle/>
+            <a:p>
+              <a:pPr algn="ctr"/>
+              <a:endParaRPr lang="en-US"/>
+            </a:p>
+          </p:txBody>
+        </p:sp>
+        <p:sp>
+          <p:nvSpPr>
+            <p:cNvPr id="168" name="Flowchart: Connector 167">
+              <a:extLst>
+                <a:ext uri="{FF2B5EF4-FFF2-40B4-BE49-F238E27FC236}">
+                  <a16:creationId xmlns:a16="http://schemas.microsoft.com/office/drawing/2014/main" id="{0962F03A-CAF3-4530-ADEC-A68471D525AF}"/>
+                </a:ext>
+              </a:extLst>
+            </p:cNvPr>
+            <p:cNvSpPr/>
+            <p:nvPr/>
+          </p:nvSpPr>
+          <p:spPr>
+            <a:xfrm>
+              <a:off x="3331881" y="4418897"/>
+              <a:ext cx="141562" cy="106358"/>
+            </a:xfrm>
+            <a:prstGeom prst="flowChartConnector">
+              <a:avLst/>
+            </a:prstGeom>
+            <a:solidFill>
+              <a:srgbClr val="FFFF01"/>
+            </a:solidFill>
+          </p:spPr>
+          <p:style>
+            <a:lnRef idx="2">
+              <a:schemeClr val="accent1">
+                <a:shade val="50000"/>
+              </a:schemeClr>
+            </a:lnRef>
+            <a:fillRef idx="1">
+              <a:schemeClr val="accent1"/>
+            </a:fillRef>
+            <a:effectRef idx="0">
+              <a:schemeClr val="accent1"/>
+            </a:effectRef>
+            <a:fontRef idx="minor">
+              <a:schemeClr val="lt1"/>
+            </a:fontRef>
+          </p:style>
+          <p:txBody>
+            <a:bodyPr rtlCol="0" anchor="ctr"/>
+            <a:lstStyle/>
+            <a:p>
+              <a:pPr algn="ctr"/>
+              <a:endParaRPr lang="en-US"/>
+            </a:p>
+          </p:txBody>
+        </p:sp>
+        <p:sp>
+          <p:nvSpPr>
+            <p:cNvPr id="169" name="Flowchart: Connector 168">
+              <a:extLst>
+                <a:ext uri="{FF2B5EF4-FFF2-40B4-BE49-F238E27FC236}">
+                  <a16:creationId xmlns:a16="http://schemas.microsoft.com/office/drawing/2014/main" id="{C7F3E6A7-F1BD-48D8-ABC0-AAC0708415AF}"/>
+                </a:ext>
+              </a:extLst>
+            </p:cNvPr>
+            <p:cNvSpPr/>
+            <p:nvPr/>
+          </p:nvSpPr>
+          <p:spPr>
+            <a:xfrm>
+              <a:off x="3366340" y="4439052"/>
+              <a:ext cx="72644" cy="66040"/>
+            </a:xfrm>
+            <a:prstGeom prst="flowChartConnector">
+              <a:avLst/>
+            </a:prstGeom>
+            <a:solidFill>
+              <a:srgbClr val="FF0000"/>
+            </a:solidFill>
+          </p:spPr>
+          <p:style>
+            <a:lnRef idx="2">
+              <a:schemeClr val="accent1">
+                <a:shade val="50000"/>
+              </a:schemeClr>
+            </a:lnRef>
+            <a:fillRef idx="1">
+              <a:schemeClr val="accent1"/>
+            </a:fillRef>
+            <a:effectRef idx="0">
+              <a:schemeClr val="accent1"/>
+            </a:effectRef>
+            <a:fontRef idx="minor">
+              <a:schemeClr val="lt1"/>
+            </a:fontRef>
+          </p:style>
+          <p:txBody>
+            <a:bodyPr rtlCol="0" anchor="ctr"/>
+            <a:lstStyle/>
+            <a:p>
+              <a:pPr algn="ctr"/>
+              <a:endParaRPr lang="en-US"/>
+            </a:p>
+          </p:txBody>
+        </p:sp>
+      </p:grpSp>
+      <p:grpSp>
+        <p:nvGrpSpPr>
+          <p:cNvPr id="170" name="Group 169">
+            <a:extLst>
+              <a:ext uri="{FF2B5EF4-FFF2-40B4-BE49-F238E27FC236}">
+                <a16:creationId xmlns:a16="http://schemas.microsoft.com/office/drawing/2014/main" id="{53A77124-537A-420B-8338-7167E331771F}"/>
+              </a:ext>
+            </a:extLst>
+          </p:cNvPr>
+          <p:cNvGrpSpPr/>
+          <p:nvPr/>
+        </p:nvGrpSpPr>
+        <p:grpSpPr>
+          <a:xfrm rot="21244488">
+            <a:off x="5172768" y="2339334"/>
+            <a:ext cx="488714" cy="171290"/>
+            <a:chOff x="3252685" y="4363039"/>
+            <a:chExt cx="303452" cy="227987"/>
+          </a:xfrm>
+        </p:grpSpPr>
+        <p:sp>
+          <p:nvSpPr>
+            <p:cNvPr id="171" name="Flowchart: Connector 170">
+              <a:extLst>
+                <a:ext uri="{FF2B5EF4-FFF2-40B4-BE49-F238E27FC236}">
+                  <a16:creationId xmlns:a16="http://schemas.microsoft.com/office/drawing/2014/main" id="{8DD06F71-A78B-478D-ACA1-5EA9BDC0D934}"/>
+                </a:ext>
+              </a:extLst>
+            </p:cNvPr>
+            <p:cNvSpPr/>
+            <p:nvPr/>
+          </p:nvSpPr>
+          <p:spPr>
+            <a:xfrm>
+              <a:off x="3252685" y="4363039"/>
+              <a:ext cx="303452" cy="227987"/>
+            </a:xfrm>
+            <a:prstGeom prst="flowChartConnector">
+              <a:avLst/>
+            </a:prstGeom>
+            <a:solidFill>
+              <a:srgbClr val="0070C0"/>
+            </a:solidFill>
+          </p:spPr>
+          <p:style>
+            <a:lnRef idx="2">
+              <a:schemeClr val="accent1">
+                <a:shade val="50000"/>
+              </a:schemeClr>
+            </a:lnRef>
+            <a:fillRef idx="1">
+              <a:schemeClr val="accent1"/>
+            </a:fillRef>
+            <a:effectRef idx="0">
+              <a:schemeClr val="accent1"/>
+            </a:effectRef>
+            <a:fontRef idx="minor">
+              <a:schemeClr val="lt1"/>
+            </a:fontRef>
+          </p:style>
+          <p:txBody>
+            <a:bodyPr rtlCol="0" anchor="ctr"/>
+            <a:lstStyle/>
+            <a:p>
+              <a:pPr algn="ctr"/>
+              <a:endParaRPr lang="en-US"/>
+            </a:p>
+          </p:txBody>
+        </p:sp>
+        <p:sp>
+          <p:nvSpPr>
+            <p:cNvPr id="172" name="Flowchart: Connector 171">
+              <a:extLst>
+                <a:ext uri="{FF2B5EF4-FFF2-40B4-BE49-F238E27FC236}">
+                  <a16:creationId xmlns:a16="http://schemas.microsoft.com/office/drawing/2014/main" id="{05A7AC1B-418E-4BD9-8AD6-48B88A26A8A0}"/>
+                </a:ext>
+              </a:extLst>
+            </p:cNvPr>
+            <p:cNvSpPr/>
+            <p:nvPr/>
+          </p:nvSpPr>
+          <p:spPr>
+            <a:xfrm>
+              <a:off x="3281502" y="4394219"/>
+              <a:ext cx="250786" cy="155718"/>
+            </a:xfrm>
+            <a:prstGeom prst="flowChartConnector">
+              <a:avLst/>
+            </a:prstGeom>
+            <a:solidFill>
+              <a:srgbClr val="61FFF7"/>
+            </a:solidFill>
+          </p:spPr>
+          <p:style>
+            <a:lnRef idx="2">
+              <a:schemeClr val="accent1">
+                <a:shade val="50000"/>
+              </a:schemeClr>
+            </a:lnRef>
+            <a:fillRef idx="1">
+              <a:schemeClr val="accent1"/>
+            </a:fillRef>
+            <a:effectRef idx="0">
+              <a:schemeClr val="accent1"/>
+            </a:effectRef>
+            <a:fontRef idx="minor">
+              <a:schemeClr val="lt1"/>
+            </a:fontRef>
+          </p:style>
+          <p:txBody>
+            <a:bodyPr rtlCol="0" anchor="ctr"/>
+            <a:lstStyle/>
+            <a:p>
+              <a:pPr algn="ctr"/>
+              <a:endParaRPr lang="en-US"/>
+            </a:p>
+          </p:txBody>
+        </p:sp>
+        <p:sp>
+          <p:nvSpPr>
+            <p:cNvPr id="173" name="Flowchart: Connector 172">
+              <a:extLst>
+                <a:ext uri="{FF2B5EF4-FFF2-40B4-BE49-F238E27FC236}">
+                  <a16:creationId xmlns:a16="http://schemas.microsoft.com/office/drawing/2014/main" id="{717392C1-7B83-42C5-BBD1-21C68AD68D01}"/>
+                </a:ext>
+              </a:extLst>
+            </p:cNvPr>
+            <p:cNvSpPr/>
+            <p:nvPr/>
+          </p:nvSpPr>
+          <p:spPr>
+            <a:xfrm>
+              <a:off x="3331881" y="4418897"/>
+              <a:ext cx="141562" cy="106358"/>
+            </a:xfrm>
+            <a:prstGeom prst="flowChartConnector">
+              <a:avLst/>
+            </a:prstGeom>
+            <a:solidFill>
+              <a:srgbClr val="FFFF01"/>
+            </a:solidFill>
+          </p:spPr>
+          <p:style>
+            <a:lnRef idx="2">
+              <a:schemeClr val="accent1">
+                <a:shade val="50000"/>
+              </a:schemeClr>
+            </a:lnRef>
+            <a:fillRef idx="1">
+              <a:schemeClr val="accent1"/>
+            </a:fillRef>
+            <a:effectRef idx="0">
+              <a:schemeClr val="accent1"/>
+            </a:effectRef>
+            <a:fontRef idx="minor">
+              <a:schemeClr val="lt1"/>
+            </a:fontRef>
+          </p:style>
+          <p:txBody>
+            <a:bodyPr rtlCol="0" anchor="ctr"/>
+            <a:lstStyle/>
+            <a:p>
+              <a:pPr algn="ctr"/>
+              <a:endParaRPr lang="en-US"/>
+            </a:p>
+          </p:txBody>
+        </p:sp>
+        <p:sp>
+          <p:nvSpPr>
+            <p:cNvPr id="174" name="Flowchart: Connector 173">
+              <a:extLst>
+                <a:ext uri="{FF2B5EF4-FFF2-40B4-BE49-F238E27FC236}">
+                  <a16:creationId xmlns:a16="http://schemas.microsoft.com/office/drawing/2014/main" id="{81C0F0C2-8357-444F-8393-8B9F78C72C63}"/>
+                </a:ext>
+              </a:extLst>
+            </p:cNvPr>
+            <p:cNvSpPr/>
+            <p:nvPr/>
+          </p:nvSpPr>
+          <p:spPr>
+            <a:xfrm>
+              <a:off x="3366340" y="4439052"/>
+              <a:ext cx="72644" cy="66040"/>
+            </a:xfrm>
+            <a:prstGeom prst="flowChartConnector">
+              <a:avLst/>
+            </a:prstGeom>
+            <a:solidFill>
+              <a:srgbClr val="FF0000"/>
+            </a:solidFill>
+          </p:spPr>
+          <p:style>
+            <a:lnRef idx="2">
+              <a:schemeClr val="accent1">
+                <a:shade val="50000"/>
+              </a:schemeClr>
+            </a:lnRef>
+            <a:fillRef idx="1">
+              <a:schemeClr val="accent1"/>
+            </a:fillRef>
+            <a:effectRef idx="0">
+              <a:schemeClr val="accent1"/>
+            </a:effectRef>
+            <a:fontRef idx="minor">
+              <a:schemeClr val="lt1"/>
+            </a:fontRef>
+          </p:style>
+          <p:txBody>
+            <a:bodyPr rtlCol="0" anchor="ctr"/>
+            <a:lstStyle/>
+            <a:p>
+              <a:pPr algn="ctr"/>
+              <a:endParaRPr lang="en-US"/>
+            </a:p>
+          </p:txBody>
+        </p:sp>
+      </p:grpSp>
+      <p:sp>
+        <p:nvSpPr>
+          <p:cNvPr id="5" name="TextBox 4">
+            <a:extLst>
+              <a:ext uri="{FF2B5EF4-FFF2-40B4-BE49-F238E27FC236}">
+                <a16:creationId xmlns:a16="http://schemas.microsoft.com/office/drawing/2014/main" id="{3292342F-7587-432D-9A7F-14CF16D840D9}"/>
+              </a:ext>
+            </a:extLst>
+          </p:cNvPr>
+          <p:cNvSpPr txBox="1"/>
+          <p:nvPr/>
+        </p:nvSpPr>
+        <p:spPr>
+          <a:xfrm>
+            <a:off x="6369971" y="3824403"/>
+            <a:ext cx="272832" cy="307777"/>
+          </a:xfrm>
+          <a:prstGeom prst="rect">
+            <a:avLst/>
+          </a:prstGeom>
+          <a:noFill/>
+        </p:spPr>
+        <p:txBody>
+          <a:bodyPr wrap="none" rtlCol="0">
+            <a:spAutoFit/>
+          </a:bodyPr>
+          <a:lstStyle/>
+          <a:p>
+            <a:r>
+              <a:rPr lang="en-US" sz="1400" b="1" i="1" dirty="0"/>
+              <a:t>T</a:t>
+            </a:r>
+          </a:p>
+        </p:txBody>
+      </p:sp>
+      <p:sp>
+        <p:nvSpPr>
+          <p:cNvPr id="175" name="TextBox 174">
+            <a:extLst>
+              <a:ext uri="{FF2B5EF4-FFF2-40B4-BE49-F238E27FC236}">
+                <a16:creationId xmlns:a16="http://schemas.microsoft.com/office/drawing/2014/main" id="{1DFB0503-8CF8-4BEF-9515-D1A7AED2DDA4}"/>
+              </a:ext>
+            </a:extLst>
+          </p:cNvPr>
+          <p:cNvSpPr txBox="1"/>
+          <p:nvPr/>
+        </p:nvSpPr>
+        <p:spPr>
+          <a:xfrm>
+            <a:off x="9510297" y="1830244"/>
+            <a:ext cx="269626" cy="253916"/>
+          </a:xfrm>
+          <a:prstGeom prst="rect">
+            <a:avLst/>
+          </a:prstGeom>
+          <a:noFill/>
+        </p:spPr>
+        <p:txBody>
+          <a:bodyPr wrap="none" rtlCol="0">
+            <a:spAutoFit/>
+          </a:bodyPr>
+          <a:lstStyle/>
+          <a:p>
+            <a:r>
+              <a:rPr lang="en-US" sz="1050" b="1" i="1" dirty="0"/>
+              <a:t>H</a:t>
+            </a:r>
+          </a:p>
+        </p:txBody>
+      </p:sp>
+      <p:sp>
+        <p:nvSpPr>
+          <p:cNvPr id="176" name="TextBox 175">
+            <a:extLst>
+              <a:ext uri="{FF2B5EF4-FFF2-40B4-BE49-F238E27FC236}">
+                <a16:creationId xmlns:a16="http://schemas.microsoft.com/office/drawing/2014/main" id="{ED2AB991-838C-444B-B6A1-988FFE6BC7A3}"/>
+              </a:ext>
+            </a:extLst>
+          </p:cNvPr>
+          <p:cNvSpPr txBox="1"/>
+          <p:nvPr/>
+        </p:nvSpPr>
+        <p:spPr>
+          <a:xfrm>
+            <a:off x="7762499" y="2947775"/>
+            <a:ext cx="333746" cy="276999"/>
+          </a:xfrm>
+          <a:prstGeom prst="rect">
+            <a:avLst/>
+          </a:prstGeom>
+          <a:noFill/>
+        </p:spPr>
+        <p:txBody>
+          <a:bodyPr wrap="none" rtlCol="0">
+            <a:spAutoFit/>
+          </a:bodyPr>
+          <a:lstStyle/>
+          <a:p>
+            <a:r>
+              <a:rPr lang="en-US" sz="1200" b="1" i="1" dirty="0"/>
+              <a:t>F4</a:t>
+            </a:r>
+          </a:p>
+        </p:txBody>
+      </p:sp>
+      <p:sp>
+        <p:nvSpPr>
+          <p:cNvPr id="177" name="TextBox 176">
+            <a:extLst>
+              <a:ext uri="{FF2B5EF4-FFF2-40B4-BE49-F238E27FC236}">
+                <a16:creationId xmlns:a16="http://schemas.microsoft.com/office/drawing/2014/main" id="{72C4F93B-E976-4892-B501-43423441E850}"/>
+              </a:ext>
+            </a:extLst>
+          </p:cNvPr>
+          <p:cNvSpPr txBox="1"/>
+          <p:nvPr/>
+        </p:nvSpPr>
+        <p:spPr>
+          <a:xfrm>
+            <a:off x="8677142" y="2694410"/>
+            <a:ext cx="333746" cy="276999"/>
+          </a:xfrm>
+          <a:prstGeom prst="rect">
+            <a:avLst/>
+          </a:prstGeom>
+          <a:noFill/>
+        </p:spPr>
+        <p:txBody>
+          <a:bodyPr wrap="none" rtlCol="0">
+            <a:spAutoFit/>
+          </a:bodyPr>
+          <a:lstStyle/>
+          <a:p>
+            <a:r>
+              <a:rPr lang="en-US" sz="1200" b="1" i="1" dirty="0"/>
+              <a:t>F3</a:t>
+            </a:r>
+          </a:p>
+        </p:txBody>
+      </p:sp>
+      <p:sp>
+        <p:nvSpPr>
+          <p:cNvPr id="178" name="TextBox 177">
+            <a:extLst>
+              <a:ext uri="{FF2B5EF4-FFF2-40B4-BE49-F238E27FC236}">
+                <a16:creationId xmlns:a16="http://schemas.microsoft.com/office/drawing/2014/main" id="{40EA22B0-9D1A-4FC6-B3D2-A4779FB1845D}"/>
+              </a:ext>
+            </a:extLst>
+          </p:cNvPr>
+          <p:cNvSpPr txBox="1"/>
+          <p:nvPr/>
+        </p:nvSpPr>
+        <p:spPr>
+          <a:xfrm>
+            <a:off x="9163527" y="2353746"/>
+            <a:ext cx="320922" cy="261610"/>
+          </a:xfrm>
+          <a:prstGeom prst="rect">
+            <a:avLst/>
+          </a:prstGeom>
+          <a:noFill/>
+        </p:spPr>
+        <p:txBody>
+          <a:bodyPr wrap="none" rtlCol="0">
+            <a:spAutoFit/>
+          </a:bodyPr>
+          <a:lstStyle/>
+          <a:p>
+            <a:r>
+              <a:rPr lang="en-US" sz="1100" b="1" i="1" dirty="0"/>
+              <a:t>F2</a:t>
+            </a:r>
+          </a:p>
+        </p:txBody>
+      </p:sp>
+      <p:sp>
+        <p:nvSpPr>
+          <p:cNvPr id="179" name="TextBox 178">
+            <a:extLst>
+              <a:ext uri="{FF2B5EF4-FFF2-40B4-BE49-F238E27FC236}">
+                <a16:creationId xmlns:a16="http://schemas.microsoft.com/office/drawing/2014/main" id="{16A1540C-7F6D-4CBF-AA7A-12BFDA18A2E4}"/>
+              </a:ext>
+            </a:extLst>
+          </p:cNvPr>
+          <p:cNvSpPr txBox="1"/>
+          <p:nvPr/>
+        </p:nvSpPr>
+        <p:spPr>
+          <a:xfrm>
+            <a:off x="9390208" y="2116876"/>
+            <a:ext cx="320922" cy="261610"/>
+          </a:xfrm>
+          <a:prstGeom prst="rect">
+            <a:avLst/>
+          </a:prstGeom>
+          <a:noFill/>
+        </p:spPr>
+        <p:txBody>
+          <a:bodyPr wrap="none" rtlCol="0">
+            <a:spAutoFit/>
+          </a:bodyPr>
+          <a:lstStyle/>
+          <a:p>
+            <a:r>
+              <a:rPr lang="en-US" sz="1100" b="1" i="1" dirty="0"/>
+              <a:t>F1</a:t>
+            </a:r>
+          </a:p>
+        </p:txBody>
+      </p:sp>
+      <p:sp>
+        <p:nvSpPr>
+          <p:cNvPr id="180" name="TextBox 179">
+            <a:extLst>
+              <a:ext uri="{FF2B5EF4-FFF2-40B4-BE49-F238E27FC236}">
+                <a16:creationId xmlns:a16="http://schemas.microsoft.com/office/drawing/2014/main" id="{81183B06-BFD2-4019-821A-B83BEC110DA1}"/>
+              </a:ext>
+            </a:extLst>
+          </p:cNvPr>
+          <p:cNvSpPr txBox="1"/>
+          <p:nvPr/>
+        </p:nvSpPr>
+        <p:spPr>
+          <a:xfrm>
+            <a:off x="5611361" y="2280045"/>
+            <a:ext cx="264816" cy="246221"/>
+          </a:xfrm>
+          <a:prstGeom prst="rect">
+            <a:avLst/>
+          </a:prstGeom>
+          <a:noFill/>
+        </p:spPr>
+        <p:txBody>
+          <a:bodyPr wrap="none" rtlCol="0">
+            <a:spAutoFit/>
+          </a:bodyPr>
+          <a:lstStyle/>
+          <a:p>
+            <a:r>
+              <a:rPr lang="en-US" sz="1000" b="1" i="1" dirty="0"/>
+              <a:t>H</a:t>
+            </a:r>
+          </a:p>
+        </p:txBody>
+      </p:sp>
+      <p:sp>
+        <p:nvSpPr>
+          <p:cNvPr id="181" name="TextBox 180">
+            <a:extLst>
+              <a:ext uri="{FF2B5EF4-FFF2-40B4-BE49-F238E27FC236}">
+                <a16:creationId xmlns:a16="http://schemas.microsoft.com/office/drawing/2014/main" id="{2FFA66BA-8EE2-4E15-A69F-72E8050811C5}"/>
+              </a:ext>
+            </a:extLst>
+          </p:cNvPr>
+          <p:cNvSpPr txBox="1"/>
+          <p:nvPr/>
+        </p:nvSpPr>
+        <p:spPr>
+          <a:xfrm>
+            <a:off x="4518202" y="2290456"/>
+            <a:ext cx="264816" cy="246221"/>
+          </a:xfrm>
+          <a:prstGeom prst="rect">
+            <a:avLst/>
+          </a:prstGeom>
+          <a:noFill/>
+        </p:spPr>
+        <p:txBody>
+          <a:bodyPr wrap="none" rtlCol="0">
+            <a:spAutoFit/>
+          </a:bodyPr>
+          <a:lstStyle/>
+          <a:p>
+            <a:r>
+              <a:rPr lang="en-US" sz="1000" b="1" i="1" dirty="0"/>
+              <a:t>H</a:t>
+            </a:r>
+          </a:p>
+        </p:txBody>
+      </p:sp>
+      <p:sp>
+        <p:nvSpPr>
+          <p:cNvPr id="182" name="TextBox 181">
+            <a:extLst>
+              <a:ext uri="{FF2B5EF4-FFF2-40B4-BE49-F238E27FC236}">
+                <a16:creationId xmlns:a16="http://schemas.microsoft.com/office/drawing/2014/main" id="{6D26B6CB-916C-46BF-9A68-DC6C33C7FA76}"/>
+              </a:ext>
+            </a:extLst>
+          </p:cNvPr>
+          <p:cNvSpPr txBox="1"/>
+          <p:nvPr/>
+        </p:nvSpPr>
+        <p:spPr>
+          <a:xfrm>
+            <a:off x="2930353" y="2280045"/>
+            <a:ext cx="264816" cy="246221"/>
+          </a:xfrm>
+          <a:prstGeom prst="rect">
+            <a:avLst/>
+          </a:prstGeom>
+          <a:noFill/>
+        </p:spPr>
+        <p:txBody>
+          <a:bodyPr wrap="none" rtlCol="0">
+            <a:spAutoFit/>
+          </a:bodyPr>
+          <a:lstStyle/>
+          <a:p>
+            <a:r>
+              <a:rPr lang="en-US" sz="1000" b="1" i="1" dirty="0"/>
+              <a:t>H</a:t>
+            </a:r>
+          </a:p>
+        </p:txBody>
+      </p:sp>
+      <p:sp>
+        <p:nvSpPr>
+          <p:cNvPr id="183" name="TextBox 182">
+            <a:extLst>
+              <a:ext uri="{FF2B5EF4-FFF2-40B4-BE49-F238E27FC236}">
+                <a16:creationId xmlns:a16="http://schemas.microsoft.com/office/drawing/2014/main" id="{E2AE90D0-0C24-438A-95F0-F300377B9C83}"/>
+              </a:ext>
+            </a:extLst>
+          </p:cNvPr>
+          <p:cNvSpPr txBox="1"/>
+          <p:nvPr/>
+        </p:nvSpPr>
+        <p:spPr>
+          <a:xfrm>
+            <a:off x="3127416" y="2559949"/>
+            <a:ext cx="309700" cy="246221"/>
+          </a:xfrm>
+          <a:prstGeom prst="rect">
+            <a:avLst/>
+          </a:prstGeom>
+          <a:noFill/>
+        </p:spPr>
+        <p:txBody>
+          <a:bodyPr wrap="none" rtlCol="0">
+            <a:spAutoFit/>
+          </a:bodyPr>
+          <a:lstStyle/>
+          <a:p>
+            <a:r>
+              <a:rPr lang="en-US" sz="1000" b="1" i="1" dirty="0"/>
+              <a:t>F1</a:t>
+            </a:r>
+          </a:p>
+        </p:txBody>
+      </p:sp>
+      <p:sp>
+        <p:nvSpPr>
+          <p:cNvPr id="184" name="TextBox 183">
+            <a:extLst>
+              <a:ext uri="{FF2B5EF4-FFF2-40B4-BE49-F238E27FC236}">
+                <a16:creationId xmlns:a16="http://schemas.microsoft.com/office/drawing/2014/main" id="{C08CE2AB-7080-4A78-ABE0-F55DEF030EDC}"/>
+              </a:ext>
+            </a:extLst>
+          </p:cNvPr>
+          <p:cNvSpPr txBox="1"/>
+          <p:nvPr/>
+        </p:nvSpPr>
+        <p:spPr>
+          <a:xfrm>
+            <a:off x="4237428" y="2529263"/>
+            <a:ext cx="309700" cy="246221"/>
+          </a:xfrm>
+          <a:prstGeom prst="rect">
+            <a:avLst/>
+          </a:prstGeom>
+          <a:noFill/>
+        </p:spPr>
+        <p:txBody>
+          <a:bodyPr wrap="none" rtlCol="0">
+            <a:spAutoFit/>
+          </a:bodyPr>
+          <a:lstStyle/>
+          <a:p>
+            <a:r>
+              <a:rPr lang="en-US" sz="1000" b="1" i="1" dirty="0"/>
+              <a:t>F1</a:t>
+            </a:r>
+          </a:p>
+        </p:txBody>
+      </p:sp>
+      <p:sp>
+        <p:nvSpPr>
+          <p:cNvPr id="185" name="TextBox 184">
+            <a:extLst>
+              <a:ext uri="{FF2B5EF4-FFF2-40B4-BE49-F238E27FC236}">
+                <a16:creationId xmlns:a16="http://schemas.microsoft.com/office/drawing/2014/main" id="{2D2401EA-F5F5-4F91-BCBC-CA6713AEB48F}"/>
+              </a:ext>
+            </a:extLst>
+          </p:cNvPr>
+          <p:cNvSpPr txBox="1"/>
+          <p:nvPr/>
+        </p:nvSpPr>
+        <p:spPr>
+          <a:xfrm>
+            <a:off x="5132873" y="2559888"/>
+            <a:ext cx="309700" cy="246221"/>
+          </a:xfrm>
+          <a:prstGeom prst="rect">
+            <a:avLst/>
+          </a:prstGeom>
+          <a:noFill/>
+        </p:spPr>
+        <p:txBody>
+          <a:bodyPr wrap="none" rtlCol="0">
+            <a:spAutoFit/>
+          </a:bodyPr>
+          <a:lstStyle/>
+          <a:p>
+            <a:r>
+              <a:rPr lang="en-US" sz="1000" b="1" i="1" dirty="0"/>
+              <a:t>F1</a:t>
+            </a:r>
+          </a:p>
+        </p:txBody>
+      </p:sp>
+      <p:sp>
+        <p:nvSpPr>
+          <p:cNvPr id="186" name="TextBox 185">
+            <a:extLst>
+              <a:ext uri="{FF2B5EF4-FFF2-40B4-BE49-F238E27FC236}">
+                <a16:creationId xmlns:a16="http://schemas.microsoft.com/office/drawing/2014/main" id="{A5466F38-375E-403E-9283-93111B5AB3E5}"/>
+              </a:ext>
+            </a:extLst>
+          </p:cNvPr>
+          <p:cNvSpPr txBox="1"/>
+          <p:nvPr/>
+        </p:nvSpPr>
+        <p:spPr>
+          <a:xfrm>
+            <a:off x="3195332" y="2793494"/>
+            <a:ext cx="309700" cy="246221"/>
+          </a:xfrm>
+          <a:prstGeom prst="rect">
+            <a:avLst/>
+          </a:prstGeom>
+          <a:noFill/>
+        </p:spPr>
+        <p:txBody>
+          <a:bodyPr wrap="none" rtlCol="0">
+            <a:spAutoFit/>
+          </a:bodyPr>
+          <a:lstStyle/>
+          <a:p>
+            <a:r>
+              <a:rPr lang="en-US" sz="1000" b="1" i="1" dirty="0"/>
+              <a:t>F2</a:t>
+            </a:r>
+          </a:p>
+        </p:txBody>
+      </p:sp>
+      <p:sp>
+        <p:nvSpPr>
+          <p:cNvPr id="187" name="TextBox 186">
+            <a:extLst>
+              <a:ext uri="{FF2B5EF4-FFF2-40B4-BE49-F238E27FC236}">
+                <a16:creationId xmlns:a16="http://schemas.microsoft.com/office/drawing/2014/main" id="{B209279F-E05D-4A0D-86A5-900001FD1BCA}"/>
+              </a:ext>
+            </a:extLst>
+          </p:cNvPr>
+          <p:cNvSpPr txBox="1"/>
+          <p:nvPr/>
+        </p:nvSpPr>
+        <p:spPr>
+          <a:xfrm>
+            <a:off x="4568553" y="2807396"/>
+            <a:ext cx="309700" cy="246221"/>
+          </a:xfrm>
+          <a:prstGeom prst="rect">
+            <a:avLst/>
+          </a:prstGeom>
+          <a:noFill/>
+        </p:spPr>
+        <p:txBody>
+          <a:bodyPr wrap="none" rtlCol="0">
+            <a:spAutoFit/>
+          </a:bodyPr>
+          <a:lstStyle/>
+          <a:p>
+            <a:r>
+              <a:rPr lang="en-US" sz="1000" b="1" i="1" dirty="0"/>
+              <a:t>F2</a:t>
+            </a:r>
+          </a:p>
+        </p:txBody>
+      </p:sp>
+      <p:sp>
+        <p:nvSpPr>
+          <p:cNvPr id="188" name="TextBox 187">
+            <a:extLst>
+              <a:ext uri="{FF2B5EF4-FFF2-40B4-BE49-F238E27FC236}">
+                <a16:creationId xmlns:a16="http://schemas.microsoft.com/office/drawing/2014/main" id="{1E357A41-2DAC-4533-8E97-FE77985D5284}"/>
+              </a:ext>
+            </a:extLst>
+          </p:cNvPr>
+          <p:cNvSpPr txBox="1"/>
+          <p:nvPr/>
+        </p:nvSpPr>
+        <p:spPr>
+          <a:xfrm>
+            <a:off x="5188868" y="2813470"/>
+            <a:ext cx="309700" cy="246221"/>
+          </a:xfrm>
+          <a:prstGeom prst="rect">
+            <a:avLst/>
+          </a:prstGeom>
+          <a:noFill/>
+        </p:spPr>
+        <p:txBody>
+          <a:bodyPr wrap="none" rtlCol="0">
+            <a:spAutoFit/>
+          </a:bodyPr>
+          <a:lstStyle/>
+          <a:p>
+            <a:r>
+              <a:rPr lang="en-US" sz="1000" b="1" i="1" dirty="0"/>
+              <a:t>F2</a:t>
+            </a:r>
+          </a:p>
+        </p:txBody>
+      </p:sp>
+      <p:sp>
+        <p:nvSpPr>
+          <p:cNvPr id="189" name="TextBox 188">
+            <a:extLst>
+              <a:ext uri="{FF2B5EF4-FFF2-40B4-BE49-F238E27FC236}">
+                <a16:creationId xmlns:a16="http://schemas.microsoft.com/office/drawing/2014/main" id="{4F11C0CD-176A-44C3-8278-1C5EFFF9283C}"/>
+              </a:ext>
+            </a:extLst>
+          </p:cNvPr>
+          <p:cNvSpPr txBox="1"/>
+          <p:nvPr/>
+        </p:nvSpPr>
+        <p:spPr>
+          <a:xfrm>
+            <a:off x="3320945" y="3209277"/>
+            <a:ext cx="309700" cy="246221"/>
+          </a:xfrm>
+          <a:prstGeom prst="rect">
+            <a:avLst/>
+          </a:prstGeom>
+          <a:noFill/>
+        </p:spPr>
+        <p:txBody>
+          <a:bodyPr wrap="none" rtlCol="0">
+            <a:spAutoFit/>
+          </a:bodyPr>
+          <a:lstStyle/>
+          <a:p>
+            <a:r>
+              <a:rPr lang="en-US" sz="1000" b="1" i="1" dirty="0"/>
+              <a:t>F3</a:t>
+            </a:r>
+          </a:p>
+        </p:txBody>
+      </p:sp>
+      <p:sp>
+        <p:nvSpPr>
+          <p:cNvPr id="190" name="TextBox 189">
+            <a:extLst>
+              <a:ext uri="{FF2B5EF4-FFF2-40B4-BE49-F238E27FC236}">
+                <a16:creationId xmlns:a16="http://schemas.microsoft.com/office/drawing/2014/main" id="{0A5346F8-CCD1-48AB-9132-B992A629F2D9}"/>
+              </a:ext>
+            </a:extLst>
+          </p:cNvPr>
+          <p:cNvSpPr txBox="1"/>
+          <p:nvPr/>
+        </p:nvSpPr>
+        <p:spPr>
+          <a:xfrm>
+            <a:off x="4598553" y="3168956"/>
+            <a:ext cx="309700" cy="246221"/>
+          </a:xfrm>
+          <a:prstGeom prst="rect">
+            <a:avLst/>
+          </a:prstGeom>
+          <a:noFill/>
+        </p:spPr>
+        <p:txBody>
+          <a:bodyPr wrap="none" rtlCol="0">
+            <a:spAutoFit/>
+          </a:bodyPr>
+          <a:lstStyle/>
+          <a:p>
+            <a:r>
+              <a:rPr lang="en-US" sz="1000" b="1" i="1" dirty="0"/>
+              <a:t>F3</a:t>
+            </a:r>
+          </a:p>
+        </p:txBody>
+      </p:sp>
+      <p:sp>
+        <p:nvSpPr>
+          <p:cNvPr id="191" name="TextBox 190">
+            <a:extLst>
+              <a:ext uri="{FF2B5EF4-FFF2-40B4-BE49-F238E27FC236}">
+                <a16:creationId xmlns:a16="http://schemas.microsoft.com/office/drawing/2014/main" id="{DFCE5816-3241-4232-9670-3B40FF724BF0}"/>
+              </a:ext>
+            </a:extLst>
+          </p:cNvPr>
+          <p:cNvSpPr txBox="1"/>
+          <p:nvPr/>
+        </p:nvSpPr>
+        <p:spPr>
+          <a:xfrm>
+            <a:off x="5621184" y="3149970"/>
+            <a:ext cx="309700" cy="246221"/>
+          </a:xfrm>
+          <a:prstGeom prst="rect">
+            <a:avLst/>
+          </a:prstGeom>
+          <a:noFill/>
+        </p:spPr>
+        <p:txBody>
+          <a:bodyPr wrap="none" rtlCol="0">
+            <a:spAutoFit/>
+          </a:bodyPr>
+          <a:lstStyle/>
+          <a:p>
+            <a:r>
+              <a:rPr lang="en-US" sz="1000" b="1" i="1" dirty="0"/>
+              <a:t>F3</a:t>
+            </a:r>
+          </a:p>
+        </p:txBody>
+      </p:sp>
+      <p:sp>
+        <p:nvSpPr>
+          <p:cNvPr id="192" name="TextBox 191">
+            <a:extLst>
+              <a:ext uri="{FF2B5EF4-FFF2-40B4-BE49-F238E27FC236}">
+                <a16:creationId xmlns:a16="http://schemas.microsoft.com/office/drawing/2014/main" id="{09FC32D4-13C8-4AE9-B0A3-83484B267A35}"/>
+              </a:ext>
+            </a:extLst>
+          </p:cNvPr>
+          <p:cNvSpPr txBox="1"/>
+          <p:nvPr/>
+        </p:nvSpPr>
+        <p:spPr>
+          <a:xfrm>
+            <a:off x="3188979" y="3409294"/>
+            <a:ext cx="309700" cy="246221"/>
+          </a:xfrm>
+          <a:prstGeom prst="rect">
+            <a:avLst/>
+          </a:prstGeom>
+          <a:noFill/>
+        </p:spPr>
+        <p:txBody>
+          <a:bodyPr wrap="none" rtlCol="0">
+            <a:spAutoFit/>
+          </a:bodyPr>
+          <a:lstStyle/>
+          <a:p>
+            <a:r>
+              <a:rPr lang="en-US" sz="1000" b="1" i="1" dirty="0"/>
+              <a:t>F4</a:t>
+            </a:r>
+          </a:p>
+        </p:txBody>
+      </p:sp>
+      <p:sp>
+        <p:nvSpPr>
+          <p:cNvPr id="193" name="TextBox 192">
+            <a:extLst>
+              <a:ext uri="{FF2B5EF4-FFF2-40B4-BE49-F238E27FC236}">
+                <a16:creationId xmlns:a16="http://schemas.microsoft.com/office/drawing/2014/main" id="{FFE6CB46-93A0-4D36-8FCE-14E9162C9989}"/>
+              </a:ext>
+            </a:extLst>
+          </p:cNvPr>
+          <p:cNvSpPr txBox="1"/>
+          <p:nvPr/>
+        </p:nvSpPr>
+        <p:spPr>
+          <a:xfrm>
+            <a:off x="4319058" y="3342429"/>
+            <a:ext cx="309700" cy="246221"/>
+          </a:xfrm>
+          <a:prstGeom prst="rect">
+            <a:avLst/>
+          </a:prstGeom>
+          <a:noFill/>
+        </p:spPr>
+        <p:txBody>
+          <a:bodyPr wrap="none" rtlCol="0">
+            <a:spAutoFit/>
+          </a:bodyPr>
+          <a:lstStyle/>
+          <a:p>
+            <a:r>
+              <a:rPr lang="en-US" sz="1000" b="1" i="1" dirty="0"/>
+              <a:t>F4</a:t>
+            </a:r>
+          </a:p>
+        </p:txBody>
+      </p:sp>
+      <p:sp>
+        <p:nvSpPr>
+          <p:cNvPr id="194" name="TextBox 193">
+            <a:extLst>
+              <a:ext uri="{FF2B5EF4-FFF2-40B4-BE49-F238E27FC236}">
+                <a16:creationId xmlns:a16="http://schemas.microsoft.com/office/drawing/2014/main" id="{5B29586F-A180-4F13-8EEC-4B6E07281963}"/>
+              </a:ext>
+            </a:extLst>
+          </p:cNvPr>
+          <p:cNvSpPr txBox="1"/>
+          <p:nvPr/>
+        </p:nvSpPr>
+        <p:spPr>
+          <a:xfrm>
+            <a:off x="5336745" y="3317878"/>
+            <a:ext cx="309700" cy="246221"/>
+          </a:xfrm>
+          <a:prstGeom prst="rect">
+            <a:avLst/>
+          </a:prstGeom>
+          <a:noFill/>
+        </p:spPr>
+        <p:txBody>
+          <a:bodyPr wrap="none" rtlCol="0">
+            <a:spAutoFit/>
+          </a:bodyPr>
+          <a:lstStyle/>
+          <a:p>
+            <a:r>
+              <a:rPr lang="en-US" sz="1000" b="1" i="1" dirty="0"/>
+              <a:t>F4</a:t>
+            </a:r>
+          </a:p>
+        </p:txBody>
+      </p:sp>
+      <p:sp>
+        <p:nvSpPr>
+          <p:cNvPr id="195" name="TextBox 194">
+            <a:extLst>
+              <a:ext uri="{FF2B5EF4-FFF2-40B4-BE49-F238E27FC236}">
+                <a16:creationId xmlns:a16="http://schemas.microsoft.com/office/drawing/2014/main" id="{2200003F-3006-4307-AA89-F33AFC9C54F1}"/>
+              </a:ext>
+            </a:extLst>
+          </p:cNvPr>
+          <p:cNvSpPr txBox="1"/>
+          <p:nvPr/>
+        </p:nvSpPr>
+        <p:spPr>
+          <a:xfrm>
+            <a:off x="3138918" y="3597042"/>
+            <a:ext cx="248786" cy="246221"/>
+          </a:xfrm>
+          <a:prstGeom prst="rect">
+            <a:avLst/>
+          </a:prstGeom>
+          <a:noFill/>
+        </p:spPr>
+        <p:txBody>
+          <a:bodyPr wrap="none" rtlCol="0">
+            <a:spAutoFit/>
+          </a:bodyPr>
+          <a:lstStyle/>
+          <a:p>
+            <a:r>
+              <a:rPr lang="en-US" sz="1000" b="1" i="1" dirty="0"/>
+              <a:t>T</a:t>
+            </a:r>
+          </a:p>
+        </p:txBody>
+      </p:sp>
+      <p:sp>
+        <p:nvSpPr>
+          <p:cNvPr id="196" name="TextBox 195">
+            <a:extLst>
+              <a:ext uri="{FF2B5EF4-FFF2-40B4-BE49-F238E27FC236}">
+                <a16:creationId xmlns:a16="http://schemas.microsoft.com/office/drawing/2014/main" id="{5472E4DA-46A8-4766-ABB1-4803111D9611}"/>
+              </a:ext>
+            </a:extLst>
+          </p:cNvPr>
+          <p:cNvSpPr txBox="1"/>
+          <p:nvPr/>
+        </p:nvSpPr>
+        <p:spPr>
+          <a:xfrm>
+            <a:off x="4459599" y="3571112"/>
+            <a:ext cx="248786" cy="246221"/>
+          </a:xfrm>
+          <a:prstGeom prst="rect">
+            <a:avLst/>
+          </a:prstGeom>
+          <a:noFill/>
+        </p:spPr>
+        <p:txBody>
+          <a:bodyPr wrap="none" rtlCol="0">
+            <a:spAutoFit/>
+          </a:bodyPr>
+          <a:lstStyle/>
+          <a:p>
+            <a:r>
+              <a:rPr lang="en-US" sz="1000" b="1" i="1" dirty="0"/>
+              <a:t>T</a:t>
+            </a:r>
+          </a:p>
+        </p:txBody>
+      </p:sp>
+      <p:sp>
+        <p:nvSpPr>
+          <p:cNvPr id="199" name="TextBox 198">
+            <a:extLst>
+              <a:ext uri="{FF2B5EF4-FFF2-40B4-BE49-F238E27FC236}">
+                <a16:creationId xmlns:a16="http://schemas.microsoft.com/office/drawing/2014/main" id="{D7B9C414-9ECB-4A94-B6BB-30D48EBFF462}"/>
+              </a:ext>
+            </a:extLst>
+          </p:cNvPr>
+          <p:cNvSpPr txBox="1"/>
+          <p:nvPr/>
+        </p:nvSpPr>
+        <p:spPr>
+          <a:xfrm>
+            <a:off x="5486968" y="3571112"/>
+            <a:ext cx="248786" cy="246221"/>
+          </a:xfrm>
+          <a:prstGeom prst="rect">
+            <a:avLst/>
+          </a:prstGeom>
+          <a:noFill/>
+        </p:spPr>
+        <p:txBody>
+          <a:bodyPr wrap="none" rtlCol="0">
+            <a:spAutoFit/>
+          </a:bodyPr>
+          <a:lstStyle/>
+          <a:p>
+            <a:r>
+              <a:rPr lang="en-US" sz="1000" b="1" i="1" dirty="0"/>
+              <a:t>T</a:t>
+            </a:r>
+          </a:p>
+        </p:txBody>
+      </p:sp>
+      <p:sp>
+        <p:nvSpPr>
+          <p:cNvPr id="200" name="TextBox 199">
+            <a:extLst>
+              <a:ext uri="{FF2B5EF4-FFF2-40B4-BE49-F238E27FC236}">
+                <a16:creationId xmlns:a16="http://schemas.microsoft.com/office/drawing/2014/main" id="{A0120B4C-84AB-42E3-BA3B-4F0EABFABEBE}"/>
+              </a:ext>
+            </a:extLst>
+          </p:cNvPr>
+          <p:cNvSpPr txBox="1"/>
+          <p:nvPr/>
+        </p:nvSpPr>
+        <p:spPr>
+          <a:xfrm>
+            <a:off x="8127602" y="992615"/>
+            <a:ext cx="282450" cy="276999"/>
+          </a:xfrm>
+          <a:prstGeom prst="rect">
+            <a:avLst/>
+          </a:prstGeom>
+          <a:noFill/>
+        </p:spPr>
+        <p:txBody>
+          <a:bodyPr wrap="none" rtlCol="0">
+            <a:spAutoFit/>
+          </a:bodyPr>
+          <a:lstStyle/>
+          <a:p>
+            <a:r>
+              <a:rPr lang="en-US" sz="1200" b="1" i="1" dirty="0"/>
+              <a:t>H</a:t>
+            </a:r>
+          </a:p>
+        </p:txBody>
+      </p:sp>
+      <p:sp>
+        <p:nvSpPr>
+          <p:cNvPr id="201" name="TextBox 200">
+            <a:extLst>
+              <a:ext uri="{FF2B5EF4-FFF2-40B4-BE49-F238E27FC236}">
+                <a16:creationId xmlns:a16="http://schemas.microsoft.com/office/drawing/2014/main" id="{E7F04575-315D-4C7C-99D1-57B3B4D05D5D}"/>
+              </a:ext>
+            </a:extLst>
+          </p:cNvPr>
+          <p:cNvSpPr txBox="1"/>
+          <p:nvPr/>
+        </p:nvSpPr>
+        <p:spPr>
+          <a:xfrm>
+            <a:off x="7608935" y="1947190"/>
+            <a:ext cx="333746" cy="276999"/>
+          </a:xfrm>
+          <a:prstGeom prst="rect">
+            <a:avLst/>
+          </a:prstGeom>
+          <a:noFill/>
+        </p:spPr>
+        <p:txBody>
+          <a:bodyPr wrap="none" rtlCol="0">
+            <a:spAutoFit/>
+          </a:bodyPr>
+          <a:lstStyle/>
+          <a:p>
+            <a:r>
+              <a:rPr lang="en-US" sz="1200" b="1" i="1" dirty="0"/>
+              <a:t>F1</a:t>
+            </a:r>
+          </a:p>
+        </p:txBody>
+      </p:sp>
+      <p:sp>
+        <p:nvSpPr>
+          <p:cNvPr id="202" name="TextBox 201">
+            <a:extLst>
+              <a:ext uri="{FF2B5EF4-FFF2-40B4-BE49-F238E27FC236}">
+                <a16:creationId xmlns:a16="http://schemas.microsoft.com/office/drawing/2014/main" id="{07517B84-971C-43AF-AA43-CEB20F0908AC}"/>
+              </a:ext>
+            </a:extLst>
+          </p:cNvPr>
+          <p:cNvSpPr txBox="1"/>
+          <p:nvPr/>
+        </p:nvSpPr>
+        <p:spPr>
+          <a:xfrm>
+            <a:off x="6944117" y="1967224"/>
+            <a:ext cx="333746" cy="276999"/>
+          </a:xfrm>
+          <a:prstGeom prst="rect">
+            <a:avLst/>
+          </a:prstGeom>
+          <a:noFill/>
+        </p:spPr>
+        <p:txBody>
+          <a:bodyPr wrap="none" rtlCol="0">
+            <a:spAutoFit/>
+          </a:bodyPr>
+          <a:lstStyle/>
+          <a:p>
+            <a:r>
+              <a:rPr lang="en-US" sz="1200" b="1" i="1" dirty="0"/>
+              <a:t>F2</a:t>
+            </a:r>
+          </a:p>
+        </p:txBody>
+      </p:sp>
+      <p:sp>
+        <p:nvSpPr>
+          <p:cNvPr id="203" name="TextBox 202">
+            <a:extLst>
+              <a:ext uri="{FF2B5EF4-FFF2-40B4-BE49-F238E27FC236}">
+                <a16:creationId xmlns:a16="http://schemas.microsoft.com/office/drawing/2014/main" id="{0466FC94-34F2-4AB9-A984-93A051746504}"/>
+              </a:ext>
+            </a:extLst>
+          </p:cNvPr>
+          <p:cNvSpPr txBox="1"/>
+          <p:nvPr/>
+        </p:nvSpPr>
+        <p:spPr>
+          <a:xfrm>
+            <a:off x="6548588" y="2287277"/>
+            <a:ext cx="333746" cy="276999"/>
+          </a:xfrm>
+          <a:prstGeom prst="rect">
+            <a:avLst/>
+          </a:prstGeom>
+          <a:noFill/>
+        </p:spPr>
+        <p:txBody>
+          <a:bodyPr wrap="none" rtlCol="0">
+            <a:spAutoFit/>
+          </a:bodyPr>
+          <a:lstStyle/>
+          <a:p>
+            <a:r>
+              <a:rPr lang="en-US" sz="1200" b="1" i="1" dirty="0"/>
+              <a:t>F3</a:t>
+            </a:r>
+          </a:p>
+        </p:txBody>
+      </p:sp>
+    </p:spTree>
+    <p:extLst>
+      <p:ext uri="{BB962C8B-B14F-4D97-AF65-F5344CB8AC3E}">
+        <p14:creationId xmlns:p14="http://schemas.microsoft.com/office/powerpoint/2010/main" val="2644124102"/>
+      </p:ext>
+    </p:extLst>
+  </p:cSld>
+  <p:clrMapOvr>
+    <a:masterClrMapping/>
+  </p:clrMapOvr>
+</p:sld>
+</file>
+
 <file path=ppt/theme/theme1.xml><?xml version="1.0" encoding="utf-8"?>
 <a:theme xmlns:a="http://schemas.openxmlformats.org/drawingml/2006/main" name="Office Theme">
   <a:themeElements>

--- a/figures/pptx files/fig_concept.pptx
+++ b/figures/pptx files/fig_concept.pptx
@@ -13277,62 +13277,6 @@
           </a:fontRef>
         </p:style>
       </p:cxnSp>
-      <p:sp>
-        <p:nvSpPr>
-          <p:cNvPr id="3" name="Oval 2">
-            <a:extLst>
-              <a:ext uri="{FF2B5EF4-FFF2-40B4-BE49-F238E27FC236}">
-                <a16:creationId xmlns:a16="http://schemas.microsoft.com/office/drawing/2014/main" id="{333BA9B8-4710-44D5-A66A-B8AF23DEF59D}"/>
-              </a:ext>
-            </a:extLst>
-          </p:cNvPr>
-          <p:cNvSpPr/>
-          <p:nvPr/>
-        </p:nvSpPr>
-        <p:spPr>
-          <a:xfrm rot="4267154">
-            <a:off x="7050394" y="1810550"/>
-            <a:ext cx="868118" cy="263795"/>
-          </a:xfrm>
-          <a:prstGeom prst="ellipse">
-            <a:avLst/>
-          </a:prstGeom>
-          <a:solidFill>
-            <a:schemeClr val="bg2">
-              <a:lumMod val="75000"/>
-            </a:schemeClr>
-          </a:solidFill>
-          <a:ln w="3810">
-            <a:solidFill>
-              <a:schemeClr val="tx1"/>
-            </a:solidFill>
-          </a:ln>
-        </p:spPr>
-        <p:style>
-          <a:lnRef idx="2">
-            <a:schemeClr val="accent1">
-              <a:shade val="50000"/>
-            </a:schemeClr>
-          </a:lnRef>
-          <a:fillRef idx="1">
-            <a:schemeClr val="accent1"/>
-          </a:fillRef>
-          <a:effectRef idx="0">
-            <a:schemeClr val="accent1"/>
-          </a:effectRef>
-          <a:fontRef idx="minor">
-            <a:schemeClr val="lt1"/>
-          </a:fontRef>
-        </p:style>
-        <p:txBody>
-          <a:bodyPr rtlCol="0" anchor="ctr"/>
-          <a:lstStyle/>
-          <a:p>
-            <a:pPr algn="ctr"/>
-            <a:endParaRPr lang="en-US"/>
-          </a:p>
-        </p:txBody>
-      </p:sp>
       <p:grpSp>
         <p:nvGrpSpPr>
           <p:cNvPr id="131" name="Group 130">
@@ -13638,10 +13582,10 @@
       </p:grpSp>
       <p:grpSp>
         <p:nvGrpSpPr>
-          <p:cNvPr id="134" name="Group 133">
+          <p:cNvPr id="12" name="Group 11">
             <a:extLst>
               <a:ext uri="{FF2B5EF4-FFF2-40B4-BE49-F238E27FC236}">
-                <a16:creationId xmlns:a16="http://schemas.microsoft.com/office/drawing/2014/main" id="{63EEE190-F178-4169-AAA0-569EDCCC128D}"/>
+                <a16:creationId xmlns:a16="http://schemas.microsoft.com/office/drawing/2014/main" id="{0888E975-1E04-458B-9C28-A835CE322937}"/>
               </a:ext>
             </a:extLst>
           </p:cNvPr>
@@ -13649,19 +13593,19 @@
           <p:nvPr/>
         </p:nvGrpSpPr>
         <p:grpSpPr>
-          <a:xfrm rot="21396822">
-            <a:off x="7388846" y="1630482"/>
-            <a:ext cx="199455" cy="654730"/>
-            <a:chOff x="6906258" y="1491543"/>
-            <a:chExt cx="199455" cy="677585"/>
+          <a:xfrm rot="170160">
+            <a:off x="7216369" y="1443492"/>
+            <a:ext cx="434525" cy="855955"/>
+            <a:chOff x="7352555" y="1508389"/>
+            <a:chExt cx="263795" cy="868118"/>
           </a:xfrm>
         </p:grpSpPr>
         <p:sp>
           <p:nvSpPr>
-            <p:cNvPr id="109" name="Teardrop 108">
+            <p:cNvPr id="3" name="Oval 2">
               <a:extLst>
                 <a:ext uri="{FF2B5EF4-FFF2-40B4-BE49-F238E27FC236}">
-                  <a16:creationId xmlns:a16="http://schemas.microsoft.com/office/drawing/2014/main" id="{59E1F23B-764B-4709-BB77-B8DD090A4E15}"/>
+                  <a16:creationId xmlns:a16="http://schemas.microsoft.com/office/drawing/2014/main" id="{333BA9B8-4710-44D5-A66A-B8AF23DEF59D}"/>
                 </a:ext>
               </a:extLst>
             </p:cNvPr>
@@ -13669,23 +13613,21 @@
             <p:nvPr/>
           </p:nvSpPr>
           <p:spPr>
-            <a:xfrm rot="10011382">
-              <a:off x="6906258" y="1491543"/>
-              <a:ext cx="199455" cy="677585"/>
+            <a:xfrm rot="4267154">
+              <a:off x="7050394" y="1810550"/>
+              <a:ext cx="868118" cy="263795"/>
             </a:xfrm>
-            <a:prstGeom prst="teardrop">
-              <a:avLst>
-                <a:gd name="adj" fmla="val 45563"/>
-              </a:avLst>
+            <a:prstGeom prst="ellipse">
+              <a:avLst/>
             </a:prstGeom>
             <a:solidFill>
-              <a:srgbClr val="0070C0"/>
+              <a:schemeClr val="bg2">
+                <a:lumMod val="75000"/>
+              </a:schemeClr>
             </a:solidFill>
             <a:ln w="3810">
               <a:solidFill>
-                <a:schemeClr val="accent1">
-                  <a:shade val="50000"/>
-                </a:schemeClr>
+                <a:schemeClr val="tx1"/>
               </a:solidFill>
             </a:ln>
           </p:spPr>
@@ -13714,180 +13656,259 @@
             </a:p>
           </p:txBody>
         </p:sp>
-        <p:sp>
-          <p:nvSpPr>
-            <p:cNvPr id="110" name="Teardrop 109">
+        <p:grpSp>
+          <p:nvGrpSpPr>
+            <p:cNvPr id="134" name="Group 133">
               <a:extLst>
                 <a:ext uri="{FF2B5EF4-FFF2-40B4-BE49-F238E27FC236}">
-                  <a16:creationId xmlns:a16="http://schemas.microsoft.com/office/drawing/2014/main" id="{C74B096F-05E4-47E0-8D64-2922A1CF7CEE}"/>
+                  <a16:creationId xmlns:a16="http://schemas.microsoft.com/office/drawing/2014/main" id="{63EEE190-F178-4169-AAA0-569EDCCC128D}"/>
                 </a:ext>
               </a:extLst>
             </p:cNvPr>
-            <p:cNvSpPr/>
+            <p:cNvGrpSpPr/>
             <p:nvPr/>
-          </p:nvSpPr>
-          <p:spPr>
-            <a:xfrm rot="9929798">
-              <a:off x="6942797" y="1604949"/>
-              <a:ext cx="153842" cy="485549"/>
+          </p:nvGrpSpPr>
+          <p:grpSpPr>
+            <a:xfrm rot="21396822">
+              <a:off x="7388846" y="1630482"/>
+              <a:ext cx="199455" cy="654730"/>
+              <a:chOff x="6906258" y="1491543"/>
+              <a:chExt cx="199455" cy="677585"/>
             </a:xfrm>
-            <a:prstGeom prst="teardrop">
-              <a:avLst>
-                <a:gd name="adj" fmla="val 44329"/>
-              </a:avLst>
-            </a:prstGeom>
-            <a:solidFill>
-              <a:srgbClr val="61FFF7"/>
-            </a:solidFill>
-            <a:ln w="3810">
+          </p:grpSpPr>
+          <p:sp>
+            <p:nvSpPr>
+              <p:cNvPr id="109" name="Teardrop 108">
+                <a:extLst>
+                  <a:ext uri="{FF2B5EF4-FFF2-40B4-BE49-F238E27FC236}">
+                    <a16:creationId xmlns:a16="http://schemas.microsoft.com/office/drawing/2014/main" id="{59E1F23B-764B-4709-BB77-B8DD090A4E15}"/>
+                  </a:ext>
+                </a:extLst>
+              </p:cNvPr>
+              <p:cNvSpPr/>
+              <p:nvPr/>
+            </p:nvSpPr>
+            <p:spPr>
+              <a:xfrm rot="10011382">
+                <a:off x="6906258" y="1491543"/>
+                <a:ext cx="199455" cy="677585"/>
+              </a:xfrm>
+              <a:prstGeom prst="teardrop">
+                <a:avLst>
+                  <a:gd name="adj" fmla="val 45563"/>
+                </a:avLst>
+              </a:prstGeom>
               <a:solidFill>
+                <a:srgbClr val="0070C0"/>
+              </a:solidFill>
+              <a:ln w="3810">
+                <a:solidFill>
+                  <a:schemeClr val="accent1">
+                    <a:shade val="50000"/>
+                  </a:schemeClr>
+                </a:solidFill>
+              </a:ln>
+            </p:spPr>
+            <p:style>
+              <a:lnRef idx="2">
                 <a:schemeClr val="accent1">
                   <a:shade val="50000"/>
                 </a:schemeClr>
+              </a:lnRef>
+              <a:fillRef idx="1">
+                <a:schemeClr val="accent1"/>
+              </a:fillRef>
+              <a:effectRef idx="0">
+                <a:schemeClr val="accent1"/>
+              </a:effectRef>
+              <a:fontRef idx="minor">
+                <a:schemeClr val="lt1"/>
+              </a:fontRef>
+            </p:style>
+            <p:txBody>
+              <a:bodyPr rtlCol="0" anchor="ctr"/>
+              <a:lstStyle/>
+              <a:p>
+                <a:pPr algn="ctr"/>
+                <a:endParaRPr lang="en-US"/>
+              </a:p>
+            </p:txBody>
+          </p:sp>
+          <p:sp>
+            <p:nvSpPr>
+              <p:cNvPr id="110" name="Teardrop 109">
+                <a:extLst>
+                  <a:ext uri="{FF2B5EF4-FFF2-40B4-BE49-F238E27FC236}">
+                    <a16:creationId xmlns:a16="http://schemas.microsoft.com/office/drawing/2014/main" id="{C74B096F-05E4-47E0-8D64-2922A1CF7CEE}"/>
+                  </a:ext>
+                </a:extLst>
+              </p:cNvPr>
+              <p:cNvSpPr/>
+              <p:nvPr/>
+            </p:nvSpPr>
+            <p:spPr>
+              <a:xfrm rot="9929798">
+                <a:off x="6942797" y="1604949"/>
+                <a:ext cx="153842" cy="485549"/>
+              </a:xfrm>
+              <a:prstGeom prst="teardrop">
+                <a:avLst>
+                  <a:gd name="adj" fmla="val 44329"/>
+                </a:avLst>
+              </a:prstGeom>
+              <a:solidFill>
+                <a:srgbClr val="61FFF7"/>
               </a:solidFill>
-            </a:ln>
-          </p:spPr>
-          <p:style>
-            <a:lnRef idx="2">
-              <a:schemeClr val="accent1">
-                <a:shade val="50000"/>
-              </a:schemeClr>
-            </a:lnRef>
-            <a:fillRef idx="1">
-              <a:schemeClr val="accent1"/>
-            </a:fillRef>
-            <a:effectRef idx="0">
-              <a:schemeClr val="accent1"/>
-            </a:effectRef>
-            <a:fontRef idx="minor">
-              <a:schemeClr val="lt1"/>
-            </a:fontRef>
-          </p:style>
-          <p:txBody>
-            <a:bodyPr rtlCol="0" anchor="ctr"/>
-            <a:lstStyle/>
-            <a:p>
-              <a:pPr algn="ctr"/>
-              <a:endParaRPr lang="en-US"/>
-            </a:p>
-          </p:txBody>
-        </p:sp>
-        <p:sp>
-          <p:nvSpPr>
-            <p:cNvPr id="111" name="Teardrop 110">
-              <a:extLst>
-                <a:ext uri="{FF2B5EF4-FFF2-40B4-BE49-F238E27FC236}">
-                  <a16:creationId xmlns:a16="http://schemas.microsoft.com/office/drawing/2014/main" id="{36CDF219-10C4-4B06-B2CB-3058CE86A13C}"/>
-                </a:ext>
-              </a:extLst>
-            </p:cNvPr>
-            <p:cNvSpPr/>
-            <p:nvPr/>
-          </p:nvSpPr>
-          <p:spPr>
-            <a:xfrm rot="10149176">
-              <a:off x="6968784" y="1735727"/>
-              <a:ext cx="115440" cy="244779"/>
-            </a:xfrm>
-            <a:prstGeom prst="teardrop">
-              <a:avLst>
-                <a:gd name="adj" fmla="val 42889"/>
-              </a:avLst>
-            </a:prstGeom>
-            <a:solidFill>
-              <a:srgbClr val="FFFF01"/>
-            </a:solidFill>
-            <a:ln w="3810">
-              <a:solidFill>
+              <a:ln w="3810">
+                <a:solidFill>
+                  <a:schemeClr val="accent1">
+                    <a:shade val="50000"/>
+                  </a:schemeClr>
+                </a:solidFill>
+              </a:ln>
+            </p:spPr>
+            <p:style>
+              <a:lnRef idx="2">
                 <a:schemeClr val="accent1">
                   <a:shade val="50000"/>
                 </a:schemeClr>
+              </a:lnRef>
+              <a:fillRef idx="1">
+                <a:schemeClr val="accent1"/>
+              </a:fillRef>
+              <a:effectRef idx="0">
+                <a:schemeClr val="accent1"/>
+              </a:effectRef>
+              <a:fontRef idx="minor">
+                <a:schemeClr val="lt1"/>
+              </a:fontRef>
+            </p:style>
+            <p:txBody>
+              <a:bodyPr rtlCol="0" anchor="ctr"/>
+              <a:lstStyle/>
+              <a:p>
+                <a:pPr algn="ctr"/>
+                <a:endParaRPr lang="en-US"/>
+              </a:p>
+            </p:txBody>
+          </p:sp>
+          <p:sp>
+            <p:nvSpPr>
+              <p:cNvPr id="111" name="Teardrop 110">
+                <a:extLst>
+                  <a:ext uri="{FF2B5EF4-FFF2-40B4-BE49-F238E27FC236}">
+                    <a16:creationId xmlns:a16="http://schemas.microsoft.com/office/drawing/2014/main" id="{36CDF219-10C4-4B06-B2CB-3058CE86A13C}"/>
+                  </a:ext>
+                </a:extLst>
+              </p:cNvPr>
+              <p:cNvSpPr/>
+              <p:nvPr/>
+            </p:nvSpPr>
+            <p:spPr>
+              <a:xfrm rot="10149176">
+                <a:off x="6968784" y="1735727"/>
+                <a:ext cx="115440" cy="244779"/>
+              </a:xfrm>
+              <a:prstGeom prst="teardrop">
+                <a:avLst>
+                  <a:gd name="adj" fmla="val 42889"/>
+                </a:avLst>
+              </a:prstGeom>
+              <a:solidFill>
+                <a:srgbClr val="FFFF01"/>
               </a:solidFill>
-            </a:ln>
-          </p:spPr>
-          <p:style>
-            <a:lnRef idx="2">
-              <a:schemeClr val="accent1">
-                <a:shade val="50000"/>
-              </a:schemeClr>
-            </a:lnRef>
-            <a:fillRef idx="1">
-              <a:schemeClr val="accent1"/>
-            </a:fillRef>
-            <a:effectRef idx="0">
-              <a:schemeClr val="accent1"/>
-            </a:effectRef>
-            <a:fontRef idx="minor">
-              <a:schemeClr val="lt1"/>
-            </a:fontRef>
-          </p:style>
-          <p:txBody>
-            <a:bodyPr rtlCol="0" anchor="ctr"/>
-            <a:lstStyle/>
-            <a:p>
-              <a:pPr algn="ctr"/>
-              <a:endParaRPr lang="en-US"/>
-            </a:p>
-          </p:txBody>
-        </p:sp>
-        <p:sp>
-          <p:nvSpPr>
-            <p:cNvPr id="112" name="Teardrop 111">
-              <a:extLst>
-                <a:ext uri="{FF2B5EF4-FFF2-40B4-BE49-F238E27FC236}">
-                  <a16:creationId xmlns:a16="http://schemas.microsoft.com/office/drawing/2014/main" id="{6BCF2B75-40D9-47BF-A2ED-6172A7CFDD9B}"/>
-                </a:ext>
-              </a:extLst>
-            </p:cNvPr>
-            <p:cNvSpPr/>
-            <p:nvPr/>
-          </p:nvSpPr>
-          <p:spPr>
-            <a:xfrm rot="9326464">
-              <a:off x="6990257" y="1803478"/>
-              <a:ext cx="72167" cy="115031"/>
-            </a:xfrm>
-            <a:prstGeom prst="teardrop">
-              <a:avLst>
-                <a:gd name="adj" fmla="val 32346"/>
-              </a:avLst>
-            </a:prstGeom>
-            <a:solidFill>
-              <a:srgbClr val="FF0000"/>
-            </a:solidFill>
-            <a:ln w="3810">
-              <a:solidFill>
+              <a:ln w="3810">
+                <a:solidFill>
+                  <a:schemeClr val="accent1">
+                    <a:shade val="50000"/>
+                  </a:schemeClr>
+                </a:solidFill>
+              </a:ln>
+            </p:spPr>
+            <p:style>
+              <a:lnRef idx="2">
                 <a:schemeClr val="accent1">
                   <a:shade val="50000"/>
                 </a:schemeClr>
+              </a:lnRef>
+              <a:fillRef idx="1">
+                <a:schemeClr val="accent1"/>
+              </a:fillRef>
+              <a:effectRef idx="0">
+                <a:schemeClr val="accent1"/>
+              </a:effectRef>
+              <a:fontRef idx="minor">
+                <a:schemeClr val="lt1"/>
+              </a:fontRef>
+            </p:style>
+            <p:txBody>
+              <a:bodyPr rtlCol="0" anchor="ctr"/>
+              <a:lstStyle/>
+              <a:p>
+                <a:pPr algn="ctr"/>
+                <a:endParaRPr lang="en-US"/>
+              </a:p>
+            </p:txBody>
+          </p:sp>
+          <p:sp>
+            <p:nvSpPr>
+              <p:cNvPr id="112" name="Teardrop 111">
+                <a:extLst>
+                  <a:ext uri="{FF2B5EF4-FFF2-40B4-BE49-F238E27FC236}">
+                    <a16:creationId xmlns:a16="http://schemas.microsoft.com/office/drawing/2014/main" id="{6BCF2B75-40D9-47BF-A2ED-6172A7CFDD9B}"/>
+                  </a:ext>
+                </a:extLst>
+              </p:cNvPr>
+              <p:cNvSpPr/>
+              <p:nvPr/>
+            </p:nvSpPr>
+            <p:spPr>
+              <a:xfrm rot="9326464">
+                <a:off x="6990257" y="1803478"/>
+                <a:ext cx="72167" cy="115031"/>
+              </a:xfrm>
+              <a:prstGeom prst="teardrop">
+                <a:avLst>
+                  <a:gd name="adj" fmla="val 32346"/>
+                </a:avLst>
+              </a:prstGeom>
+              <a:solidFill>
+                <a:srgbClr val="FF0000"/>
               </a:solidFill>
-            </a:ln>
-          </p:spPr>
-          <p:style>
-            <a:lnRef idx="2">
-              <a:schemeClr val="accent1">
-                <a:shade val="50000"/>
-              </a:schemeClr>
-            </a:lnRef>
-            <a:fillRef idx="1">
-              <a:schemeClr val="accent1"/>
-            </a:fillRef>
-            <a:effectRef idx="0">
-              <a:schemeClr val="accent1"/>
-            </a:effectRef>
-            <a:fontRef idx="minor">
-              <a:schemeClr val="lt1"/>
-            </a:fontRef>
-          </p:style>
-          <p:txBody>
-            <a:bodyPr rtlCol="0" anchor="ctr"/>
-            <a:lstStyle/>
-            <a:p>
-              <a:pPr algn="ctr"/>
-              <a:endParaRPr lang="en-US"/>
-            </a:p>
-          </p:txBody>
-        </p:sp>
+              <a:ln w="3810">
+                <a:solidFill>
+                  <a:schemeClr val="accent1">
+                    <a:shade val="50000"/>
+                  </a:schemeClr>
+                </a:solidFill>
+              </a:ln>
+            </p:spPr>
+            <p:style>
+              <a:lnRef idx="2">
+                <a:schemeClr val="accent1">
+                  <a:shade val="50000"/>
+                </a:schemeClr>
+              </a:lnRef>
+              <a:fillRef idx="1">
+                <a:schemeClr val="accent1"/>
+              </a:fillRef>
+              <a:effectRef idx="0">
+                <a:schemeClr val="accent1"/>
+              </a:effectRef>
+              <a:fontRef idx="minor">
+                <a:schemeClr val="lt1"/>
+              </a:fontRef>
+            </p:style>
+            <p:txBody>
+              <a:bodyPr rtlCol="0" anchor="ctr"/>
+              <a:lstStyle/>
+              <a:p>
+                <a:pPr algn="ctr"/>
+                <a:endParaRPr lang="en-US"/>
+              </a:p>
+            </p:txBody>
+          </p:sp>
+        </p:grpSp>
       </p:grpSp>
       <p:grpSp>
         <p:nvGrpSpPr>
@@ -13903,8 +13924,8 @@
         </p:nvGrpSpPr>
         <p:grpSpPr>
           <a:xfrm rot="20637106">
-            <a:off x="6665350" y="1589390"/>
-            <a:ext cx="309500" cy="656904"/>
+            <a:off x="6499133" y="1316768"/>
+            <a:ext cx="438999" cy="846704"/>
             <a:chOff x="6916911" y="1853469"/>
             <a:chExt cx="548585" cy="438384"/>
           </a:xfrm>
@@ -14216,8 +14237,8 @@
         </p:nvGrpSpPr>
         <p:grpSpPr>
           <a:xfrm>
-            <a:off x="7769700" y="1055907"/>
-            <a:ext cx="437988" cy="638448"/>
+            <a:off x="7821852" y="1036768"/>
+            <a:ext cx="474868" cy="819023"/>
             <a:chOff x="7656841" y="1115516"/>
             <a:chExt cx="309513" cy="1047728"/>
           </a:xfrm>
@@ -18036,7 +18057,7 @@
         </p:nvSpPr>
         <p:spPr>
           <a:xfrm>
-            <a:off x="8127602" y="992615"/>
+            <a:off x="8151787" y="1763474"/>
             <a:ext cx="282450" cy="276999"/>
           </a:xfrm>
           <a:prstGeom prst="rect">
@@ -18071,7 +18092,7 @@
         </p:nvSpPr>
         <p:spPr>
           <a:xfrm>
-            <a:off x="7608935" y="1947190"/>
+            <a:off x="7628539" y="1935783"/>
             <a:ext cx="333746" cy="276999"/>
           </a:xfrm>
           <a:prstGeom prst="rect">
@@ -18106,7 +18127,7 @@
         </p:nvSpPr>
         <p:spPr>
           <a:xfrm>
-            <a:off x="6944117" y="1967224"/>
+            <a:off x="6873027" y="1914405"/>
             <a:ext cx="333746" cy="276999"/>
           </a:xfrm>
           <a:prstGeom prst="rect">

--- a/figures/pptx files/fig_concept.pptx
+++ b/figures/pptx files/fig_concept.pptx
@@ -8,6 +8,7 @@
     <p:sldId id="256" r:id="rId2"/>
     <p:sldId id="258" r:id="rId3"/>
     <p:sldId id="259" r:id="rId4"/>
+    <p:sldId id="260" r:id="rId5"/>
   </p:sldIdLst>
   <p:sldSz cx="12192000" cy="6858000"/>
   <p:notesSz cx="6858000" cy="9144000"/>
@@ -106,6 +107,11 @@
       </a:defRPr>
     </a:lvl9pPr>
   </p:defaultTextStyle>
+  <p:extLst>
+    <p:ext uri="{EFAFB233-063F-42B5-8137-9DF3F51BA10A}">
+      <p15:sldGuideLst xmlns:p15="http://schemas.microsoft.com/office/powerpoint/2012/main"/>
+    </p:ext>
+  </p:extLst>
 </p:presentation>
 </file>
 
@@ -256,7 +262,7 @@
           <a:p>
             <a:fld id="{3B276FCD-F082-45A6-8C97-26B866899B8F}" type="datetimeFigureOut">
               <a:rPr lang="en-US" smtClean="0"/>
-              <a:t>8/26/2019</a:t>
+              <a:t>9/13/2019</a:t>
             </a:fld>
             <a:endParaRPr lang="en-US"/>
           </a:p>
@@ -454,7 +460,7 @@
           <a:p>
             <a:fld id="{3B276FCD-F082-45A6-8C97-26B866899B8F}" type="datetimeFigureOut">
               <a:rPr lang="en-US" smtClean="0"/>
-              <a:t>8/26/2019</a:t>
+              <a:t>9/13/2019</a:t>
             </a:fld>
             <a:endParaRPr lang="en-US"/>
           </a:p>
@@ -662,7 +668,7 @@
           <a:p>
             <a:fld id="{3B276FCD-F082-45A6-8C97-26B866899B8F}" type="datetimeFigureOut">
               <a:rPr lang="en-US" smtClean="0"/>
-              <a:t>8/26/2019</a:t>
+              <a:t>9/13/2019</a:t>
             </a:fld>
             <a:endParaRPr lang="en-US"/>
           </a:p>
@@ -860,7 +866,7 @@
           <a:p>
             <a:fld id="{3B276FCD-F082-45A6-8C97-26B866899B8F}" type="datetimeFigureOut">
               <a:rPr lang="en-US" smtClean="0"/>
-              <a:t>8/26/2019</a:t>
+              <a:t>9/13/2019</a:t>
             </a:fld>
             <a:endParaRPr lang="en-US"/>
           </a:p>
@@ -1135,7 +1141,7 @@
           <a:p>
             <a:fld id="{3B276FCD-F082-45A6-8C97-26B866899B8F}" type="datetimeFigureOut">
               <a:rPr lang="en-US" smtClean="0"/>
-              <a:t>8/26/2019</a:t>
+              <a:t>9/13/2019</a:t>
             </a:fld>
             <a:endParaRPr lang="en-US"/>
           </a:p>
@@ -1400,7 +1406,7 @@
           <a:p>
             <a:fld id="{3B276FCD-F082-45A6-8C97-26B866899B8F}" type="datetimeFigureOut">
               <a:rPr lang="en-US" smtClean="0"/>
-              <a:t>8/26/2019</a:t>
+              <a:t>9/13/2019</a:t>
             </a:fld>
             <a:endParaRPr lang="en-US"/>
           </a:p>
@@ -1812,7 +1818,7 @@
           <a:p>
             <a:fld id="{3B276FCD-F082-45A6-8C97-26B866899B8F}" type="datetimeFigureOut">
               <a:rPr lang="en-US" smtClean="0"/>
-              <a:t>8/26/2019</a:t>
+              <a:t>9/13/2019</a:t>
             </a:fld>
             <a:endParaRPr lang="en-US"/>
           </a:p>
@@ -1953,7 +1959,7 @@
           <a:p>
             <a:fld id="{3B276FCD-F082-45A6-8C97-26B866899B8F}" type="datetimeFigureOut">
               <a:rPr lang="en-US" smtClean="0"/>
-              <a:t>8/26/2019</a:t>
+              <a:t>9/13/2019</a:t>
             </a:fld>
             <a:endParaRPr lang="en-US"/>
           </a:p>
@@ -2066,7 +2072,7 @@
           <a:p>
             <a:fld id="{3B276FCD-F082-45A6-8C97-26B866899B8F}" type="datetimeFigureOut">
               <a:rPr lang="en-US" smtClean="0"/>
-              <a:t>8/26/2019</a:t>
+              <a:t>9/13/2019</a:t>
             </a:fld>
             <a:endParaRPr lang="en-US"/>
           </a:p>
@@ -2377,7 +2383,7 @@
           <a:p>
             <a:fld id="{3B276FCD-F082-45A6-8C97-26B866899B8F}" type="datetimeFigureOut">
               <a:rPr lang="en-US" smtClean="0"/>
-              <a:t>8/26/2019</a:t>
+              <a:t>9/13/2019</a:t>
             </a:fld>
             <a:endParaRPr lang="en-US"/>
           </a:p>
@@ -2665,7 +2671,7 @@
           <a:p>
             <a:fld id="{3B276FCD-F082-45A6-8C97-26B866899B8F}" type="datetimeFigureOut">
               <a:rPr lang="en-US" smtClean="0"/>
-              <a:t>8/26/2019</a:t>
+              <a:t>9/13/2019</a:t>
             </a:fld>
             <a:endParaRPr lang="en-US"/>
           </a:p>
@@ -2906,7 +2912,7 @@
           <a:p>
             <a:fld id="{3B276FCD-F082-45A6-8C97-26B866899B8F}" type="datetimeFigureOut">
               <a:rPr lang="en-US" smtClean="0"/>
-              <a:t>8/26/2019</a:t>
+              <a:t>9/13/2019</a:t>
             </a:fld>
             <a:endParaRPr lang="en-US"/>
           </a:p>
@@ -4214,8 +4220,8 @@
               </p:txBody>
             </p:sp>
           </p:grpSp>
-          <mc:AlternateContent xmlns:mc="http://schemas.openxmlformats.org/markup-compatibility/2006">
-            <mc:Choice xmlns:a14="http://schemas.microsoft.com/office/drawing/2010/main" Requires="a14">
+          <mc:AlternateContent xmlns:mc="http://schemas.openxmlformats.org/markup-compatibility/2006" xmlns:a14="http://schemas.microsoft.com/office/drawing/2010/main">
+            <mc:Choice Requires="a14">
               <p:sp>
                 <p:nvSpPr>
                   <p:cNvPr id="39" name="TextBox 38">
@@ -4295,7 +4301,7 @@
                 </p:txBody>
               </p:sp>
             </mc:Choice>
-            <mc:Fallback>
+            <mc:Fallback xmlns="">
               <p:sp>
                 <p:nvSpPr>
                   <p:cNvPr id="39" name="TextBox 38">
@@ -4725,8 +4731,8 @@
               </p:txBody>
             </p:sp>
           </p:grpSp>
-          <mc:AlternateContent xmlns:mc="http://schemas.openxmlformats.org/markup-compatibility/2006">
-            <mc:Choice xmlns:a14="http://schemas.microsoft.com/office/drawing/2010/main" Requires="a14">
+          <mc:AlternateContent xmlns:mc="http://schemas.openxmlformats.org/markup-compatibility/2006" xmlns:a14="http://schemas.microsoft.com/office/drawing/2010/main">
+            <mc:Choice Requires="a14">
               <p:sp>
                 <p:nvSpPr>
                   <p:cNvPr id="44" name="TextBox 43">
@@ -4794,7 +4800,7 @@
                 </p:txBody>
               </p:sp>
             </mc:Choice>
-            <mc:Fallback>
+            <mc:Fallback xmlns="">
               <p:sp>
                 <p:nvSpPr>
                   <p:cNvPr id="44" name="TextBox 43">
@@ -5224,8 +5230,8 @@
               </p:txBody>
             </p:sp>
           </p:grpSp>
-          <mc:AlternateContent xmlns:mc="http://schemas.openxmlformats.org/markup-compatibility/2006">
-            <mc:Choice xmlns:a14="http://schemas.microsoft.com/office/drawing/2010/main" Requires="a14">
+          <mc:AlternateContent xmlns:mc="http://schemas.openxmlformats.org/markup-compatibility/2006" xmlns:a14="http://schemas.microsoft.com/office/drawing/2010/main">
+            <mc:Choice Requires="a14">
               <p:sp>
                 <p:nvSpPr>
                   <p:cNvPr id="54" name="TextBox 53">
@@ -5293,7 +5299,7 @@
                 </p:txBody>
               </p:sp>
             </mc:Choice>
-            <mc:Fallback>
+            <mc:Fallback xmlns="">
               <p:sp>
                 <p:nvSpPr>
                   <p:cNvPr id="54" name="TextBox 53">
@@ -5563,8 +5569,8 @@
             </p:txBody>
           </p:sp>
         </p:grpSp>
-        <mc:AlternateContent xmlns:mc="http://schemas.openxmlformats.org/markup-compatibility/2006">
-          <mc:Choice xmlns:a14="http://schemas.microsoft.com/office/drawing/2010/main" Requires="a14">
+        <mc:AlternateContent xmlns:mc="http://schemas.openxmlformats.org/markup-compatibility/2006" xmlns:a14="http://schemas.microsoft.com/office/drawing/2010/main">
+          <mc:Choice Requires="a14">
             <p:sp>
               <p:nvSpPr>
                 <p:cNvPr id="65" name="TextBox 64">
@@ -5644,7 +5650,7 @@
               </p:txBody>
             </p:sp>
           </mc:Choice>
-          <mc:Fallback>
+          <mc:Fallback xmlns="">
             <p:sp>
               <p:nvSpPr>
                 <p:cNvPr id="65" name="TextBox 64">
@@ -8180,8 +8186,8 @@
               </p:txBody>
             </p:sp>
           </p:grpSp>
-          <mc:AlternateContent xmlns:mc="http://schemas.openxmlformats.org/markup-compatibility/2006">
-            <mc:Choice xmlns:a14="http://schemas.microsoft.com/office/drawing/2010/main" Requires="a14">
+          <mc:AlternateContent xmlns:mc="http://schemas.openxmlformats.org/markup-compatibility/2006" xmlns:a14="http://schemas.microsoft.com/office/drawing/2010/main">
+            <mc:Choice Requires="a14">
               <p:sp>
                 <p:nvSpPr>
                   <p:cNvPr id="39" name="TextBox 38">
@@ -8261,7 +8267,7 @@
                 </p:txBody>
               </p:sp>
             </mc:Choice>
-            <mc:Fallback>
+            <mc:Fallback xmlns="">
               <p:sp>
                 <p:nvSpPr>
                   <p:cNvPr id="39" name="TextBox 38">
@@ -8691,8 +8697,8 @@
               </p:txBody>
             </p:sp>
           </p:grpSp>
-          <mc:AlternateContent xmlns:mc="http://schemas.openxmlformats.org/markup-compatibility/2006">
-            <mc:Choice xmlns:a14="http://schemas.microsoft.com/office/drawing/2010/main" Requires="a14">
+          <mc:AlternateContent xmlns:mc="http://schemas.openxmlformats.org/markup-compatibility/2006" xmlns:a14="http://schemas.microsoft.com/office/drawing/2010/main">
+            <mc:Choice Requires="a14">
               <p:sp>
                 <p:nvSpPr>
                   <p:cNvPr id="44" name="TextBox 43">
@@ -8760,7 +8766,7 @@
                 </p:txBody>
               </p:sp>
             </mc:Choice>
-            <mc:Fallback>
+            <mc:Fallback xmlns="">
               <p:sp>
                 <p:nvSpPr>
                   <p:cNvPr id="44" name="TextBox 43">
@@ -9190,8 +9196,8 @@
               </p:txBody>
             </p:sp>
           </p:grpSp>
-          <mc:AlternateContent xmlns:mc="http://schemas.openxmlformats.org/markup-compatibility/2006">
-            <mc:Choice xmlns:a14="http://schemas.microsoft.com/office/drawing/2010/main" Requires="a14">
+          <mc:AlternateContent xmlns:mc="http://schemas.openxmlformats.org/markup-compatibility/2006" xmlns:a14="http://schemas.microsoft.com/office/drawing/2010/main">
+            <mc:Choice Requires="a14">
               <p:sp>
                 <p:nvSpPr>
                   <p:cNvPr id="54" name="TextBox 53">
@@ -9259,7 +9265,7 @@
                 </p:txBody>
               </p:sp>
             </mc:Choice>
-            <mc:Fallback>
+            <mc:Fallback xmlns="">
               <p:sp>
                 <p:nvSpPr>
                   <p:cNvPr id="54" name="TextBox 53">
@@ -9529,8 +9535,8 @@
             </p:txBody>
           </p:sp>
         </p:grpSp>
-        <mc:AlternateContent xmlns:mc="http://schemas.openxmlformats.org/markup-compatibility/2006">
-          <mc:Choice xmlns:a14="http://schemas.microsoft.com/office/drawing/2010/main" Requires="a14">
+        <mc:AlternateContent xmlns:mc="http://schemas.openxmlformats.org/markup-compatibility/2006" xmlns:a14="http://schemas.microsoft.com/office/drawing/2010/main">
+          <mc:Choice Requires="a14">
             <p:sp>
               <p:nvSpPr>
                 <p:cNvPr id="65" name="TextBox 64">
@@ -9610,7 +9616,7 @@
               </p:txBody>
             </p:sp>
           </mc:Choice>
-          <mc:Fallback>
+          <mc:Fallback xmlns="">
             <p:sp>
               <p:nvSpPr>
                 <p:cNvPr id="65" name="TextBox 64">
@@ -11906,8 +11912,8 @@
               </p:txBody>
             </p:sp>
           </p:grpSp>
-          <mc:AlternateContent xmlns:mc="http://schemas.openxmlformats.org/markup-compatibility/2006">
-            <mc:Choice xmlns:a14="http://schemas.microsoft.com/office/drawing/2010/main" Requires="a14">
+          <mc:AlternateContent xmlns:mc="http://schemas.openxmlformats.org/markup-compatibility/2006" xmlns:a14="http://schemas.microsoft.com/office/drawing/2010/main">
+            <mc:Choice Requires="a14">
               <p:sp>
                 <p:nvSpPr>
                   <p:cNvPr id="39" name="TextBox 38">
@@ -11987,7 +11993,7 @@
                 </p:txBody>
               </p:sp>
             </mc:Choice>
-            <mc:Fallback>
+            <mc:Fallback xmlns="">
               <p:sp>
                 <p:nvSpPr>
                   <p:cNvPr id="39" name="TextBox 38">
@@ -12221,8 +12227,8 @@
               </p:txBody>
             </p:sp>
           </p:grpSp>
-          <mc:AlternateContent xmlns:mc="http://schemas.openxmlformats.org/markup-compatibility/2006">
-            <mc:Choice xmlns:a14="http://schemas.microsoft.com/office/drawing/2010/main" Requires="a14">
+          <mc:AlternateContent xmlns:mc="http://schemas.openxmlformats.org/markup-compatibility/2006" xmlns:a14="http://schemas.microsoft.com/office/drawing/2010/main">
+            <mc:Choice Requires="a14">
               <p:sp>
                 <p:nvSpPr>
                   <p:cNvPr id="44" name="TextBox 43">
@@ -12290,7 +12296,7 @@
                 </p:txBody>
               </p:sp>
             </mc:Choice>
-            <mc:Fallback>
+            <mc:Fallback xmlns="">
               <p:sp>
                 <p:nvSpPr>
                   <p:cNvPr id="44" name="TextBox 43">
@@ -12524,8 +12530,8 @@
               </p:txBody>
             </p:sp>
           </p:grpSp>
-          <mc:AlternateContent xmlns:mc="http://schemas.openxmlformats.org/markup-compatibility/2006">
-            <mc:Choice xmlns:a14="http://schemas.microsoft.com/office/drawing/2010/main" Requires="a14">
+          <mc:AlternateContent xmlns:mc="http://schemas.openxmlformats.org/markup-compatibility/2006" xmlns:a14="http://schemas.microsoft.com/office/drawing/2010/main">
+            <mc:Choice Requires="a14">
               <p:sp>
                 <p:nvSpPr>
                   <p:cNvPr id="54" name="TextBox 53">
@@ -12593,7 +12599,7 @@
                 </p:txBody>
               </p:sp>
             </mc:Choice>
-            <mc:Fallback>
+            <mc:Fallback xmlns="">
               <p:sp>
                 <p:nvSpPr>
                   <p:cNvPr id="54" name="TextBox 53">
@@ -12863,8 +12869,8 @@
             </p:txBody>
           </p:sp>
         </p:grpSp>
-        <mc:AlternateContent xmlns:mc="http://schemas.openxmlformats.org/markup-compatibility/2006">
-          <mc:Choice xmlns:a14="http://schemas.microsoft.com/office/drawing/2010/main" Requires="a14">
+        <mc:AlternateContent xmlns:mc="http://schemas.openxmlformats.org/markup-compatibility/2006" xmlns:a14="http://schemas.microsoft.com/office/drawing/2010/main">
+          <mc:Choice Requires="a14">
             <p:sp>
               <p:nvSpPr>
                 <p:cNvPr id="65" name="TextBox 64">
@@ -12944,7 +12950,7 @@
               </p:txBody>
             </p:sp>
           </mc:Choice>
-          <mc:Fallback>
+          <mc:Fallback xmlns="">
             <p:sp>
               <p:nvSpPr>
                 <p:cNvPr id="65" name="TextBox 64">
@@ -18196,6 +18202,5735 @@
 </p:sld>
 </file>
 
+<file path=ppt/slides/slide4.xml><?xml version="1.0" encoding="utf-8"?>
+<p:sld xmlns:a="http://schemas.openxmlformats.org/drawingml/2006/main" xmlns:r="http://schemas.openxmlformats.org/officeDocument/2006/relationships" xmlns:p="http://schemas.openxmlformats.org/presentationml/2006/main">
+  <p:cSld>
+    <p:spTree>
+      <p:nvGrpSpPr>
+        <p:cNvPr id="1" name=""/>
+        <p:cNvGrpSpPr/>
+        <p:nvPr/>
+      </p:nvGrpSpPr>
+      <p:grpSpPr>
+        <a:xfrm>
+          <a:off x="0" y="0"/>
+          <a:ext cx="0" cy="0"/>
+          <a:chOff x="0" y="0"/>
+          <a:chExt cx="0" cy="0"/>
+        </a:xfrm>
+      </p:grpSpPr>
+      <p:sp>
+        <p:nvSpPr>
+          <p:cNvPr id="337" name="Trapezoid 336">
+            <a:extLst>
+              <a:ext uri="{FF2B5EF4-FFF2-40B4-BE49-F238E27FC236}">
+                <a16:creationId xmlns:a16="http://schemas.microsoft.com/office/drawing/2014/main" id="{F5CFD24F-D494-48AD-8BD6-AB7CCCE4ECE0}"/>
+              </a:ext>
+            </a:extLst>
+          </p:cNvPr>
+          <p:cNvSpPr/>
+          <p:nvPr/>
+        </p:nvSpPr>
+        <p:spPr>
+          <a:xfrm>
+            <a:off x="5503892" y="1393301"/>
+            <a:ext cx="1568733" cy="3420000"/>
+          </a:xfrm>
+          <a:prstGeom prst="trapezoid">
+            <a:avLst>
+              <a:gd name="adj" fmla="val 16580"/>
+            </a:avLst>
+          </a:prstGeom>
+          <a:solidFill>
+            <a:srgbClr val="FFFF00">
+              <a:alpha val="80000"/>
+            </a:srgbClr>
+          </a:solidFill>
+          <a:ln w="6350">
+            <a:noFill/>
+            <a:prstDash val="solid"/>
+          </a:ln>
+          <a:scene3d>
+            <a:camera prst="orthographicFront">
+              <a:rot lat="19206104" lon="150045" rev="21563529"/>
+            </a:camera>
+            <a:lightRig rig="threePt" dir="t"/>
+          </a:scene3d>
+        </p:spPr>
+        <p:style>
+          <a:lnRef idx="2">
+            <a:schemeClr val="accent1">
+              <a:shade val="50000"/>
+            </a:schemeClr>
+          </a:lnRef>
+          <a:fillRef idx="1">
+            <a:schemeClr val="accent1"/>
+          </a:fillRef>
+          <a:effectRef idx="0">
+            <a:schemeClr val="accent1"/>
+          </a:effectRef>
+          <a:fontRef idx="minor">
+            <a:schemeClr val="lt1"/>
+          </a:fontRef>
+        </p:style>
+        <p:txBody>
+          <a:bodyPr rtlCol="0" anchor="ctr"/>
+          <a:lstStyle/>
+          <a:p>
+            <a:pPr algn="ctr"/>
+            <a:endParaRPr lang="en-US"/>
+          </a:p>
+        </p:txBody>
+      </p:sp>
+      <p:sp>
+        <p:nvSpPr>
+          <p:cNvPr id="331" name="Trapezoid 330">
+            <a:extLst>
+              <a:ext uri="{FF2B5EF4-FFF2-40B4-BE49-F238E27FC236}">
+                <a16:creationId xmlns:a16="http://schemas.microsoft.com/office/drawing/2014/main" id="{EB5BF5E8-D044-4298-836B-615E5F7B4F12}"/>
+              </a:ext>
+            </a:extLst>
+          </p:cNvPr>
+          <p:cNvSpPr/>
+          <p:nvPr/>
+        </p:nvSpPr>
+        <p:spPr>
+          <a:xfrm>
+            <a:off x="4507855" y="1393301"/>
+            <a:ext cx="2288987" cy="3420000"/>
+          </a:xfrm>
+          <a:prstGeom prst="trapezoid">
+            <a:avLst>
+              <a:gd name="adj" fmla="val 29897"/>
+            </a:avLst>
+          </a:prstGeom>
+          <a:solidFill>
+            <a:srgbClr val="FFFF00">
+              <a:alpha val="80000"/>
+            </a:srgbClr>
+          </a:solidFill>
+          <a:ln w="6350">
+            <a:noFill/>
+            <a:prstDash val="solid"/>
+          </a:ln>
+          <a:scene3d>
+            <a:camera prst="orthographicFront">
+              <a:rot lat="19206104" lon="150045" rev="21563529"/>
+            </a:camera>
+            <a:lightRig rig="threePt" dir="t"/>
+          </a:scene3d>
+        </p:spPr>
+        <p:style>
+          <a:lnRef idx="2">
+            <a:schemeClr val="accent1">
+              <a:shade val="50000"/>
+            </a:schemeClr>
+          </a:lnRef>
+          <a:fillRef idx="1">
+            <a:schemeClr val="accent1"/>
+          </a:fillRef>
+          <a:effectRef idx="0">
+            <a:schemeClr val="accent1"/>
+          </a:effectRef>
+          <a:fontRef idx="minor">
+            <a:schemeClr val="lt1"/>
+          </a:fontRef>
+        </p:style>
+        <p:txBody>
+          <a:bodyPr rtlCol="0" anchor="ctr"/>
+          <a:lstStyle/>
+          <a:p>
+            <a:pPr algn="ctr"/>
+            <a:endParaRPr lang="en-US"/>
+          </a:p>
+        </p:txBody>
+      </p:sp>
+      <p:sp>
+        <p:nvSpPr>
+          <p:cNvPr id="96" name="Rectangle: Diagonal Corners Rounded 95">
+            <a:extLst>
+              <a:ext uri="{FF2B5EF4-FFF2-40B4-BE49-F238E27FC236}">
+                <a16:creationId xmlns:a16="http://schemas.microsoft.com/office/drawing/2014/main" id="{736F94F9-970D-48F7-979C-B1E727F40210}"/>
+              </a:ext>
+            </a:extLst>
+          </p:cNvPr>
+          <p:cNvSpPr/>
+          <p:nvPr/>
+        </p:nvSpPr>
+        <p:spPr>
+          <a:xfrm>
+            <a:off x="1106170" y="2648547"/>
+            <a:ext cx="3373417" cy="1764452"/>
+          </a:xfrm>
+          <a:prstGeom prst="round2DiagRect">
+            <a:avLst>
+              <a:gd name="adj1" fmla="val 8667"/>
+              <a:gd name="adj2" fmla="val 0"/>
+            </a:avLst>
+          </a:prstGeom>
+          <a:solidFill>
+            <a:schemeClr val="bg1"/>
+          </a:solidFill>
+          <a:ln w="8890">
+            <a:solidFill>
+              <a:schemeClr val="tx1"/>
+            </a:solidFill>
+          </a:ln>
+        </p:spPr>
+        <p:style>
+          <a:lnRef idx="3">
+            <a:schemeClr val="lt1"/>
+          </a:lnRef>
+          <a:fillRef idx="1">
+            <a:schemeClr val="accent5"/>
+          </a:fillRef>
+          <a:effectRef idx="1">
+            <a:schemeClr val="accent5"/>
+          </a:effectRef>
+          <a:fontRef idx="minor">
+            <a:schemeClr val="lt1"/>
+          </a:fontRef>
+        </p:style>
+        <p:txBody>
+          <a:bodyPr rtlCol="0" anchor="ctr"/>
+          <a:lstStyle/>
+          <a:p>
+            <a:pPr algn="ctr"/>
+            <a:endParaRPr lang="en-US" dirty="0"/>
+          </a:p>
+        </p:txBody>
+      </p:sp>
+      <p:sp>
+        <p:nvSpPr>
+          <p:cNvPr id="324" name="Freeform: Shape 323">
+            <a:extLst>
+              <a:ext uri="{FF2B5EF4-FFF2-40B4-BE49-F238E27FC236}">
+                <a16:creationId xmlns:a16="http://schemas.microsoft.com/office/drawing/2014/main" id="{30EB4EB2-8FAD-44CC-89B0-58639F48F3B5}"/>
+              </a:ext>
+            </a:extLst>
+          </p:cNvPr>
+          <p:cNvSpPr/>
+          <p:nvPr/>
+        </p:nvSpPr>
+        <p:spPr>
+          <a:xfrm>
+            <a:off x="1657349" y="1308100"/>
+            <a:ext cx="116993" cy="581025"/>
+          </a:xfrm>
+          <a:custGeom>
+            <a:avLst/>
+            <a:gdLst>
+              <a:gd name="connsiteX0" fmla="*/ 0 w 107914"/>
+              <a:gd name="connsiteY0" fmla="*/ 579828 h 579828"/>
+              <a:gd name="connsiteX1" fmla="*/ 104775 w 107914"/>
+              <a:gd name="connsiteY1" fmla="*/ 255978 h 579828"/>
+              <a:gd name="connsiteX2" fmla="*/ 95250 w 107914"/>
+              <a:gd name="connsiteY2" fmla="*/ 3566 h 579828"/>
+            </a:gdLst>
+            <a:ahLst/>
+            <a:cxnLst>
+              <a:cxn ang="0">
+                <a:pos x="connsiteX0" y="connsiteY0"/>
+              </a:cxn>
+              <a:cxn ang="0">
+                <a:pos x="connsiteX1" y="connsiteY1"/>
+              </a:cxn>
+              <a:cxn ang="0">
+                <a:pos x="connsiteX2" y="connsiteY2"/>
+              </a:cxn>
+            </a:cxnLst>
+            <a:rect l="l" t="t" r="r" b="b"/>
+            <a:pathLst>
+              <a:path w="107914" h="579828">
+                <a:moveTo>
+                  <a:pt x="0" y="579828"/>
+                </a:moveTo>
+                <a:cubicBezTo>
+                  <a:pt x="44450" y="465925"/>
+                  <a:pt x="88900" y="352022"/>
+                  <a:pt x="104775" y="255978"/>
+                </a:cubicBezTo>
+                <a:cubicBezTo>
+                  <a:pt x="120650" y="159934"/>
+                  <a:pt x="69850" y="-28184"/>
+                  <a:pt x="95250" y="3566"/>
+                </a:cubicBezTo>
+              </a:path>
+            </a:pathLst>
+          </a:custGeom>
+          <a:noFill/>
+          <a:ln w="8890">
+            <a:solidFill>
+              <a:schemeClr val="accent3"/>
+            </a:solidFill>
+          </a:ln>
+        </p:spPr>
+        <p:style>
+          <a:lnRef idx="2">
+            <a:schemeClr val="accent1">
+              <a:shade val="50000"/>
+            </a:schemeClr>
+          </a:lnRef>
+          <a:fillRef idx="1">
+            <a:schemeClr val="accent1"/>
+          </a:fillRef>
+          <a:effectRef idx="0">
+            <a:schemeClr val="accent1"/>
+          </a:effectRef>
+          <a:fontRef idx="minor">
+            <a:schemeClr val="lt1"/>
+          </a:fontRef>
+        </p:style>
+        <p:txBody>
+          <a:bodyPr rtlCol="0" anchor="ctr"/>
+          <a:lstStyle/>
+          <a:p>
+            <a:pPr algn="ctr"/>
+            <a:endParaRPr lang="en-US"/>
+          </a:p>
+        </p:txBody>
+      </p:sp>
+      <p:sp>
+        <p:nvSpPr>
+          <p:cNvPr id="323" name="Freeform: Shape 322">
+            <a:extLst>
+              <a:ext uri="{FF2B5EF4-FFF2-40B4-BE49-F238E27FC236}">
+                <a16:creationId xmlns:a16="http://schemas.microsoft.com/office/drawing/2014/main" id="{EDC10F97-2873-47D1-87E8-154F9392C265}"/>
+              </a:ext>
+            </a:extLst>
+          </p:cNvPr>
+          <p:cNvSpPr/>
+          <p:nvPr/>
+        </p:nvSpPr>
+        <p:spPr>
+          <a:xfrm>
+            <a:off x="1509331" y="1314450"/>
+            <a:ext cx="143257" cy="581025"/>
+          </a:xfrm>
+          <a:custGeom>
+            <a:avLst/>
+            <a:gdLst>
+              <a:gd name="connsiteX0" fmla="*/ 143257 w 143257"/>
+              <a:gd name="connsiteY0" fmla="*/ 581025 h 581025"/>
+              <a:gd name="connsiteX1" fmla="*/ 382 w 143257"/>
+              <a:gd name="connsiteY1" fmla="*/ 314325 h 581025"/>
+              <a:gd name="connsiteX2" fmla="*/ 100394 w 143257"/>
+              <a:gd name="connsiteY2" fmla="*/ 0 h 581025"/>
+            </a:gdLst>
+            <a:ahLst/>
+            <a:cxnLst>
+              <a:cxn ang="0">
+                <a:pos x="connsiteX0" y="connsiteY0"/>
+              </a:cxn>
+              <a:cxn ang="0">
+                <a:pos x="connsiteX1" y="connsiteY1"/>
+              </a:cxn>
+              <a:cxn ang="0">
+                <a:pos x="connsiteX2" y="connsiteY2"/>
+              </a:cxn>
+            </a:cxnLst>
+            <a:rect l="l" t="t" r="r" b="b"/>
+            <a:pathLst>
+              <a:path w="143257" h="581025">
+                <a:moveTo>
+                  <a:pt x="143257" y="581025"/>
+                </a:moveTo>
+                <a:cubicBezTo>
+                  <a:pt x="75391" y="496093"/>
+                  <a:pt x="7526" y="411162"/>
+                  <a:pt x="382" y="314325"/>
+                </a:cubicBezTo>
+                <a:cubicBezTo>
+                  <a:pt x="-6762" y="217488"/>
+                  <a:pt x="88488" y="15081"/>
+                  <a:pt x="100394" y="0"/>
+                </a:cubicBezTo>
+              </a:path>
+            </a:pathLst>
+          </a:custGeom>
+          <a:noFill/>
+          <a:ln w="8890">
+            <a:solidFill>
+              <a:schemeClr val="accent3"/>
+            </a:solidFill>
+          </a:ln>
+        </p:spPr>
+        <p:style>
+          <a:lnRef idx="2">
+            <a:schemeClr val="accent1">
+              <a:shade val="50000"/>
+            </a:schemeClr>
+          </a:lnRef>
+          <a:fillRef idx="1">
+            <a:schemeClr val="accent1"/>
+          </a:fillRef>
+          <a:effectRef idx="0">
+            <a:schemeClr val="accent1"/>
+          </a:effectRef>
+          <a:fontRef idx="minor">
+            <a:schemeClr val="lt1"/>
+          </a:fontRef>
+        </p:style>
+        <p:txBody>
+          <a:bodyPr rtlCol="0" anchor="ctr"/>
+          <a:lstStyle/>
+          <a:p>
+            <a:pPr algn="ctr"/>
+            <a:endParaRPr lang="en-US"/>
+          </a:p>
+        </p:txBody>
+      </p:sp>
+      <p:sp>
+        <p:nvSpPr>
+          <p:cNvPr id="89" name="Teardrop 88">
+            <a:extLst>
+              <a:ext uri="{FF2B5EF4-FFF2-40B4-BE49-F238E27FC236}">
+                <a16:creationId xmlns:a16="http://schemas.microsoft.com/office/drawing/2014/main" id="{591901F0-DE9B-4C25-8F1F-53CC054AC2CA}"/>
+              </a:ext>
+            </a:extLst>
+          </p:cNvPr>
+          <p:cNvSpPr/>
+          <p:nvPr/>
+        </p:nvSpPr>
+        <p:spPr>
+          <a:xfrm rot="10538874">
+            <a:off x="4850887" y="3199052"/>
+            <a:ext cx="1479261" cy="1008337"/>
+          </a:xfrm>
+          <a:prstGeom prst="teardrop">
+            <a:avLst>
+              <a:gd name="adj" fmla="val 89487"/>
+            </a:avLst>
+          </a:prstGeom>
+          <a:solidFill>
+            <a:schemeClr val="bg1"/>
+          </a:solidFill>
+          <a:ln w="0">
+            <a:solidFill>
+              <a:schemeClr val="tx2"/>
+            </a:solidFill>
+            <a:prstDash val="dash"/>
+          </a:ln>
+        </p:spPr>
+        <p:style>
+          <a:lnRef idx="2">
+            <a:schemeClr val="accent1">
+              <a:shade val="50000"/>
+            </a:schemeClr>
+          </a:lnRef>
+          <a:fillRef idx="1">
+            <a:schemeClr val="accent1"/>
+          </a:fillRef>
+          <a:effectRef idx="0">
+            <a:schemeClr val="accent1"/>
+          </a:effectRef>
+          <a:fontRef idx="minor">
+            <a:schemeClr val="lt1"/>
+          </a:fontRef>
+        </p:style>
+        <p:txBody>
+          <a:bodyPr rtlCol="0" anchor="ctr"/>
+          <a:lstStyle/>
+          <a:p>
+            <a:pPr algn="ctr"/>
+            <a:endParaRPr lang="en-US" dirty="0"/>
+          </a:p>
+        </p:txBody>
+      </p:sp>
+      <p:sp>
+        <p:nvSpPr>
+          <p:cNvPr id="74" name="Flowchart: Data 73">
+            <a:extLst>
+              <a:ext uri="{FF2B5EF4-FFF2-40B4-BE49-F238E27FC236}">
+                <a16:creationId xmlns:a16="http://schemas.microsoft.com/office/drawing/2014/main" id="{2E27C9DA-5240-4248-BD0F-E201B6248BDD}"/>
+              </a:ext>
+            </a:extLst>
+          </p:cNvPr>
+          <p:cNvSpPr/>
+          <p:nvPr/>
+        </p:nvSpPr>
+        <p:spPr>
+          <a:xfrm>
+            <a:off x="5244929" y="2162986"/>
+            <a:ext cx="1536289" cy="1125757"/>
+          </a:xfrm>
+          <a:prstGeom prst="flowChartInputOutput">
+            <a:avLst/>
+          </a:prstGeom>
+          <a:pattFill prst="dashUpDiag">
+            <a:fgClr>
+              <a:schemeClr val="accent5"/>
+            </a:fgClr>
+            <a:bgClr>
+              <a:schemeClr val="bg1"/>
+            </a:bgClr>
+          </a:pattFill>
+          <a:ln w="8890">
+            <a:solidFill>
+              <a:schemeClr val="tx1"/>
+            </a:solidFill>
+          </a:ln>
+          <a:scene3d>
+            <a:camera prst="orthographicFront">
+              <a:rot lat="19199993" lon="0" rev="0"/>
+            </a:camera>
+            <a:lightRig rig="threePt" dir="t"/>
+          </a:scene3d>
+        </p:spPr>
+        <p:style>
+          <a:lnRef idx="2">
+            <a:schemeClr val="accent1">
+              <a:shade val="50000"/>
+            </a:schemeClr>
+          </a:lnRef>
+          <a:fillRef idx="1">
+            <a:schemeClr val="accent1"/>
+          </a:fillRef>
+          <a:effectRef idx="0">
+            <a:schemeClr val="accent1"/>
+          </a:effectRef>
+          <a:fontRef idx="minor">
+            <a:schemeClr val="lt1"/>
+          </a:fontRef>
+        </p:style>
+        <p:txBody>
+          <a:bodyPr rtlCol="0" anchor="ctr"/>
+          <a:lstStyle/>
+          <a:p>
+            <a:pPr algn="ctr"/>
+            <a:endParaRPr lang="en-US"/>
+          </a:p>
+        </p:txBody>
+      </p:sp>
+      <p:cxnSp>
+        <p:nvCxnSpPr>
+          <p:cNvPr id="121" name="Straight Connector 120">
+            <a:extLst>
+              <a:ext uri="{FF2B5EF4-FFF2-40B4-BE49-F238E27FC236}">
+                <a16:creationId xmlns:a16="http://schemas.microsoft.com/office/drawing/2014/main" id="{A0349618-0824-4259-81DF-D31654F8A772}"/>
+              </a:ext>
+            </a:extLst>
+          </p:cNvPr>
+          <p:cNvCxnSpPr/>
+          <p:nvPr/>
+        </p:nvCxnSpPr>
+        <p:spPr>
+          <a:xfrm flipH="1" flipV="1">
+            <a:off x="4588181" y="1309597"/>
+            <a:ext cx="957886" cy="969332"/>
+          </a:xfrm>
+          <a:prstGeom prst="line">
+            <a:avLst/>
+          </a:prstGeom>
+          <a:ln>
+            <a:solidFill>
+              <a:schemeClr val="tx1"/>
+            </a:solidFill>
+            <a:prstDash val="dash"/>
+          </a:ln>
+        </p:spPr>
+        <p:style>
+          <a:lnRef idx="1">
+            <a:schemeClr val="accent1"/>
+          </a:lnRef>
+          <a:fillRef idx="0">
+            <a:schemeClr val="accent1"/>
+          </a:fillRef>
+          <a:effectRef idx="0">
+            <a:schemeClr val="accent1"/>
+          </a:effectRef>
+          <a:fontRef idx="minor">
+            <a:schemeClr val="tx1"/>
+          </a:fontRef>
+        </p:style>
+      </p:cxnSp>
+      <p:sp>
+        <p:nvSpPr>
+          <p:cNvPr id="71" name="Freeform: Shape 70">
+            <a:extLst>
+              <a:ext uri="{FF2B5EF4-FFF2-40B4-BE49-F238E27FC236}">
+                <a16:creationId xmlns:a16="http://schemas.microsoft.com/office/drawing/2014/main" id="{D083CA00-E063-4A64-AAE8-295D9C59B65C}"/>
+              </a:ext>
+            </a:extLst>
+          </p:cNvPr>
+          <p:cNvSpPr/>
+          <p:nvPr/>
+        </p:nvSpPr>
+        <p:spPr>
+          <a:xfrm>
+            <a:off x="5062538" y="2400300"/>
+            <a:ext cx="1107165" cy="1876425"/>
+          </a:xfrm>
+          <a:custGeom>
+            <a:avLst/>
+            <a:gdLst>
+              <a:gd name="connsiteX0" fmla="*/ 0 w 1107165"/>
+              <a:gd name="connsiteY0" fmla="*/ 1876425 h 1876425"/>
+              <a:gd name="connsiteX1" fmla="*/ 642937 w 1107165"/>
+              <a:gd name="connsiteY1" fmla="*/ 1157288 h 1876425"/>
+              <a:gd name="connsiteX2" fmla="*/ 647700 w 1107165"/>
+              <a:gd name="connsiteY2" fmla="*/ 600075 h 1876425"/>
+              <a:gd name="connsiteX3" fmla="*/ 1066800 w 1107165"/>
+              <a:gd name="connsiteY3" fmla="*/ 271463 h 1876425"/>
+              <a:gd name="connsiteX4" fmla="*/ 1090612 w 1107165"/>
+              <a:gd name="connsiteY4" fmla="*/ 0 h 1876425"/>
+            </a:gdLst>
+            <a:ahLst/>
+            <a:cxnLst>
+              <a:cxn ang="0">
+                <a:pos x="connsiteX0" y="connsiteY0"/>
+              </a:cxn>
+              <a:cxn ang="0">
+                <a:pos x="connsiteX1" y="connsiteY1"/>
+              </a:cxn>
+              <a:cxn ang="0">
+                <a:pos x="connsiteX2" y="connsiteY2"/>
+              </a:cxn>
+              <a:cxn ang="0">
+                <a:pos x="connsiteX3" y="connsiteY3"/>
+              </a:cxn>
+              <a:cxn ang="0">
+                <a:pos x="connsiteX4" y="connsiteY4"/>
+              </a:cxn>
+            </a:cxnLst>
+            <a:rect l="l" t="t" r="r" b="b"/>
+            <a:pathLst>
+              <a:path w="1107165" h="1876425">
+                <a:moveTo>
+                  <a:pt x="0" y="1876425"/>
+                </a:moveTo>
+                <a:cubicBezTo>
+                  <a:pt x="267493" y="1623219"/>
+                  <a:pt x="534987" y="1370013"/>
+                  <a:pt x="642937" y="1157288"/>
+                </a:cubicBezTo>
+                <a:cubicBezTo>
+                  <a:pt x="750887" y="944563"/>
+                  <a:pt x="577056" y="747712"/>
+                  <a:pt x="647700" y="600075"/>
+                </a:cubicBezTo>
+                <a:cubicBezTo>
+                  <a:pt x="718344" y="452438"/>
+                  <a:pt x="992981" y="371475"/>
+                  <a:pt x="1066800" y="271463"/>
+                </a:cubicBezTo>
+                <a:cubicBezTo>
+                  <a:pt x="1140619" y="171451"/>
+                  <a:pt x="1090612" y="60325"/>
+                  <a:pt x="1090612" y="0"/>
+                </a:cubicBezTo>
+              </a:path>
+            </a:pathLst>
+          </a:custGeom>
+          <a:noFill/>
+          <a:ln w="8890">
+            <a:solidFill>
+              <a:schemeClr val="accent3"/>
+            </a:solidFill>
+          </a:ln>
+        </p:spPr>
+        <p:style>
+          <a:lnRef idx="2">
+            <a:schemeClr val="accent1">
+              <a:shade val="50000"/>
+            </a:schemeClr>
+          </a:lnRef>
+          <a:fillRef idx="1">
+            <a:schemeClr val="accent1"/>
+          </a:fillRef>
+          <a:effectRef idx="0">
+            <a:schemeClr val="accent1"/>
+          </a:effectRef>
+          <a:fontRef idx="minor">
+            <a:schemeClr val="lt1"/>
+          </a:fontRef>
+        </p:style>
+        <p:txBody>
+          <a:bodyPr rtlCol="0" anchor="ctr"/>
+          <a:lstStyle/>
+          <a:p>
+            <a:pPr algn="ctr"/>
+            <a:endParaRPr lang="en-US"/>
+          </a:p>
+        </p:txBody>
+      </p:sp>
+      <p:sp>
+        <p:nvSpPr>
+          <p:cNvPr id="7" name="Cylinder 6">
+            <a:extLst>
+              <a:ext uri="{FF2B5EF4-FFF2-40B4-BE49-F238E27FC236}">
+                <a16:creationId xmlns:a16="http://schemas.microsoft.com/office/drawing/2014/main" id="{92EBF6F0-2C36-4248-87B6-5448D6805FCD}"/>
+              </a:ext>
+            </a:extLst>
+          </p:cNvPr>
+          <p:cNvSpPr/>
+          <p:nvPr/>
+        </p:nvSpPr>
+        <p:spPr>
+          <a:xfrm>
+            <a:off x="4939888" y="4045521"/>
+            <a:ext cx="384048" cy="261621"/>
+          </a:xfrm>
+          <a:prstGeom prst="can">
+            <a:avLst/>
+          </a:prstGeom>
+        </p:spPr>
+        <p:style>
+          <a:lnRef idx="2">
+            <a:schemeClr val="accent1">
+              <a:shade val="50000"/>
+            </a:schemeClr>
+          </a:lnRef>
+          <a:fillRef idx="1">
+            <a:schemeClr val="accent1"/>
+          </a:fillRef>
+          <a:effectRef idx="0">
+            <a:schemeClr val="accent1"/>
+          </a:effectRef>
+          <a:fontRef idx="minor">
+            <a:schemeClr val="lt1"/>
+          </a:fontRef>
+        </p:style>
+        <p:txBody>
+          <a:bodyPr rtlCol="0" anchor="ctr"/>
+          <a:lstStyle/>
+          <a:p>
+            <a:pPr algn="ctr"/>
+            <a:endParaRPr lang="en-US"/>
+          </a:p>
+        </p:txBody>
+      </p:sp>
+      <p:sp>
+        <p:nvSpPr>
+          <p:cNvPr id="8" name="Cylinder 7">
+            <a:extLst>
+              <a:ext uri="{FF2B5EF4-FFF2-40B4-BE49-F238E27FC236}">
+                <a16:creationId xmlns:a16="http://schemas.microsoft.com/office/drawing/2014/main" id="{3D031D9C-7D91-495A-ABD1-24B52B398EE5}"/>
+              </a:ext>
+            </a:extLst>
+          </p:cNvPr>
+          <p:cNvSpPr/>
+          <p:nvPr/>
+        </p:nvSpPr>
+        <p:spPr>
+          <a:xfrm>
+            <a:off x="5572848" y="3480284"/>
+            <a:ext cx="210312" cy="151319"/>
+          </a:xfrm>
+          <a:prstGeom prst="can">
+            <a:avLst/>
+          </a:prstGeom>
+          <a:solidFill>
+            <a:srgbClr val="7030A0"/>
+          </a:solidFill>
+          <a:ln w="6350">
+            <a:solidFill>
+              <a:schemeClr val="tx1"/>
+            </a:solidFill>
+          </a:ln>
+        </p:spPr>
+        <p:style>
+          <a:lnRef idx="2">
+            <a:schemeClr val="accent1">
+              <a:shade val="50000"/>
+            </a:schemeClr>
+          </a:lnRef>
+          <a:fillRef idx="1">
+            <a:schemeClr val="accent1"/>
+          </a:fillRef>
+          <a:effectRef idx="0">
+            <a:schemeClr val="accent1"/>
+          </a:effectRef>
+          <a:fontRef idx="minor">
+            <a:schemeClr val="lt1"/>
+          </a:fontRef>
+        </p:style>
+        <p:txBody>
+          <a:bodyPr rtlCol="0" anchor="ctr"/>
+          <a:lstStyle/>
+          <a:p>
+            <a:pPr algn="ctr"/>
+            <a:endParaRPr lang="en-US"/>
+          </a:p>
+        </p:txBody>
+      </p:sp>
+      <p:sp>
+        <p:nvSpPr>
+          <p:cNvPr id="9" name="Cylinder 8">
+            <a:extLst>
+              <a:ext uri="{FF2B5EF4-FFF2-40B4-BE49-F238E27FC236}">
+                <a16:creationId xmlns:a16="http://schemas.microsoft.com/office/drawing/2014/main" id="{E1EE01DF-86FB-4149-8F92-7C151FF93B5E}"/>
+              </a:ext>
+            </a:extLst>
+          </p:cNvPr>
+          <p:cNvSpPr/>
+          <p:nvPr/>
+        </p:nvSpPr>
+        <p:spPr>
+          <a:xfrm>
+            <a:off x="5622106" y="2924657"/>
+            <a:ext cx="154049" cy="109728"/>
+          </a:xfrm>
+          <a:prstGeom prst="can">
+            <a:avLst/>
+          </a:prstGeom>
+          <a:solidFill>
+            <a:srgbClr val="92D050"/>
+          </a:solidFill>
+          <a:ln w="6350">
+            <a:solidFill>
+              <a:schemeClr val="tx1"/>
+            </a:solidFill>
+          </a:ln>
+        </p:spPr>
+        <p:style>
+          <a:lnRef idx="2">
+            <a:schemeClr val="accent1">
+              <a:shade val="50000"/>
+            </a:schemeClr>
+          </a:lnRef>
+          <a:fillRef idx="1">
+            <a:schemeClr val="accent1"/>
+          </a:fillRef>
+          <a:effectRef idx="0">
+            <a:schemeClr val="accent1"/>
+          </a:effectRef>
+          <a:fontRef idx="minor">
+            <a:schemeClr val="lt1"/>
+          </a:fontRef>
+        </p:style>
+        <p:txBody>
+          <a:bodyPr rtlCol="0" anchor="ctr"/>
+          <a:lstStyle/>
+          <a:p>
+            <a:pPr algn="ctr"/>
+            <a:endParaRPr lang="en-US"/>
+          </a:p>
+        </p:txBody>
+      </p:sp>
+      <p:sp>
+        <p:nvSpPr>
+          <p:cNvPr id="10" name="Cylinder 9">
+            <a:extLst>
+              <a:ext uri="{FF2B5EF4-FFF2-40B4-BE49-F238E27FC236}">
+                <a16:creationId xmlns:a16="http://schemas.microsoft.com/office/drawing/2014/main" id="{C57F3A3C-CDCC-4171-977C-D19BDF4A45DE}"/>
+              </a:ext>
+            </a:extLst>
+          </p:cNvPr>
+          <p:cNvSpPr/>
+          <p:nvPr/>
+        </p:nvSpPr>
+        <p:spPr>
+          <a:xfrm>
+            <a:off x="6089633" y="2363511"/>
+            <a:ext cx="118872" cy="82296"/>
+          </a:xfrm>
+          <a:prstGeom prst="can">
+            <a:avLst/>
+          </a:prstGeom>
+          <a:solidFill>
+            <a:srgbClr val="FF0000"/>
+          </a:solidFill>
+          <a:ln w="6350">
+            <a:solidFill>
+              <a:schemeClr val="tx1"/>
+            </a:solidFill>
+          </a:ln>
+        </p:spPr>
+        <p:style>
+          <a:lnRef idx="2">
+            <a:schemeClr val="accent1">
+              <a:shade val="50000"/>
+            </a:schemeClr>
+          </a:lnRef>
+          <a:fillRef idx="1">
+            <a:schemeClr val="accent1"/>
+          </a:fillRef>
+          <a:effectRef idx="0">
+            <a:schemeClr val="accent1"/>
+          </a:effectRef>
+          <a:fontRef idx="minor">
+            <a:schemeClr val="lt1"/>
+          </a:fontRef>
+        </p:style>
+        <p:txBody>
+          <a:bodyPr rtlCol="0" anchor="ctr"/>
+          <a:lstStyle/>
+          <a:p>
+            <a:pPr algn="ctr"/>
+            <a:endParaRPr lang="en-US"/>
+          </a:p>
+        </p:txBody>
+      </p:sp>
+      <p:sp>
+        <p:nvSpPr>
+          <p:cNvPr id="11" name="Cylinder 10">
+            <a:extLst>
+              <a:ext uri="{FF2B5EF4-FFF2-40B4-BE49-F238E27FC236}">
+                <a16:creationId xmlns:a16="http://schemas.microsoft.com/office/drawing/2014/main" id="{78B6FA44-E101-4559-AFC6-9CE118C2E8EE}"/>
+              </a:ext>
+            </a:extLst>
+          </p:cNvPr>
+          <p:cNvSpPr/>
+          <p:nvPr/>
+        </p:nvSpPr>
+        <p:spPr>
+          <a:xfrm>
+            <a:off x="6049938" y="2629204"/>
+            <a:ext cx="137160" cy="91440"/>
+          </a:xfrm>
+          <a:prstGeom prst="can">
+            <a:avLst/>
+          </a:prstGeom>
+          <a:solidFill>
+            <a:srgbClr val="92D050"/>
+          </a:solidFill>
+          <a:ln w="6350">
+            <a:solidFill>
+              <a:schemeClr val="tx1"/>
+            </a:solidFill>
+          </a:ln>
+        </p:spPr>
+        <p:style>
+          <a:lnRef idx="2">
+            <a:schemeClr val="accent1">
+              <a:shade val="50000"/>
+            </a:schemeClr>
+          </a:lnRef>
+          <a:fillRef idx="1">
+            <a:schemeClr val="accent1"/>
+          </a:fillRef>
+          <a:effectRef idx="0">
+            <a:schemeClr val="accent1"/>
+          </a:effectRef>
+          <a:fontRef idx="minor">
+            <a:schemeClr val="lt1"/>
+          </a:fontRef>
+        </p:style>
+        <p:txBody>
+          <a:bodyPr rtlCol="0" anchor="ctr"/>
+          <a:lstStyle/>
+          <a:p>
+            <a:pPr algn="ctr"/>
+            <a:endParaRPr lang="en-US"/>
+          </a:p>
+        </p:txBody>
+      </p:sp>
+      <p:grpSp>
+        <p:nvGrpSpPr>
+          <p:cNvPr id="81" name="Group 80">
+            <a:extLst>
+              <a:ext uri="{FF2B5EF4-FFF2-40B4-BE49-F238E27FC236}">
+                <a16:creationId xmlns:a16="http://schemas.microsoft.com/office/drawing/2014/main" id="{F7D31EEA-E693-41FC-BDF6-E6B54894EA66}"/>
+              </a:ext>
+            </a:extLst>
+          </p:cNvPr>
+          <p:cNvGrpSpPr/>
+          <p:nvPr/>
+        </p:nvGrpSpPr>
+        <p:grpSpPr>
+          <a:xfrm>
+            <a:off x="1156971" y="1309597"/>
+            <a:ext cx="978444" cy="1086185"/>
+            <a:chOff x="4668206" y="981937"/>
+            <a:chExt cx="978444" cy="1086185"/>
+          </a:xfrm>
+        </p:grpSpPr>
+        <p:grpSp>
+          <p:nvGrpSpPr>
+            <p:cNvPr id="64" name="Group 63">
+              <a:extLst>
+                <a:ext uri="{FF2B5EF4-FFF2-40B4-BE49-F238E27FC236}">
+                  <a16:creationId xmlns:a16="http://schemas.microsoft.com/office/drawing/2014/main" id="{EB92FF03-016F-4022-8261-77F69C0F5547}"/>
+                </a:ext>
+              </a:extLst>
+            </p:cNvPr>
+            <p:cNvGrpSpPr/>
+            <p:nvPr/>
+          </p:nvGrpSpPr>
+          <p:grpSpPr>
+            <a:xfrm>
+              <a:off x="4762818" y="981937"/>
+              <a:ext cx="795556" cy="786389"/>
+              <a:chOff x="649013" y="2552863"/>
+              <a:chExt cx="795556" cy="786389"/>
+            </a:xfrm>
+          </p:grpSpPr>
+          <p:sp>
+            <p:nvSpPr>
+              <p:cNvPr id="66" name="Flowchart: Connector 65">
+                <a:extLst>
+                  <a:ext uri="{FF2B5EF4-FFF2-40B4-BE49-F238E27FC236}">
+                    <a16:creationId xmlns:a16="http://schemas.microsoft.com/office/drawing/2014/main" id="{E6FDBDDF-8B00-436D-B28A-DFC420B57686}"/>
+                  </a:ext>
+                </a:extLst>
+              </p:cNvPr>
+              <p:cNvSpPr/>
+              <p:nvPr/>
+            </p:nvSpPr>
+            <p:spPr>
+              <a:xfrm>
+                <a:off x="982134" y="3071839"/>
+                <a:ext cx="116994" cy="116994"/>
+              </a:xfrm>
+              <a:prstGeom prst="flowChartConnector">
+                <a:avLst/>
+              </a:prstGeom>
+            </p:spPr>
+            <p:style>
+              <a:lnRef idx="2">
+                <a:schemeClr val="accent1">
+                  <a:shade val="50000"/>
+                </a:schemeClr>
+              </a:lnRef>
+              <a:fillRef idx="1">
+                <a:schemeClr val="accent1"/>
+              </a:fillRef>
+              <a:effectRef idx="0">
+                <a:schemeClr val="accent1"/>
+              </a:effectRef>
+              <a:fontRef idx="minor">
+                <a:schemeClr val="lt1"/>
+              </a:fontRef>
+            </p:style>
+            <p:txBody>
+              <a:bodyPr rtlCol="0" anchor="ctr"/>
+              <a:lstStyle/>
+              <a:p>
+                <a:pPr algn="ctr"/>
+                <a:endParaRPr lang="en-US"/>
+              </a:p>
+            </p:txBody>
+          </p:sp>
+          <p:sp>
+            <p:nvSpPr>
+              <p:cNvPr id="67" name="Flowchart: Connector 66">
+                <a:extLst>
+                  <a:ext uri="{FF2B5EF4-FFF2-40B4-BE49-F238E27FC236}">
+                    <a16:creationId xmlns:a16="http://schemas.microsoft.com/office/drawing/2014/main" id="{8847966E-9D35-45D3-ADBB-D8BBD89857E5}"/>
+                  </a:ext>
+                </a:extLst>
+              </p:cNvPr>
+              <p:cNvSpPr/>
+              <p:nvPr/>
+            </p:nvSpPr>
+            <p:spPr>
+              <a:xfrm>
+                <a:off x="851590" y="2812821"/>
+                <a:ext cx="116994" cy="116994"/>
+              </a:xfrm>
+              <a:prstGeom prst="flowChartConnector">
+                <a:avLst/>
+              </a:prstGeom>
+              <a:solidFill>
+                <a:srgbClr val="7030A0"/>
+              </a:solidFill>
+            </p:spPr>
+            <p:style>
+              <a:lnRef idx="2">
+                <a:schemeClr val="accent1">
+                  <a:shade val="50000"/>
+                </a:schemeClr>
+              </a:lnRef>
+              <a:fillRef idx="1">
+                <a:schemeClr val="accent1"/>
+              </a:fillRef>
+              <a:effectRef idx="0">
+                <a:schemeClr val="accent1"/>
+              </a:effectRef>
+              <a:fontRef idx="minor">
+                <a:schemeClr val="lt1"/>
+              </a:fontRef>
+            </p:style>
+            <p:txBody>
+              <a:bodyPr rtlCol="0" anchor="ctr"/>
+              <a:lstStyle/>
+              <a:p>
+                <a:pPr algn="ctr"/>
+                <a:endParaRPr lang="en-US"/>
+              </a:p>
+            </p:txBody>
+          </p:sp>
+          <p:sp>
+            <p:nvSpPr>
+              <p:cNvPr id="72" name="Rectangle 71">
+                <a:extLst>
+                  <a:ext uri="{FF2B5EF4-FFF2-40B4-BE49-F238E27FC236}">
+                    <a16:creationId xmlns:a16="http://schemas.microsoft.com/office/drawing/2014/main" id="{9239AC2D-80F1-47A2-B34B-D644294B670C}"/>
+                  </a:ext>
+                </a:extLst>
+              </p:cNvPr>
+              <p:cNvSpPr/>
+              <p:nvPr/>
+            </p:nvSpPr>
+            <p:spPr>
+              <a:xfrm>
+                <a:off x="649013" y="2552863"/>
+                <a:ext cx="795556" cy="786389"/>
+              </a:xfrm>
+              <a:prstGeom prst="rect">
+                <a:avLst/>
+              </a:prstGeom>
+              <a:noFill/>
+              <a:ln w="6350">
+                <a:solidFill>
+                  <a:schemeClr val="tx1"/>
+                </a:solidFill>
+              </a:ln>
+            </p:spPr>
+            <p:style>
+              <a:lnRef idx="2">
+                <a:schemeClr val="accent1">
+                  <a:shade val="50000"/>
+                </a:schemeClr>
+              </a:lnRef>
+              <a:fillRef idx="1">
+                <a:schemeClr val="accent1"/>
+              </a:fillRef>
+              <a:effectRef idx="0">
+                <a:schemeClr val="accent1"/>
+              </a:effectRef>
+              <a:fontRef idx="minor">
+                <a:schemeClr val="lt1"/>
+              </a:fontRef>
+            </p:style>
+            <p:txBody>
+              <a:bodyPr rtlCol="0" anchor="ctr"/>
+              <a:lstStyle/>
+              <a:p>
+                <a:pPr algn="ctr"/>
+                <a:endParaRPr lang="en-US"/>
+              </a:p>
+            </p:txBody>
+          </p:sp>
+        </p:grpSp>
+        <mc:AlternateContent xmlns:mc="http://schemas.openxmlformats.org/markup-compatibility/2006" xmlns:a14="http://schemas.microsoft.com/office/drawing/2010/main">
+          <mc:Choice Requires="a14">
+            <p:sp>
+              <p:nvSpPr>
+                <p:cNvPr id="65" name="TextBox 64">
+                  <a:extLst>
+                    <a:ext uri="{FF2B5EF4-FFF2-40B4-BE49-F238E27FC236}">
+                      <a16:creationId xmlns:a16="http://schemas.microsoft.com/office/drawing/2014/main" id="{F4DAE835-79DD-4BBD-B35D-E543E4A8FA46}"/>
+                    </a:ext>
+                  </a:extLst>
+                </p:cNvPr>
+                <p:cNvSpPr txBox="1"/>
+                <p:nvPr/>
+              </p:nvSpPr>
+              <p:spPr>
+                <a:xfrm>
+                  <a:off x="4668206" y="1729568"/>
+                  <a:ext cx="978444" cy="338554"/>
+                </a:xfrm>
+                <a:prstGeom prst="rect">
+                  <a:avLst/>
+                </a:prstGeom>
+                <a:noFill/>
+              </p:spPr>
+              <p:txBody>
+                <a:bodyPr wrap="square" rtlCol="0">
+                  <a:spAutoFit/>
+                </a:bodyPr>
+                <a:lstStyle/>
+                <a:p>
+                  <a:pPr/>
+                  <a14:m>
+                    <m:oMathPara xmlns:m="http://schemas.openxmlformats.org/officeDocument/2006/math">
+                      <m:oMathParaPr>
+                        <m:jc m:val="center"/>
+                      </m:oMathParaPr>
+                      <m:oMath xmlns:m="http://schemas.openxmlformats.org/officeDocument/2006/math">
+                        <m:r>
+                          <a:rPr lang="en-US" sz="1600" b="0" i="1" spc="-150" smtClean="0">
+                            <a:latin typeface="Cambria Math" panose="02040503050406030204" pitchFamily="18" charset="0"/>
+                          </a:rPr>
+                          <m:t>𝑂</m:t>
+                        </m:r>
+                        <m:r>
+                          <a:rPr lang="en-US" sz="1600" b="0" i="1" spc="-150" smtClean="0">
+                            <a:latin typeface="Cambria Math" panose="02040503050406030204" pitchFamily="18" charset="0"/>
+                          </a:rPr>
+                          <m:t>(</m:t>
+                        </m:r>
+                        <m:r>
+                          <a:rPr lang="en-US" sz="1600" b="0" i="1" spc="-150" smtClean="0">
+                            <a:latin typeface="Cambria Math" panose="02040503050406030204" pitchFamily="18" charset="0"/>
+                          </a:rPr>
+                          <m:t>𝑡</m:t>
+                        </m:r>
+                        <m:r>
+                          <a:rPr lang="en-US" sz="1600" b="0" i="1" spc="-150" smtClean="0">
+                            <a:latin typeface="Cambria Math" panose="02040503050406030204" pitchFamily="18" charset="0"/>
+                          </a:rPr>
+                          <m:t>−1, </m:t>
+                        </m:r>
+                        <m:r>
+                          <a:rPr lang="en-US" sz="1600" b="0" i="1" spc="-150" smtClean="0">
+                            <a:latin typeface="Cambria Math" panose="02040503050406030204" pitchFamily="18" charset="0"/>
+                          </a:rPr>
+                          <m:t>𝑡</m:t>
+                        </m:r>
+                        <m:r>
+                          <a:rPr lang="en-US" sz="1600" b="0" i="1" spc="-150" smtClean="0">
+                            <a:latin typeface="Cambria Math" panose="02040503050406030204" pitchFamily="18" charset="0"/>
+                          </a:rPr>
+                          <m:t>)</m:t>
+                        </m:r>
+                      </m:oMath>
+                    </m:oMathPara>
+                  </a14:m>
+                  <a:endParaRPr lang="en-US" sz="1600" spc="-150" dirty="0"/>
+                </a:p>
+              </p:txBody>
+            </p:sp>
+          </mc:Choice>
+          <mc:Fallback xmlns="">
+            <p:sp>
+              <p:nvSpPr>
+                <p:cNvPr id="65" name="TextBox 64">
+                  <a:extLst>
+                    <a:ext uri="{FF2B5EF4-FFF2-40B4-BE49-F238E27FC236}">
+                      <a16:creationId xmlns:a16="http://schemas.microsoft.com/office/drawing/2014/main" id="{F4DAE835-79DD-4BBD-B35D-E543E4A8FA46}"/>
+                    </a:ext>
+                  </a:extLst>
+                </p:cNvPr>
+                <p:cNvSpPr txBox="1">
+                  <a:spLocks noRot="1" noChangeAspect="1" noMove="1" noResize="1" noEditPoints="1" noAdjustHandles="1" noChangeArrowheads="1" noChangeShapeType="1" noTextEdit="1"/>
+                </p:cNvSpPr>
+                <p:nvPr/>
+              </p:nvSpPr>
+              <p:spPr>
+                <a:xfrm>
+                  <a:off x="4668206" y="1729568"/>
+                  <a:ext cx="978444" cy="338554"/>
+                </a:xfrm>
+                <a:prstGeom prst="rect">
+                  <a:avLst/>
+                </a:prstGeom>
+                <a:blipFill>
+                  <a:blip r:embed="rId5"/>
+                  <a:stretch>
+                    <a:fillRect b="-10909"/>
+                  </a:stretch>
+                </a:blipFill>
+              </p:spPr>
+              <p:txBody>
+                <a:bodyPr/>
+                <a:lstStyle/>
+                <a:p>
+                  <a:r>
+                    <a:rPr lang="en-US">
+                      <a:noFill/>
+                    </a:rPr>
+                    <a:t> </a:t>
+                  </a:r>
+                </a:p>
+              </p:txBody>
+            </p:sp>
+          </mc:Fallback>
+        </mc:AlternateContent>
+        <p:sp>
+          <p:nvSpPr>
+            <p:cNvPr id="73" name="Flowchart: Connector 72">
+              <a:extLst>
+                <a:ext uri="{FF2B5EF4-FFF2-40B4-BE49-F238E27FC236}">
+                  <a16:creationId xmlns:a16="http://schemas.microsoft.com/office/drawing/2014/main" id="{DDF3CDCD-F44E-4871-A99B-EDEEACE13521}"/>
+                </a:ext>
+              </a:extLst>
+            </p:cNvPr>
+            <p:cNvSpPr/>
+            <p:nvPr/>
+          </p:nvSpPr>
+          <p:spPr>
+            <a:xfrm>
+              <a:off x="5215014" y="1166556"/>
+              <a:ext cx="116994" cy="116994"/>
+            </a:xfrm>
+            <a:prstGeom prst="flowChartConnector">
+              <a:avLst/>
+            </a:prstGeom>
+            <a:solidFill>
+              <a:srgbClr val="7030A0"/>
+            </a:solidFill>
+          </p:spPr>
+          <p:style>
+            <a:lnRef idx="2">
+              <a:schemeClr val="accent1">
+                <a:shade val="50000"/>
+              </a:schemeClr>
+            </a:lnRef>
+            <a:fillRef idx="1">
+              <a:schemeClr val="accent1"/>
+            </a:fillRef>
+            <a:effectRef idx="0">
+              <a:schemeClr val="accent1"/>
+            </a:effectRef>
+            <a:fontRef idx="minor">
+              <a:schemeClr val="lt1"/>
+            </a:fontRef>
+          </p:style>
+          <p:txBody>
+            <a:bodyPr rtlCol="0" anchor="ctr"/>
+            <a:lstStyle/>
+            <a:p>
+              <a:pPr algn="ctr"/>
+              <a:endParaRPr lang="en-US"/>
+            </a:p>
+          </p:txBody>
+        </p:sp>
+        <p:cxnSp>
+          <p:nvCxnSpPr>
+            <p:cNvPr id="77" name="Straight Arrow Connector 76">
+              <a:extLst>
+                <a:ext uri="{FF2B5EF4-FFF2-40B4-BE49-F238E27FC236}">
+                  <a16:creationId xmlns:a16="http://schemas.microsoft.com/office/drawing/2014/main" id="{DE04BFA7-A1B8-4BB7-A503-4036D94A8268}"/>
+                </a:ext>
+              </a:extLst>
+            </p:cNvPr>
+            <p:cNvCxnSpPr>
+              <a:cxnSpLocks/>
+              <a:stCxn id="67" idx="6"/>
+              <a:endCxn id="73" idx="3"/>
+            </p:cNvCxnSpPr>
+            <p:nvPr/>
+          </p:nvCxnSpPr>
+          <p:spPr>
+            <a:xfrm flipV="1">
+              <a:off x="5082389" y="1266417"/>
+              <a:ext cx="149758" cy="33975"/>
+            </a:xfrm>
+            <a:prstGeom prst="straightConnector1">
+              <a:avLst/>
+            </a:prstGeom>
+            <a:ln>
+              <a:solidFill>
+                <a:schemeClr val="tx1"/>
+              </a:solidFill>
+              <a:tailEnd type="triangle"/>
+            </a:ln>
+          </p:spPr>
+          <p:style>
+            <a:lnRef idx="1">
+              <a:schemeClr val="accent1"/>
+            </a:lnRef>
+            <a:fillRef idx="0">
+              <a:schemeClr val="accent1"/>
+            </a:fillRef>
+            <a:effectRef idx="0">
+              <a:schemeClr val="accent1"/>
+            </a:effectRef>
+            <a:fontRef idx="minor">
+              <a:schemeClr val="tx1"/>
+            </a:fontRef>
+          </p:style>
+        </p:cxnSp>
+      </p:grpSp>
+      <p:cxnSp>
+        <p:nvCxnSpPr>
+          <p:cNvPr id="91" name="Straight Arrow Connector 90">
+            <a:extLst>
+              <a:ext uri="{FF2B5EF4-FFF2-40B4-BE49-F238E27FC236}">
+                <a16:creationId xmlns:a16="http://schemas.microsoft.com/office/drawing/2014/main" id="{A88EA29A-1662-4EC9-A976-33782CC21B79}"/>
+              </a:ext>
+            </a:extLst>
+          </p:cNvPr>
+          <p:cNvCxnSpPr>
+            <a:cxnSpLocks/>
+            <a:stCxn id="72" idx="3"/>
+          </p:cNvCxnSpPr>
+          <p:nvPr/>
+        </p:nvCxnSpPr>
+        <p:spPr>
+          <a:xfrm>
+            <a:off x="2047139" y="1702792"/>
+            <a:ext cx="226161" cy="0"/>
+          </a:xfrm>
+          <a:prstGeom prst="straightConnector1">
+            <a:avLst/>
+          </a:prstGeom>
+          <a:ln w="8890">
+            <a:solidFill>
+              <a:schemeClr val="tx1"/>
+            </a:solidFill>
+            <a:tailEnd type="triangle" w="sm" len="med"/>
+          </a:ln>
+        </p:spPr>
+        <p:style>
+          <a:lnRef idx="1">
+            <a:schemeClr val="accent1"/>
+          </a:lnRef>
+          <a:fillRef idx="0">
+            <a:schemeClr val="accent1"/>
+          </a:fillRef>
+          <a:effectRef idx="0">
+            <a:schemeClr val="accent1"/>
+          </a:effectRef>
+          <a:fontRef idx="minor">
+            <a:schemeClr val="tx1"/>
+          </a:fontRef>
+        </p:style>
+      </p:cxnSp>
+      <p:cxnSp>
+        <p:nvCxnSpPr>
+          <p:cNvPr id="94" name="Straight Arrow Connector 93">
+            <a:extLst>
+              <a:ext uri="{FF2B5EF4-FFF2-40B4-BE49-F238E27FC236}">
+                <a16:creationId xmlns:a16="http://schemas.microsoft.com/office/drawing/2014/main" id="{AC66DFE7-3AE9-4A55-8379-FC036B628019}"/>
+              </a:ext>
+            </a:extLst>
+          </p:cNvPr>
+          <p:cNvCxnSpPr>
+            <a:cxnSpLocks/>
+            <a:stCxn id="13" idx="6"/>
+          </p:cNvCxnSpPr>
+          <p:nvPr/>
+        </p:nvCxnSpPr>
+        <p:spPr>
+          <a:xfrm flipV="1">
+            <a:off x="3365335" y="1710965"/>
+            <a:ext cx="1114252" cy="11708"/>
+          </a:xfrm>
+          <a:prstGeom prst="straightConnector1">
+            <a:avLst/>
+          </a:prstGeom>
+          <a:ln w="8890">
+            <a:solidFill>
+              <a:schemeClr val="tx1"/>
+            </a:solidFill>
+            <a:tailEnd type="triangle" w="sm" len="med"/>
+          </a:ln>
+        </p:spPr>
+        <p:style>
+          <a:lnRef idx="1">
+            <a:schemeClr val="accent1"/>
+          </a:lnRef>
+          <a:fillRef idx="0">
+            <a:schemeClr val="accent1"/>
+          </a:fillRef>
+          <a:effectRef idx="0">
+            <a:schemeClr val="accent1"/>
+          </a:effectRef>
+          <a:fontRef idx="minor">
+            <a:schemeClr val="tx1"/>
+          </a:fontRef>
+        </p:style>
+      </p:cxnSp>
+      <p:cxnSp>
+        <p:nvCxnSpPr>
+          <p:cNvPr id="98" name="Straight Arrow Connector 97">
+            <a:extLst>
+              <a:ext uri="{FF2B5EF4-FFF2-40B4-BE49-F238E27FC236}">
+                <a16:creationId xmlns:a16="http://schemas.microsoft.com/office/drawing/2014/main" id="{B264975C-416A-4556-A9ED-32FE309AE673}"/>
+              </a:ext>
+            </a:extLst>
+          </p:cNvPr>
+          <p:cNvCxnSpPr>
+            <a:cxnSpLocks/>
+          </p:cNvCxnSpPr>
+          <p:nvPr/>
+        </p:nvCxnSpPr>
+        <p:spPr>
+          <a:xfrm flipV="1">
+            <a:off x="3251789" y="2367448"/>
+            <a:ext cx="0" cy="271965"/>
+          </a:xfrm>
+          <a:prstGeom prst="straightConnector1">
+            <a:avLst/>
+          </a:prstGeom>
+          <a:ln w="8890">
+            <a:solidFill>
+              <a:schemeClr val="tx1"/>
+            </a:solidFill>
+            <a:tailEnd type="triangle" w="sm" len="med"/>
+          </a:ln>
+        </p:spPr>
+        <p:style>
+          <a:lnRef idx="1">
+            <a:schemeClr val="accent1"/>
+          </a:lnRef>
+          <a:fillRef idx="0">
+            <a:schemeClr val="accent1"/>
+          </a:fillRef>
+          <a:effectRef idx="0">
+            <a:schemeClr val="accent1"/>
+          </a:effectRef>
+          <a:fontRef idx="minor">
+            <a:schemeClr val="tx1"/>
+          </a:fontRef>
+        </p:style>
+      </p:cxnSp>
+      <p:sp>
+        <p:nvSpPr>
+          <p:cNvPr id="2" name="Arrow: Right 1">
+            <a:extLst>
+              <a:ext uri="{FF2B5EF4-FFF2-40B4-BE49-F238E27FC236}">
+                <a16:creationId xmlns:a16="http://schemas.microsoft.com/office/drawing/2014/main" id="{83F335F3-B774-427C-A047-D22CCB2358B9}"/>
+              </a:ext>
+            </a:extLst>
+          </p:cNvPr>
+          <p:cNvSpPr/>
+          <p:nvPr/>
+        </p:nvSpPr>
+        <p:spPr>
+          <a:xfrm>
+            <a:off x="7571142" y="884005"/>
+            <a:ext cx="1216256" cy="452612"/>
+          </a:xfrm>
+          <a:prstGeom prst="rightArrow">
+            <a:avLst>
+              <a:gd name="adj1" fmla="val 50000"/>
+              <a:gd name="adj2" fmla="val 99350"/>
+            </a:avLst>
+          </a:prstGeom>
+          <a:solidFill>
+            <a:srgbClr val="FF0000"/>
+          </a:solidFill>
+          <a:ln w="6350">
+            <a:solidFill>
+              <a:schemeClr val="tx1"/>
+            </a:solidFill>
+          </a:ln>
+          <a:scene3d>
+            <a:camera prst="isometricOffAxis1Top">
+              <a:rot lat="18969643" lon="18762693" rev="4983430"/>
+            </a:camera>
+            <a:lightRig rig="threePt" dir="t"/>
+          </a:scene3d>
+        </p:spPr>
+        <p:style>
+          <a:lnRef idx="2">
+            <a:schemeClr val="accent1">
+              <a:shade val="50000"/>
+            </a:schemeClr>
+          </a:lnRef>
+          <a:fillRef idx="1">
+            <a:schemeClr val="accent1"/>
+          </a:fillRef>
+          <a:effectRef idx="0">
+            <a:schemeClr val="accent1"/>
+          </a:effectRef>
+          <a:fontRef idx="minor">
+            <a:schemeClr val="lt1"/>
+          </a:fontRef>
+        </p:style>
+        <p:txBody>
+          <a:bodyPr rtlCol="0" anchor="ctr"/>
+          <a:lstStyle/>
+          <a:p>
+            <a:pPr algn="ctr"/>
+            <a:endParaRPr lang="en-US"/>
+          </a:p>
+        </p:txBody>
+      </p:sp>
+      <p:sp>
+        <p:nvSpPr>
+          <p:cNvPr id="5" name="TextBox 4">
+            <a:extLst>
+              <a:ext uri="{FF2B5EF4-FFF2-40B4-BE49-F238E27FC236}">
+                <a16:creationId xmlns:a16="http://schemas.microsoft.com/office/drawing/2014/main" id="{3292342F-7587-432D-9A7F-14CF16D840D9}"/>
+              </a:ext>
+            </a:extLst>
+          </p:cNvPr>
+          <p:cNvSpPr txBox="1"/>
+          <p:nvPr/>
+        </p:nvSpPr>
+        <p:spPr>
+          <a:xfrm>
+            <a:off x="4596125" y="4006013"/>
+            <a:ext cx="272832" cy="307777"/>
+          </a:xfrm>
+          <a:prstGeom prst="rect">
+            <a:avLst/>
+          </a:prstGeom>
+          <a:noFill/>
+        </p:spPr>
+        <p:txBody>
+          <a:bodyPr wrap="none" rtlCol="0">
+            <a:spAutoFit/>
+          </a:bodyPr>
+          <a:lstStyle/>
+          <a:p>
+            <a:r>
+              <a:rPr lang="en-US" sz="1400" b="1" i="1" dirty="0"/>
+              <a:t>T</a:t>
+            </a:r>
+          </a:p>
+        </p:txBody>
+      </p:sp>
+      <p:sp>
+        <p:nvSpPr>
+          <p:cNvPr id="175" name="TextBox 174">
+            <a:extLst>
+              <a:ext uri="{FF2B5EF4-FFF2-40B4-BE49-F238E27FC236}">
+                <a16:creationId xmlns:a16="http://schemas.microsoft.com/office/drawing/2014/main" id="{1DFB0503-8CF8-4BEF-9515-D1A7AED2DDA4}"/>
+              </a:ext>
+            </a:extLst>
+          </p:cNvPr>
+          <p:cNvSpPr txBox="1"/>
+          <p:nvPr/>
+        </p:nvSpPr>
+        <p:spPr>
+          <a:xfrm>
+            <a:off x="6173796" y="2278929"/>
+            <a:ext cx="256802" cy="230832"/>
+          </a:xfrm>
+          <a:prstGeom prst="rect">
+            <a:avLst/>
+          </a:prstGeom>
+          <a:noFill/>
+        </p:spPr>
+        <p:txBody>
+          <a:bodyPr wrap="none" rtlCol="0">
+            <a:spAutoFit/>
+          </a:bodyPr>
+          <a:lstStyle/>
+          <a:p>
+            <a:r>
+              <a:rPr lang="en-US" sz="900" b="1" i="1" dirty="0"/>
+              <a:t>H</a:t>
+            </a:r>
+          </a:p>
+        </p:txBody>
+      </p:sp>
+      <p:sp>
+        <p:nvSpPr>
+          <p:cNvPr id="176" name="TextBox 175">
+            <a:extLst>
+              <a:ext uri="{FF2B5EF4-FFF2-40B4-BE49-F238E27FC236}">
+                <a16:creationId xmlns:a16="http://schemas.microsoft.com/office/drawing/2014/main" id="{ED2AB991-838C-444B-B6A1-988FFE6BC7A3}"/>
+              </a:ext>
+            </a:extLst>
+          </p:cNvPr>
+          <p:cNvSpPr txBox="1"/>
+          <p:nvPr/>
+        </p:nvSpPr>
+        <p:spPr>
+          <a:xfrm>
+            <a:off x="5851088" y="3420131"/>
+            <a:ext cx="333746" cy="276999"/>
+          </a:xfrm>
+          <a:prstGeom prst="rect">
+            <a:avLst/>
+          </a:prstGeom>
+          <a:noFill/>
+        </p:spPr>
+        <p:txBody>
+          <a:bodyPr wrap="none" rtlCol="0">
+            <a:spAutoFit/>
+          </a:bodyPr>
+          <a:lstStyle/>
+          <a:p>
+            <a:r>
+              <a:rPr lang="en-US" sz="1200" b="1" i="1" dirty="0"/>
+              <a:t>F3</a:t>
+            </a:r>
+          </a:p>
+        </p:txBody>
+      </p:sp>
+      <p:sp>
+        <p:nvSpPr>
+          <p:cNvPr id="177" name="TextBox 176">
+            <a:extLst>
+              <a:ext uri="{FF2B5EF4-FFF2-40B4-BE49-F238E27FC236}">
+                <a16:creationId xmlns:a16="http://schemas.microsoft.com/office/drawing/2014/main" id="{72C4F93B-E976-4892-B501-43423441E850}"/>
+              </a:ext>
+            </a:extLst>
+          </p:cNvPr>
+          <p:cNvSpPr txBox="1"/>
+          <p:nvPr/>
+        </p:nvSpPr>
+        <p:spPr>
+          <a:xfrm>
+            <a:off x="5768733" y="2842633"/>
+            <a:ext cx="320922" cy="261610"/>
+          </a:xfrm>
+          <a:prstGeom prst="rect">
+            <a:avLst/>
+          </a:prstGeom>
+          <a:noFill/>
+        </p:spPr>
+        <p:txBody>
+          <a:bodyPr wrap="none" rtlCol="0">
+            <a:spAutoFit/>
+          </a:bodyPr>
+          <a:lstStyle/>
+          <a:p>
+            <a:r>
+              <a:rPr lang="en-US" sz="1050" b="1" i="1" dirty="0"/>
+              <a:t>F2</a:t>
+            </a:r>
+          </a:p>
+        </p:txBody>
+      </p:sp>
+      <p:sp>
+        <p:nvSpPr>
+          <p:cNvPr id="178" name="TextBox 177">
+            <a:extLst>
+              <a:ext uri="{FF2B5EF4-FFF2-40B4-BE49-F238E27FC236}">
+                <a16:creationId xmlns:a16="http://schemas.microsoft.com/office/drawing/2014/main" id="{40EA22B0-9D1A-4FC6-B3D2-A4779FB1845D}"/>
+              </a:ext>
+            </a:extLst>
+          </p:cNvPr>
+          <p:cNvSpPr txBox="1"/>
+          <p:nvPr/>
+        </p:nvSpPr>
+        <p:spPr>
+          <a:xfrm>
+            <a:off x="6190242" y="2554882"/>
+            <a:ext cx="309700" cy="246221"/>
+          </a:xfrm>
+          <a:prstGeom prst="rect">
+            <a:avLst/>
+          </a:prstGeom>
+          <a:noFill/>
+        </p:spPr>
+        <p:txBody>
+          <a:bodyPr wrap="none" rtlCol="0">
+            <a:spAutoFit/>
+          </a:bodyPr>
+          <a:lstStyle/>
+          <a:p>
+            <a:r>
+              <a:rPr lang="en-US" sz="1000" b="1" i="1" dirty="0"/>
+              <a:t>F1</a:t>
+            </a:r>
+          </a:p>
+        </p:txBody>
+      </p:sp>
+      <p:sp>
+        <p:nvSpPr>
+          <p:cNvPr id="13" name="Flowchart: Or 12">
+            <a:extLst>
+              <a:ext uri="{FF2B5EF4-FFF2-40B4-BE49-F238E27FC236}">
+                <a16:creationId xmlns:a16="http://schemas.microsoft.com/office/drawing/2014/main" id="{150D97C8-8A06-4F6A-9522-C14B3616A29C}"/>
+              </a:ext>
+            </a:extLst>
+          </p:cNvPr>
+          <p:cNvSpPr/>
+          <p:nvPr/>
+        </p:nvSpPr>
+        <p:spPr>
+          <a:xfrm>
+            <a:off x="3148341" y="1614176"/>
+            <a:ext cx="216994" cy="216994"/>
+          </a:xfrm>
+          <a:prstGeom prst="flowChartOr">
+            <a:avLst/>
+          </a:prstGeom>
+          <a:solidFill>
+            <a:schemeClr val="bg1"/>
+          </a:solidFill>
+          <a:ln w="8890">
+            <a:solidFill>
+              <a:schemeClr val="tx1"/>
+            </a:solidFill>
+          </a:ln>
+        </p:spPr>
+        <p:style>
+          <a:lnRef idx="2">
+            <a:schemeClr val="accent1">
+              <a:shade val="50000"/>
+            </a:schemeClr>
+          </a:lnRef>
+          <a:fillRef idx="1">
+            <a:schemeClr val="accent1"/>
+          </a:fillRef>
+          <a:effectRef idx="0">
+            <a:schemeClr val="accent1"/>
+          </a:effectRef>
+          <a:fontRef idx="minor">
+            <a:schemeClr val="lt1"/>
+          </a:fontRef>
+        </p:style>
+        <p:txBody>
+          <a:bodyPr rtlCol="0" anchor="ctr"/>
+          <a:lstStyle/>
+          <a:p>
+            <a:pPr algn="ctr"/>
+            <a:endParaRPr lang="en-US"/>
+          </a:p>
+        </p:txBody>
+      </p:sp>
+      <mc:AlternateContent xmlns:mc="http://schemas.openxmlformats.org/markup-compatibility/2006">
+        <mc:Choice xmlns:a14="http://schemas.microsoft.com/office/drawing/2010/main" Requires="a14">
+          <p:sp>
+            <p:nvSpPr>
+              <p:cNvPr id="39" name="TextBox 38">
+                <a:extLst>
+                  <a:ext uri="{FF2B5EF4-FFF2-40B4-BE49-F238E27FC236}">
+                    <a16:creationId xmlns:a16="http://schemas.microsoft.com/office/drawing/2014/main" id="{C312B2A4-04E2-41DF-81C9-D4001FC7C40F}"/>
+                  </a:ext>
+                </a:extLst>
+              </p:cNvPr>
+              <p:cNvSpPr txBox="1"/>
+              <p:nvPr/>
+            </p:nvSpPr>
+            <p:spPr>
+              <a:xfrm>
+                <a:off x="1237175" y="4003552"/>
+                <a:ext cx="798989" cy="338554"/>
+              </a:xfrm>
+              <a:prstGeom prst="rect">
+                <a:avLst/>
+              </a:prstGeom>
+              <a:noFill/>
+            </p:spPr>
+            <p:txBody>
+              <a:bodyPr wrap="square" rtlCol="0">
+                <a:spAutoFit/>
+              </a:bodyPr>
+              <a:lstStyle/>
+              <a:p>
+                <a:pPr/>
+                <a14:m>
+                  <m:oMathPara xmlns:m="http://schemas.openxmlformats.org/officeDocument/2006/math">
+                    <m:oMathParaPr>
+                      <m:jc m:val="center"/>
+                    </m:oMathParaPr>
+                    <m:oMath xmlns:m="http://schemas.openxmlformats.org/officeDocument/2006/math">
+                      <m:r>
+                        <a:rPr lang="en-US" sz="1600" b="0" i="1" spc="-150" smtClean="0">
+                          <a:latin typeface="Cambria Math" panose="02040503050406030204" pitchFamily="18" charset="0"/>
+                        </a:rPr>
+                        <m:t>h</m:t>
+                      </m:r>
+                      <m:r>
+                        <a:rPr lang="en-US" sz="1600" b="0" i="1" spc="-150" smtClean="0">
+                          <a:latin typeface="Cambria Math" panose="02040503050406030204" pitchFamily="18" charset="0"/>
+                        </a:rPr>
+                        <m:t>(</m:t>
+                      </m:r>
+                      <m:r>
+                        <a:rPr lang="en-US" sz="1600" b="0" i="1" spc="-150" smtClean="0">
+                          <a:latin typeface="Cambria Math" panose="02040503050406030204" pitchFamily="18" charset="0"/>
+                        </a:rPr>
+                        <m:t>𝑡</m:t>
+                      </m:r>
+                      <m:r>
+                        <a:rPr lang="en-US" sz="1600" b="0" i="1" spc="-150" smtClean="0">
+                          <a:latin typeface="Cambria Math" panose="02040503050406030204" pitchFamily="18" charset="0"/>
+                        </a:rPr>
+                        <m:t>−</m:t>
+                      </m:r>
+                      <m:r>
+                        <a:rPr lang="en-US" sz="1600" b="0" i="1" spc="-150" smtClean="0">
+                          <a:latin typeface="Cambria Math" panose="02040503050406030204" pitchFamily="18" charset="0"/>
+                        </a:rPr>
+                        <m:t>𝜏</m:t>
+                      </m:r>
+                      <m:r>
+                        <a:rPr lang="en-US" sz="1600" b="0" i="1" spc="-150" smtClean="0">
+                          <a:latin typeface="Cambria Math" panose="02040503050406030204" pitchFamily="18" charset="0"/>
+                        </a:rPr>
+                        <m:t>)</m:t>
+                      </m:r>
+                    </m:oMath>
+                  </m:oMathPara>
+                </a14:m>
+                <a:endParaRPr lang="en-US" sz="1600" spc="-150" dirty="0"/>
+              </a:p>
+            </p:txBody>
+          </p:sp>
+        </mc:Choice>
+        <mc:Fallback>
+          <p:sp>
+            <p:nvSpPr>
+              <p:cNvPr id="39" name="TextBox 38">
+                <a:extLst>
+                  <a:ext uri="{FF2B5EF4-FFF2-40B4-BE49-F238E27FC236}">
+                    <a16:creationId xmlns:a16="http://schemas.microsoft.com/office/drawing/2014/main" id="{C312B2A4-04E2-41DF-81C9-D4001FC7C40F}"/>
+                  </a:ext>
+                </a:extLst>
+              </p:cNvPr>
+              <p:cNvSpPr txBox="1">
+                <a:spLocks noRot="1" noChangeAspect="1" noMove="1" noResize="1" noEditPoints="1" noAdjustHandles="1" noChangeArrowheads="1" noChangeShapeType="1" noTextEdit="1"/>
+              </p:cNvSpPr>
+              <p:nvPr/>
+            </p:nvSpPr>
+            <p:spPr>
+              <a:xfrm>
+                <a:off x="1237175" y="4003552"/>
+                <a:ext cx="798989" cy="338554"/>
+              </a:xfrm>
+              <a:prstGeom prst="rect">
+                <a:avLst/>
+              </a:prstGeom>
+              <a:blipFill>
+                <a:blip r:embed="rId6"/>
+                <a:stretch>
+                  <a:fillRect b="-10909"/>
+                </a:stretch>
+              </a:blipFill>
+            </p:spPr>
+            <p:txBody>
+              <a:bodyPr/>
+              <a:lstStyle/>
+              <a:p>
+                <a:r>
+                  <a:rPr lang="en-US">
+                    <a:noFill/>
+                  </a:rPr>
+                  <a:t> </a:t>
+                </a:r>
+              </a:p>
+            </p:txBody>
+          </p:sp>
+        </mc:Fallback>
+      </mc:AlternateContent>
+      <mc:AlternateContent xmlns:mc="http://schemas.openxmlformats.org/markup-compatibility/2006">
+        <mc:Choice xmlns:a14="http://schemas.microsoft.com/office/drawing/2010/main" Requires="a14">
+          <p:sp>
+            <p:nvSpPr>
+              <p:cNvPr id="44" name="TextBox 43">
+                <a:extLst>
+                  <a:ext uri="{FF2B5EF4-FFF2-40B4-BE49-F238E27FC236}">
+                    <a16:creationId xmlns:a16="http://schemas.microsoft.com/office/drawing/2014/main" id="{4F10C286-AFAC-482E-95C5-E734CEC2E9E5}"/>
+                  </a:ext>
+                </a:extLst>
+              </p:cNvPr>
+              <p:cNvSpPr txBox="1"/>
+              <p:nvPr/>
+            </p:nvSpPr>
+            <p:spPr>
+              <a:xfrm>
+                <a:off x="2565053" y="4003552"/>
+                <a:ext cx="808064" cy="338554"/>
+              </a:xfrm>
+              <a:prstGeom prst="rect">
+                <a:avLst/>
+              </a:prstGeom>
+              <a:noFill/>
+            </p:spPr>
+            <p:txBody>
+              <a:bodyPr wrap="square" rtlCol="0">
+                <a:spAutoFit/>
+              </a:bodyPr>
+              <a:lstStyle/>
+              <a:p>
+                <a:pPr algn="ctr"/>
+                <a14:m>
+                  <m:oMathPara xmlns:m="http://schemas.openxmlformats.org/officeDocument/2006/math">
+                    <m:oMathParaPr>
+                      <m:jc m:val="centerGroup"/>
+                    </m:oMathParaPr>
+                    <m:oMath xmlns:m="http://schemas.openxmlformats.org/officeDocument/2006/math">
+                      <m:r>
+                        <a:rPr lang="en-US" sz="1600" b="0" i="1" spc="-150" smtClean="0">
+                          <a:latin typeface="Cambria Math" panose="02040503050406030204" pitchFamily="18" charset="0"/>
+                        </a:rPr>
+                        <m:t>h</m:t>
+                      </m:r>
+                      <m:r>
+                        <a:rPr lang="en-US" sz="1600" b="0" i="1" spc="-150" smtClean="0">
+                          <a:latin typeface="Cambria Math" panose="02040503050406030204" pitchFamily="18" charset="0"/>
+                        </a:rPr>
+                        <m:t>(</m:t>
+                      </m:r>
+                      <m:r>
+                        <a:rPr lang="en-US" sz="1600" b="0" i="1" spc="-150" smtClean="0">
+                          <a:latin typeface="Cambria Math" panose="02040503050406030204" pitchFamily="18" charset="0"/>
+                        </a:rPr>
+                        <m:t>𝑡</m:t>
+                      </m:r>
+                      <m:r>
+                        <a:rPr lang="en-US" sz="1600" b="0" i="1" spc="-150" smtClean="0">
+                          <a:latin typeface="Cambria Math" panose="02040503050406030204" pitchFamily="18" charset="0"/>
+                        </a:rPr>
+                        <m:t>−3)</m:t>
+                      </m:r>
+                    </m:oMath>
+                  </m:oMathPara>
+                </a14:m>
+                <a:endParaRPr lang="en-US" sz="1600" spc="-150" dirty="0"/>
+              </a:p>
+            </p:txBody>
+          </p:sp>
+        </mc:Choice>
+        <mc:Fallback>
+          <p:sp>
+            <p:nvSpPr>
+              <p:cNvPr id="44" name="TextBox 43">
+                <a:extLst>
+                  <a:ext uri="{FF2B5EF4-FFF2-40B4-BE49-F238E27FC236}">
+                    <a16:creationId xmlns:a16="http://schemas.microsoft.com/office/drawing/2014/main" id="{4F10C286-AFAC-482E-95C5-E734CEC2E9E5}"/>
+                  </a:ext>
+                </a:extLst>
+              </p:cNvPr>
+              <p:cNvSpPr txBox="1">
+                <a:spLocks noRot="1" noChangeAspect="1" noMove="1" noResize="1" noEditPoints="1" noAdjustHandles="1" noChangeArrowheads="1" noChangeShapeType="1" noTextEdit="1"/>
+              </p:cNvSpPr>
+              <p:nvPr/>
+            </p:nvSpPr>
+            <p:spPr>
+              <a:xfrm>
+                <a:off x="2565053" y="4003552"/>
+                <a:ext cx="808064" cy="338554"/>
+              </a:xfrm>
+              <a:prstGeom prst="rect">
+                <a:avLst/>
+              </a:prstGeom>
+              <a:blipFill>
+                <a:blip r:embed="rId7"/>
+                <a:stretch>
+                  <a:fillRect b="-10909"/>
+                </a:stretch>
+              </a:blipFill>
+            </p:spPr>
+            <p:txBody>
+              <a:bodyPr/>
+              <a:lstStyle/>
+              <a:p>
+                <a:r>
+                  <a:rPr lang="en-US">
+                    <a:noFill/>
+                  </a:rPr>
+                  <a:t> </a:t>
+                </a:r>
+              </a:p>
+            </p:txBody>
+          </p:sp>
+        </mc:Fallback>
+      </mc:AlternateContent>
+      <mc:AlternateContent xmlns:mc="http://schemas.openxmlformats.org/markup-compatibility/2006">
+        <mc:Choice xmlns:a14="http://schemas.microsoft.com/office/drawing/2010/main" Requires="a14">
+          <p:sp>
+            <p:nvSpPr>
+              <p:cNvPr id="54" name="TextBox 53">
+                <a:extLst>
+                  <a:ext uri="{FF2B5EF4-FFF2-40B4-BE49-F238E27FC236}">
+                    <a16:creationId xmlns:a16="http://schemas.microsoft.com/office/drawing/2014/main" id="{C1F4DA63-10E5-46EB-9BEA-E094ADA570DE}"/>
+                  </a:ext>
+                </a:extLst>
+              </p:cNvPr>
+              <p:cNvSpPr txBox="1"/>
+              <p:nvPr/>
+            </p:nvSpPr>
+            <p:spPr>
+              <a:xfrm>
+                <a:off x="3566009" y="4003552"/>
+                <a:ext cx="808064" cy="338554"/>
+              </a:xfrm>
+              <a:prstGeom prst="rect">
+                <a:avLst/>
+              </a:prstGeom>
+              <a:noFill/>
+            </p:spPr>
+            <p:txBody>
+              <a:bodyPr wrap="square" rtlCol="0">
+                <a:spAutoFit/>
+              </a:bodyPr>
+              <a:lstStyle/>
+              <a:p>
+                <a:pPr/>
+                <a14:m>
+                  <m:oMathPara xmlns:m="http://schemas.openxmlformats.org/officeDocument/2006/math">
+                    <m:oMathParaPr>
+                      <m:jc m:val="center"/>
+                    </m:oMathParaPr>
+                    <m:oMath xmlns:m="http://schemas.openxmlformats.org/officeDocument/2006/math">
+                      <m:r>
+                        <a:rPr lang="en-US" sz="1600" b="0" i="1" spc="-150" smtClean="0">
+                          <a:latin typeface="Cambria Math" panose="02040503050406030204" pitchFamily="18" charset="0"/>
+                        </a:rPr>
+                        <m:t>h</m:t>
+                      </m:r>
+                      <m:r>
+                        <a:rPr lang="en-US" sz="1600" b="0" i="1" spc="-150" smtClean="0">
+                          <a:latin typeface="Cambria Math" panose="02040503050406030204" pitchFamily="18" charset="0"/>
+                        </a:rPr>
+                        <m:t>(</m:t>
+                      </m:r>
+                      <m:r>
+                        <a:rPr lang="en-US" sz="1600" b="0" i="1" spc="-150" smtClean="0">
+                          <a:latin typeface="Cambria Math" panose="02040503050406030204" pitchFamily="18" charset="0"/>
+                        </a:rPr>
+                        <m:t>𝑡</m:t>
+                      </m:r>
+                      <m:r>
+                        <a:rPr lang="en-US" sz="1600" b="0" i="1" spc="-150" smtClean="0">
+                          <a:latin typeface="Cambria Math" panose="02040503050406030204" pitchFamily="18" charset="0"/>
+                        </a:rPr>
+                        <m:t>−2)</m:t>
+                      </m:r>
+                    </m:oMath>
+                  </m:oMathPara>
+                </a14:m>
+                <a:endParaRPr lang="en-US" sz="1600" spc="-150" dirty="0"/>
+              </a:p>
+            </p:txBody>
+          </p:sp>
+        </mc:Choice>
+        <mc:Fallback>
+          <p:sp>
+            <p:nvSpPr>
+              <p:cNvPr id="54" name="TextBox 53">
+                <a:extLst>
+                  <a:ext uri="{FF2B5EF4-FFF2-40B4-BE49-F238E27FC236}">
+                    <a16:creationId xmlns:a16="http://schemas.microsoft.com/office/drawing/2014/main" id="{C1F4DA63-10E5-46EB-9BEA-E094ADA570DE}"/>
+                  </a:ext>
+                </a:extLst>
+              </p:cNvPr>
+              <p:cNvSpPr txBox="1">
+                <a:spLocks noRot="1" noChangeAspect="1" noMove="1" noResize="1" noEditPoints="1" noAdjustHandles="1" noChangeArrowheads="1" noChangeShapeType="1" noTextEdit="1"/>
+              </p:cNvSpPr>
+              <p:nvPr/>
+            </p:nvSpPr>
+            <p:spPr>
+              <a:xfrm>
+                <a:off x="3566009" y="4003552"/>
+                <a:ext cx="808064" cy="338554"/>
+              </a:xfrm>
+              <a:prstGeom prst="rect">
+                <a:avLst/>
+              </a:prstGeom>
+              <a:blipFill>
+                <a:blip r:embed="rId8"/>
+                <a:stretch>
+                  <a:fillRect b="-10909"/>
+                </a:stretch>
+              </a:blipFill>
+            </p:spPr>
+            <p:txBody>
+              <a:bodyPr/>
+              <a:lstStyle/>
+              <a:p>
+                <a:r>
+                  <a:rPr lang="en-US">
+                    <a:noFill/>
+                  </a:rPr>
+                  <a:t> </a:t>
+                </a:r>
+              </a:p>
+            </p:txBody>
+          </p:sp>
+        </mc:Fallback>
+      </mc:AlternateContent>
+      <p:sp>
+        <p:nvSpPr>
+          <p:cNvPr id="62" name="TextBox 61">
+            <a:extLst>
+              <a:ext uri="{FF2B5EF4-FFF2-40B4-BE49-F238E27FC236}">
+                <a16:creationId xmlns:a16="http://schemas.microsoft.com/office/drawing/2014/main" id="{523FB744-9242-491C-A1AB-BCEE52B539F2}"/>
+              </a:ext>
+            </a:extLst>
+          </p:cNvPr>
+          <p:cNvSpPr txBox="1"/>
+          <p:nvPr/>
+        </p:nvSpPr>
+        <p:spPr>
+          <a:xfrm>
+            <a:off x="2061389" y="2957247"/>
+            <a:ext cx="503664" cy="646331"/>
+          </a:xfrm>
+          <a:prstGeom prst="rect">
+            <a:avLst/>
+          </a:prstGeom>
+          <a:noFill/>
+        </p:spPr>
+        <p:txBody>
+          <a:bodyPr wrap="none" rtlCol="0">
+            <a:spAutoFit/>
+          </a:bodyPr>
+          <a:lstStyle/>
+          <a:p>
+            <a:r>
+              <a:rPr lang="en-US" sz="3600" dirty="0"/>
+              <a:t>…</a:t>
+            </a:r>
+          </a:p>
+        </p:txBody>
+      </p:sp>
+      <p:sp>
+        <p:nvSpPr>
+          <p:cNvPr id="50" name="Freeform: Shape 49">
+            <a:extLst>
+              <a:ext uri="{FF2B5EF4-FFF2-40B4-BE49-F238E27FC236}">
+                <a16:creationId xmlns:a16="http://schemas.microsoft.com/office/drawing/2014/main" id="{1E362A88-2CA4-4608-A08C-0790C7E1FBF2}"/>
+              </a:ext>
+            </a:extLst>
+          </p:cNvPr>
+          <p:cNvSpPr/>
+          <p:nvPr/>
+        </p:nvSpPr>
+        <p:spPr>
+          <a:xfrm>
+            <a:off x="1590218" y="2806700"/>
+            <a:ext cx="257632" cy="1022350"/>
+          </a:xfrm>
+          <a:custGeom>
+            <a:avLst/>
+            <a:gdLst>
+              <a:gd name="connsiteX0" fmla="*/ 22682 w 257632"/>
+              <a:gd name="connsiteY0" fmla="*/ 1022350 h 1022350"/>
+              <a:gd name="connsiteX1" fmla="*/ 130632 w 257632"/>
+              <a:gd name="connsiteY1" fmla="*/ 781050 h 1022350"/>
+              <a:gd name="connsiteX2" fmla="*/ 16332 w 257632"/>
+              <a:gd name="connsiteY2" fmla="*/ 565150 h 1022350"/>
+              <a:gd name="connsiteX3" fmla="*/ 16332 w 257632"/>
+              <a:gd name="connsiteY3" fmla="*/ 304800 h 1022350"/>
+              <a:gd name="connsiteX4" fmla="*/ 162382 w 257632"/>
+              <a:gd name="connsiteY4" fmla="*/ 82550 h 1022350"/>
+              <a:gd name="connsiteX5" fmla="*/ 257632 w 257632"/>
+              <a:gd name="connsiteY5" fmla="*/ 0 h 1022350"/>
+            </a:gdLst>
+            <a:ahLst/>
+            <a:cxnLst>
+              <a:cxn ang="0">
+                <a:pos x="connsiteX0" y="connsiteY0"/>
+              </a:cxn>
+              <a:cxn ang="0">
+                <a:pos x="connsiteX1" y="connsiteY1"/>
+              </a:cxn>
+              <a:cxn ang="0">
+                <a:pos x="connsiteX2" y="connsiteY2"/>
+              </a:cxn>
+              <a:cxn ang="0">
+                <a:pos x="connsiteX3" y="connsiteY3"/>
+              </a:cxn>
+              <a:cxn ang="0">
+                <a:pos x="connsiteX4" y="connsiteY4"/>
+              </a:cxn>
+              <a:cxn ang="0">
+                <a:pos x="connsiteX5" y="connsiteY5"/>
+              </a:cxn>
+            </a:cxnLst>
+            <a:rect l="l" t="t" r="r" b="b"/>
+            <a:pathLst>
+              <a:path w="257632" h="1022350">
+                <a:moveTo>
+                  <a:pt x="22682" y="1022350"/>
+                </a:moveTo>
+                <a:cubicBezTo>
+                  <a:pt x="77186" y="939800"/>
+                  <a:pt x="131690" y="857250"/>
+                  <a:pt x="130632" y="781050"/>
+                </a:cubicBezTo>
+                <a:cubicBezTo>
+                  <a:pt x="129574" y="704850"/>
+                  <a:pt x="35382" y="644525"/>
+                  <a:pt x="16332" y="565150"/>
+                </a:cubicBezTo>
+                <a:cubicBezTo>
+                  <a:pt x="-2718" y="485775"/>
+                  <a:pt x="-8010" y="385233"/>
+                  <a:pt x="16332" y="304800"/>
+                </a:cubicBezTo>
+                <a:cubicBezTo>
+                  <a:pt x="40674" y="224367"/>
+                  <a:pt x="122165" y="133350"/>
+                  <a:pt x="162382" y="82550"/>
+                </a:cubicBezTo>
+                <a:cubicBezTo>
+                  <a:pt x="202599" y="31750"/>
+                  <a:pt x="230115" y="15875"/>
+                  <a:pt x="257632" y="0"/>
+                </a:cubicBezTo>
+              </a:path>
+            </a:pathLst>
+          </a:custGeom>
+          <a:noFill/>
+          <a:ln w="8890">
+            <a:solidFill>
+              <a:schemeClr val="accent3"/>
+            </a:solidFill>
+            <a:tailEnd type="triangle" w="sm" len="sm"/>
+          </a:ln>
+        </p:spPr>
+        <p:style>
+          <a:lnRef idx="2">
+            <a:schemeClr val="accent1">
+              <a:shade val="50000"/>
+            </a:schemeClr>
+          </a:lnRef>
+          <a:fillRef idx="1">
+            <a:schemeClr val="accent1"/>
+          </a:fillRef>
+          <a:effectRef idx="0">
+            <a:schemeClr val="accent1"/>
+          </a:effectRef>
+          <a:fontRef idx="minor">
+            <a:schemeClr val="lt1"/>
+          </a:fontRef>
+        </p:style>
+        <p:txBody>
+          <a:bodyPr rtlCol="0" anchor="ctr"/>
+          <a:lstStyle/>
+          <a:p>
+            <a:pPr algn="ctr"/>
+            <a:endParaRPr lang="en-US"/>
+          </a:p>
+        </p:txBody>
+      </p:sp>
+      <p:grpSp>
+        <p:nvGrpSpPr>
+          <p:cNvPr id="251" name="Group 250">
+            <a:extLst>
+              <a:ext uri="{FF2B5EF4-FFF2-40B4-BE49-F238E27FC236}">
+                <a16:creationId xmlns:a16="http://schemas.microsoft.com/office/drawing/2014/main" id="{12EEE8AA-4A53-4648-AF37-2142DF8FB686}"/>
+              </a:ext>
+            </a:extLst>
+          </p:cNvPr>
+          <p:cNvGrpSpPr/>
+          <p:nvPr/>
+        </p:nvGrpSpPr>
+        <p:grpSpPr>
+          <a:xfrm>
+            <a:off x="2743337" y="2231204"/>
+            <a:ext cx="987643" cy="136498"/>
+            <a:chOff x="393192" y="1608318"/>
+            <a:chExt cx="987643" cy="136498"/>
+          </a:xfrm>
+        </p:grpSpPr>
+        <p:sp>
+          <p:nvSpPr>
+            <p:cNvPr id="253" name="Cube 252">
+              <a:extLst>
+                <a:ext uri="{FF2B5EF4-FFF2-40B4-BE49-F238E27FC236}">
+                  <a16:creationId xmlns:a16="http://schemas.microsoft.com/office/drawing/2014/main" id="{35BDD2F7-FB10-4EEC-A7D5-C315046B84EB}"/>
+                </a:ext>
+              </a:extLst>
+            </p:cNvPr>
+            <p:cNvSpPr/>
+            <p:nvPr/>
+          </p:nvSpPr>
+          <p:spPr>
+            <a:xfrm>
+              <a:off x="393192" y="1608434"/>
+              <a:ext cx="114296" cy="136244"/>
+            </a:xfrm>
+            <a:prstGeom prst="cube">
+              <a:avLst/>
+            </a:prstGeom>
+            <a:ln w="6350"/>
+          </p:spPr>
+          <p:style>
+            <a:lnRef idx="2">
+              <a:schemeClr val="dk1"/>
+            </a:lnRef>
+            <a:fillRef idx="1">
+              <a:schemeClr val="lt1"/>
+            </a:fillRef>
+            <a:effectRef idx="0">
+              <a:schemeClr val="dk1"/>
+            </a:effectRef>
+            <a:fontRef idx="minor">
+              <a:schemeClr val="dk1"/>
+            </a:fontRef>
+          </p:style>
+          <p:txBody>
+            <a:bodyPr rtlCol="0" anchor="ctr"/>
+            <a:lstStyle/>
+            <a:p>
+              <a:pPr algn="ctr"/>
+              <a:endParaRPr lang="en-US"/>
+            </a:p>
+          </p:txBody>
+        </p:sp>
+        <p:sp>
+          <p:nvSpPr>
+            <p:cNvPr id="254" name="Cube 253">
+              <a:extLst>
+                <a:ext uri="{FF2B5EF4-FFF2-40B4-BE49-F238E27FC236}">
+                  <a16:creationId xmlns:a16="http://schemas.microsoft.com/office/drawing/2014/main" id="{07E80155-8CFB-4FEB-9A82-9AAE4316475E}"/>
+                </a:ext>
+              </a:extLst>
+            </p:cNvPr>
+            <p:cNvSpPr/>
+            <p:nvPr/>
+          </p:nvSpPr>
+          <p:spPr>
+            <a:xfrm>
+              <a:off x="477472" y="1608434"/>
+              <a:ext cx="114296" cy="136244"/>
+            </a:xfrm>
+            <a:prstGeom prst="cube">
+              <a:avLst/>
+            </a:prstGeom>
+            <a:solidFill>
+              <a:srgbClr val="FF0000"/>
+            </a:solidFill>
+            <a:ln w="6350"/>
+          </p:spPr>
+          <p:style>
+            <a:lnRef idx="2">
+              <a:schemeClr val="dk1"/>
+            </a:lnRef>
+            <a:fillRef idx="1">
+              <a:schemeClr val="lt1"/>
+            </a:fillRef>
+            <a:effectRef idx="0">
+              <a:schemeClr val="dk1"/>
+            </a:effectRef>
+            <a:fontRef idx="minor">
+              <a:schemeClr val="dk1"/>
+            </a:fontRef>
+          </p:style>
+          <p:txBody>
+            <a:bodyPr rtlCol="0" anchor="ctr"/>
+            <a:lstStyle/>
+            <a:p>
+              <a:pPr algn="ctr"/>
+              <a:endParaRPr lang="en-US"/>
+            </a:p>
+          </p:txBody>
+        </p:sp>
+        <p:sp>
+          <p:nvSpPr>
+            <p:cNvPr id="255" name="Cube 254">
+              <a:extLst>
+                <a:ext uri="{FF2B5EF4-FFF2-40B4-BE49-F238E27FC236}">
+                  <a16:creationId xmlns:a16="http://schemas.microsoft.com/office/drawing/2014/main" id="{A6D8CD57-30D3-4ECA-9F98-ABAC9F681478}"/>
+                </a:ext>
+              </a:extLst>
+            </p:cNvPr>
+            <p:cNvSpPr/>
+            <p:nvPr/>
+          </p:nvSpPr>
+          <p:spPr>
+            <a:xfrm>
+              <a:off x="565373" y="1608434"/>
+              <a:ext cx="114296" cy="136244"/>
+            </a:xfrm>
+            <a:prstGeom prst="cube">
+              <a:avLst/>
+            </a:prstGeom>
+            <a:solidFill>
+              <a:srgbClr val="FFC000"/>
+            </a:solidFill>
+            <a:ln w="6350"/>
+          </p:spPr>
+          <p:style>
+            <a:lnRef idx="2">
+              <a:schemeClr val="dk1"/>
+            </a:lnRef>
+            <a:fillRef idx="1">
+              <a:schemeClr val="lt1"/>
+            </a:fillRef>
+            <a:effectRef idx="0">
+              <a:schemeClr val="dk1"/>
+            </a:effectRef>
+            <a:fontRef idx="minor">
+              <a:schemeClr val="dk1"/>
+            </a:fontRef>
+          </p:style>
+          <p:txBody>
+            <a:bodyPr rtlCol="0" anchor="ctr"/>
+            <a:lstStyle/>
+            <a:p>
+              <a:pPr algn="ctr"/>
+              <a:endParaRPr lang="en-US"/>
+            </a:p>
+          </p:txBody>
+        </p:sp>
+        <p:sp>
+          <p:nvSpPr>
+            <p:cNvPr id="256" name="Cube 255">
+              <a:extLst>
+                <a:ext uri="{FF2B5EF4-FFF2-40B4-BE49-F238E27FC236}">
+                  <a16:creationId xmlns:a16="http://schemas.microsoft.com/office/drawing/2014/main" id="{8CE1A486-8EE5-48FD-8F8E-73ADE2986E18}"/>
+                </a:ext>
+              </a:extLst>
+            </p:cNvPr>
+            <p:cNvSpPr/>
+            <p:nvPr/>
+          </p:nvSpPr>
+          <p:spPr>
+            <a:xfrm>
+              <a:off x="653273" y="1608434"/>
+              <a:ext cx="114296" cy="136244"/>
+            </a:xfrm>
+            <a:prstGeom prst="cube">
+              <a:avLst/>
+            </a:prstGeom>
+            <a:solidFill>
+              <a:srgbClr val="FFFF00"/>
+            </a:solidFill>
+            <a:ln w="6350"/>
+          </p:spPr>
+          <p:style>
+            <a:lnRef idx="2">
+              <a:schemeClr val="dk1"/>
+            </a:lnRef>
+            <a:fillRef idx="1">
+              <a:schemeClr val="lt1"/>
+            </a:fillRef>
+            <a:effectRef idx="0">
+              <a:schemeClr val="dk1"/>
+            </a:effectRef>
+            <a:fontRef idx="minor">
+              <a:schemeClr val="dk1"/>
+            </a:fontRef>
+          </p:style>
+          <p:txBody>
+            <a:bodyPr rtlCol="0" anchor="ctr"/>
+            <a:lstStyle/>
+            <a:p>
+              <a:pPr algn="ctr"/>
+              <a:endParaRPr lang="en-US"/>
+            </a:p>
+          </p:txBody>
+        </p:sp>
+        <p:sp>
+          <p:nvSpPr>
+            <p:cNvPr id="257" name="Cube 256">
+              <a:extLst>
+                <a:ext uri="{FF2B5EF4-FFF2-40B4-BE49-F238E27FC236}">
+                  <a16:creationId xmlns:a16="http://schemas.microsoft.com/office/drawing/2014/main" id="{A4402EFE-5736-443A-AB00-D51529E3C7E5}"/>
+                </a:ext>
+              </a:extLst>
+            </p:cNvPr>
+            <p:cNvSpPr/>
+            <p:nvPr/>
+          </p:nvSpPr>
+          <p:spPr>
+            <a:xfrm>
+              <a:off x="737553" y="1608318"/>
+              <a:ext cx="303822" cy="136244"/>
+            </a:xfrm>
+            <a:prstGeom prst="cube">
+              <a:avLst>
+                <a:gd name="adj" fmla="val 19407"/>
+              </a:avLst>
+            </a:prstGeom>
+            <a:ln w="6350"/>
+          </p:spPr>
+          <p:style>
+            <a:lnRef idx="2">
+              <a:schemeClr val="dk1"/>
+            </a:lnRef>
+            <a:fillRef idx="1">
+              <a:schemeClr val="lt1"/>
+            </a:fillRef>
+            <a:effectRef idx="0">
+              <a:schemeClr val="dk1"/>
+            </a:effectRef>
+            <a:fontRef idx="minor">
+              <a:schemeClr val="dk1"/>
+            </a:fontRef>
+          </p:style>
+          <p:txBody>
+            <a:bodyPr rtlCol="0" anchor="ctr"/>
+            <a:lstStyle/>
+            <a:p>
+              <a:pPr algn="ctr"/>
+              <a:r>
+                <a:rPr lang="en-US" sz="500" dirty="0"/>
+                <a:t>. . . </a:t>
+              </a:r>
+            </a:p>
+          </p:txBody>
+        </p:sp>
+        <p:sp>
+          <p:nvSpPr>
+            <p:cNvPr id="258" name="Cube 257">
+              <a:extLst>
+                <a:ext uri="{FF2B5EF4-FFF2-40B4-BE49-F238E27FC236}">
+                  <a16:creationId xmlns:a16="http://schemas.microsoft.com/office/drawing/2014/main" id="{2D745358-3478-4DD4-AEA8-DED2288E45A6}"/>
+                </a:ext>
+              </a:extLst>
+            </p:cNvPr>
+            <p:cNvSpPr/>
+            <p:nvPr/>
+          </p:nvSpPr>
+          <p:spPr>
+            <a:xfrm>
+              <a:off x="1013460" y="1608318"/>
+              <a:ext cx="114296" cy="136244"/>
+            </a:xfrm>
+            <a:prstGeom prst="cube">
+              <a:avLst/>
+            </a:prstGeom>
+            <a:ln w="6350"/>
+          </p:spPr>
+          <p:style>
+            <a:lnRef idx="2">
+              <a:schemeClr val="dk1"/>
+            </a:lnRef>
+            <a:fillRef idx="1">
+              <a:schemeClr val="lt1"/>
+            </a:fillRef>
+            <a:effectRef idx="0">
+              <a:schemeClr val="dk1"/>
+            </a:effectRef>
+            <a:fontRef idx="minor">
+              <a:schemeClr val="dk1"/>
+            </a:fontRef>
+          </p:style>
+          <p:txBody>
+            <a:bodyPr rtlCol="0" anchor="ctr"/>
+            <a:lstStyle/>
+            <a:p>
+              <a:pPr algn="ctr"/>
+              <a:endParaRPr lang="en-US"/>
+            </a:p>
+          </p:txBody>
+        </p:sp>
+        <p:sp>
+          <p:nvSpPr>
+            <p:cNvPr id="259" name="Cube 258">
+              <a:extLst>
+                <a:ext uri="{FF2B5EF4-FFF2-40B4-BE49-F238E27FC236}">
+                  <a16:creationId xmlns:a16="http://schemas.microsoft.com/office/drawing/2014/main" id="{E564E47B-FCB2-4010-83EE-028D2B3505EB}"/>
+                </a:ext>
+              </a:extLst>
+            </p:cNvPr>
+            <p:cNvSpPr/>
+            <p:nvPr/>
+          </p:nvSpPr>
+          <p:spPr>
+            <a:xfrm>
+              <a:off x="1096420" y="1608318"/>
+              <a:ext cx="114296" cy="136244"/>
+            </a:xfrm>
+            <a:prstGeom prst="cube">
+              <a:avLst/>
+            </a:prstGeom>
+            <a:solidFill>
+              <a:srgbClr val="0B45FD"/>
+            </a:solidFill>
+            <a:ln w="6350"/>
+          </p:spPr>
+          <p:style>
+            <a:lnRef idx="2">
+              <a:schemeClr val="dk1"/>
+            </a:lnRef>
+            <a:fillRef idx="1">
+              <a:schemeClr val="lt1"/>
+            </a:fillRef>
+            <a:effectRef idx="0">
+              <a:schemeClr val="dk1"/>
+            </a:effectRef>
+            <a:fontRef idx="minor">
+              <a:schemeClr val="dk1"/>
+            </a:fontRef>
+          </p:style>
+          <p:txBody>
+            <a:bodyPr rtlCol="0" anchor="ctr"/>
+            <a:lstStyle/>
+            <a:p>
+              <a:pPr algn="ctr"/>
+              <a:endParaRPr lang="en-US"/>
+            </a:p>
+          </p:txBody>
+        </p:sp>
+        <p:sp>
+          <p:nvSpPr>
+            <p:cNvPr id="260" name="Cube 259">
+              <a:extLst>
+                <a:ext uri="{FF2B5EF4-FFF2-40B4-BE49-F238E27FC236}">
+                  <a16:creationId xmlns:a16="http://schemas.microsoft.com/office/drawing/2014/main" id="{2B9048E5-917F-4B4F-B237-3F90E64D9499}"/>
+                </a:ext>
+              </a:extLst>
+            </p:cNvPr>
+            <p:cNvSpPr/>
+            <p:nvPr/>
+          </p:nvSpPr>
+          <p:spPr>
+            <a:xfrm>
+              <a:off x="1182432" y="1608572"/>
+              <a:ext cx="114296" cy="136244"/>
+            </a:xfrm>
+            <a:prstGeom prst="cube">
+              <a:avLst/>
+            </a:prstGeom>
+            <a:ln w="6350"/>
+          </p:spPr>
+          <p:style>
+            <a:lnRef idx="2">
+              <a:schemeClr val="dk1"/>
+            </a:lnRef>
+            <a:fillRef idx="1">
+              <a:schemeClr val="lt1"/>
+            </a:fillRef>
+            <a:effectRef idx="0">
+              <a:schemeClr val="dk1"/>
+            </a:effectRef>
+            <a:fontRef idx="minor">
+              <a:schemeClr val="dk1"/>
+            </a:fontRef>
+          </p:style>
+          <p:txBody>
+            <a:bodyPr rtlCol="0" anchor="ctr"/>
+            <a:lstStyle/>
+            <a:p>
+              <a:pPr algn="ctr"/>
+              <a:endParaRPr lang="en-US"/>
+            </a:p>
+          </p:txBody>
+        </p:sp>
+        <p:sp>
+          <p:nvSpPr>
+            <p:cNvPr id="261" name="Cube 260">
+              <a:extLst>
+                <a:ext uri="{FF2B5EF4-FFF2-40B4-BE49-F238E27FC236}">
+                  <a16:creationId xmlns:a16="http://schemas.microsoft.com/office/drawing/2014/main" id="{06367CC5-3302-4F67-A0C4-19FFCD009446}"/>
+                </a:ext>
+              </a:extLst>
+            </p:cNvPr>
+            <p:cNvSpPr/>
+            <p:nvPr/>
+          </p:nvSpPr>
+          <p:spPr>
+            <a:xfrm>
+              <a:off x="1266539" y="1608566"/>
+              <a:ext cx="114296" cy="136244"/>
+            </a:xfrm>
+            <a:prstGeom prst="cube">
+              <a:avLst/>
+            </a:prstGeom>
+            <a:solidFill>
+              <a:schemeClr val="bg1">
+                <a:lumMod val="85000"/>
+              </a:schemeClr>
+            </a:solidFill>
+            <a:ln w="6350"/>
+          </p:spPr>
+          <p:style>
+            <a:lnRef idx="2">
+              <a:schemeClr val="dk1"/>
+            </a:lnRef>
+            <a:fillRef idx="1">
+              <a:schemeClr val="lt1"/>
+            </a:fillRef>
+            <a:effectRef idx="0">
+              <a:schemeClr val="dk1"/>
+            </a:effectRef>
+            <a:fontRef idx="minor">
+              <a:schemeClr val="dk1"/>
+            </a:fontRef>
+          </p:style>
+          <p:txBody>
+            <a:bodyPr rtlCol="0" anchor="ctr"/>
+            <a:lstStyle/>
+            <a:p>
+              <a:pPr algn="ctr"/>
+              <a:endParaRPr lang="en-US"/>
+            </a:p>
+          </p:txBody>
+        </p:sp>
+      </p:grpSp>
+      <p:grpSp>
+        <p:nvGrpSpPr>
+          <p:cNvPr id="19" name="Group 18">
+            <a:extLst>
+              <a:ext uri="{FF2B5EF4-FFF2-40B4-BE49-F238E27FC236}">
+                <a16:creationId xmlns:a16="http://schemas.microsoft.com/office/drawing/2014/main" id="{56036E0E-9899-4421-83DC-459B7117911F}"/>
+              </a:ext>
+            </a:extLst>
+          </p:cNvPr>
+          <p:cNvGrpSpPr/>
+          <p:nvPr/>
+        </p:nvGrpSpPr>
+        <p:grpSpPr>
+          <a:xfrm>
+            <a:off x="2287803" y="1268495"/>
+            <a:ext cx="115619" cy="821691"/>
+            <a:chOff x="6140262" y="824112"/>
+            <a:chExt cx="115619" cy="821691"/>
+          </a:xfrm>
+        </p:grpSpPr>
+        <p:sp>
+          <p:nvSpPr>
+            <p:cNvPr id="297" name="Cube 296">
+              <a:extLst>
+                <a:ext uri="{FF2B5EF4-FFF2-40B4-BE49-F238E27FC236}">
+                  <a16:creationId xmlns:a16="http://schemas.microsoft.com/office/drawing/2014/main" id="{BC7567CF-81A1-49DF-B2DD-7DF9D0764EC4}"/>
+                </a:ext>
+              </a:extLst>
+            </p:cNvPr>
+            <p:cNvSpPr/>
+            <p:nvPr/>
+          </p:nvSpPr>
+          <p:spPr>
+            <a:xfrm>
+              <a:off x="6140331" y="1509559"/>
+              <a:ext cx="114296" cy="136244"/>
+            </a:xfrm>
+            <a:prstGeom prst="cube">
+              <a:avLst/>
+            </a:prstGeom>
+            <a:solidFill>
+              <a:schemeClr val="accent3">
+                <a:lumMod val="20000"/>
+                <a:lumOff val="80000"/>
+              </a:schemeClr>
+            </a:solidFill>
+            <a:ln w="6350"/>
+          </p:spPr>
+          <p:style>
+            <a:lnRef idx="2">
+              <a:schemeClr val="dk1"/>
+            </a:lnRef>
+            <a:fillRef idx="1">
+              <a:schemeClr val="lt1"/>
+            </a:fillRef>
+            <a:effectRef idx="0">
+              <a:schemeClr val="dk1"/>
+            </a:effectRef>
+            <a:fontRef idx="minor">
+              <a:schemeClr val="dk1"/>
+            </a:fontRef>
+          </p:style>
+          <p:txBody>
+            <a:bodyPr rtlCol="0" anchor="ctr"/>
+            <a:lstStyle/>
+            <a:p>
+              <a:pPr algn="ctr"/>
+              <a:endParaRPr lang="en-US"/>
+            </a:p>
+          </p:txBody>
+        </p:sp>
+        <p:sp>
+          <p:nvSpPr>
+            <p:cNvPr id="288" name="Cube 287">
+              <a:extLst>
+                <a:ext uri="{FF2B5EF4-FFF2-40B4-BE49-F238E27FC236}">
+                  <a16:creationId xmlns:a16="http://schemas.microsoft.com/office/drawing/2014/main" id="{98D5B7FA-EF60-4ABD-918C-0B449F3E5C97}"/>
+                </a:ext>
+              </a:extLst>
+            </p:cNvPr>
+            <p:cNvSpPr/>
+            <p:nvPr/>
+          </p:nvSpPr>
+          <p:spPr>
+            <a:xfrm>
+              <a:off x="6140331" y="1409672"/>
+              <a:ext cx="114296" cy="136244"/>
+            </a:xfrm>
+            <a:prstGeom prst="cube">
+              <a:avLst/>
+            </a:prstGeom>
+            <a:solidFill>
+              <a:srgbClr val="FF0000"/>
+            </a:solidFill>
+            <a:ln w="6350"/>
+          </p:spPr>
+          <p:style>
+            <a:lnRef idx="2">
+              <a:schemeClr val="dk1"/>
+            </a:lnRef>
+            <a:fillRef idx="1">
+              <a:schemeClr val="lt1"/>
+            </a:fillRef>
+            <a:effectRef idx="0">
+              <a:schemeClr val="dk1"/>
+            </a:effectRef>
+            <a:fontRef idx="minor">
+              <a:schemeClr val="dk1"/>
+            </a:fontRef>
+          </p:style>
+          <p:txBody>
+            <a:bodyPr rtlCol="0" anchor="ctr"/>
+            <a:lstStyle/>
+            <a:p>
+              <a:pPr algn="ctr"/>
+              <a:endParaRPr lang="en-US"/>
+            </a:p>
+          </p:txBody>
+        </p:sp>
+        <p:sp>
+          <p:nvSpPr>
+            <p:cNvPr id="279" name="Cube 278">
+              <a:extLst>
+                <a:ext uri="{FF2B5EF4-FFF2-40B4-BE49-F238E27FC236}">
+                  <a16:creationId xmlns:a16="http://schemas.microsoft.com/office/drawing/2014/main" id="{FB833339-AB1A-46AD-9558-66B2493C30FF}"/>
+                </a:ext>
+              </a:extLst>
+            </p:cNvPr>
+            <p:cNvSpPr/>
+            <p:nvPr/>
+          </p:nvSpPr>
+          <p:spPr>
+            <a:xfrm>
+              <a:off x="6140331" y="1310848"/>
+              <a:ext cx="114296" cy="136244"/>
+            </a:xfrm>
+            <a:prstGeom prst="cube">
+              <a:avLst/>
+            </a:prstGeom>
+            <a:solidFill>
+              <a:srgbClr val="FFFF00"/>
+            </a:solidFill>
+            <a:ln w="6350"/>
+          </p:spPr>
+          <p:style>
+            <a:lnRef idx="2">
+              <a:schemeClr val="dk1"/>
+            </a:lnRef>
+            <a:fillRef idx="1">
+              <a:schemeClr val="lt1"/>
+            </a:fillRef>
+            <a:effectRef idx="0">
+              <a:schemeClr val="dk1"/>
+            </a:effectRef>
+            <a:fontRef idx="minor">
+              <a:schemeClr val="dk1"/>
+            </a:fontRef>
+          </p:style>
+          <p:txBody>
+            <a:bodyPr rtlCol="0" anchor="ctr"/>
+            <a:lstStyle/>
+            <a:p>
+              <a:pPr algn="ctr"/>
+              <a:endParaRPr lang="en-US"/>
+            </a:p>
+          </p:txBody>
+        </p:sp>
+        <p:sp>
+          <p:nvSpPr>
+            <p:cNvPr id="305" name="Cube 304">
+              <a:extLst>
+                <a:ext uri="{FF2B5EF4-FFF2-40B4-BE49-F238E27FC236}">
+                  <a16:creationId xmlns:a16="http://schemas.microsoft.com/office/drawing/2014/main" id="{5D6F3F06-88FB-431F-88C9-9977373BC80F}"/>
+                </a:ext>
+              </a:extLst>
+            </p:cNvPr>
+            <p:cNvSpPr/>
+            <p:nvPr/>
+          </p:nvSpPr>
+          <p:spPr>
+            <a:xfrm>
+              <a:off x="6140262" y="1130685"/>
+              <a:ext cx="114296" cy="210170"/>
+            </a:xfrm>
+            <a:prstGeom prst="cube">
+              <a:avLst/>
+            </a:prstGeom>
+            <a:ln w="6350"/>
+          </p:spPr>
+          <p:style>
+            <a:lnRef idx="2">
+              <a:schemeClr val="dk1"/>
+            </a:lnRef>
+            <a:fillRef idx="1">
+              <a:schemeClr val="lt1"/>
+            </a:fillRef>
+            <a:effectRef idx="0">
+              <a:schemeClr val="dk1"/>
+            </a:effectRef>
+            <a:fontRef idx="minor">
+              <a:schemeClr val="dk1"/>
+            </a:fontRef>
+          </p:style>
+          <p:txBody>
+            <a:bodyPr vert="eaVert" lIns="0" tIns="0" rIns="0" bIns="0" rtlCol="0" anchor="ctr"/>
+            <a:lstStyle/>
+            <a:p>
+              <a:pPr algn="ctr"/>
+              <a:r>
+                <a:rPr lang="en-US" sz="500" dirty="0"/>
+                <a:t>…</a:t>
+              </a:r>
+            </a:p>
+          </p:txBody>
+        </p:sp>
+        <p:sp>
+          <p:nvSpPr>
+            <p:cNvPr id="296" name="Cube 295">
+              <a:extLst>
+                <a:ext uri="{FF2B5EF4-FFF2-40B4-BE49-F238E27FC236}">
+                  <a16:creationId xmlns:a16="http://schemas.microsoft.com/office/drawing/2014/main" id="{63DAC562-7749-490B-BB76-CCC515C7D05E}"/>
+                </a:ext>
+              </a:extLst>
+            </p:cNvPr>
+            <p:cNvSpPr/>
+            <p:nvPr/>
+          </p:nvSpPr>
+          <p:spPr>
+            <a:xfrm>
+              <a:off x="6141585" y="1022823"/>
+              <a:ext cx="114296" cy="136244"/>
+            </a:xfrm>
+            <a:prstGeom prst="cube">
+              <a:avLst/>
+            </a:prstGeom>
+            <a:ln w="6350"/>
+          </p:spPr>
+          <p:style>
+            <a:lnRef idx="2">
+              <a:schemeClr val="dk1"/>
+            </a:lnRef>
+            <a:fillRef idx="1">
+              <a:schemeClr val="lt1"/>
+            </a:fillRef>
+            <a:effectRef idx="0">
+              <a:schemeClr val="dk1"/>
+            </a:effectRef>
+            <a:fontRef idx="minor">
+              <a:schemeClr val="dk1"/>
+            </a:fontRef>
+          </p:style>
+          <p:txBody>
+            <a:bodyPr rtlCol="0" anchor="ctr"/>
+            <a:lstStyle/>
+            <a:p>
+              <a:pPr algn="ctr"/>
+              <a:endParaRPr lang="en-US"/>
+            </a:p>
+          </p:txBody>
+        </p:sp>
+        <p:sp>
+          <p:nvSpPr>
+            <p:cNvPr id="287" name="Cube 286">
+              <a:extLst>
+                <a:ext uri="{FF2B5EF4-FFF2-40B4-BE49-F238E27FC236}">
+                  <a16:creationId xmlns:a16="http://schemas.microsoft.com/office/drawing/2014/main" id="{C77D5DC1-4ED6-45AE-B2D3-FE84D99A5AC2}"/>
+                </a:ext>
+              </a:extLst>
+            </p:cNvPr>
+            <p:cNvSpPr/>
+            <p:nvPr/>
+          </p:nvSpPr>
+          <p:spPr>
+            <a:xfrm>
+              <a:off x="6141585" y="922936"/>
+              <a:ext cx="114296" cy="136244"/>
+            </a:xfrm>
+            <a:prstGeom prst="cube">
+              <a:avLst/>
+            </a:prstGeom>
+            <a:solidFill>
+              <a:schemeClr val="accent1"/>
+            </a:solidFill>
+            <a:ln w="6350"/>
+          </p:spPr>
+          <p:style>
+            <a:lnRef idx="2">
+              <a:schemeClr val="dk1"/>
+            </a:lnRef>
+            <a:fillRef idx="1">
+              <a:schemeClr val="lt1"/>
+            </a:fillRef>
+            <a:effectRef idx="0">
+              <a:schemeClr val="dk1"/>
+            </a:effectRef>
+            <a:fontRef idx="minor">
+              <a:schemeClr val="dk1"/>
+            </a:fontRef>
+          </p:style>
+          <p:txBody>
+            <a:bodyPr rtlCol="0" anchor="ctr"/>
+            <a:lstStyle/>
+            <a:p>
+              <a:pPr algn="ctr"/>
+              <a:endParaRPr lang="en-US"/>
+            </a:p>
+          </p:txBody>
+        </p:sp>
+        <p:sp>
+          <p:nvSpPr>
+            <p:cNvPr id="278" name="Cube 277">
+              <a:extLst>
+                <a:ext uri="{FF2B5EF4-FFF2-40B4-BE49-F238E27FC236}">
+                  <a16:creationId xmlns:a16="http://schemas.microsoft.com/office/drawing/2014/main" id="{83C264F8-357A-4896-98A3-8C8CC8878954}"/>
+                </a:ext>
+              </a:extLst>
+            </p:cNvPr>
+            <p:cNvSpPr/>
+            <p:nvPr/>
+          </p:nvSpPr>
+          <p:spPr>
+            <a:xfrm>
+              <a:off x="6141585" y="824112"/>
+              <a:ext cx="114296" cy="136244"/>
+            </a:xfrm>
+            <a:prstGeom prst="cube">
+              <a:avLst/>
+            </a:prstGeom>
+            <a:solidFill>
+              <a:srgbClr val="FFC000"/>
+            </a:solidFill>
+            <a:ln w="6350"/>
+          </p:spPr>
+          <p:style>
+            <a:lnRef idx="2">
+              <a:schemeClr val="dk1"/>
+            </a:lnRef>
+            <a:fillRef idx="1">
+              <a:schemeClr val="lt1"/>
+            </a:fillRef>
+            <a:effectRef idx="0">
+              <a:schemeClr val="dk1"/>
+            </a:effectRef>
+            <a:fontRef idx="minor">
+              <a:schemeClr val="dk1"/>
+            </a:fontRef>
+          </p:style>
+          <p:txBody>
+            <a:bodyPr rtlCol="0" anchor="ctr"/>
+            <a:lstStyle/>
+            <a:p>
+              <a:pPr algn="ctr"/>
+              <a:endParaRPr lang="en-US"/>
+            </a:p>
+          </p:txBody>
+        </p:sp>
+      </p:grpSp>
+      <p:cxnSp>
+        <p:nvCxnSpPr>
+          <p:cNvPr id="306" name="Straight Arrow Connector 305">
+            <a:extLst>
+              <a:ext uri="{FF2B5EF4-FFF2-40B4-BE49-F238E27FC236}">
+                <a16:creationId xmlns:a16="http://schemas.microsoft.com/office/drawing/2014/main" id="{1ACF31F7-AC58-4D38-A4AE-5A59C306A00B}"/>
+              </a:ext>
+            </a:extLst>
+          </p:cNvPr>
+          <p:cNvCxnSpPr>
+            <a:cxnSpLocks/>
+            <a:endCxn id="13" idx="2"/>
+          </p:cNvCxnSpPr>
+          <p:nvPr/>
+        </p:nvCxnSpPr>
+        <p:spPr>
+          <a:xfrm>
+            <a:off x="2407125" y="1710965"/>
+            <a:ext cx="741216" cy="11708"/>
+          </a:xfrm>
+          <a:prstGeom prst="straightConnector1">
+            <a:avLst/>
+          </a:prstGeom>
+          <a:ln w="8890">
+            <a:solidFill>
+              <a:schemeClr val="tx1"/>
+            </a:solidFill>
+            <a:tailEnd type="triangle" w="sm" len="med"/>
+          </a:ln>
+        </p:spPr>
+        <p:style>
+          <a:lnRef idx="1">
+            <a:schemeClr val="accent1"/>
+          </a:lnRef>
+          <a:fillRef idx="0">
+            <a:schemeClr val="accent1"/>
+          </a:fillRef>
+          <a:effectRef idx="0">
+            <a:schemeClr val="accent1"/>
+          </a:effectRef>
+          <a:fontRef idx="minor">
+            <a:schemeClr val="tx1"/>
+          </a:fontRef>
+        </p:style>
+      </p:cxnSp>
+      <p:cxnSp>
+        <p:nvCxnSpPr>
+          <p:cNvPr id="307" name="Straight Arrow Connector 306">
+            <a:extLst>
+              <a:ext uri="{FF2B5EF4-FFF2-40B4-BE49-F238E27FC236}">
+                <a16:creationId xmlns:a16="http://schemas.microsoft.com/office/drawing/2014/main" id="{A04FA32E-E4A2-4E70-8A83-92E60AD7CA20}"/>
+              </a:ext>
+            </a:extLst>
+          </p:cNvPr>
+          <p:cNvCxnSpPr>
+            <a:cxnSpLocks/>
+            <a:stCxn id="257" idx="0"/>
+            <a:endCxn id="13" idx="4"/>
+          </p:cNvCxnSpPr>
+          <p:nvPr/>
+        </p:nvCxnSpPr>
+        <p:spPr>
+          <a:xfrm flipV="1">
+            <a:off x="3252829" y="1831170"/>
+            <a:ext cx="4009" cy="400034"/>
+          </a:xfrm>
+          <a:prstGeom prst="straightConnector1">
+            <a:avLst/>
+          </a:prstGeom>
+          <a:ln w="8890">
+            <a:solidFill>
+              <a:schemeClr val="tx1"/>
+            </a:solidFill>
+            <a:tailEnd type="triangle" w="sm" len="med"/>
+          </a:ln>
+        </p:spPr>
+        <p:style>
+          <a:lnRef idx="1">
+            <a:schemeClr val="accent1"/>
+          </a:lnRef>
+          <a:fillRef idx="0">
+            <a:schemeClr val="accent1"/>
+          </a:fillRef>
+          <a:effectRef idx="0">
+            <a:schemeClr val="accent1"/>
+          </a:effectRef>
+          <a:fontRef idx="minor">
+            <a:schemeClr val="tx1"/>
+          </a:fontRef>
+        </p:style>
+      </p:cxnSp>
+      <p:sp>
+        <p:nvSpPr>
+          <p:cNvPr id="311" name="Rectangle 310">
+            <a:extLst>
+              <a:ext uri="{FF2B5EF4-FFF2-40B4-BE49-F238E27FC236}">
+                <a16:creationId xmlns:a16="http://schemas.microsoft.com/office/drawing/2014/main" id="{FC54202B-79DF-4889-BA67-817386DD76D3}"/>
+              </a:ext>
+            </a:extLst>
+          </p:cNvPr>
+          <p:cNvSpPr/>
+          <p:nvPr/>
+        </p:nvSpPr>
+        <p:spPr>
+          <a:xfrm>
+            <a:off x="4588181" y="1309597"/>
+            <a:ext cx="795556" cy="781354"/>
+          </a:xfrm>
+          <a:prstGeom prst="rect">
+            <a:avLst/>
+          </a:prstGeom>
+          <a:pattFill prst="dashUpDiag">
+            <a:fgClr>
+              <a:schemeClr val="accent5"/>
+            </a:fgClr>
+            <a:bgClr>
+              <a:schemeClr val="bg1"/>
+            </a:bgClr>
+          </a:pattFill>
+          <a:ln w="6350">
+            <a:solidFill>
+              <a:schemeClr val="tx1"/>
+            </a:solidFill>
+          </a:ln>
+        </p:spPr>
+        <p:style>
+          <a:lnRef idx="2">
+            <a:schemeClr val="accent1">
+              <a:shade val="50000"/>
+            </a:schemeClr>
+          </a:lnRef>
+          <a:fillRef idx="1">
+            <a:schemeClr val="accent1"/>
+          </a:fillRef>
+          <a:effectRef idx="0">
+            <a:schemeClr val="accent1"/>
+          </a:effectRef>
+          <a:fontRef idx="minor">
+            <a:schemeClr val="lt1"/>
+          </a:fontRef>
+        </p:style>
+        <p:txBody>
+          <a:bodyPr rtlCol="0" anchor="ctr"/>
+          <a:lstStyle/>
+          <a:p>
+            <a:pPr algn="ctr"/>
+            <a:endParaRPr lang="en-US"/>
+          </a:p>
+        </p:txBody>
+      </p:sp>
+      <p:sp>
+        <p:nvSpPr>
+          <p:cNvPr id="312" name="TextBox 311">
+            <a:extLst>
+              <a:ext uri="{FF2B5EF4-FFF2-40B4-BE49-F238E27FC236}">
+                <a16:creationId xmlns:a16="http://schemas.microsoft.com/office/drawing/2014/main" id="{48F2DAF7-9FEC-46D6-ABC0-5CBD30E583AE}"/>
+              </a:ext>
+            </a:extLst>
+          </p:cNvPr>
+          <p:cNvSpPr txBox="1"/>
+          <p:nvPr/>
+        </p:nvSpPr>
+        <p:spPr>
+          <a:xfrm>
+            <a:off x="5023901" y="1361550"/>
+            <a:ext cx="264816" cy="246221"/>
+          </a:xfrm>
+          <a:prstGeom prst="rect">
+            <a:avLst/>
+          </a:prstGeom>
+          <a:noFill/>
+        </p:spPr>
+        <p:txBody>
+          <a:bodyPr wrap="none" rtlCol="0">
+            <a:spAutoFit/>
+          </a:bodyPr>
+          <a:lstStyle/>
+          <a:p>
+            <a:r>
+              <a:rPr lang="en-US" sz="1000" b="1" i="1" dirty="0"/>
+              <a:t>H</a:t>
+            </a:r>
+          </a:p>
+        </p:txBody>
+      </p:sp>
+      <p:sp>
+        <p:nvSpPr>
+          <p:cNvPr id="313" name="TextBox 312">
+            <a:extLst>
+              <a:ext uri="{FF2B5EF4-FFF2-40B4-BE49-F238E27FC236}">
+                <a16:creationId xmlns:a16="http://schemas.microsoft.com/office/drawing/2014/main" id="{BB194818-10FF-49F5-AEA0-CB63A213BB04}"/>
+              </a:ext>
+            </a:extLst>
+          </p:cNvPr>
+          <p:cNvSpPr txBox="1"/>
+          <p:nvPr/>
+        </p:nvSpPr>
+        <p:spPr>
+          <a:xfrm>
+            <a:off x="5084532" y="1607787"/>
+            <a:ext cx="309700" cy="246221"/>
+          </a:xfrm>
+          <a:prstGeom prst="rect">
+            <a:avLst/>
+          </a:prstGeom>
+          <a:noFill/>
+        </p:spPr>
+        <p:txBody>
+          <a:bodyPr wrap="none" rtlCol="0">
+            <a:spAutoFit/>
+          </a:bodyPr>
+          <a:lstStyle/>
+          <a:p>
+            <a:r>
+              <a:rPr lang="en-US" sz="1000" b="1" i="1" dirty="0"/>
+              <a:t>F1</a:t>
+            </a:r>
+          </a:p>
+        </p:txBody>
+      </p:sp>
+      <p:sp>
+        <p:nvSpPr>
+          <p:cNvPr id="314" name="TextBox 313">
+            <a:extLst>
+              <a:ext uri="{FF2B5EF4-FFF2-40B4-BE49-F238E27FC236}">
+                <a16:creationId xmlns:a16="http://schemas.microsoft.com/office/drawing/2014/main" id="{5B9AB7A9-09DB-48CA-911D-3FEB42F11D1B}"/>
+              </a:ext>
+            </a:extLst>
+          </p:cNvPr>
+          <p:cNvSpPr txBox="1"/>
+          <p:nvPr/>
+        </p:nvSpPr>
+        <p:spPr>
+          <a:xfrm>
+            <a:off x="4893538" y="1799863"/>
+            <a:ext cx="309700" cy="246221"/>
+          </a:xfrm>
+          <a:prstGeom prst="rect">
+            <a:avLst/>
+          </a:prstGeom>
+          <a:noFill/>
+        </p:spPr>
+        <p:txBody>
+          <a:bodyPr wrap="none" rtlCol="0">
+            <a:spAutoFit/>
+          </a:bodyPr>
+          <a:lstStyle/>
+          <a:p>
+            <a:r>
+              <a:rPr lang="en-US" sz="1000" b="1" i="1" dirty="0"/>
+              <a:t>F2</a:t>
+            </a:r>
+          </a:p>
+        </p:txBody>
+      </p:sp>
+      <p:grpSp>
+        <p:nvGrpSpPr>
+          <p:cNvPr id="14" name="Group 13">
+            <a:extLst>
+              <a:ext uri="{FF2B5EF4-FFF2-40B4-BE49-F238E27FC236}">
+                <a16:creationId xmlns:a16="http://schemas.microsoft.com/office/drawing/2014/main" id="{EBB33873-6644-4C78-8E72-0D32306C1C8F}"/>
+              </a:ext>
+            </a:extLst>
+          </p:cNvPr>
+          <p:cNvGrpSpPr/>
+          <p:nvPr/>
+        </p:nvGrpSpPr>
+        <p:grpSpPr>
+          <a:xfrm>
+            <a:off x="1240609" y="2752602"/>
+            <a:ext cx="795556" cy="1289708"/>
+            <a:chOff x="1240609" y="2652278"/>
+            <a:chExt cx="795556" cy="1289708"/>
+          </a:xfrm>
+        </p:grpSpPr>
+        <p:sp>
+          <p:nvSpPr>
+            <p:cNvPr id="36" name="Rectangle 35">
+              <a:extLst>
+                <a:ext uri="{FF2B5EF4-FFF2-40B4-BE49-F238E27FC236}">
+                  <a16:creationId xmlns:a16="http://schemas.microsoft.com/office/drawing/2014/main" id="{F96EDC97-EAB9-424A-A031-4D6C3EFED4AD}"/>
+                </a:ext>
+              </a:extLst>
+            </p:cNvPr>
+            <p:cNvSpPr/>
+            <p:nvPr/>
+          </p:nvSpPr>
+          <p:spPr>
+            <a:xfrm>
+              <a:off x="1240609" y="2652278"/>
+              <a:ext cx="795556" cy="1289708"/>
+            </a:xfrm>
+            <a:prstGeom prst="rect">
+              <a:avLst/>
+            </a:prstGeom>
+            <a:noFill/>
+            <a:ln w="6350">
+              <a:solidFill>
+                <a:schemeClr val="tx1"/>
+              </a:solidFill>
+            </a:ln>
+          </p:spPr>
+          <p:style>
+            <a:lnRef idx="2">
+              <a:schemeClr val="accent1">
+                <a:shade val="50000"/>
+              </a:schemeClr>
+            </a:lnRef>
+            <a:fillRef idx="1">
+              <a:schemeClr val="accent1"/>
+            </a:fillRef>
+            <a:effectRef idx="0">
+              <a:schemeClr val="accent1"/>
+            </a:effectRef>
+            <a:fontRef idx="minor">
+              <a:schemeClr val="lt1"/>
+            </a:fontRef>
+          </p:style>
+          <p:txBody>
+            <a:bodyPr rtlCol="0" anchor="ctr"/>
+            <a:lstStyle/>
+            <a:p>
+              <a:pPr algn="ctr"/>
+              <a:endParaRPr lang="en-US"/>
+            </a:p>
+          </p:txBody>
+        </p:sp>
+        <p:sp>
+          <p:nvSpPr>
+            <p:cNvPr id="183" name="TextBox 182">
+              <a:extLst>
+                <a:ext uri="{FF2B5EF4-FFF2-40B4-BE49-F238E27FC236}">
+                  <a16:creationId xmlns:a16="http://schemas.microsoft.com/office/drawing/2014/main" id="{E2AE90D0-0C24-438A-95F0-F300377B9C83}"/>
+                </a:ext>
+              </a:extLst>
+            </p:cNvPr>
+            <p:cNvSpPr txBox="1"/>
+            <p:nvPr/>
+          </p:nvSpPr>
+          <p:spPr>
+            <a:xfrm>
+              <a:off x="1757885" y="2661823"/>
+              <a:ext cx="264816" cy="246221"/>
+            </a:xfrm>
+            <a:prstGeom prst="rect">
+              <a:avLst/>
+            </a:prstGeom>
+            <a:noFill/>
+          </p:spPr>
+          <p:txBody>
+            <a:bodyPr wrap="none" rtlCol="0">
+              <a:spAutoFit/>
+            </a:bodyPr>
+            <a:lstStyle/>
+            <a:p>
+              <a:r>
+                <a:rPr lang="en-US" sz="1000" b="1" i="1" dirty="0"/>
+                <a:t>H</a:t>
+              </a:r>
+            </a:p>
+          </p:txBody>
+        </p:sp>
+        <p:sp>
+          <p:nvSpPr>
+            <p:cNvPr id="186" name="TextBox 185">
+              <a:extLst>
+                <a:ext uri="{FF2B5EF4-FFF2-40B4-BE49-F238E27FC236}">
+                  <a16:creationId xmlns:a16="http://schemas.microsoft.com/office/drawing/2014/main" id="{A5466F38-375E-403E-9283-93111B5AB3E5}"/>
+                </a:ext>
+              </a:extLst>
+            </p:cNvPr>
+            <p:cNvSpPr txBox="1"/>
+            <p:nvPr/>
+          </p:nvSpPr>
+          <p:spPr>
+            <a:xfrm>
+              <a:off x="1622538" y="2908059"/>
+              <a:ext cx="309700" cy="246221"/>
+            </a:xfrm>
+            <a:prstGeom prst="rect">
+              <a:avLst/>
+            </a:prstGeom>
+            <a:noFill/>
+          </p:spPr>
+          <p:txBody>
+            <a:bodyPr wrap="none" rtlCol="0">
+              <a:spAutoFit/>
+            </a:bodyPr>
+            <a:lstStyle/>
+            <a:p>
+              <a:r>
+                <a:rPr lang="en-US" sz="1000" b="1" i="1" dirty="0"/>
+                <a:t>F1</a:t>
+              </a:r>
+            </a:p>
+          </p:txBody>
+        </p:sp>
+        <p:sp>
+          <p:nvSpPr>
+            <p:cNvPr id="189" name="TextBox 188">
+              <a:extLst>
+                <a:ext uri="{FF2B5EF4-FFF2-40B4-BE49-F238E27FC236}">
+                  <a16:creationId xmlns:a16="http://schemas.microsoft.com/office/drawing/2014/main" id="{4F11C0CD-176A-44C3-8278-1C5EFFF9283C}"/>
+                </a:ext>
+              </a:extLst>
+            </p:cNvPr>
+            <p:cNvSpPr txBox="1"/>
+            <p:nvPr/>
+          </p:nvSpPr>
+          <p:spPr>
+            <a:xfrm>
+              <a:off x="1591219" y="3128712"/>
+              <a:ext cx="309700" cy="246221"/>
+            </a:xfrm>
+            <a:prstGeom prst="rect">
+              <a:avLst/>
+            </a:prstGeom>
+            <a:noFill/>
+          </p:spPr>
+          <p:txBody>
+            <a:bodyPr wrap="none" rtlCol="0">
+              <a:spAutoFit/>
+            </a:bodyPr>
+            <a:lstStyle/>
+            <a:p>
+              <a:r>
+                <a:rPr lang="en-US" sz="1000" b="1" i="1" dirty="0"/>
+                <a:t>F2</a:t>
+              </a:r>
+            </a:p>
+          </p:txBody>
+        </p:sp>
+        <p:sp>
+          <p:nvSpPr>
+            <p:cNvPr id="192" name="TextBox 191">
+              <a:extLst>
+                <a:ext uri="{FF2B5EF4-FFF2-40B4-BE49-F238E27FC236}">
+                  <a16:creationId xmlns:a16="http://schemas.microsoft.com/office/drawing/2014/main" id="{09FC32D4-13C8-4AE9-B0A3-83484B267A35}"/>
+                </a:ext>
+              </a:extLst>
+            </p:cNvPr>
+            <p:cNvSpPr txBox="1"/>
+            <p:nvPr/>
+          </p:nvSpPr>
+          <p:spPr>
+            <a:xfrm>
+              <a:off x="1714718" y="3345710"/>
+              <a:ext cx="309700" cy="246221"/>
+            </a:xfrm>
+            <a:prstGeom prst="rect">
+              <a:avLst/>
+            </a:prstGeom>
+            <a:noFill/>
+          </p:spPr>
+          <p:txBody>
+            <a:bodyPr wrap="none" rtlCol="0">
+              <a:spAutoFit/>
+            </a:bodyPr>
+            <a:lstStyle/>
+            <a:p>
+              <a:r>
+                <a:rPr lang="en-US" sz="1000" b="1" i="1" dirty="0"/>
+                <a:t>F3</a:t>
+              </a:r>
+            </a:p>
+          </p:txBody>
+        </p:sp>
+        <p:sp>
+          <p:nvSpPr>
+            <p:cNvPr id="195" name="TextBox 194">
+              <a:extLst>
+                <a:ext uri="{FF2B5EF4-FFF2-40B4-BE49-F238E27FC236}">
+                  <a16:creationId xmlns:a16="http://schemas.microsoft.com/office/drawing/2014/main" id="{2200003F-3006-4307-AA89-F33AFC9C54F1}"/>
+                </a:ext>
+              </a:extLst>
+            </p:cNvPr>
+            <p:cNvSpPr txBox="1"/>
+            <p:nvPr/>
+          </p:nvSpPr>
+          <p:spPr>
+            <a:xfrm>
+              <a:off x="1622538" y="3633964"/>
+              <a:ext cx="248786" cy="246221"/>
+            </a:xfrm>
+            <a:prstGeom prst="rect">
+              <a:avLst/>
+            </a:prstGeom>
+            <a:noFill/>
+          </p:spPr>
+          <p:txBody>
+            <a:bodyPr wrap="none" rtlCol="0">
+              <a:spAutoFit/>
+            </a:bodyPr>
+            <a:lstStyle/>
+            <a:p>
+              <a:r>
+                <a:rPr lang="en-US" sz="1000" b="1" i="1" dirty="0"/>
+                <a:t>T</a:t>
+              </a:r>
+            </a:p>
+          </p:txBody>
+        </p:sp>
+        <p:sp>
+          <p:nvSpPr>
+            <p:cNvPr id="30" name="Flowchart: Connector 29">
+              <a:extLst>
+                <a:ext uri="{FF2B5EF4-FFF2-40B4-BE49-F238E27FC236}">
+                  <a16:creationId xmlns:a16="http://schemas.microsoft.com/office/drawing/2014/main" id="{A3986CB1-1023-499A-A946-3A69CBE31C8F}"/>
+                </a:ext>
+              </a:extLst>
+            </p:cNvPr>
+            <p:cNvSpPr/>
+            <p:nvPr/>
+          </p:nvSpPr>
+          <p:spPr>
+            <a:xfrm>
+              <a:off x="1566953" y="3674573"/>
+              <a:ext cx="116994" cy="116994"/>
+            </a:xfrm>
+            <a:prstGeom prst="flowChartConnector">
+              <a:avLst/>
+            </a:prstGeom>
+          </p:spPr>
+          <p:style>
+            <a:lnRef idx="2">
+              <a:schemeClr val="accent1">
+                <a:shade val="50000"/>
+              </a:schemeClr>
+            </a:lnRef>
+            <a:fillRef idx="1">
+              <a:schemeClr val="accent1"/>
+            </a:fillRef>
+            <a:effectRef idx="0">
+              <a:schemeClr val="accent1"/>
+            </a:effectRef>
+            <a:fontRef idx="minor">
+              <a:schemeClr val="lt1"/>
+            </a:fontRef>
+          </p:style>
+          <p:txBody>
+            <a:bodyPr rtlCol="0" anchor="ctr"/>
+            <a:lstStyle/>
+            <a:p>
+              <a:pPr algn="ctr"/>
+              <a:endParaRPr lang="en-US"/>
+            </a:p>
+          </p:txBody>
+        </p:sp>
+        <p:sp>
+          <p:nvSpPr>
+            <p:cNvPr id="31" name="Flowchart: Connector 30">
+              <a:extLst>
+                <a:ext uri="{FF2B5EF4-FFF2-40B4-BE49-F238E27FC236}">
+                  <a16:creationId xmlns:a16="http://schemas.microsoft.com/office/drawing/2014/main" id="{8D5C25D5-6062-4C1C-99EC-DD05D41B38E0}"/>
+                </a:ext>
+              </a:extLst>
+            </p:cNvPr>
+            <p:cNvSpPr/>
+            <p:nvPr/>
+          </p:nvSpPr>
+          <p:spPr>
+            <a:xfrm>
+              <a:off x="1659938" y="3407936"/>
+              <a:ext cx="116994" cy="116994"/>
+            </a:xfrm>
+            <a:prstGeom prst="flowChartConnector">
+              <a:avLst/>
+            </a:prstGeom>
+            <a:solidFill>
+              <a:srgbClr val="7030A0"/>
+            </a:solidFill>
+          </p:spPr>
+          <p:style>
+            <a:lnRef idx="2">
+              <a:schemeClr val="accent1">
+                <a:shade val="50000"/>
+              </a:schemeClr>
+            </a:lnRef>
+            <a:fillRef idx="1">
+              <a:schemeClr val="accent1"/>
+            </a:fillRef>
+            <a:effectRef idx="0">
+              <a:schemeClr val="accent1"/>
+            </a:effectRef>
+            <a:fontRef idx="minor">
+              <a:schemeClr val="lt1"/>
+            </a:fontRef>
+          </p:style>
+          <p:txBody>
+            <a:bodyPr rtlCol="0" anchor="ctr"/>
+            <a:lstStyle/>
+            <a:p>
+              <a:pPr algn="ctr"/>
+              <a:endParaRPr lang="en-US"/>
+            </a:p>
+          </p:txBody>
+        </p:sp>
+        <p:sp>
+          <p:nvSpPr>
+            <p:cNvPr id="210" name="Flowchart: Connector 209">
+              <a:extLst>
+                <a:ext uri="{FF2B5EF4-FFF2-40B4-BE49-F238E27FC236}">
+                  <a16:creationId xmlns:a16="http://schemas.microsoft.com/office/drawing/2014/main" id="{16639B9B-A8F8-4D70-A195-BE5792573A2A}"/>
+                </a:ext>
+              </a:extLst>
+            </p:cNvPr>
+            <p:cNvSpPr/>
+            <p:nvPr/>
+          </p:nvSpPr>
+          <p:spPr>
+            <a:xfrm>
+              <a:off x="1528091" y="3203159"/>
+              <a:ext cx="116994" cy="116994"/>
+            </a:xfrm>
+            <a:prstGeom prst="flowChartConnector">
+              <a:avLst/>
+            </a:prstGeom>
+            <a:solidFill>
+              <a:srgbClr val="92D050"/>
+            </a:solidFill>
+          </p:spPr>
+          <p:style>
+            <a:lnRef idx="2">
+              <a:schemeClr val="accent1">
+                <a:shade val="50000"/>
+              </a:schemeClr>
+            </a:lnRef>
+            <a:fillRef idx="1">
+              <a:schemeClr val="accent1"/>
+            </a:fillRef>
+            <a:effectRef idx="0">
+              <a:schemeClr val="accent1"/>
+            </a:effectRef>
+            <a:fontRef idx="minor">
+              <a:schemeClr val="lt1"/>
+            </a:fontRef>
+          </p:style>
+          <p:txBody>
+            <a:bodyPr rtlCol="0" anchor="ctr"/>
+            <a:lstStyle/>
+            <a:p>
+              <a:pPr algn="ctr"/>
+              <a:endParaRPr lang="en-US"/>
+            </a:p>
+          </p:txBody>
+        </p:sp>
+        <p:sp>
+          <p:nvSpPr>
+            <p:cNvPr id="211" name="Flowchart: Connector 210">
+              <a:extLst>
+                <a:ext uri="{FF2B5EF4-FFF2-40B4-BE49-F238E27FC236}">
+                  <a16:creationId xmlns:a16="http://schemas.microsoft.com/office/drawing/2014/main" id="{61C37639-3A36-48F6-9EF0-D5D783F2530A}"/>
+                </a:ext>
+              </a:extLst>
+            </p:cNvPr>
+            <p:cNvSpPr/>
+            <p:nvPr/>
+          </p:nvSpPr>
+          <p:spPr>
+            <a:xfrm>
+              <a:off x="1540669" y="2959873"/>
+              <a:ext cx="116994" cy="116994"/>
+            </a:xfrm>
+            <a:prstGeom prst="flowChartConnector">
+              <a:avLst/>
+            </a:prstGeom>
+            <a:solidFill>
+              <a:srgbClr val="92D050"/>
+            </a:solidFill>
+          </p:spPr>
+          <p:style>
+            <a:lnRef idx="2">
+              <a:schemeClr val="accent1">
+                <a:shade val="50000"/>
+              </a:schemeClr>
+            </a:lnRef>
+            <a:fillRef idx="1">
+              <a:schemeClr val="accent1"/>
+            </a:fillRef>
+            <a:effectRef idx="0">
+              <a:schemeClr val="accent1"/>
+            </a:effectRef>
+            <a:fontRef idx="minor">
+              <a:schemeClr val="lt1"/>
+            </a:fontRef>
+          </p:style>
+          <p:txBody>
+            <a:bodyPr rtlCol="0" anchor="ctr"/>
+            <a:lstStyle/>
+            <a:p>
+              <a:pPr algn="ctr"/>
+              <a:endParaRPr lang="en-US"/>
+            </a:p>
+          </p:txBody>
+        </p:sp>
+        <p:sp>
+          <p:nvSpPr>
+            <p:cNvPr id="212" name="Flowchart: Connector 211">
+              <a:extLst>
+                <a:ext uri="{FF2B5EF4-FFF2-40B4-BE49-F238E27FC236}">
+                  <a16:creationId xmlns:a16="http://schemas.microsoft.com/office/drawing/2014/main" id="{7C2BE4DD-9751-4058-990A-0B21BC82874E}"/>
+                </a:ext>
+              </a:extLst>
+            </p:cNvPr>
+            <p:cNvSpPr/>
+            <p:nvPr/>
+          </p:nvSpPr>
+          <p:spPr>
+            <a:xfrm>
+              <a:off x="1691899" y="2733398"/>
+              <a:ext cx="116994" cy="116994"/>
+            </a:xfrm>
+            <a:prstGeom prst="flowChartConnector">
+              <a:avLst/>
+            </a:prstGeom>
+            <a:solidFill>
+              <a:srgbClr val="FF0000"/>
+            </a:solidFill>
+          </p:spPr>
+          <p:style>
+            <a:lnRef idx="2">
+              <a:schemeClr val="accent1">
+                <a:shade val="50000"/>
+              </a:schemeClr>
+            </a:lnRef>
+            <a:fillRef idx="1">
+              <a:schemeClr val="accent1"/>
+            </a:fillRef>
+            <a:effectRef idx="0">
+              <a:schemeClr val="accent1"/>
+            </a:effectRef>
+            <a:fontRef idx="minor">
+              <a:schemeClr val="lt1"/>
+            </a:fontRef>
+          </p:style>
+          <p:txBody>
+            <a:bodyPr rtlCol="0" anchor="ctr"/>
+            <a:lstStyle/>
+            <a:p>
+              <a:pPr algn="ctr"/>
+              <a:endParaRPr lang="en-US"/>
+            </a:p>
+          </p:txBody>
+        </p:sp>
+      </p:grpSp>
+      <p:sp>
+        <p:nvSpPr>
+          <p:cNvPr id="58" name="Freeform: Shape 57">
+            <a:extLst>
+              <a:ext uri="{FF2B5EF4-FFF2-40B4-BE49-F238E27FC236}">
+                <a16:creationId xmlns:a16="http://schemas.microsoft.com/office/drawing/2014/main" id="{520EBB30-ABB8-4246-AAED-B958B6851EC6}"/>
+              </a:ext>
+            </a:extLst>
+          </p:cNvPr>
+          <p:cNvSpPr/>
+          <p:nvPr/>
+        </p:nvSpPr>
+        <p:spPr>
+          <a:xfrm>
+            <a:off x="3895323" y="2794000"/>
+            <a:ext cx="162327" cy="1038225"/>
+          </a:xfrm>
+          <a:custGeom>
+            <a:avLst/>
+            <a:gdLst>
+              <a:gd name="connsiteX0" fmla="*/ 44852 w 162327"/>
+              <a:gd name="connsiteY0" fmla="*/ 1038225 h 1038225"/>
+              <a:gd name="connsiteX1" fmla="*/ 22627 w 162327"/>
+              <a:gd name="connsiteY1" fmla="*/ 793750 h 1038225"/>
+              <a:gd name="connsiteX2" fmla="*/ 102002 w 162327"/>
+              <a:gd name="connsiteY2" fmla="*/ 565150 h 1038225"/>
+              <a:gd name="connsiteX3" fmla="*/ 402 w 162327"/>
+              <a:gd name="connsiteY3" fmla="*/ 314325 h 1038225"/>
+              <a:gd name="connsiteX4" fmla="*/ 70252 w 162327"/>
+              <a:gd name="connsiteY4" fmla="*/ 98425 h 1038225"/>
+              <a:gd name="connsiteX5" fmla="*/ 162327 w 162327"/>
+              <a:gd name="connsiteY5" fmla="*/ 0 h 1038225"/>
+            </a:gdLst>
+            <a:ahLst/>
+            <a:cxnLst>
+              <a:cxn ang="0">
+                <a:pos x="connsiteX0" y="connsiteY0"/>
+              </a:cxn>
+              <a:cxn ang="0">
+                <a:pos x="connsiteX1" y="connsiteY1"/>
+              </a:cxn>
+              <a:cxn ang="0">
+                <a:pos x="connsiteX2" y="connsiteY2"/>
+              </a:cxn>
+              <a:cxn ang="0">
+                <a:pos x="connsiteX3" y="connsiteY3"/>
+              </a:cxn>
+              <a:cxn ang="0">
+                <a:pos x="connsiteX4" y="connsiteY4"/>
+              </a:cxn>
+              <a:cxn ang="0">
+                <a:pos x="connsiteX5" y="connsiteY5"/>
+              </a:cxn>
+            </a:cxnLst>
+            <a:rect l="l" t="t" r="r" b="b"/>
+            <a:pathLst>
+              <a:path w="162327" h="1038225">
+                <a:moveTo>
+                  <a:pt x="44852" y="1038225"/>
+                </a:moveTo>
+                <a:cubicBezTo>
+                  <a:pt x="28977" y="955410"/>
+                  <a:pt x="13102" y="872596"/>
+                  <a:pt x="22627" y="793750"/>
+                </a:cubicBezTo>
+                <a:cubicBezTo>
+                  <a:pt x="32152" y="714904"/>
+                  <a:pt x="105706" y="645054"/>
+                  <a:pt x="102002" y="565150"/>
+                </a:cubicBezTo>
+                <a:cubicBezTo>
+                  <a:pt x="98298" y="485246"/>
+                  <a:pt x="5694" y="392112"/>
+                  <a:pt x="402" y="314325"/>
+                </a:cubicBezTo>
+                <a:cubicBezTo>
+                  <a:pt x="-4890" y="236538"/>
+                  <a:pt x="43264" y="150812"/>
+                  <a:pt x="70252" y="98425"/>
+                </a:cubicBezTo>
+                <a:cubicBezTo>
+                  <a:pt x="97240" y="46037"/>
+                  <a:pt x="129783" y="23018"/>
+                  <a:pt x="162327" y="0"/>
+                </a:cubicBezTo>
+              </a:path>
+            </a:pathLst>
+          </a:custGeom>
+          <a:noFill/>
+          <a:ln w="8890">
+            <a:solidFill>
+              <a:schemeClr val="accent3"/>
+            </a:solidFill>
+            <a:tailEnd type="triangle" w="sm" len="sm"/>
+          </a:ln>
+        </p:spPr>
+        <p:style>
+          <a:lnRef idx="2">
+            <a:schemeClr val="accent1">
+              <a:shade val="50000"/>
+            </a:schemeClr>
+          </a:lnRef>
+          <a:fillRef idx="1">
+            <a:schemeClr val="accent1"/>
+          </a:fillRef>
+          <a:effectRef idx="0">
+            <a:schemeClr val="accent1"/>
+          </a:effectRef>
+          <a:fontRef idx="minor">
+            <a:schemeClr val="lt1"/>
+          </a:fontRef>
+        </p:style>
+        <p:txBody>
+          <a:bodyPr rtlCol="0" anchor="ctr"/>
+          <a:lstStyle/>
+          <a:p>
+            <a:pPr algn="ctr"/>
+            <a:endParaRPr lang="en-US"/>
+          </a:p>
+        </p:txBody>
+      </p:sp>
+      <p:grpSp>
+        <p:nvGrpSpPr>
+          <p:cNvPr id="238" name="Group 237">
+            <a:extLst>
+              <a:ext uri="{FF2B5EF4-FFF2-40B4-BE49-F238E27FC236}">
+                <a16:creationId xmlns:a16="http://schemas.microsoft.com/office/drawing/2014/main" id="{0A1ED28F-D84E-403F-8778-F07B22EC482F}"/>
+              </a:ext>
+            </a:extLst>
+          </p:cNvPr>
+          <p:cNvGrpSpPr/>
+          <p:nvPr/>
+        </p:nvGrpSpPr>
+        <p:grpSpPr>
+          <a:xfrm>
+            <a:off x="3558383" y="2751279"/>
+            <a:ext cx="795556" cy="1289708"/>
+            <a:chOff x="1240609" y="2652278"/>
+            <a:chExt cx="795556" cy="1289708"/>
+          </a:xfrm>
+        </p:grpSpPr>
+        <p:sp>
+          <p:nvSpPr>
+            <p:cNvPr id="239" name="Flowchart: Connector 238">
+              <a:extLst>
+                <a:ext uri="{FF2B5EF4-FFF2-40B4-BE49-F238E27FC236}">
+                  <a16:creationId xmlns:a16="http://schemas.microsoft.com/office/drawing/2014/main" id="{DE31556C-4F53-4165-AB67-DEE6B5212037}"/>
+                </a:ext>
+              </a:extLst>
+            </p:cNvPr>
+            <p:cNvSpPr/>
+            <p:nvPr/>
+          </p:nvSpPr>
+          <p:spPr>
+            <a:xfrm>
+              <a:off x="1566953" y="3674573"/>
+              <a:ext cx="116994" cy="116994"/>
+            </a:xfrm>
+            <a:prstGeom prst="flowChartConnector">
+              <a:avLst/>
+            </a:prstGeom>
+          </p:spPr>
+          <p:style>
+            <a:lnRef idx="2">
+              <a:schemeClr val="accent1">
+                <a:shade val="50000"/>
+              </a:schemeClr>
+            </a:lnRef>
+            <a:fillRef idx="1">
+              <a:schemeClr val="accent1"/>
+            </a:fillRef>
+            <a:effectRef idx="0">
+              <a:schemeClr val="accent1"/>
+            </a:effectRef>
+            <a:fontRef idx="minor">
+              <a:schemeClr val="lt1"/>
+            </a:fontRef>
+          </p:style>
+          <p:txBody>
+            <a:bodyPr rtlCol="0" anchor="ctr"/>
+            <a:lstStyle/>
+            <a:p>
+              <a:pPr algn="ctr"/>
+              <a:endParaRPr lang="en-US"/>
+            </a:p>
+          </p:txBody>
+        </p:sp>
+        <p:sp>
+          <p:nvSpPr>
+            <p:cNvPr id="240" name="Flowchart: Connector 239">
+              <a:extLst>
+                <a:ext uri="{FF2B5EF4-FFF2-40B4-BE49-F238E27FC236}">
+                  <a16:creationId xmlns:a16="http://schemas.microsoft.com/office/drawing/2014/main" id="{CB20B574-0DB0-4A0C-96B2-560802C58FB1}"/>
+                </a:ext>
+              </a:extLst>
+            </p:cNvPr>
+            <p:cNvSpPr/>
+            <p:nvPr/>
+          </p:nvSpPr>
+          <p:spPr>
+            <a:xfrm>
+              <a:off x="1540284" y="3436474"/>
+              <a:ext cx="116994" cy="116994"/>
+            </a:xfrm>
+            <a:prstGeom prst="flowChartConnector">
+              <a:avLst/>
+            </a:prstGeom>
+            <a:solidFill>
+              <a:srgbClr val="7030A0"/>
+            </a:solidFill>
+          </p:spPr>
+          <p:style>
+            <a:lnRef idx="2">
+              <a:schemeClr val="accent1">
+                <a:shade val="50000"/>
+              </a:schemeClr>
+            </a:lnRef>
+            <a:fillRef idx="1">
+              <a:schemeClr val="accent1"/>
+            </a:fillRef>
+            <a:effectRef idx="0">
+              <a:schemeClr val="accent1"/>
+            </a:effectRef>
+            <a:fontRef idx="minor">
+              <a:schemeClr val="lt1"/>
+            </a:fontRef>
+          </p:style>
+          <p:txBody>
+            <a:bodyPr rtlCol="0" anchor="ctr"/>
+            <a:lstStyle/>
+            <a:p>
+              <a:pPr algn="ctr"/>
+              <a:endParaRPr lang="en-US"/>
+            </a:p>
+          </p:txBody>
+        </p:sp>
+        <p:sp>
+          <p:nvSpPr>
+            <p:cNvPr id="241" name="Rectangle 240">
+              <a:extLst>
+                <a:ext uri="{FF2B5EF4-FFF2-40B4-BE49-F238E27FC236}">
+                  <a16:creationId xmlns:a16="http://schemas.microsoft.com/office/drawing/2014/main" id="{0FFC05C5-DBFB-481C-95BA-D0B6A0BCD221}"/>
+                </a:ext>
+              </a:extLst>
+            </p:cNvPr>
+            <p:cNvSpPr/>
+            <p:nvPr/>
+          </p:nvSpPr>
+          <p:spPr>
+            <a:xfrm>
+              <a:off x="1240609" y="2652278"/>
+              <a:ext cx="795556" cy="1289708"/>
+            </a:xfrm>
+            <a:prstGeom prst="rect">
+              <a:avLst/>
+            </a:prstGeom>
+            <a:noFill/>
+            <a:ln w="6350">
+              <a:solidFill>
+                <a:schemeClr val="tx1"/>
+              </a:solidFill>
+            </a:ln>
+          </p:spPr>
+          <p:style>
+            <a:lnRef idx="2">
+              <a:schemeClr val="accent1">
+                <a:shade val="50000"/>
+              </a:schemeClr>
+            </a:lnRef>
+            <a:fillRef idx="1">
+              <a:schemeClr val="accent1"/>
+            </a:fillRef>
+            <a:effectRef idx="0">
+              <a:schemeClr val="accent1"/>
+            </a:effectRef>
+            <a:fontRef idx="minor">
+              <a:schemeClr val="lt1"/>
+            </a:fontRef>
+          </p:style>
+          <p:txBody>
+            <a:bodyPr rtlCol="0" anchor="ctr"/>
+            <a:lstStyle/>
+            <a:p>
+              <a:pPr algn="ctr"/>
+              <a:endParaRPr lang="en-US"/>
+            </a:p>
+          </p:txBody>
+        </p:sp>
+        <p:sp>
+          <p:nvSpPr>
+            <p:cNvPr id="242" name="TextBox 241">
+              <a:extLst>
+                <a:ext uri="{FF2B5EF4-FFF2-40B4-BE49-F238E27FC236}">
+                  <a16:creationId xmlns:a16="http://schemas.microsoft.com/office/drawing/2014/main" id="{6039CAAF-24BA-4584-8940-BC00CDE47C0D}"/>
+                </a:ext>
+              </a:extLst>
+            </p:cNvPr>
+            <p:cNvSpPr txBox="1"/>
+            <p:nvPr/>
+          </p:nvSpPr>
+          <p:spPr>
+            <a:xfrm>
+              <a:off x="1657278" y="2661823"/>
+              <a:ext cx="264816" cy="246221"/>
+            </a:xfrm>
+            <a:prstGeom prst="rect">
+              <a:avLst/>
+            </a:prstGeom>
+            <a:noFill/>
+          </p:spPr>
+          <p:txBody>
+            <a:bodyPr wrap="none" rtlCol="0">
+              <a:spAutoFit/>
+            </a:bodyPr>
+            <a:lstStyle/>
+            <a:p>
+              <a:r>
+                <a:rPr lang="en-US" sz="1000" b="1" i="1" dirty="0"/>
+                <a:t>H</a:t>
+              </a:r>
+            </a:p>
+          </p:txBody>
+        </p:sp>
+        <p:sp>
+          <p:nvSpPr>
+            <p:cNvPr id="243" name="TextBox 242">
+              <a:extLst>
+                <a:ext uri="{FF2B5EF4-FFF2-40B4-BE49-F238E27FC236}">
+                  <a16:creationId xmlns:a16="http://schemas.microsoft.com/office/drawing/2014/main" id="{2026039F-D01A-49BA-961F-2596A64116C5}"/>
+                </a:ext>
+              </a:extLst>
+            </p:cNvPr>
+            <p:cNvSpPr txBox="1"/>
+            <p:nvPr/>
+          </p:nvSpPr>
+          <p:spPr>
+            <a:xfrm>
+              <a:off x="1609960" y="2908059"/>
+              <a:ext cx="309700" cy="246221"/>
+            </a:xfrm>
+            <a:prstGeom prst="rect">
+              <a:avLst/>
+            </a:prstGeom>
+            <a:noFill/>
+          </p:spPr>
+          <p:txBody>
+            <a:bodyPr wrap="none" rtlCol="0">
+              <a:spAutoFit/>
+            </a:bodyPr>
+            <a:lstStyle/>
+            <a:p>
+              <a:r>
+                <a:rPr lang="en-US" sz="1000" b="1" i="1" dirty="0"/>
+                <a:t>F1</a:t>
+              </a:r>
+            </a:p>
+          </p:txBody>
+        </p:sp>
+        <p:sp>
+          <p:nvSpPr>
+            <p:cNvPr id="244" name="TextBox 243">
+              <a:extLst>
+                <a:ext uri="{FF2B5EF4-FFF2-40B4-BE49-F238E27FC236}">
+                  <a16:creationId xmlns:a16="http://schemas.microsoft.com/office/drawing/2014/main" id="{66613D40-1E6B-43F7-92F8-0DD7B1077236}"/>
+                </a:ext>
+              </a:extLst>
+            </p:cNvPr>
+            <p:cNvSpPr txBox="1"/>
+            <p:nvPr/>
+          </p:nvSpPr>
+          <p:spPr>
+            <a:xfrm>
+              <a:off x="1685666" y="3128712"/>
+              <a:ext cx="309700" cy="246221"/>
+            </a:xfrm>
+            <a:prstGeom prst="rect">
+              <a:avLst/>
+            </a:prstGeom>
+            <a:noFill/>
+          </p:spPr>
+          <p:txBody>
+            <a:bodyPr wrap="none" rtlCol="0">
+              <a:spAutoFit/>
+            </a:bodyPr>
+            <a:lstStyle/>
+            <a:p>
+              <a:r>
+                <a:rPr lang="en-US" sz="1000" b="1" i="1" dirty="0"/>
+                <a:t>F2</a:t>
+              </a:r>
+            </a:p>
+          </p:txBody>
+        </p:sp>
+        <p:sp>
+          <p:nvSpPr>
+            <p:cNvPr id="245" name="TextBox 244">
+              <a:extLst>
+                <a:ext uri="{FF2B5EF4-FFF2-40B4-BE49-F238E27FC236}">
+                  <a16:creationId xmlns:a16="http://schemas.microsoft.com/office/drawing/2014/main" id="{86BBDACE-7E61-4E19-80CF-6B71B8589CE8}"/>
+                </a:ext>
+              </a:extLst>
+            </p:cNvPr>
+            <p:cNvSpPr txBox="1"/>
+            <p:nvPr/>
+          </p:nvSpPr>
+          <p:spPr>
+            <a:xfrm>
+              <a:off x="1609960" y="3375223"/>
+              <a:ext cx="309700" cy="246221"/>
+            </a:xfrm>
+            <a:prstGeom prst="rect">
+              <a:avLst/>
+            </a:prstGeom>
+            <a:noFill/>
+          </p:spPr>
+          <p:txBody>
+            <a:bodyPr wrap="none" rtlCol="0">
+              <a:spAutoFit/>
+            </a:bodyPr>
+            <a:lstStyle/>
+            <a:p>
+              <a:r>
+                <a:rPr lang="en-US" sz="1000" b="1" i="1" dirty="0"/>
+                <a:t>F3</a:t>
+              </a:r>
+            </a:p>
+          </p:txBody>
+        </p:sp>
+        <p:sp>
+          <p:nvSpPr>
+            <p:cNvPr id="246" name="TextBox 245">
+              <a:extLst>
+                <a:ext uri="{FF2B5EF4-FFF2-40B4-BE49-F238E27FC236}">
+                  <a16:creationId xmlns:a16="http://schemas.microsoft.com/office/drawing/2014/main" id="{F213E74C-4399-4A18-BEB5-7DE09560E4B7}"/>
+                </a:ext>
+              </a:extLst>
+            </p:cNvPr>
+            <p:cNvSpPr txBox="1"/>
+            <p:nvPr/>
+          </p:nvSpPr>
+          <p:spPr>
+            <a:xfrm>
+              <a:off x="1622538" y="3633964"/>
+              <a:ext cx="248786" cy="246221"/>
+            </a:xfrm>
+            <a:prstGeom prst="rect">
+              <a:avLst/>
+            </a:prstGeom>
+            <a:noFill/>
+          </p:spPr>
+          <p:txBody>
+            <a:bodyPr wrap="none" rtlCol="0">
+              <a:spAutoFit/>
+            </a:bodyPr>
+            <a:lstStyle/>
+            <a:p>
+              <a:r>
+                <a:rPr lang="en-US" sz="1000" b="1" i="1" dirty="0"/>
+                <a:t>T</a:t>
+              </a:r>
+            </a:p>
+          </p:txBody>
+        </p:sp>
+        <p:sp>
+          <p:nvSpPr>
+            <p:cNvPr id="247" name="Flowchart: Connector 246">
+              <a:extLst>
+                <a:ext uri="{FF2B5EF4-FFF2-40B4-BE49-F238E27FC236}">
+                  <a16:creationId xmlns:a16="http://schemas.microsoft.com/office/drawing/2014/main" id="{484BDBE8-5E01-44C5-A3E0-FB0F213F7844}"/>
+                </a:ext>
+              </a:extLst>
+            </p:cNvPr>
+            <p:cNvSpPr/>
+            <p:nvPr/>
+          </p:nvSpPr>
+          <p:spPr>
+            <a:xfrm>
+              <a:off x="1622538" y="3203159"/>
+              <a:ext cx="116994" cy="116994"/>
+            </a:xfrm>
+            <a:prstGeom prst="flowChartConnector">
+              <a:avLst/>
+            </a:prstGeom>
+            <a:solidFill>
+              <a:srgbClr val="92D050"/>
+            </a:solidFill>
+          </p:spPr>
+          <p:style>
+            <a:lnRef idx="2">
+              <a:schemeClr val="accent1">
+                <a:shade val="50000"/>
+              </a:schemeClr>
+            </a:lnRef>
+            <a:fillRef idx="1">
+              <a:schemeClr val="accent1"/>
+            </a:fillRef>
+            <a:effectRef idx="0">
+              <a:schemeClr val="accent1"/>
+            </a:effectRef>
+            <a:fontRef idx="minor">
+              <a:schemeClr val="lt1"/>
+            </a:fontRef>
+          </p:style>
+          <p:txBody>
+            <a:bodyPr rtlCol="0" anchor="ctr"/>
+            <a:lstStyle/>
+            <a:p>
+              <a:pPr algn="ctr"/>
+              <a:endParaRPr lang="en-US"/>
+            </a:p>
+          </p:txBody>
+        </p:sp>
+        <p:sp>
+          <p:nvSpPr>
+            <p:cNvPr id="248" name="Flowchart: Connector 247">
+              <a:extLst>
+                <a:ext uri="{FF2B5EF4-FFF2-40B4-BE49-F238E27FC236}">
+                  <a16:creationId xmlns:a16="http://schemas.microsoft.com/office/drawing/2014/main" id="{00797F39-E020-4EE4-BEB3-DBB3B270B337}"/>
+                </a:ext>
+              </a:extLst>
+            </p:cNvPr>
+            <p:cNvSpPr/>
+            <p:nvPr/>
+          </p:nvSpPr>
+          <p:spPr>
+            <a:xfrm>
+              <a:off x="1528091" y="2959873"/>
+              <a:ext cx="116994" cy="116994"/>
+            </a:xfrm>
+            <a:prstGeom prst="flowChartConnector">
+              <a:avLst/>
+            </a:prstGeom>
+            <a:solidFill>
+              <a:srgbClr val="92D050"/>
+            </a:solidFill>
+          </p:spPr>
+          <p:style>
+            <a:lnRef idx="2">
+              <a:schemeClr val="accent1">
+                <a:shade val="50000"/>
+              </a:schemeClr>
+            </a:lnRef>
+            <a:fillRef idx="1">
+              <a:schemeClr val="accent1"/>
+            </a:fillRef>
+            <a:effectRef idx="0">
+              <a:schemeClr val="accent1"/>
+            </a:effectRef>
+            <a:fontRef idx="minor">
+              <a:schemeClr val="lt1"/>
+            </a:fontRef>
+          </p:style>
+          <p:txBody>
+            <a:bodyPr rtlCol="0" anchor="ctr"/>
+            <a:lstStyle/>
+            <a:p>
+              <a:pPr algn="ctr"/>
+              <a:endParaRPr lang="en-US"/>
+            </a:p>
+          </p:txBody>
+        </p:sp>
+        <p:sp>
+          <p:nvSpPr>
+            <p:cNvPr id="249" name="Flowchart: Connector 248">
+              <a:extLst>
+                <a:ext uri="{FF2B5EF4-FFF2-40B4-BE49-F238E27FC236}">
+                  <a16:creationId xmlns:a16="http://schemas.microsoft.com/office/drawing/2014/main" id="{B78EC139-014E-4591-98BE-C3F9D7DD2DE4}"/>
+                </a:ext>
+              </a:extLst>
+            </p:cNvPr>
+            <p:cNvSpPr/>
+            <p:nvPr/>
+          </p:nvSpPr>
+          <p:spPr>
+            <a:xfrm>
+              <a:off x="1591292" y="2733398"/>
+              <a:ext cx="116994" cy="116994"/>
+            </a:xfrm>
+            <a:prstGeom prst="flowChartConnector">
+              <a:avLst/>
+            </a:prstGeom>
+            <a:solidFill>
+              <a:srgbClr val="FF0000"/>
+            </a:solidFill>
+          </p:spPr>
+          <p:style>
+            <a:lnRef idx="2">
+              <a:schemeClr val="accent1">
+                <a:shade val="50000"/>
+              </a:schemeClr>
+            </a:lnRef>
+            <a:fillRef idx="1">
+              <a:schemeClr val="accent1"/>
+            </a:fillRef>
+            <a:effectRef idx="0">
+              <a:schemeClr val="accent1"/>
+            </a:effectRef>
+            <a:fontRef idx="minor">
+              <a:schemeClr val="lt1"/>
+            </a:fontRef>
+          </p:style>
+          <p:txBody>
+            <a:bodyPr rtlCol="0" anchor="ctr"/>
+            <a:lstStyle/>
+            <a:p>
+              <a:pPr algn="ctr"/>
+              <a:endParaRPr lang="en-US"/>
+            </a:p>
+          </p:txBody>
+        </p:sp>
+      </p:grpSp>
+      <p:sp>
+        <p:nvSpPr>
+          <p:cNvPr id="59" name="Freeform: Shape 58">
+            <a:extLst>
+              <a:ext uri="{FF2B5EF4-FFF2-40B4-BE49-F238E27FC236}">
+                <a16:creationId xmlns:a16="http://schemas.microsoft.com/office/drawing/2014/main" id="{E82FFE90-EFA6-4679-8A0F-AB5AB7791032}"/>
+              </a:ext>
+            </a:extLst>
+          </p:cNvPr>
+          <p:cNvSpPr/>
+          <p:nvPr/>
+        </p:nvSpPr>
+        <p:spPr>
+          <a:xfrm>
+            <a:off x="2866878" y="2808241"/>
+            <a:ext cx="200469" cy="1033509"/>
+          </a:xfrm>
+          <a:custGeom>
+            <a:avLst/>
+            <a:gdLst>
+              <a:gd name="connsiteX0" fmla="*/ 73172 w 200469"/>
+              <a:gd name="connsiteY0" fmla="*/ 1033509 h 1033509"/>
+              <a:gd name="connsiteX1" fmla="*/ 200172 w 200469"/>
+              <a:gd name="connsiteY1" fmla="*/ 779509 h 1033509"/>
+              <a:gd name="connsiteX2" fmla="*/ 41422 w 200469"/>
+              <a:gd name="connsiteY2" fmla="*/ 550909 h 1033509"/>
+              <a:gd name="connsiteX3" fmla="*/ 149372 w 200469"/>
+              <a:gd name="connsiteY3" fmla="*/ 306434 h 1033509"/>
+              <a:gd name="connsiteX4" fmla="*/ 147 w 200469"/>
+              <a:gd name="connsiteY4" fmla="*/ 84184 h 1033509"/>
+              <a:gd name="connsiteX5" fmla="*/ 120797 w 200469"/>
+              <a:gd name="connsiteY5" fmla="*/ 1634 h 1033509"/>
+            </a:gdLst>
+            <a:ahLst/>
+            <a:cxnLst>
+              <a:cxn ang="0">
+                <a:pos x="connsiteX0" y="connsiteY0"/>
+              </a:cxn>
+              <a:cxn ang="0">
+                <a:pos x="connsiteX1" y="connsiteY1"/>
+              </a:cxn>
+              <a:cxn ang="0">
+                <a:pos x="connsiteX2" y="connsiteY2"/>
+              </a:cxn>
+              <a:cxn ang="0">
+                <a:pos x="connsiteX3" y="connsiteY3"/>
+              </a:cxn>
+              <a:cxn ang="0">
+                <a:pos x="connsiteX4" y="connsiteY4"/>
+              </a:cxn>
+              <a:cxn ang="0">
+                <a:pos x="connsiteX5" y="connsiteY5"/>
+              </a:cxn>
+            </a:cxnLst>
+            <a:rect l="l" t="t" r="r" b="b"/>
+            <a:pathLst>
+              <a:path w="200469" h="1033509">
+                <a:moveTo>
+                  <a:pt x="73172" y="1033509"/>
+                </a:moveTo>
+                <a:cubicBezTo>
+                  <a:pt x="139318" y="946725"/>
+                  <a:pt x="205464" y="859942"/>
+                  <a:pt x="200172" y="779509"/>
+                </a:cubicBezTo>
+                <a:cubicBezTo>
+                  <a:pt x="194880" y="699076"/>
+                  <a:pt x="49889" y="629755"/>
+                  <a:pt x="41422" y="550909"/>
+                </a:cubicBezTo>
+                <a:cubicBezTo>
+                  <a:pt x="32955" y="472063"/>
+                  <a:pt x="156251" y="384221"/>
+                  <a:pt x="149372" y="306434"/>
+                </a:cubicBezTo>
+                <a:cubicBezTo>
+                  <a:pt x="142493" y="228647"/>
+                  <a:pt x="4909" y="134984"/>
+                  <a:pt x="147" y="84184"/>
+                </a:cubicBezTo>
+                <a:cubicBezTo>
+                  <a:pt x="-4615" y="33384"/>
+                  <a:pt x="107039" y="-8949"/>
+                  <a:pt x="120797" y="1634"/>
+                </a:cubicBezTo>
+              </a:path>
+            </a:pathLst>
+          </a:custGeom>
+          <a:noFill/>
+          <a:ln w="8890">
+            <a:solidFill>
+              <a:schemeClr val="accent3"/>
+            </a:solidFill>
+            <a:tailEnd type="triangle" w="sm" len="sm"/>
+          </a:ln>
+        </p:spPr>
+        <p:style>
+          <a:lnRef idx="2">
+            <a:schemeClr val="accent1">
+              <a:shade val="50000"/>
+            </a:schemeClr>
+          </a:lnRef>
+          <a:fillRef idx="1">
+            <a:schemeClr val="accent1"/>
+          </a:fillRef>
+          <a:effectRef idx="0">
+            <a:schemeClr val="accent1"/>
+          </a:effectRef>
+          <a:fontRef idx="minor">
+            <a:schemeClr val="lt1"/>
+          </a:fontRef>
+        </p:style>
+        <p:txBody>
+          <a:bodyPr rtlCol="0" anchor="ctr"/>
+          <a:lstStyle/>
+          <a:p>
+            <a:pPr algn="ctr"/>
+            <a:endParaRPr lang="en-US"/>
+          </a:p>
+        </p:txBody>
+      </p:sp>
+      <p:grpSp>
+        <p:nvGrpSpPr>
+          <p:cNvPr id="214" name="Group 213">
+            <a:extLst>
+              <a:ext uri="{FF2B5EF4-FFF2-40B4-BE49-F238E27FC236}">
+                <a16:creationId xmlns:a16="http://schemas.microsoft.com/office/drawing/2014/main" id="{A0331153-01B2-4E31-9948-46D496FABFE0}"/>
+              </a:ext>
+            </a:extLst>
+          </p:cNvPr>
+          <p:cNvGrpSpPr/>
+          <p:nvPr/>
+        </p:nvGrpSpPr>
+        <p:grpSpPr>
+          <a:xfrm>
+            <a:off x="2558410" y="2752602"/>
+            <a:ext cx="823551" cy="1289708"/>
+            <a:chOff x="1240609" y="2652278"/>
+            <a:chExt cx="823551" cy="1289708"/>
+          </a:xfrm>
+        </p:grpSpPr>
+        <p:sp>
+          <p:nvSpPr>
+            <p:cNvPr id="215" name="Flowchart: Connector 214">
+              <a:extLst>
+                <a:ext uri="{FF2B5EF4-FFF2-40B4-BE49-F238E27FC236}">
+                  <a16:creationId xmlns:a16="http://schemas.microsoft.com/office/drawing/2014/main" id="{DB5D4852-B68D-4D58-9E00-3BFEFB173461}"/>
+                </a:ext>
+              </a:extLst>
+            </p:cNvPr>
+            <p:cNvSpPr/>
+            <p:nvPr/>
+          </p:nvSpPr>
+          <p:spPr>
+            <a:xfrm>
+              <a:off x="1566953" y="3674573"/>
+              <a:ext cx="116994" cy="116994"/>
+            </a:xfrm>
+            <a:prstGeom prst="flowChartConnector">
+              <a:avLst/>
+            </a:prstGeom>
+          </p:spPr>
+          <p:style>
+            <a:lnRef idx="2">
+              <a:schemeClr val="accent1">
+                <a:shade val="50000"/>
+              </a:schemeClr>
+            </a:lnRef>
+            <a:fillRef idx="1">
+              <a:schemeClr val="accent1"/>
+            </a:fillRef>
+            <a:effectRef idx="0">
+              <a:schemeClr val="accent1"/>
+            </a:effectRef>
+            <a:fontRef idx="minor">
+              <a:schemeClr val="lt1"/>
+            </a:fontRef>
+          </p:style>
+          <p:txBody>
+            <a:bodyPr rtlCol="0" anchor="ctr"/>
+            <a:lstStyle/>
+            <a:p>
+              <a:pPr algn="ctr"/>
+              <a:endParaRPr lang="en-US"/>
+            </a:p>
+          </p:txBody>
+        </p:sp>
+        <p:sp>
+          <p:nvSpPr>
+            <p:cNvPr id="216" name="Flowchart: Connector 215">
+              <a:extLst>
+                <a:ext uri="{FF2B5EF4-FFF2-40B4-BE49-F238E27FC236}">
+                  <a16:creationId xmlns:a16="http://schemas.microsoft.com/office/drawing/2014/main" id="{4C23B594-C4C5-4660-9581-A1805A0A7AAE}"/>
+                </a:ext>
+              </a:extLst>
+            </p:cNvPr>
+            <p:cNvSpPr/>
+            <p:nvPr/>
+          </p:nvSpPr>
+          <p:spPr>
+            <a:xfrm>
+              <a:off x="1687384" y="3440835"/>
+              <a:ext cx="116994" cy="116994"/>
+            </a:xfrm>
+            <a:prstGeom prst="flowChartConnector">
+              <a:avLst/>
+            </a:prstGeom>
+            <a:solidFill>
+              <a:srgbClr val="7030A0"/>
+            </a:solidFill>
+          </p:spPr>
+          <p:style>
+            <a:lnRef idx="2">
+              <a:schemeClr val="accent1">
+                <a:shade val="50000"/>
+              </a:schemeClr>
+            </a:lnRef>
+            <a:fillRef idx="1">
+              <a:schemeClr val="accent1"/>
+            </a:fillRef>
+            <a:effectRef idx="0">
+              <a:schemeClr val="accent1"/>
+            </a:effectRef>
+            <a:fontRef idx="minor">
+              <a:schemeClr val="lt1"/>
+            </a:fontRef>
+          </p:style>
+          <p:txBody>
+            <a:bodyPr rtlCol="0" anchor="ctr"/>
+            <a:lstStyle/>
+            <a:p>
+              <a:pPr algn="ctr"/>
+              <a:endParaRPr lang="en-US"/>
+            </a:p>
+          </p:txBody>
+        </p:sp>
+        <p:sp>
+          <p:nvSpPr>
+            <p:cNvPr id="217" name="Rectangle 216">
+              <a:extLst>
+                <a:ext uri="{FF2B5EF4-FFF2-40B4-BE49-F238E27FC236}">
+                  <a16:creationId xmlns:a16="http://schemas.microsoft.com/office/drawing/2014/main" id="{ED08F626-9091-4544-B8D4-A7829EE40F49}"/>
+                </a:ext>
+              </a:extLst>
+            </p:cNvPr>
+            <p:cNvSpPr/>
+            <p:nvPr/>
+          </p:nvSpPr>
+          <p:spPr>
+            <a:xfrm>
+              <a:off x="1240609" y="2652278"/>
+              <a:ext cx="795556" cy="1289708"/>
+            </a:xfrm>
+            <a:prstGeom prst="rect">
+              <a:avLst/>
+            </a:prstGeom>
+            <a:noFill/>
+            <a:ln w="6350">
+              <a:solidFill>
+                <a:schemeClr val="tx1"/>
+              </a:solidFill>
+            </a:ln>
+          </p:spPr>
+          <p:style>
+            <a:lnRef idx="2">
+              <a:schemeClr val="accent1">
+                <a:shade val="50000"/>
+              </a:schemeClr>
+            </a:lnRef>
+            <a:fillRef idx="1">
+              <a:schemeClr val="accent1"/>
+            </a:fillRef>
+            <a:effectRef idx="0">
+              <a:schemeClr val="accent1"/>
+            </a:effectRef>
+            <a:fontRef idx="minor">
+              <a:schemeClr val="lt1"/>
+            </a:fontRef>
+          </p:style>
+          <p:txBody>
+            <a:bodyPr rtlCol="0" anchor="ctr"/>
+            <a:lstStyle/>
+            <a:p>
+              <a:pPr algn="ctr"/>
+              <a:endParaRPr lang="en-US"/>
+            </a:p>
+          </p:txBody>
+        </p:sp>
+        <p:sp>
+          <p:nvSpPr>
+            <p:cNvPr id="218" name="TextBox 217">
+              <a:extLst>
+                <a:ext uri="{FF2B5EF4-FFF2-40B4-BE49-F238E27FC236}">
+                  <a16:creationId xmlns:a16="http://schemas.microsoft.com/office/drawing/2014/main" id="{D1D4E363-35E9-41C8-9446-A51ED99E0845}"/>
+                </a:ext>
+              </a:extLst>
+            </p:cNvPr>
+            <p:cNvSpPr txBox="1"/>
+            <p:nvPr/>
+          </p:nvSpPr>
+          <p:spPr>
+            <a:xfrm>
+              <a:off x="1561513" y="2661823"/>
+              <a:ext cx="264816" cy="246221"/>
+            </a:xfrm>
+            <a:prstGeom prst="rect">
+              <a:avLst/>
+            </a:prstGeom>
+            <a:noFill/>
+          </p:spPr>
+          <p:txBody>
+            <a:bodyPr wrap="none" rtlCol="0">
+              <a:spAutoFit/>
+            </a:bodyPr>
+            <a:lstStyle/>
+            <a:p>
+              <a:r>
+                <a:rPr lang="en-US" sz="1000" b="1" i="1" dirty="0"/>
+                <a:t>H</a:t>
+              </a:r>
+            </a:p>
+          </p:txBody>
+        </p:sp>
+        <p:sp>
+          <p:nvSpPr>
+            <p:cNvPr id="219" name="TextBox 218">
+              <a:extLst>
+                <a:ext uri="{FF2B5EF4-FFF2-40B4-BE49-F238E27FC236}">
+                  <a16:creationId xmlns:a16="http://schemas.microsoft.com/office/drawing/2014/main" id="{160B49B4-B0CC-40F3-B0B9-0BC60D4F2F08}"/>
+                </a:ext>
+              </a:extLst>
+            </p:cNvPr>
+            <p:cNvSpPr txBox="1"/>
+            <p:nvPr/>
+          </p:nvSpPr>
+          <p:spPr>
+            <a:xfrm>
+              <a:off x="1723726" y="2908059"/>
+              <a:ext cx="309700" cy="246221"/>
+            </a:xfrm>
+            <a:prstGeom prst="rect">
+              <a:avLst/>
+            </a:prstGeom>
+            <a:noFill/>
+          </p:spPr>
+          <p:txBody>
+            <a:bodyPr wrap="none" rtlCol="0">
+              <a:spAutoFit/>
+            </a:bodyPr>
+            <a:lstStyle/>
+            <a:p>
+              <a:r>
+                <a:rPr lang="en-US" sz="1000" b="1" i="1" dirty="0"/>
+                <a:t>F1</a:t>
+              </a:r>
+            </a:p>
+          </p:txBody>
+        </p:sp>
+        <p:sp>
+          <p:nvSpPr>
+            <p:cNvPr id="220" name="TextBox 219">
+              <a:extLst>
+                <a:ext uri="{FF2B5EF4-FFF2-40B4-BE49-F238E27FC236}">
+                  <a16:creationId xmlns:a16="http://schemas.microsoft.com/office/drawing/2014/main" id="{6316AF28-6E24-43B7-9BCA-57700116F387}"/>
+                </a:ext>
+              </a:extLst>
+            </p:cNvPr>
+            <p:cNvSpPr txBox="1"/>
+            <p:nvPr/>
+          </p:nvSpPr>
+          <p:spPr>
+            <a:xfrm>
+              <a:off x="1597625" y="3128712"/>
+              <a:ext cx="309700" cy="246221"/>
+            </a:xfrm>
+            <a:prstGeom prst="rect">
+              <a:avLst/>
+            </a:prstGeom>
+            <a:noFill/>
+          </p:spPr>
+          <p:txBody>
+            <a:bodyPr wrap="none" rtlCol="0">
+              <a:spAutoFit/>
+            </a:bodyPr>
+            <a:lstStyle/>
+            <a:p>
+              <a:r>
+                <a:rPr lang="en-US" sz="1000" b="1" i="1" dirty="0"/>
+                <a:t>F2</a:t>
+              </a:r>
+            </a:p>
+          </p:txBody>
+        </p:sp>
+        <p:sp>
+          <p:nvSpPr>
+            <p:cNvPr id="221" name="TextBox 220">
+              <a:extLst>
+                <a:ext uri="{FF2B5EF4-FFF2-40B4-BE49-F238E27FC236}">
+                  <a16:creationId xmlns:a16="http://schemas.microsoft.com/office/drawing/2014/main" id="{34A94600-9E71-4C8C-A667-27FBCAAA794F}"/>
+                </a:ext>
+              </a:extLst>
+            </p:cNvPr>
+            <p:cNvSpPr txBox="1"/>
+            <p:nvPr/>
+          </p:nvSpPr>
+          <p:spPr>
+            <a:xfrm>
+              <a:off x="1754460" y="3378609"/>
+              <a:ext cx="309700" cy="246221"/>
+            </a:xfrm>
+            <a:prstGeom prst="rect">
+              <a:avLst/>
+            </a:prstGeom>
+            <a:noFill/>
+          </p:spPr>
+          <p:txBody>
+            <a:bodyPr wrap="none" rtlCol="0">
+              <a:spAutoFit/>
+            </a:bodyPr>
+            <a:lstStyle/>
+            <a:p>
+              <a:r>
+                <a:rPr lang="en-US" sz="1000" b="1" i="1" dirty="0"/>
+                <a:t>F3</a:t>
+              </a:r>
+            </a:p>
+          </p:txBody>
+        </p:sp>
+        <p:sp>
+          <p:nvSpPr>
+            <p:cNvPr id="222" name="TextBox 221">
+              <a:extLst>
+                <a:ext uri="{FF2B5EF4-FFF2-40B4-BE49-F238E27FC236}">
+                  <a16:creationId xmlns:a16="http://schemas.microsoft.com/office/drawing/2014/main" id="{0B18F315-5163-4FA5-8210-F59504F6A188}"/>
+                </a:ext>
+              </a:extLst>
+            </p:cNvPr>
+            <p:cNvSpPr txBox="1"/>
+            <p:nvPr/>
+          </p:nvSpPr>
+          <p:spPr>
+            <a:xfrm>
+              <a:off x="1622538" y="3633964"/>
+              <a:ext cx="248786" cy="246221"/>
+            </a:xfrm>
+            <a:prstGeom prst="rect">
+              <a:avLst/>
+            </a:prstGeom>
+            <a:noFill/>
+          </p:spPr>
+          <p:txBody>
+            <a:bodyPr wrap="none" rtlCol="0">
+              <a:spAutoFit/>
+            </a:bodyPr>
+            <a:lstStyle/>
+            <a:p>
+              <a:r>
+                <a:rPr lang="en-US" sz="1000" b="1" i="1" dirty="0"/>
+                <a:t>T</a:t>
+              </a:r>
+            </a:p>
+          </p:txBody>
+        </p:sp>
+        <p:sp>
+          <p:nvSpPr>
+            <p:cNvPr id="223" name="Flowchart: Connector 222">
+              <a:extLst>
+                <a:ext uri="{FF2B5EF4-FFF2-40B4-BE49-F238E27FC236}">
+                  <a16:creationId xmlns:a16="http://schemas.microsoft.com/office/drawing/2014/main" id="{3082A9DA-D4E3-4A64-9F15-F48D2358B656}"/>
+                </a:ext>
+              </a:extLst>
+            </p:cNvPr>
+            <p:cNvSpPr/>
+            <p:nvPr/>
+          </p:nvSpPr>
+          <p:spPr>
+            <a:xfrm>
+              <a:off x="1534497" y="3203159"/>
+              <a:ext cx="116994" cy="116994"/>
+            </a:xfrm>
+            <a:prstGeom prst="flowChartConnector">
+              <a:avLst/>
+            </a:prstGeom>
+            <a:solidFill>
+              <a:srgbClr val="92D050"/>
+            </a:solidFill>
+          </p:spPr>
+          <p:style>
+            <a:lnRef idx="2">
+              <a:schemeClr val="accent1">
+                <a:shade val="50000"/>
+              </a:schemeClr>
+            </a:lnRef>
+            <a:fillRef idx="1">
+              <a:schemeClr val="accent1"/>
+            </a:fillRef>
+            <a:effectRef idx="0">
+              <a:schemeClr val="accent1"/>
+            </a:effectRef>
+            <a:fontRef idx="minor">
+              <a:schemeClr val="lt1"/>
+            </a:fontRef>
+          </p:style>
+          <p:txBody>
+            <a:bodyPr rtlCol="0" anchor="ctr"/>
+            <a:lstStyle/>
+            <a:p>
+              <a:pPr algn="ctr"/>
+              <a:endParaRPr lang="en-US"/>
+            </a:p>
+          </p:txBody>
+        </p:sp>
+        <p:sp>
+          <p:nvSpPr>
+            <p:cNvPr id="224" name="Flowchart: Connector 223">
+              <a:extLst>
+                <a:ext uri="{FF2B5EF4-FFF2-40B4-BE49-F238E27FC236}">
+                  <a16:creationId xmlns:a16="http://schemas.microsoft.com/office/drawing/2014/main" id="{8DEC3B77-6555-4B28-96EE-96B20D697809}"/>
+                </a:ext>
+              </a:extLst>
+            </p:cNvPr>
+            <p:cNvSpPr/>
+            <p:nvPr/>
+          </p:nvSpPr>
+          <p:spPr>
+            <a:xfrm>
+              <a:off x="1641857" y="2959873"/>
+              <a:ext cx="116994" cy="116994"/>
+            </a:xfrm>
+            <a:prstGeom prst="flowChartConnector">
+              <a:avLst/>
+            </a:prstGeom>
+            <a:solidFill>
+              <a:srgbClr val="92D050"/>
+            </a:solidFill>
+          </p:spPr>
+          <p:style>
+            <a:lnRef idx="2">
+              <a:schemeClr val="accent1">
+                <a:shade val="50000"/>
+              </a:schemeClr>
+            </a:lnRef>
+            <a:fillRef idx="1">
+              <a:schemeClr val="accent1"/>
+            </a:fillRef>
+            <a:effectRef idx="0">
+              <a:schemeClr val="accent1"/>
+            </a:effectRef>
+            <a:fontRef idx="minor">
+              <a:schemeClr val="lt1"/>
+            </a:fontRef>
+          </p:style>
+          <p:txBody>
+            <a:bodyPr rtlCol="0" anchor="ctr"/>
+            <a:lstStyle/>
+            <a:p>
+              <a:pPr algn="ctr"/>
+              <a:endParaRPr lang="en-US"/>
+            </a:p>
+          </p:txBody>
+        </p:sp>
+        <p:sp>
+          <p:nvSpPr>
+            <p:cNvPr id="225" name="Flowchart: Connector 224">
+              <a:extLst>
+                <a:ext uri="{FF2B5EF4-FFF2-40B4-BE49-F238E27FC236}">
+                  <a16:creationId xmlns:a16="http://schemas.microsoft.com/office/drawing/2014/main" id="{350B3E52-8354-4441-B340-1C6E47880717}"/>
+                </a:ext>
+              </a:extLst>
+            </p:cNvPr>
+            <p:cNvSpPr/>
+            <p:nvPr/>
+          </p:nvSpPr>
+          <p:spPr>
+            <a:xfrm>
+              <a:off x="1495527" y="2733398"/>
+              <a:ext cx="116994" cy="116994"/>
+            </a:xfrm>
+            <a:prstGeom prst="flowChartConnector">
+              <a:avLst/>
+            </a:prstGeom>
+            <a:solidFill>
+              <a:srgbClr val="FF0000"/>
+            </a:solidFill>
+          </p:spPr>
+          <p:style>
+            <a:lnRef idx="2">
+              <a:schemeClr val="accent1">
+                <a:shade val="50000"/>
+              </a:schemeClr>
+            </a:lnRef>
+            <a:fillRef idx="1">
+              <a:schemeClr val="accent1"/>
+            </a:fillRef>
+            <a:effectRef idx="0">
+              <a:schemeClr val="accent1"/>
+            </a:effectRef>
+            <a:fontRef idx="minor">
+              <a:schemeClr val="lt1"/>
+            </a:fontRef>
+          </p:style>
+          <p:txBody>
+            <a:bodyPr rtlCol="0" anchor="ctr"/>
+            <a:lstStyle/>
+            <a:p>
+              <a:pPr algn="ctr"/>
+              <a:endParaRPr lang="en-US"/>
+            </a:p>
+          </p:txBody>
+        </p:sp>
+      </p:grpSp>
+      <p:sp>
+        <p:nvSpPr>
+          <p:cNvPr id="69" name="Freeform: Shape 68">
+            <a:extLst>
+              <a:ext uri="{FF2B5EF4-FFF2-40B4-BE49-F238E27FC236}">
+                <a16:creationId xmlns:a16="http://schemas.microsoft.com/office/drawing/2014/main" id="{A7E3B07B-8C52-4840-A67E-8C646469C39D}"/>
+              </a:ext>
+            </a:extLst>
+          </p:cNvPr>
+          <p:cNvSpPr/>
+          <p:nvPr/>
+        </p:nvSpPr>
+        <p:spPr>
+          <a:xfrm>
+            <a:off x="4900613" y="1362075"/>
+            <a:ext cx="165349" cy="581025"/>
+          </a:xfrm>
+          <a:custGeom>
+            <a:avLst/>
+            <a:gdLst>
+              <a:gd name="connsiteX0" fmla="*/ 0 w 165349"/>
+              <a:gd name="connsiteY0" fmla="*/ 581025 h 581025"/>
+              <a:gd name="connsiteX1" fmla="*/ 161925 w 165349"/>
+              <a:gd name="connsiteY1" fmla="*/ 314325 h 581025"/>
+              <a:gd name="connsiteX2" fmla="*/ 104775 w 165349"/>
+              <a:gd name="connsiteY2" fmla="*/ 104775 h 581025"/>
+              <a:gd name="connsiteX3" fmla="*/ 38100 w 165349"/>
+              <a:gd name="connsiteY3" fmla="*/ 0 h 581025"/>
+            </a:gdLst>
+            <a:ahLst/>
+            <a:cxnLst>
+              <a:cxn ang="0">
+                <a:pos x="connsiteX0" y="connsiteY0"/>
+              </a:cxn>
+              <a:cxn ang="0">
+                <a:pos x="connsiteX1" y="connsiteY1"/>
+              </a:cxn>
+              <a:cxn ang="0">
+                <a:pos x="connsiteX2" y="connsiteY2"/>
+              </a:cxn>
+              <a:cxn ang="0">
+                <a:pos x="connsiteX3" y="connsiteY3"/>
+              </a:cxn>
+            </a:cxnLst>
+            <a:rect l="l" t="t" r="r" b="b"/>
+            <a:pathLst>
+              <a:path w="165349" h="581025">
+                <a:moveTo>
+                  <a:pt x="0" y="581025"/>
+                </a:moveTo>
+                <a:cubicBezTo>
+                  <a:pt x="72231" y="487362"/>
+                  <a:pt x="144463" y="393700"/>
+                  <a:pt x="161925" y="314325"/>
+                </a:cubicBezTo>
+                <a:cubicBezTo>
+                  <a:pt x="179387" y="234950"/>
+                  <a:pt x="125413" y="157162"/>
+                  <a:pt x="104775" y="104775"/>
+                </a:cubicBezTo>
+                <a:cubicBezTo>
+                  <a:pt x="84138" y="52387"/>
+                  <a:pt x="61119" y="26193"/>
+                  <a:pt x="38100" y="0"/>
+                </a:cubicBezTo>
+              </a:path>
+            </a:pathLst>
+          </a:custGeom>
+          <a:noFill/>
+          <a:ln w="8890">
+            <a:solidFill>
+              <a:schemeClr val="accent3"/>
+            </a:solidFill>
+            <a:headEnd type="none"/>
+            <a:tailEnd type="triangle" w="sm" len="sm"/>
+          </a:ln>
+        </p:spPr>
+        <p:style>
+          <a:lnRef idx="2">
+            <a:schemeClr val="accent1">
+              <a:shade val="50000"/>
+            </a:schemeClr>
+          </a:lnRef>
+          <a:fillRef idx="1">
+            <a:schemeClr val="accent1"/>
+          </a:fillRef>
+          <a:effectRef idx="0">
+            <a:schemeClr val="accent1"/>
+          </a:effectRef>
+          <a:fontRef idx="minor">
+            <a:schemeClr val="lt1"/>
+          </a:fontRef>
+        </p:style>
+        <p:txBody>
+          <a:bodyPr rtlCol="0" anchor="ctr"/>
+          <a:lstStyle/>
+          <a:p>
+            <a:pPr algn="ctr"/>
+            <a:endParaRPr lang="en-US"/>
+          </a:p>
+        </p:txBody>
+      </p:sp>
+      <p:sp>
+        <p:nvSpPr>
+          <p:cNvPr id="318" name="Flowchart: Connector 317">
+            <a:extLst>
+              <a:ext uri="{FF2B5EF4-FFF2-40B4-BE49-F238E27FC236}">
+                <a16:creationId xmlns:a16="http://schemas.microsoft.com/office/drawing/2014/main" id="{8AFE268A-32E0-4152-8D9A-04E2B7E1E9DC}"/>
+              </a:ext>
+            </a:extLst>
+          </p:cNvPr>
+          <p:cNvSpPr/>
+          <p:nvPr/>
+        </p:nvSpPr>
+        <p:spPr>
+          <a:xfrm>
+            <a:off x="5002663" y="1659601"/>
+            <a:ext cx="116994" cy="116994"/>
+          </a:xfrm>
+          <a:prstGeom prst="flowChartConnector">
+            <a:avLst/>
+          </a:prstGeom>
+          <a:solidFill>
+            <a:srgbClr val="92D050"/>
+          </a:solidFill>
+        </p:spPr>
+        <p:style>
+          <a:lnRef idx="2">
+            <a:schemeClr val="accent1">
+              <a:shade val="50000"/>
+            </a:schemeClr>
+          </a:lnRef>
+          <a:fillRef idx="1">
+            <a:schemeClr val="accent1"/>
+          </a:fillRef>
+          <a:effectRef idx="0">
+            <a:schemeClr val="accent1"/>
+          </a:effectRef>
+          <a:fontRef idx="minor">
+            <a:schemeClr val="lt1"/>
+          </a:fontRef>
+        </p:style>
+        <p:txBody>
+          <a:bodyPr rtlCol="0" anchor="ctr"/>
+          <a:lstStyle/>
+          <a:p>
+            <a:pPr algn="ctr"/>
+            <a:endParaRPr lang="en-US"/>
+          </a:p>
+        </p:txBody>
+      </p:sp>
+      <p:sp>
+        <p:nvSpPr>
+          <p:cNvPr id="319" name="Flowchart: Connector 318">
+            <a:extLst>
+              <a:ext uri="{FF2B5EF4-FFF2-40B4-BE49-F238E27FC236}">
+                <a16:creationId xmlns:a16="http://schemas.microsoft.com/office/drawing/2014/main" id="{50AD514D-7BE1-446F-8F8D-FBDFB00E042F}"/>
+              </a:ext>
+            </a:extLst>
+          </p:cNvPr>
+          <p:cNvSpPr/>
+          <p:nvPr/>
+        </p:nvSpPr>
+        <p:spPr>
+          <a:xfrm>
+            <a:off x="4957914" y="1433125"/>
+            <a:ext cx="116994" cy="116994"/>
+          </a:xfrm>
+          <a:prstGeom prst="flowChartConnector">
+            <a:avLst/>
+          </a:prstGeom>
+          <a:solidFill>
+            <a:srgbClr val="FF0000"/>
+          </a:solidFill>
+        </p:spPr>
+        <p:style>
+          <a:lnRef idx="2">
+            <a:schemeClr val="accent1">
+              <a:shade val="50000"/>
+            </a:schemeClr>
+          </a:lnRef>
+          <a:fillRef idx="1">
+            <a:schemeClr val="accent1"/>
+          </a:fillRef>
+          <a:effectRef idx="0">
+            <a:schemeClr val="accent1"/>
+          </a:effectRef>
+          <a:fontRef idx="minor">
+            <a:schemeClr val="lt1"/>
+          </a:fontRef>
+        </p:style>
+        <p:txBody>
+          <a:bodyPr rtlCol="0" anchor="ctr"/>
+          <a:lstStyle/>
+          <a:p>
+            <a:pPr algn="ctr"/>
+            <a:endParaRPr lang="en-US"/>
+          </a:p>
+        </p:txBody>
+      </p:sp>
+      <p:cxnSp>
+        <p:nvCxnSpPr>
+          <p:cNvPr id="76" name="Straight Connector 75">
+            <a:extLst>
+              <a:ext uri="{FF2B5EF4-FFF2-40B4-BE49-F238E27FC236}">
+                <a16:creationId xmlns:a16="http://schemas.microsoft.com/office/drawing/2014/main" id="{38631082-8953-49DD-9A26-9F53857AB749}"/>
+              </a:ext>
+            </a:extLst>
+          </p:cNvPr>
+          <p:cNvCxnSpPr>
+            <a:cxnSpLocks/>
+          </p:cNvCxnSpPr>
+          <p:nvPr/>
+        </p:nvCxnSpPr>
+        <p:spPr>
+          <a:xfrm flipH="1" flipV="1">
+            <a:off x="4588182" y="2090187"/>
+            <a:ext cx="647191" cy="1068853"/>
+          </a:xfrm>
+          <a:prstGeom prst="line">
+            <a:avLst/>
+          </a:prstGeom>
+          <a:ln>
+            <a:solidFill>
+              <a:schemeClr val="tx1"/>
+            </a:solidFill>
+            <a:prstDash val="dash"/>
+          </a:ln>
+        </p:spPr>
+        <p:style>
+          <a:lnRef idx="1">
+            <a:schemeClr val="accent1"/>
+          </a:lnRef>
+          <a:fillRef idx="0">
+            <a:schemeClr val="accent1"/>
+          </a:fillRef>
+          <a:effectRef idx="0">
+            <a:schemeClr val="accent1"/>
+          </a:effectRef>
+          <a:fontRef idx="minor">
+            <a:schemeClr val="tx1"/>
+          </a:fontRef>
+        </p:style>
+      </p:cxnSp>
+      <p:cxnSp>
+        <p:nvCxnSpPr>
+          <p:cNvPr id="79" name="Straight Connector 78">
+            <a:extLst>
+              <a:ext uri="{FF2B5EF4-FFF2-40B4-BE49-F238E27FC236}">
+                <a16:creationId xmlns:a16="http://schemas.microsoft.com/office/drawing/2014/main" id="{97C5CF08-9766-4780-B948-A53B722C22E4}"/>
+              </a:ext>
+            </a:extLst>
+          </p:cNvPr>
+          <p:cNvCxnSpPr>
+            <a:cxnSpLocks/>
+          </p:cNvCxnSpPr>
+          <p:nvPr/>
+        </p:nvCxnSpPr>
+        <p:spPr>
+          <a:xfrm flipH="1" flipV="1">
+            <a:off x="5383738" y="1309597"/>
+            <a:ext cx="1397480" cy="980103"/>
+          </a:xfrm>
+          <a:prstGeom prst="line">
+            <a:avLst/>
+          </a:prstGeom>
+          <a:ln>
+            <a:solidFill>
+              <a:schemeClr val="tx1"/>
+            </a:solidFill>
+            <a:prstDash val="dash"/>
+          </a:ln>
+        </p:spPr>
+        <p:style>
+          <a:lnRef idx="1">
+            <a:schemeClr val="accent1"/>
+          </a:lnRef>
+          <a:fillRef idx="0">
+            <a:schemeClr val="accent1"/>
+          </a:fillRef>
+          <a:effectRef idx="0">
+            <a:schemeClr val="accent1"/>
+          </a:effectRef>
+          <a:fontRef idx="minor">
+            <a:schemeClr val="tx1"/>
+          </a:fontRef>
+        </p:style>
+      </p:cxnSp>
+      <p:cxnSp>
+        <p:nvCxnSpPr>
+          <p:cNvPr id="119" name="Straight Connector 118">
+            <a:extLst>
+              <a:ext uri="{FF2B5EF4-FFF2-40B4-BE49-F238E27FC236}">
+                <a16:creationId xmlns:a16="http://schemas.microsoft.com/office/drawing/2014/main" id="{27DE14B9-B161-4023-A593-1357D4948A43}"/>
+              </a:ext>
+            </a:extLst>
+          </p:cNvPr>
+          <p:cNvCxnSpPr>
+            <a:cxnSpLocks/>
+          </p:cNvCxnSpPr>
+          <p:nvPr/>
+        </p:nvCxnSpPr>
+        <p:spPr>
+          <a:xfrm flipH="1" flipV="1">
+            <a:off x="5383737" y="2090187"/>
+            <a:ext cx="1089728" cy="1068852"/>
+          </a:xfrm>
+          <a:prstGeom prst="line">
+            <a:avLst/>
+          </a:prstGeom>
+          <a:ln>
+            <a:solidFill>
+              <a:schemeClr val="tx1"/>
+            </a:solidFill>
+            <a:prstDash val="dash"/>
+          </a:ln>
+        </p:spPr>
+        <p:style>
+          <a:lnRef idx="1">
+            <a:schemeClr val="accent1"/>
+          </a:lnRef>
+          <a:fillRef idx="0">
+            <a:schemeClr val="accent1"/>
+          </a:fillRef>
+          <a:effectRef idx="0">
+            <a:schemeClr val="accent1"/>
+          </a:effectRef>
+          <a:fontRef idx="minor">
+            <a:schemeClr val="tx1"/>
+          </a:fontRef>
+        </p:style>
+      </p:cxnSp>
+      <p:sp>
+        <p:nvSpPr>
+          <p:cNvPr id="325" name="Freeform: Shape 324">
+            <a:extLst>
+              <a:ext uri="{FF2B5EF4-FFF2-40B4-BE49-F238E27FC236}">
+                <a16:creationId xmlns:a16="http://schemas.microsoft.com/office/drawing/2014/main" id="{DC059AF9-4AB2-48C8-B3FD-978B2725FD0E}"/>
+              </a:ext>
+            </a:extLst>
+          </p:cNvPr>
+          <p:cNvSpPr/>
+          <p:nvPr/>
+        </p:nvSpPr>
+        <p:spPr>
+          <a:xfrm>
+            <a:off x="4837431" y="1943100"/>
+            <a:ext cx="45719" cy="149225"/>
+          </a:xfrm>
+          <a:custGeom>
+            <a:avLst/>
+            <a:gdLst>
+              <a:gd name="connsiteX0" fmla="*/ 62233 w 62233"/>
+              <a:gd name="connsiteY0" fmla="*/ 0 h 149225"/>
+              <a:gd name="connsiteX1" fmla="*/ 1908 w 62233"/>
+              <a:gd name="connsiteY1" fmla="*/ 101600 h 149225"/>
+              <a:gd name="connsiteX2" fmla="*/ 20958 w 62233"/>
+              <a:gd name="connsiteY2" fmla="*/ 149225 h 149225"/>
+            </a:gdLst>
+            <a:ahLst/>
+            <a:cxnLst>
+              <a:cxn ang="0">
+                <a:pos x="connsiteX0" y="connsiteY0"/>
+              </a:cxn>
+              <a:cxn ang="0">
+                <a:pos x="connsiteX1" y="connsiteY1"/>
+              </a:cxn>
+              <a:cxn ang="0">
+                <a:pos x="connsiteX2" y="connsiteY2"/>
+              </a:cxn>
+            </a:cxnLst>
+            <a:rect l="l" t="t" r="r" b="b"/>
+            <a:pathLst>
+              <a:path w="62233" h="149225">
+                <a:moveTo>
+                  <a:pt x="62233" y="0"/>
+                </a:moveTo>
+                <a:cubicBezTo>
+                  <a:pt x="35510" y="38364"/>
+                  <a:pt x="8787" y="76729"/>
+                  <a:pt x="1908" y="101600"/>
+                </a:cubicBezTo>
+                <a:cubicBezTo>
+                  <a:pt x="-4971" y="126471"/>
+                  <a:pt x="7993" y="137848"/>
+                  <a:pt x="20958" y="149225"/>
+                </a:cubicBezTo>
+              </a:path>
+            </a:pathLst>
+          </a:custGeom>
+          <a:noFill/>
+          <a:ln w="8890">
+            <a:solidFill>
+              <a:schemeClr val="accent3"/>
+            </a:solidFill>
+          </a:ln>
+        </p:spPr>
+        <p:style>
+          <a:lnRef idx="2">
+            <a:schemeClr val="accent1">
+              <a:shade val="50000"/>
+            </a:schemeClr>
+          </a:lnRef>
+          <a:fillRef idx="1">
+            <a:schemeClr val="accent1"/>
+          </a:fillRef>
+          <a:effectRef idx="0">
+            <a:schemeClr val="accent1"/>
+          </a:effectRef>
+          <a:fontRef idx="minor">
+            <a:schemeClr val="lt1"/>
+          </a:fontRef>
+        </p:style>
+        <p:txBody>
+          <a:bodyPr rtlCol="0" anchor="ctr"/>
+          <a:lstStyle/>
+          <a:p>
+            <a:pPr algn="ctr"/>
+            <a:endParaRPr lang="en-US"/>
+          </a:p>
+        </p:txBody>
+      </p:sp>
+      <p:sp>
+        <p:nvSpPr>
+          <p:cNvPr id="317" name="Flowchart: Connector 316">
+            <a:extLst>
+              <a:ext uri="{FF2B5EF4-FFF2-40B4-BE49-F238E27FC236}">
+                <a16:creationId xmlns:a16="http://schemas.microsoft.com/office/drawing/2014/main" id="{5414A15A-CAD2-4E5F-B28D-27CB65BF01BE}"/>
+              </a:ext>
+            </a:extLst>
+          </p:cNvPr>
+          <p:cNvSpPr/>
+          <p:nvPr/>
+        </p:nvSpPr>
+        <p:spPr>
+          <a:xfrm>
+            <a:off x="4830410" y="1874310"/>
+            <a:ext cx="116994" cy="116994"/>
+          </a:xfrm>
+          <a:prstGeom prst="flowChartConnector">
+            <a:avLst/>
+          </a:prstGeom>
+          <a:solidFill>
+            <a:srgbClr val="92D050"/>
+          </a:solidFill>
+        </p:spPr>
+        <p:style>
+          <a:lnRef idx="2">
+            <a:schemeClr val="accent1">
+              <a:shade val="50000"/>
+            </a:schemeClr>
+          </a:lnRef>
+          <a:fillRef idx="1">
+            <a:schemeClr val="accent1"/>
+          </a:fillRef>
+          <a:effectRef idx="0">
+            <a:schemeClr val="accent1"/>
+          </a:effectRef>
+          <a:fontRef idx="minor">
+            <a:schemeClr val="lt1"/>
+          </a:fontRef>
+        </p:style>
+        <p:txBody>
+          <a:bodyPr rtlCol="0" anchor="ctr"/>
+          <a:lstStyle/>
+          <a:p>
+            <a:pPr algn="ctr"/>
+            <a:endParaRPr lang="en-US"/>
+          </a:p>
+        </p:txBody>
+      </p:sp>
+      <p:sp>
+        <p:nvSpPr>
+          <p:cNvPr id="326" name="TextBox 325">
+            <a:extLst>
+              <a:ext uri="{FF2B5EF4-FFF2-40B4-BE49-F238E27FC236}">
+                <a16:creationId xmlns:a16="http://schemas.microsoft.com/office/drawing/2014/main" id="{85D93F46-26D1-4A5A-9AE6-0D1C89BF62D3}"/>
+              </a:ext>
+            </a:extLst>
+          </p:cNvPr>
+          <p:cNvSpPr txBox="1"/>
+          <p:nvPr/>
+        </p:nvSpPr>
+        <p:spPr>
+          <a:xfrm>
+            <a:off x="4609767" y="1088021"/>
+            <a:ext cx="785793" cy="261610"/>
+          </a:xfrm>
+          <a:prstGeom prst="rect">
+            <a:avLst/>
+          </a:prstGeom>
+          <a:noFill/>
+        </p:spPr>
+        <p:txBody>
+          <a:bodyPr wrap="none" rtlCol="0">
+            <a:spAutoFit/>
+          </a:bodyPr>
+          <a:lstStyle/>
+          <a:p>
+            <a:pPr algn="ctr"/>
+            <a:r>
+              <a:rPr lang="en-US" sz="1100" b="1" dirty="0"/>
+              <a:t>Prediction</a:t>
+            </a:r>
+          </a:p>
+        </p:txBody>
+      </p:sp>
+      <p:sp>
+        <p:nvSpPr>
+          <p:cNvPr id="327" name="TextBox 326">
+            <a:extLst>
+              <a:ext uri="{FF2B5EF4-FFF2-40B4-BE49-F238E27FC236}">
+                <a16:creationId xmlns:a16="http://schemas.microsoft.com/office/drawing/2014/main" id="{FC578B92-A298-4457-AAE0-B94F3B5D00B1}"/>
+              </a:ext>
+            </a:extLst>
+          </p:cNvPr>
+          <p:cNvSpPr txBox="1"/>
+          <p:nvPr/>
+        </p:nvSpPr>
+        <p:spPr>
+          <a:xfrm>
+            <a:off x="1073449" y="2434217"/>
+            <a:ext cx="1324402" cy="261610"/>
+          </a:xfrm>
+          <a:prstGeom prst="rect">
+            <a:avLst/>
+          </a:prstGeom>
+          <a:noFill/>
+        </p:spPr>
+        <p:txBody>
+          <a:bodyPr wrap="none" rtlCol="0">
+            <a:spAutoFit/>
+          </a:bodyPr>
+          <a:lstStyle/>
+          <a:p>
+            <a:pPr algn="ctr"/>
+            <a:r>
+              <a:rPr lang="en-US" sz="1100" b="1" dirty="0"/>
+              <a:t>Historical sequence</a:t>
+            </a:r>
+          </a:p>
+        </p:txBody>
+      </p:sp>
+      <p:sp>
+        <p:nvSpPr>
+          <p:cNvPr id="328" name="TextBox 327">
+            <a:extLst>
+              <a:ext uri="{FF2B5EF4-FFF2-40B4-BE49-F238E27FC236}">
+                <a16:creationId xmlns:a16="http://schemas.microsoft.com/office/drawing/2014/main" id="{100AF4D4-7C2B-4832-8EAF-55B207CFB89D}"/>
+              </a:ext>
+            </a:extLst>
+          </p:cNvPr>
+          <p:cNvSpPr txBox="1"/>
+          <p:nvPr/>
+        </p:nvSpPr>
+        <p:spPr>
+          <a:xfrm>
+            <a:off x="1216234" y="1100938"/>
+            <a:ext cx="904415" cy="261610"/>
+          </a:xfrm>
+          <a:prstGeom prst="rect">
+            <a:avLst/>
+          </a:prstGeom>
+          <a:noFill/>
+        </p:spPr>
+        <p:txBody>
+          <a:bodyPr wrap="none" rtlCol="0">
+            <a:spAutoFit/>
+          </a:bodyPr>
+          <a:lstStyle/>
+          <a:p>
+            <a:pPr algn="ctr"/>
+            <a:r>
+              <a:rPr lang="en-US" sz="1100" b="1" dirty="0"/>
+              <a:t>Observation</a:t>
+            </a:r>
+          </a:p>
+        </p:txBody>
+      </p:sp>
+      <p:sp>
+        <p:nvSpPr>
+          <p:cNvPr id="338" name="TextBox 337">
+            <a:extLst>
+              <a:ext uri="{FF2B5EF4-FFF2-40B4-BE49-F238E27FC236}">
+                <a16:creationId xmlns:a16="http://schemas.microsoft.com/office/drawing/2014/main" id="{63FCE8E3-3621-454D-9CE8-77695FD95C9A}"/>
+              </a:ext>
+            </a:extLst>
+          </p:cNvPr>
+          <p:cNvSpPr txBox="1"/>
+          <p:nvPr/>
+        </p:nvSpPr>
+        <p:spPr>
+          <a:xfrm>
+            <a:off x="1771831" y="1414393"/>
+            <a:ext cx="340158" cy="246221"/>
+          </a:xfrm>
+          <a:prstGeom prst="rect">
+            <a:avLst/>
+          </a:prstGeom>
+          <a:noFill/>
+        </p:spPr>
+        <p:txBody>
+          <a:bodyPr wrap="none" rtlCol="0">
+            <a:spAutoFit/>
+          </a:bodyPr>
+          <a:lstStyle/>
+          <a:p>
+            <a:r>
+              <a:rPr lang="en-US" sz="1000" b="1" i="1" dirty="0"/>
+              <a:t>F3’</a:t>
+            </a:r>
+          </a:p>
+        </p:txBody>
+      </p:sp>
+      <p:sp>
+        <p:nvSpPr>
+          <p:cNvPr id="339" name="TextBox 338">
+            <a:extLst>
+              <a:ext uri="{FF2B5EF4-FFF2-40B4-BE49-F238E27FC236}">
+                <a16:creationId xmlns:a16="http://schemas.microsoft.com/office/drawing/2014/main" id="{B8942934-F11E-4469-A0C9-CB63978BD7D8}"/>
+              </a:ext>
+            </a:extLst>
+          </p:cNvPr>
+          <p:cNvSpPr txBox="1"/>
+          <p:nvPr/>
+        </p:nvSpPr>
+        <p:spPr>
+          <a:xfrm>
+            <a:off x="1188700" y="1550734"/>
+            <a:ext cx="309700" cy="246221"/>
+          </a:xfrm>
+          <a:prstGeom prst="rect">
+            <a:avLst/>
+          </a:prstGeom>
+          <a:noFill/>
+        </p:spPr>
+        <p:txBody>
+          <a:bodyPr wrap="none" rtlCol="0">
+            <a:spAutoFit/>
+          </a:bodyPr>
+          <a:lstStyle/>
+          <a:p>
+            <a:r>
+              <a:rPr lang="en-US" sz="1000" b="1" i="1" dirty="0"/>
+              <a:t>F3</a:t>
+            </a:r>
+          </a:p>
+        </p:txBody>
+      </p:sp>
+      <p:sp>
+        <p:nvSpPr>
+          <p:cNvPr id="340" name="TextBox 339">
+            <a:extLst>
+              <a:ext uri="{FF2B5EF4-FFF2-40B4-BE49-F238E27FC236}">
+                <a16:creationId xmlns:a16="http://schemas.microsoft.com/office/drawing/2014/main" id="{C5B18739-C4DC-455D-BA41-5667AECE2AD0}"/>
+              </a:ext>
+            </a:extLst>
+          </p:cNvPr>
+          <p:cNvSpPr txBox="1"/>
+          <p:nvPr/>
+        </p:nvSpPr>
+        <p:spPr>
+          <a:xfrm>
+            <a:off x="1647713" y="1765214"/>
+            <a:ext cx="248786" cy="246221"/>
+          </a:xfrm>
+          <a:prstGeom prst="rect">
+            <a:avLst/>
+          </a:prstGeom>
+          <a:noFill/>
+        </p:spPr>
+        <p:txBody>
+          <a:bodyPr wrap="none" rtlCol="0">
+            <a:spAutoFit/>
+          </a:bodyPr>
+          <a:lstStyle/>
+          <a:p>
+            <a:r>
+              <a:rPr lang="en-US" sz="1000" b="1" i="1" dirty="0"/>
+              <a:t>T</a:t>
+            </a:r>
+          </a:p>
+        </p:txBody>
+      </p:sp>
+    </p:spTree>
+    <p:extLst>
+      <p:ext uri="{BB962C8B-B14F-4D97-AF65-F5344CB8AC3E}">
+        <p14:creationId xmlns:p14="http://schemas.microsoft.com/office/powerpoint/2010/main" val="2783403499"/>
+      </p:ext>
+    </p:extLst>
+  </p:cSld>
+  <p:clrMapOvr>
+    <a:masterClrMapping/>
+  </p:clrMapOvr>
+</p:sld>
+</file>
+
 <file path=ppt/theme/theme1.xml><?xml version="1.0" encoding="utf-8"?>
 <a:theme xmlns:a="http://schemas.openxmlformats.org/drawingml/2006/main" name="Office Theme">
   <a:themeElements>

--- a/figures/pptx files/fig_concept.pptx
+++ b/figures/pptx files/fig_concept.pptx
@@ -262,7 +262,7 @@
           <a:p>
             <a:fld id="{3B276FCD-F082-45A6-8C97-26B866899B8F}" type="datetimeFigureOut">
               <a:rPr lang="en-US" smtClean="0"/>
-              <a:t>9/13/2019</a:t>
+              <a:t>9/14/2019</a:t>
             </a:fld>
             <a:endParaRPr lang="en-US"/>
           </a:p>
@@ -460,7 +460,7 @@
           <a:p>
             <a:fld id="{3B276FCD-F082-45A6-8C97-26B866899B8F}" type="datetimeFigureOut">
               <a:rPr lang="en-US" smtClean="0"/>
-              <a:t>9/13/2019</a:t>
+              <a:t>9/14/2019</a:t>
             </a:fld>
             <a:endParaRPr lang="en-US"/>
           </a:p>
@@ -668,7 +668,7 @@
           <a:p>
             <a:fld id="{3B276FCD-F082-45A6-8C97-26B866899B8F}" type="datetimeFigureOut">
               <a:rPr lang="en-US" smtClean="0"/>
-              <a:t>9/13/2019</a:t>
+              <a:t>9/14/2019</a:t>
             </a:fld>
             <a:endParaRPr lang="en-US"/>
           </a:p>
@@ -866,7 +866,7 @@
           <a:p>
             <a:fld id="{3B276FCD-F082-45A6-8C97-26B866899B8F}" type="datetimeFigureOut">
               <a:rPr lang="en-US" smtClean="0"/>
-              <a:t>9/13/2019</a:t>
+              <a:t>9/14/2019</a:t>
             </a:fld>
             <a:endParaRPr lang="en-US"/>
           </a:p>
@@ -1141,7 +1141,7 @@
           <a:p>
             <a:fld id="{3B276FCD-F082-45A6-8C97-26B866899B8F}" type="datetimeFigureOut">
               <a:rPr lang="en-US" smtClean="0"/>
-              <a:t>9/13/2019</a:t>
+              <a:t>9/14/2019</a:t>
             </a:fld>
             <a:endParaRPr lang="en-US"/>
           </a:p>
@@ -1406,7 +1406,7 @@
           <a:p>
             <a:fld id="{3B276FCD-F082-45A6-8C97-26B866899B8F}" type="datetimeFigureOut">
               <a:rPr lang="en-US" smtClean="0"/>
-              <a:t>9/13/2019</a:t>
+              <a:t>9/14/2019</a:t>
             </a:fld>
             <a:endParaRPr lang="en-US"/>
           </a:p>
@@ -1818,7 +1818,7 @@
           <a:p>
             <a:fld id="{3B276FCD-F082-45A6-8C97-26B866899B8F}" type="datetimeFigureOut">
               <a:rPr lang="en-US" smtClean="0"/>
-              <a:t>9/13/2019</a:t>
+              <a:t>9/14/2019</a:t>
             </a:fld>
             <a:endParaRPr lang="en-US"/>
           </a:p>
@@ -1959,7 +1959,7 @@
           <a:p>
             <a:fld id="{3B276FCD-F082-45A6-8C97-26B866899B8F}" type="datetimeFigureOut">
               <a:rPr lang="en-US" smtClean="0"/>
-              <a:t>9/13/2019</a:t>
+              <a:t>9/14/2019</a:t>
             </a:fld>
             <a:endParaRPr lang="en-US"/>
           </a:p>
@@ -2072,7 +2072,7 @@
           <a:p>
             <a:fld id="{3B276FCD-F082-45A6-8C97-26B866899B8F}" type="datetimeFigureOut">
               <a:rPr lang="en-US" smtClean="0"/>
-              <a:t>9/13/2019</a:t>
+              <a:t>9/14/2019</a:t>
             </a:fld>
             <a:endParaRPr lang="en-US"/>
           </a:p>
@@ -2383,7 +2383,7 @@
           <a:p>
             <a:fld id="{3B276FCD-F082-45A6-8C97-26B866899B8F}" type="datetimeFigureOut">
               <a:rPr lang="en-US" smtClean="0"/>
-              <a:t>9/13/2019</a:t>
+              <a:t>9/14/2019</a:t>
             </a:fld>
             <a:endParaRPr lang="en-US"/>
           </a:p>
@@ -2671,7 +2671,7 @@
           <a:p>
             <a:fld id="{3B276FCD-F082-45A6-8C97-26B866899B8F}" type="datetimeFigureOut">
               <a:rPr lang="en-US" smtClean="0"/>
-              <a:t>9/13/2019</a:t>
+              <a:t>9/14/2019</a:t>
             </a:fld>
             <a:endParaRPr lang="en-US"/>
           </a:p>
@@ -2912,7 +2912,7 @@
           <a:p>
             <a:fld id="{3B276FCD-F082-45A6-8C97-26B866899B8F}" type="datetimeFigureOut">
               <a:rPr lang="en-US" smtClean="0"/>
-              <a:t>9/13/2019</a:t>
+              <a:t>9/14/2019</a:t>
             </a:fld>
             <a:endParaRPr lang="en-US"/>
           </a:p>
@@ -18872,7 +18872,9 @@
             <a:ext cx="384048" cy="261621"/>
           </a:xfrm>
           <a:prstGeom prst="can">
-            <a:avLst/>
+            <a:avLst>
+              <a:gd name="adj" fmla="val 50000"/>
+            </a:avLst>
           </a:prstGeom>
         </p:spPr>
         <p:style>
@@ -18918,7 +18920,9 @@
             <a:ext cx="210312" cy="151319"/>
           </a:xfrm>
           <a:prstGeom prst="can">
-            <a:avLst/>
+            <a:avLst>
+              <a:gd name="adj" fmla="val 50000"/>
+            </a:avLst>
           </a:prstGeom>
           <a:solidFill>
             <a:srgbClr val="7030A0"/>
@@ -18972,7 +18976,9 @@
             <a:ext cx="154049" cy="109728"/>
           </a:xfrm>
           <a:prstGeom prst="can">
-            <a:avLst/>
+            <a:avLst>
+              <a:gd name="adj" fmla="val 50000"/>
+            </a:avLst>
           </a:prstGeom>
           <a:solidFill>
             <a:srgbClr val="92D050"/>
@@ -19026,7 +19032,9 @@
             <a:ext cx="118872" cy="82296"/>
           </a:xfrm>
           <a:prstGeom prst="can">
-            <a:avLst/>
+            <a:avLst>
+              <a:gd name="adj" fmla="val 50000"/>
+            </a:avLst>
           </a:prstGeom>
           <a:solidFill>
             <a:srgbClr val="FF0000"/>
@@ -19080,7 +19088,9 @@
             <a:ext cx="137160" cy="91440"/>
           </a:xfrm>
           <a:prstGeom prst="can">
-            <a:avLst/>
+            <a:avLst>
+              <a:gd name="adj" fmla="val 50000"/>
+            </a:avLst>
           </a:prstGeom>
           <a:solidFill>
             <a:srgbClr val="92D050"/>
@@ -19112,7 +19122,7 @@
           <a:lstStyle/>
           <a:p>
             <a:pPr algn="ctr"/>
-            <a:endParaRPr lang="en-US"/>
+            <a:endParaRPr lang="en-US" dirty="0"/>
           </a:p>
         </p:txBody>
       </p:sp>
@@ -19662,69 +19672,6 @@
       </p:cxnSp>
       <p:sp>
         <p:nvSpPr>
-          <p:cNvPr id="2" name="Arrow: Right 1">
-            <a:extLst>
-              <a:ext uri="{FF2B5EF4-FFF2-40B4-BE49-F238E27FC236}">
-                <a16:creationId xmlns:a16="http://schemas.microsoft.com/office/drawing/2014/main" id="{83F335F3-B774-427C-A047-D22CCB2358B9}"/>
-              </a:ext>
-            </a:extLst>
-          </p:cNvPr>
-          <p:cNvSpPr/>
-          <p:nvPr/>
-        </p:nvSpPr>
-        <p:spPr>
-          <a:xfrm>
-            <a:off x="7571142" y="884005"/>
-            <a:ext cx="1216256" cy="452612"/>
-          </a:xfrm>
-          <a:prstGeom prst="rightArrow">
-            <a:avLst>
-              <a:gd name="adj1" fmla="val 50000"/>
-              <a:gd name="adj2" fmla="val 99350"/>
-            </a:avLst>
-          </a:prstGeom>
-          <a:solidFill>
-            <a:srgbClr val="FF0000"/>
-          </a:solidFill>
-          <a:ln w="6350">
-            <a:solidFill>
-              <a:schemeClr val="tx1"/>
-            </a:solidFill>
-          </a:ln>
-          <a:scene3d>
-            <a:camera prst="isometricOffAxis1Top">
-              <a:rot lat="18969643" lon="18762693" rev="4983430"/>
-            </a:camera>
-            <a:lightRig rig="threePt" dir="t"/>
-          </a:scene3d>
-        </p:spPr>
-        <p:style>
-          <a:lnRef idx="2">
-            <a:schemeClr val="accent1">
-              <a:shade val="50000"/>
-            </a:schemeClr>
-          </a:lnRef>
-          <a:fillRef idx="1">
-            <a:schemeClr val="accent1"/>
-          </a:fillRef>
-          <a:effectRef idx="0">
-            <a:schemeClr val="accent1"/>
-          </a:effectRef>
-          <a:fontRef idx="minor">
-            <a:schemeClr val="lt1"/>
-          </a:fontRef>
-        </p:style>
-        <p:txBody>
-          <a:bodyPr rtlCol="0" anchor="ctr"/>
-          <a:lstStyle/>
-          <a:p>
-            <a:pPr algn="ctr"/>
-            <a:endParaRPr lang="en-US"/>
-          </a:p>
-        </p:txBody>
-      </p:sp>
-      <p:sp>
-        <p:nvSpPr>
           <p:cNvPr id="5" name="TextBox 4">
             <a:extLst>
               <a:ext uri="{FF2B5EF4-FFF2-40B4-BE49-F238E27FC236}">
@@ -19952,8 +19899,8 @@
           </a:p>
         </p:txBody>
       </p:sp>
-      <mc:AlternateContent xmlns:mc="http://schemas.openxmlformats.org/markup-compatibility/2006">
-        <mc:Choice xmlns:a14="http://schemas.microsoft.com/office/drawing/2010/main" Requires="a14">
+      <mc:AlternateContent xmlns:mc="http://schemas.openxmlformats.org/markup-compatibility/2006" xmlns:a14="http://schemas.microsoft.com/office/drawing/2010/main">
+        <mc:Choice Requires="a14">
           <p:sp>
             <p:nvSpPr>
               <p:cNvPr id="39" name="TextBox 38">
@@ -20033,7 +19980,7 @@
             </p:txBody>
           </p:sp>
         </mc:Choice>
-        <mc:Fallback>
+        <mc:Fallback xmlns="">
           <p:sp>
             <p:nvSpPr>
               <p:cNvPr id="39" name="TextBox 38">
@@ -20078,8 +20025,8 @@
           </p:sp>
         </mc:Fallback>
       </mc:AlternateContent>
-      <mc:AlternateContent xmlns:mc="http://schemas.openxmlformats.org/markup-compatibility/2006">
-        <mc:Choice xmlns:a14="http://schemas.microsoft.com/office/drawing/2010/main" Requires="a14">
+      <mc:AlternateContent xmlns:mc="http://schemas.openxmlformats.org/markup-compatibility/2006" xmlns:a14="http://schemas.microsoft.com/office/drawing/2010/main">
+        <mc:Choice Requires="a14">
           <p:sp>
             <p:nvSpPr>
               <p:cNvPr id="44" name="TextBox 43">
@@ -20147,7 +20094,7 @@
             </p:txBody>
           </p:sp>
         </mc:Choice>
-        <mc:Fallback>
+        <mc:Fallback xmlns="">
           <p:sp>
             <p:nvSpPr>
               <p:cNvPr id="44" name="TextBox 43">
@@ -20192,8 +20139,8 @@
           </p:sp>
         </mc:Fallback>
       </mc:AlternateContent>
-      <mc:AlternateContent xmlns:mc="http://schemas.openxmlformats.org/markup-compatibility/2006">
-        <mc:Choice xmlns:a14="http://schemas.microsoft.com/office/drawing/2010/main" Requires="a14">
+      <mc:AlternateContent xmlns:mc="http://schemas.openxmlformats.org/markup-compatibility/2006" xmlns:a14="http://schemas.microsoft.com/office/drawing/2010/main">
+        <mc:Choice Requires="a14">
           <p:sp>
             <p:nvSpPr>
               <p:cNvPr id="54" name="TextBox 53">
@@ -20261,7 +20208,7 @@
             </p:txBody>
           </p:sp>
         </mc:Choice>
-        <mc:Fallback>
+        <mc:Fallback xmlns="">
           <p:sp>
             <p:nvSpPr>
               <p:cNvPr id="54" name="TextBox 53">

--- a/figures/pptx files/fig_concept.pptx
+++ b/figures/pptx files/fig_concept.pptx
@@ -9,6 +9,7 @@
     <p:sldId id="258" r:id="rId3"/>
     <p:sldId id="259" r:id="rId4"/>
     <p:sldId id="260" r:id="rId5"/>
+    <p:sldId id="261" r:id="rId6"/>
   </p:sldIdLst>
   <p:sldSz cx="12192000" cy="6858000"/>
   <p:notesSz cx="6858000" cy="9144000"/>
@@ -262,7 +263,7 @@
           <a:p>
             <a:fld id="{3B276FCD-F082-45A6-8C97-26B866899B8F}" type="datetimeFigureOut">
               <a:rPr lang="en-US" smtClean="0"/>
-              <a:t>9/14/2019</a:t>
+              <a:t>2/29/2020</a:t>
             </a:fld>
             <a:endParaRPr lang="en-US"/>
           </a:p>
@@ -460,7 +461,7 @@
           <a:p>
             <a:fld id="{3B276FCD-F082-45A6-8C97-26B866899B8F}" type="datetimeFigureOut">
               <a:rPr lang="en-US" smtClean="0"/>
-              <a:t>9/14/2019</a:t>
+              <a:t>2/29/2020</a:t>
             </a:fld>
             <a:endParaRPr lang="en-US"/>
           </a:p>
@@ -668,7 +669,7 @@
           <a:p>
             <a:fld id="{3B276FCD-F082-45A6-8C97-26B866899B8F}" type="datetimeFigureOut">
               <a:rPr lang="en-US" smtClean="0"/>
-              <a:t>9/14/2019</a:t>
+              <a:t>2/29/2020</a:t>
             </a:fld>
             <a:endParaRPr lang="en-US"/>
           </a:p>
@@ -866,7 +867,7 @@
           <a:p>
             <a:fld id="{3B276FCD-F082-45A6-8C97-26B866899B8F}" type="datetimeFigureOut">
               <a:rPr lang="en-US" smtClean="0"/>
-              <a:t>9/14/2019</a:t>
+              <a:t>2/29/2020</a:t>
             </a:fld>
             <a:endParaRPr lang="en-US"/>
           </a:p>
@@ -1141,7 +1142,7 @@
           <a:p>
             <a:fld id="{3B276FCD-F082-45A6-8C97-26B866899B8F}" type="datetimeFigureOut">
               <a:rPr lang="en-US" smtClean="0"/>
-              <a:t>9/14/2019</a:t>
+              <a:t>2/29/2020</a:t>
             </a:fld>
             <a:endParaRPr lang="en-US"/>
           </a:p>
@@ -1406,7 +1407,7 @@
           <a:p>
             <a:fld id="{3B276FCD-F082-45A6-8C97-26B866899B8F}" type="datetimeFigureOut">
               <a:rPr lang="en-US" smtClean="0"/>
-              <a:t>9/14/2019</a:t>
+              <a:t>2/29/2020</a:t>
             </a:fld>
             <a:endParaRPr lang="en-US"/>
           </a:p>
@@ -1818,7 +1819,7 @@
           <a:p>
             <a:fld id="{3B276FCD-F082-45A6-8C97-26B866899B8F}" type="datetimeFigureOut">
               <a:rPr lang="en-US" smtClean="0"/>
-              <a:t>9/14/2019</a:t>
+              <a:t>2/29/2020</a:t>
             </a:fld>
             <a:endParaRPr lang="en-US"/>
           </a:p>
@@ -1959,7 +1960,7 @@
           <a:p>
             <a:fld id="{3B276FCD-F082-45A6-8C97-26B866899B8F}" type="datetimeFigureOut">
               <a:rPr lang="en-US" smtClean="0"/>
-              <a:t>9/14/2019</a:t>
+              <a:t>2/29/2020</a:t>
             </a:fld>
             <a:endParaRPr lang="en-US"/>
           </a:p>
@@ -2072,7 +2073,7 @@
           <a:p>
             <a:fld id="{3B276FCD-F082-45A6-8C97-26B866899B8F}" type="datetimeFigureOut">
               <a:rPr lang="en-US" smtClean="0"/>
-              <a:t>9/14/2019</a:t>
+              <a:t>2/29/2020</a:t>
             </a:fld>
             <a:endParaRPr lang="en-US"/>
           </a:p>
@@ -2383,7 +2384,7 @@
           <a:p>
             <a:fld id="{3B276FCD-F082-45A6-8C97-26B866899B8F}" type="datetimeFigureOut">
               <a:rPr lang="en-US" smtClean="0"/>
-              <a:t>9/14/2019</a:t>
+              <a:t>2/29/2020</a:t>
             </a:fld>
             <a:endParaRPr lang="en-US"/>
           </a:p>
@@ -2671,7 +2672,7 @@
           <a:p>
             <a:fld id="{3B276FCD-F082-45A6-8C97-26B866899B8F}" type="datetimeFigureOut">
               <a:rPr lang="en-US" smtClean="0"/>
-              <a:t>9/14/2019</a:t>
+              <a:t>2/29/2020</a:t>
             </a:fld>
             <a:endParaRPr lang="en-US"/>
           </a:p>
@@ -2912,7 +2913,7 @@
           <a:p>
             <a:fld id="{3B276FCD-F082-45A6-8C97-26B866899B8F}" type="datetimeFigureOut">
               <a:rPr lang="en-US" smtClean="0"/>
-              <a:t>9/14/2019</a:t>
+              <a:t>2/29/2020</a:t>
             </a:fld>
             <a:endParaRPr lang="en-US"/>
           </a:p>
@@ -23878,6 +23879,4956 @@
 </p:sld>
 </file>
 
+<file path=ppt/slides/slide5.xml><?xml version="1.0" encoding="utf-8"?>
+<p:sld xmlns:a="http://schemas.openxmlformats.org/drawingml/2006/main" xmlns:r="http://schemas.openxmlformats.org/officeDocument/2006/relationships" xmlns:p="http://schemas.openxmlformats.org/presentationml/2006/main">
+  <p:cSld>
+    <p:spTree>
+      <p:nvGrpSpPr>
+        <p:cNvPr id="1" name=""/>
+        <p:cNvGrpSpPr/>
+        <p:nvPr/>
+      </p:nvGrpSpPr>
+      <p:grpSpPr>
+        <a:xfrm>
+          <a:off x="0" y="0"/>
+          <a:ext cx="0" cy="0"/>
+          <a:chOff x="0" y="0"/>
+          <a:chExt cx="0" cy="0"/>
+        </a:xfrm>
+      </p:grpSpPr>
+      <p:sp>
+        <p:nvSpPr>
+          <p:cNvPr id="337" name="Trapezoid 336">
+            <a:extLst>
+              <a:ext uri="{FF2B5EF4-FFF2-40B4-BE49-F238E27FC236}">
+                <a16:creationId xmlns:a16="http://schemas.microsoft.com/office/drawing/2014/main" id="{F5CFD24F-D494-48AD-8BD6-AB7CCCE4ECE0}"/>
+              </a:ext>
+            </a:extLst>
+          </p:cNvPr>
+          <p:cNvSpPr/>
+          <p:nvPr/>
+        </p:nvSpPr>
+        <p:spPr>
+          <a:xfrm>
+            <a:off x="5503892" y="1393301"/>
+            <a:ext cx="1568733" cy="3420000"/>
+          </a:xfrm>
+          <a:prstGeom prst="trapezoid">
+            <a:avLst>
+              <a:gd name="adj" fmla="val 16580"/>
+            </a:avLst>
+          </a:prstGeom>
+          <a:solidFill>
+            <a:srgbClr val="FFFF00">
+              <a:alpha val="80000"/>
+            </a:srgbClr>
+          </a:solidFill>
+          <a:ln w="6350">
+            <a:noFill/>
+            <a:prstDash val="solid"/>
+          </a:ln>
+          <a:scene3d>
+            <a:camera prst="orthographicFront">
+              <a:rot lat="19206104" lon="150045" rev="21563529"/>
+            </a:camera>
+            <a:lightRig rig="threePt" dir="t"/>
+          </a:scene3d>
+        </p:spPr>
+        <p:style>
+          <a:lnRef idx="2">
+            <a:schemeClr val="accent1">
+              <a:shade val="50000"/>
+            </a:schemeClr>
+          </a:lnRef>
+          <a:fillRef idx="1">
+            <a:schemeClr val="accent1"/>
+          </a:fillRef>
+          <a:effectRef idx="0">
+            <a:schemeClr val="accent1"/>
+          </a:effectRef>
+          <a:fontRef idx="minor">
+            <a:schemeClr val="lt1"/>
+          </a:fontRef>
+        </p:style>
+        <p:txBody>
+          <a:bodyPr rtlCol="0" anchor="ctr"/>
+          <a:lstStyle/>
+          <a:p>
+            <a:pPr algn="ctr"/>
+            <a:endParaRPr lang="en-US"/>
+          </a:p>
+        </p:txBody>
+      </p:sp>
+      <p:sp>
+        <p:nvSpPr>
+          <p:cNvPr id="331" name="Trapezoid 330">
+            <a:extLst>
+              <a:ext uri="{FF2B5EF4-FFF2-40B4-BE49-F238E27FC236}">
+                <a16:creationId xmlns:a16="http://schemas.microsoft.com/office/drawing/2014/main" id="{EB5BF5E8-D044-4298-836B-615E5F7B4F12}"/>
+              </a:ext>
+            </a:extLst>
+          </p:cNvPr>
+          <p:cNvSpPr/>
+          <p:nvPr/>
+        </p:nvSpPr>
+        <p:spPr>
+          <a:xfrm>
+            <a:off x="4507855" y="1393301"/>
+            <a:ext cx="2288987" cy="3420000"/>
+          </a:xfrm>
+          <a:prstGeom prst="trapezoid">
+            <a:avLst>
+              <a:gd name="adj" fmla="val 29897"/>
+            </a:avLst>
+          </a:prstGeom>
+          <a:solidFill>
+            <a:srgbClr val="FFFF00">
+              <a:alpha val="80000"/>
+            </a:srgbClr>
+          </a:solidFill>
+          <a:ln w="6350">
+            <a:noFill/>
+            <a:prstDash val="solid"/>
+          </a:ln>
+          <a:scene3d>
+            <a:camera prst="orthographicFront">
+              <a:rot lat="19206104" lon="150045" rev="21563529"/>
+            </a:camera>
+            <a:lightRig rig="threePt" dir="t"/>
+          </a:scene3d>
+        </p:spPr>
+        <p:style>
+          <a:lnRef idx="2">
+            <a:schemeClr val="accent1">
+              <a:shade val="50000"/>
+            </a:schemeClr>
+          </a:lnRef>
+          <a:fillRef idx="1">
+            <a:schemeClr val="accent1"/>
+          </a:fillRef>
+          <a:effectRef idx="0">
+            <a:schemeClr val="accent1"/>
+          </a:effectRef>
+          <a:fontRef idx="minor">
+            <a:schemeClr val="lt1"/>
+          </a:fontRef>
+        </p:style>
+        <p:txBody>
+          <a:bodyPr rtlCol="0" anchor="ctr"/>
+          <a:lstStyle/>
+          <a:p>
+            <a:pPr algn="ctr"/>
+            <a:endParaRPr lang="en-US"/>
+          </a:p>
+        </p:txBody>
+      </p:sp>
+      <p:sp>
+        <p:nvSpPr>
+          <p:cNvPr id="96" name="Rectangle: Diagonal Corners Rounded 95">
+            <a:extLst>
+              <a:ext uri="{FF2B5EF4-FFF2-40B4-BE49-F238E27FC236}">
+                <a16:creationId xmlns:a16="http://schemas.microsoft.com/office/drawing/2014/main" id="{736F94F9-970D-48F7-979C-B1E727F40210}"/>
+              </a:ext>
+            </a:extLst>
+          </p:cNvPr>
+          <p:cNvSpPr/>
+          <p:nvPr/>
+        </p:nvSpPr>
+        <p:spPr>
+          <a:xfrm>
+            <a:off x="2273300" y="2648547"/>
+            <a:ext cx="2206287" cy="1764452"/>
+          </a:xfrm>
+          <a:prstGeom prst="round2DiagRect">
+            <a:avLst>
+              <a:gd name="adj1" fmla="val 8667"/>
+              <a:gd name="adj2" fmla="val 0"/>
+            </a:avLst>
+          </a:prstGeom>
+          <a:solidFill>
+            <a:schemeClr val="bg1"/>
+          </a:solidFill>
+          <a:ln w="8890">
+            <a:solidFill>
+              <a:schemeClr val="tx1"/>
+            </a:solidFill>
+          </a:ln>
+        </p:spPr>
+        <p:style>
+          <a:lnRef idx="3">
+            <a:schemeClr val="lt1"/>
+          </a:lnRef>
+          <a:fillRef idx="1">
+            <a:schemeClr val="accent5"/>
+          </a:fillRef>
+          <a:effectRef idx="1">
+            <a:schemeClr val="accent5"/>
+          </a:effectRef>
+          <a:fontRef idx="minor">
+            <a:schemeClr val="lt1"/>
+          </a:fontRef>
+        </p:style>
+        <p:txBody>
+          <a:bodyPr rtlCol="0" anchor="ctr"/>
+          <a:lstStyle/>
+          <a:p>
+            <a:pPr algn="ctr"/>
+            <a:endParaRPr lang="en-US" dirty="0"/>
+          </a:p>
+        </p:txBody>
+      </p:sp>
+      <p:sp>
+        <p:nvSpPr>
+          <p:cNvPr id="324" name="Freeform: Shape 323">
+            <a:extLst>
+              <a:ext uri="{FF2B5EF4-FFF2-40B4-BE49-F238E27FC236}">
+                <a16:creationId xmlns:a16="http://schemas.microsoft.com/office/drawing/2014/main" id="{30EB4EB2-8FAD-44CC-89B0-58639F48F3B5}"/>
+              </a:ext>
+            </a:extLst>
+          </p:cNvPr>
+          <p:cNvSpPr/>
+          <p:nvPr/>
+        </p:nvSpPr>
+        <p:spPr>
+          <a:xfrm>
+            <a:off x="2710815" y="1308100"/>
+            <a:ext cx="116993" cy="581025"/>
+          </a:xfrm>
+          <a:custGeom>
+            <a:avLst/>
+            <a:gdLst>
+              <a:gd name="connsiteX0" fmla="*/ 0 w 107914"/>
+              <a:gd name="connsiteY0" fmla="*/ 579828 h 579828"/>
+              <a:gd name="connsiteX1" fmla="*/ 104775 w 107914"/>
+              <a:gd name="connsiteY1" fmla="*/ 255978 h 579828"/>
+              <a:gd name="connsiteX2" fmla="*/ 95250 w 107914"/>
+              <a:gd name="connsiteY2" fmla="*/ 3566 h 579828"/>
+            </a:gdLst>
+            <a:ahLst/>
+            <a:cxnLst>
+              <a:cxn ang="0">
+                <a:pos x="connsiteX0" y="connsiteY0"/>
+              </a:cxn>
+              <a:cxn ang="0">
+                <a:pos x="connsiteX1" y="connsiteY1"/>
+              </a:cxn>
+              <a:cxn ang="0">
+                <a:pos x="connsiteX2" y="connsiteY2"/>
+              </a:cxn>
+            </a:cxnLst>
+            <a:rect l="l" t="t" r="r" b="b"/>
+            <a:pathLst>
+              <a:path w="107914" h="579828">
+                <a:moveTo>
+                  <a:pt x="0" y="579828"/>
+                </a:moveTo>
+                <a:cubicBezTo>
+                  <a:pt x="44450" y="465925"/>
+                  <a:pt x="88900" y="352022"/>
+                  <a:pt x="104775" y="255978"/>
+                </a:cubicBezTo>
+                <a:cubicBezTo>
+                  <a:pt x="120650" y="159934"/>
+                  <a:pt x="69850" y="-28184"/>
+                  <a:pt x="95250" y="3566"/>
+                </a:cubicBezTo>
+              </a:path>
+            </a:pathLst>
+          </a:custGeom>
+          <a:noFill/>
+          <a:ln w="8890">
+            <a:solidFill>
+              <a:schemeClr val="accent3"/>
+            </a:solidFill>
+          </a:ln>
+        </p:spPr>
+        <p:style>
+          <a:lnRef idx="2">
+            <a:schemeClr val="accent1">
+              <a:shade val="50000"/>
+            </a:schemeClr>
+          </a:lnRef>
+          <a:fillRef idx="1">
+            <a:schemeClr val="accent1"/>
+          </a:fillRef>
+          <a:effectRef idx="0">
+            <a:schemeClr val="accent1"/>
+          </a:effectRef>
+          <a:fontRef idx="minor">
+            <a:schemeClr val="lt1"/>
+          </a:fontRef>
+        </p:style>
+        <p:txBody>
+          <a:bodyPr rtlCol="0" anchor="ctr"/>
+          <a:lstStyle/>
+          <a:p>
+            <a:pPr algn="ctr"/>
+            <a:endParaRPr lang="en-US"/>
+          </a:p>
+        </p:txBody>
+      </p:sp>
+      <p:sp>
+        <p:nvSpPr>
+          <p:cNvPr id="323" name="Freeform: Shape 322">
+            <a:extLst>
+              <a:ext uri="{FF2B5EF4-FFF2-40B4-BE49-F238E27FC236}">
+                <a16:creationId xmlns:a16="http://schemas.microsoft.com/office/drawing/2014/main" id="{EDC10F97-2873-47D1-87E8-154F9392C265}"/>
+              </a:ext>
+            </a:extLst>
+          </p:cNvPr>
+          <p:cNvSpPr/>
+          <p:nvPr/>
+        </p:nvSpPr>
+        <p:spPr>
+          <a:xfrm>
+            <a:off x="2562797" y="1314450"/>
+            <a:ext cx="143257" cy="581025"/>
+          </a:xfrm>
+          <a:custGeom>
+            <a:avLst/>
+            <a:gdLst>
+              <a:gd name="connsiteX0" fmla="*/ 143257 w 143257"/>
+              <a:gd name="connsiteY0" fmla="*/ 581025 h 581025"/>
+              <a:gd name="connsiteX1" fmla="*/ 382 w 143257"/>
+              <a:gd name="connsiteY1" fmla="*/ 314325 h 581025"/>
+              <a:gd name="connsiteX2" fmla="*/ 100394 w 143257"/>
+              <a:gd name="connsiteY2" fmla="*/ 0 h 581025"/>
+            </a:gdLst>
+            <a:ahLst/>
+            <a:cxnLst>
+              <a:cxn ang="0">
+                <a:pos x="connsiteX0" y="connsiteY0"/>
+              </a:cxn>
+              <a:cxn ang="0">
+                <a:pos x="connsiteX1" y="connsiteY1"/>
+              </a:cxn>
+              <a:cxn ang="0">
+                <a:pos x="connsiteX2" y="connsiteY2"/>
+              </a:cxn>
+            </a:cxnLst>
+            <a:rect l="l" t="t" r="r" b="b"/>
+            <a:pathLst>
+              <a:path w="143257" h="581025">
+                <a:moveTo>
+                  <a:pt x="143257" y="581025"/>
+                </a:moveTo>
+                <a:cubicBezTo>
+                  <a:pt x="75391" y="496093"/>
+                  <a:pt x="7526" y="411162"/>
+                  <a:pt x="382" y="314325"/>
+                </a:cubicBezTo>
+                <a:cubicBezTo>
+                  <a:pt x="-6762" y="217488"/>
+                  <a:pt x="88488" y="15081"/>
+                  <a:pt x="100394" y="0"/>
+                </a:cubicBezTo>
+              </a:path>
+            </a:pathLst>
+          </a:custGeom>
+          <a:noFill/>
+          <a:ln w="8890">
+            <a:solidFill>
+              <a:schemeClr val="accent3"/>
+            </a:solidFill>
+          </a:ln>
+        </p:spPr>
+        <p:style>
+          <a:lnRef idx="2">
+            <a:schemeClr val="accent1">
+              <a:shade val="50000"/>
+            </a:schemeClr>
+          </a:lnRef>
+          <a:fillRef idx="1">
+            <a:schemeClr val="accent1"/>
+          </a:fillRef>
+          <a:effectRef idx="0">
+            <a:schemeClr val="accent1"/>
+          </a:effectRef>
+          <a:fontRef idx="minor">
+            <a:schemeClr val="lt1"/>
+          </a:fontRef>
+        </p:style>
+        <p:txBody>
+          <a:bodyPr rtlCol="0" anchor="ctr"/>
+          <a:lstStyle/>
+          <a:p>
+            <a:pPr algn="ctr"/>
+            <a:endParaRPr lang="en-US"/>
+          </a:p>
+        </p:txBody>
+      </p:sp>
+      <p:sp>
+        <p:nvSpPr>
+          <p:cNvPr id="89" name="Teardrop 88">
+            <a:extLst>
+              <a:ext uri="{FF2B5EF4-FFF2-40B4-BE49-F238E27FC236}">
+                <a16:creationId xmlns:a16="http://schemas.microsoft.com/office/drawing/2014/main" id="{591901F0-DE9B-4C25-8F1F-53CC054AC2CA}"/>
+              </a:ext>
+            </a:extLst>
+          </p:cNvPr>
+          <p:cNvSpPr/>
+          <p:nvPr/>
+        </p:nvSpPr>
+        <p:spPr>
+          <a:xfrm rot="10538874">
+            <a:off x="4850887" y="3199052"/>
+            <a:ext cx="1479261" cy="1008337"/>
+          </a:xfrm>
+          <a:prstGeom prst="teardrop">
+            <a:avLst>
+              <a:gd name="adj" fmla="val 89487"/>
+            </a:avLst>
+          </a:prstGeom>
+          <a:solidFill>
+            <a:schemeClr val="bg1"/>
+          </a:solidFill>
+          <a:ln w="0">
+            <a:solidFill>
+              <a:schemeClr val="tx2"/>
+            </a:solidFill>
+            <a:prstDash val="dash"/>
+          </a:ln>
+        </p:spPr>
+        <p:style>
+          <a:lnRef idx="2">
+            <a:schemeClr val="accent1">
+              <a:shade val="50000"/>
+            </a:schemeClr>
+          </a:lnRef>
+          <a:fillRef idx="1">
+            <a:schemeClr val="accent1"/>
+          </a:fillRef>
+          <a:effectRef idx="0">
+            <a:schemeClr val="accent1"/>
+          </a:effectRef>
+          <a:fontRef idx="minor">
+            <a:schemeClr val="lt1"/>
+          </a:fontRef>
+        </p:style>
+        <p:txBody>
+          <a:bodyPr rtlCol="0" anchor="ctr"/>
+          <a:lstStyle/>
+          <a:p>
+            <a:pPr algn="ctr"/>
+            <a:endParaRPr lang="en-US" dirty="0"/>
+          </a:p>
+        </p:txBody>
+      </p:sp>
+      <p:sp>
+        <p:nvSpPr>
+          <p:cNvPr id="74" name="Flowchart: Data 73">
+            <a:extLst>
+              <a:ext uri="{FF2B5EF4-FFF2-40B4-BE49-F238E27FC236}">
+                <a16:creationId xmlns:a16="http://schemas.microsoft.com/office/drawing/2014/main" id="{2E27C9DA-5240-4248-BD0F-E201B6248BDD}"/>
+              </a:ext>
+            </a:extLst>
+          </p:cNvPr>
+          <p:cNvSpPr/>
+          <p:nvPr/>
+        </p:nvSpPr>
+        <p:spPr>
+          <a:xfrm>
+            <a:off x="5244929" y="2162986"/>
+            <a:ext cx="1536289" cy="1125757"/>
+          </a:xfrm>
+          <a:prstGeom prst="flowChartInputOutput">
+            <a:avLst/>
+          </a:prstGeom>
+          <a:pattFill prst="dashUpDiag">
+            <a:fgClr>
+              <a:schemeClr val="accent5"/>
+            </a:fgClr>
+            <a:bgClr>
+              <a:schemeClr val="bg1"/>
+            </a:bgClr>
+          </a:pattFill>
+          <a:ln w="8890">
+            <a:solidFill>
+              <a:schemeClr val="tx1"/>
+            </a:solidFill>
+          </a:ln>
+          <a:scene3d>
+            <a:camera prst="orthographicFront">
+              <a:rot lat="19199993" lon="0" rev="0"/>
+            </a:camera>
+            <a:lightRig rig="threePt" dir="t"/>
+          </a:scene3d>
+        </p:spPr>
+        <p:style>
+          <a:lnRef idx="2">
+            <a:schemeClr val="accent1">
+              <a:shade val="50000"/>
+            </a:schemeClr>
+          </a:lnRef>
+          <a:fillRef idx="1">
+            <a:schemeClr val="accent1"/>
+          </a:fillRef>
+          <a:effectRef idx="0">
+            <a:schemeClr val="accent1"/>
+          </a:effectRef>
+          <a:fontRef idx="minor">
+            <a:schemeClr val="lt1"/>
+          </a:fontRef>
+        </p:style>
+        <p:txBody>
+          <a:bodyPr rtlCol="0" anchor="ctr"/>
+          <a:lstStyle/>
+          <a:p>
+            <a:pPr algn="ctr"/>
+            <a:endParaRPr lang="en-US"/>
+          </a:p>
+        </p:txBody>
+      </p:sp>
+      <p:cxnSp>
+        <p:nvCxnSpPr>
+          <p:cNvPr id="121" name="Straight Connector 120">
+            <a:extLst>
+              <a:ext uri="{FF2B5EF4-FFF2-40B4-BE49-F238E27FC236}">
+                <a16:creationId xmlns:a16="http://schemas.microsoft.com/office/drawing/2014/main" id="{A0349618-0824-4259-81DF-D31654F8A772}"/>
+              </a:ext>
+            </a:extLst>
+          </p:cNvPr>
+          <p:cNvCxnSpPr/>
+          <p:nvPr/>
+        </p:nvCxnSpPr>
+        <p:spPr>
+          <a:xfrm flipH="1" flipV="1">
+            <a:off x="4588181" y="1309597"/>
+            <a:ext cx="957886" cy="969332"/>
+          </a:xfrm>
+          <a:prstGeom prst="line">
+            <a:avLst/>
+          </a:prstGeom>
+          <a:ln>
+            <a:solidFill>
+              <a:schemeClr val="tx1"/>
+            </a:solidFill>
+            <a:prstDash val="dash"/>
+          </a:ln>
+        </p:spPr>
+        <p:style>
+          <a:lnRef idx="1">
+            <a:schemeClr val="accent1"/>
+          </a:lnRef>
+          <a:fillRef idx="0">
+            <a:schemeClr val="accent1"/>
+          </a:fillRef>
+          <a:effectRef idx="0">
+            <a:schemeClr val="accent1"/>
+          </a:effectRef>
+          <a:fontRef idx="minor">
+            <a:schemeClr val="tx1"/>
+          </a:fontRef>
+        </p:style>
+      </p:cxnSp>
+      <p:sp>
+        <p:nvSpPr>
+          <p:cNvPr id="71" name="Freeform: Shape 70">
+            <a:extLst>
+              <a:ext uri="{FF2B5EF4-FFF2-40B4-BE49-F238E27FC236}">
+                <a16:creationId xmlns:a16="http://schemas.microsoft.com/office/drawing/2014/main" id="{D083CA00-E063-4A64-AAE8-295D9C59B65C}"/>
+              </a:ext>
+            </a:extLst>
+          </p:cNvPr>
+          <p:cNvSpPr/>
+          <p:nvPr/>
+        </p:nvSpPr>
+        <p:spPr>
+          <a:xfrm>
+            <a:off x="5062538" y="2400300"/>
+            <a:ext cx="1107165" cy="1876425"/>
+          </a:xfrm>
+          <a:custGeom>
+            <a:avLst/>
+            <a:gdLst>
+              <a:gd name="connsiteX0" fmla="*/ 0 w 1107165"/>
+              <a:gd name="connsiteY0" fmla="*/ 1876425 h 1876425"/>
+              <a:gd name="connsiteX1" fmla="*/ 642937 w 1107165"/>
+              <a:gd name="connsiteY1" fmla="*/ 1157288 h 1876425"/>
+              <a:gd name="connsiteX2" fmla="*/ 647700 w 1107165"/>
+              <a:gd name="connsiteY2" fmla="*/ 600075 h 1876425"/>
+              <a:gd name="connsiteX3" fmla="*/ 1066800 w 1107165"/>
+              <a:gd name="connsiteY3" fmla="*/ 271463 h 1876425"/>
+              <a:gd name="connsiteX4" fmla="*/ 1090612 w 1107165"/>
+              <a:gd name="connsiteY4" fmla="*/ 0 h 1876425"/>
+            </a:gdLst>
+            <a:ahLst/>
+            <a:cxnLst>
+              <a:cxn ang="0">
+                <a:pos x="connsiteX0" y="connsiteY0"/>
+              </a:cxn>
+              <a:cxn ang="0">
+                <a:pos x="connsiteX1" y="connsiteY1"/>
+              </a:cxn>
+              <a:cxn ang="0">
+                <a:pos x="connsiteX2" y="connsiteY2"/>
+              </a:cxn>
+              <a:cxn ang="0">
+                <a:pos x="connsiteX3" y="connsiteY3"/>
+              </a:cxn>
+              <a:cxn ang="0">
+                <a:pos x="connsiteX4" y="connsiteY4"/>
+              </a:cxn>
+            </a:cxnLst>
+            <a:rect l="l" t="t" r="r" b="b"/>
+            <a:pathLst>
+              <a:path w="1107165" h="1876425">
+                <a:moveTo>
+                  <a:pt x="0" y="1876425"/>
+                </a:moveTo>
+                <a:cubicBezTo>
+                  <a:pt x="267493" y="1623219"/>
+                  <a:pt x="534987" y="1370013"/>
+                  <a:pt x="642937" y="1157288"/>
+                </a:cubicBezTo>
+                <a:cubicBezTo>
+                  <a:pt x="750887" y="944563"/>
+                  <a:pt x="577056" y="747712"/>
+                  <a:pt x="647700" y="600075"/>
+                </a:cubicBezTo>
+                <a:cubicBezTo>
+                  <a:pt x="718344" y="452438"/>
+                  <a:pt x="992981" y="371475"/>
+                  <a:pt x="1066800" y="271463"/>
+                </a:cubicBezTo>
+                <a:cubicBezTo>
+                  <a:pt x="1140619" y="171451"/>
+                  <a:pt x="1090612" y="60325"/>
+                  <a:pt x="1090612" y="0"/>
+                </a:cubicBezTo>
+              </a:path>
+            </a:pathLst>
+          </a:custGeom>
+          <a:noFill/>
+          <a:ln w="8890">
+            <a:solidFill>
+              <a:schemeClr val="accent3"/>
+            </a:solidFill>
+          </a:ln>
+        </p:spPr>
+        <p:style>
+          <a:lnRef idx="2">
+            <a:schemeClr val="accent1">
+              <a:shade val="50000"/>
+            </a:schemeClr>
+          </a:lnRef>
+          <a:fillRef idx="1">
+            <a:schemeClr val="accent1"/>
+          </a:fillRef>
+          <a:effectRef idx="0">
+            <a:schemeClr val="accent1"/>
+          </a:effectRef>
+          <a:fontRef idx="minor">
+            <a:schemeClr val="lt1"/>
+          </a:fontRef>
+        </p:style>
+        <p:txBody>
+          <a:bodyPr rtlCol="0" anchor="ctr"/>
+          <a:lstStyle/>
+          <a:p>
+            <a:pPr algn="ctr"/>
+            <a:endParaRPr lang="en-US"/>
+          </a:p>
+        </p:txBody>
+      </p:sp>
+      <p:sp>
+        <p:nvSpPr>
+          <p:cNvPr id="7" name="Cylinder 6">
+            <a:extLst>
+              <a:ext uri="{FF2B5EF4-FFF2-40B4-BE49-F238E27FC236}">
+                <a16:creationId xmlns:a16="http://schemas.microsoft.com/office/drawing/2014/main" id="{92EBF6F0-2C36-4248-87B6-5448D6805FCD}"/>
+              </a:ext>
+            </a:extLst>
+          </p:cNvPr>
+          <p:cNvSpPr/>
+          <p:nvPr/>
+        </p:nvSpPr>
+        <p:spPr>
+          <a:xfrm>
+            <a:off x="4939888" y="4045521"/>
+            <a:ext cx="384048" cy="261621"/>
+          </a:xfrm>
+          <a:prstGeom prst="can">
+            <a:avLst>
+              <a:gd name="adj" fmla="val 50000"/>
+            </a:avLst>
+          </a:prstGeom>
+        </p:spPr>
+        <p:style>
+          <a:lnRef idx="2">
+            <a:schemeClr val="accent1">
+              <a:shade val="50000"/>
+            </a:schemeClr>
+          </a:lnRef>
+          <a:fillRef idx="1">
+            <a:schemeClr val="accent1"/>
+          </a:fillRef>
+          <a:effectRef idx="0">
+            <a:schemeClr val="accent1"/>
+          </a:effectRef>
+          <a:fontRef idx="minor">
+            <a:schemeClr val="lt1"/>
+          </a:fontRef>
+        </p:style>
+        <p:txBody>
+          <a:bodyPr rtlCol="0" anchor="ctr"/>
+          <a:lstStyle/>
+          <a:p>
+            <a:pPr algn="ctr"/>
+            <a:endParaRPr lang="en-US"/>
+          </a:p>
+        </p:txBody>
+      </p:sp>
+      <p:sp>
+        <p:nvSpPr>
+          <p:cNvPr id="8" name="Cylinder 7">
+            <a:extLst>
+              <a:ext uri="{FF2B5EF4-FFF2-40B4-BE49-F238E27FC236}">
+                <a16:creationId xmlns:a16="http://schemas.microsoft.com/office/drawing/2014/main" id="{3D031D9C-7D91-495A-ABD1-24B52B398EE5}"/>
+              </a:ext>
+            </a:extLst>
+          </p:cNvPr>
+          <p:cNvSpPr/>
+          <p:nvPr/>
+        </p:nvSpPr>
+        <p:spPr>
+          <a:xfrm>
+            <a:off x="5572848" y="3480284"/>
+            <a:ext cx="210312" cy="151319"/>
+          </a:xfrm>
+          <a:prstGeom prst="can">
+            <a:avLst>
+              <a:gd name="adj" fmla="val 50000"/>
+            </a:avLst>
+          </a:prstGeom>
+          <a:solidFill>
+            <a:srgbClr val="7030A0"/>
+          </a:solidFill>
+          <a:ln w="6350">
+            <a:solidFill>
+              <a:schemeClr val="tx1"/>
+            </a:solidFill>
+          </a:ln>
+        </p:spPr>
+        <p:style>
+          <a:lnRef idx="2">
+            <a:schemeClr val="accent1">
+              <a:shade val="50000"/>
+            </a:schemeClr>
+          </a:lnRef>
+          <a:fillRef idx="1">
+            <a:schemeClr val="accent1"/>
+          </a:fillRef>
+          <a:effectRef idx="0">
+            <a:schemeClr val="accent1"/>
+          </a:effectRef>
+          <a:fontRef idx="minor">
+            <a:schemeClr val="lt1"/>
+          </a:fontRef>
+        </p:style>
+        <p:txBody>
+          <a:bodyPr rtlCol="0" anchor="ctr"/>
+          <a:lstStyle/>
+          <a:p>
+            <a:pPr algn="ctr"/>
+            <a:endParaRPr lang="en-US"/>
+          </a:p>
+        </p:txBody>
+      </p:sp>
+      <p:sp>
+        <p:nvSpPr>
+          <p:cNvPr id="9" name="Cylinder 8">
+            <a:extLst>
+              <a:ext uri="{FF2B5EF4-FFF2-40B4-BE49-F238E27FC236}">
+                <a16:creationId xmlns:a16="http://schemas.microsoft.com/office/drawing/2014/main" id="{E1EE01DF-86FB-4149-8F92-7C151FF93B5E}"/>
+              </a:ext>
+            </a:extLst>
+          </p:cNvPr>
+          <p:cNvSpPr/>
+          <p:nvPr/>
+        </p:nvSpPr>
+        <p:spPr>
+          <a:xfrm>
+            <a:off x="5622106" y="2924657"/>
+            <a:ext cx="154049" cy="109728"/>
+          </a:xfrm>
+          <a:prstGeom prst="can">
+            <a:avLst>
+              <a:gd name="adj" fmla="val 50000"/>
+            </a:avLst>
+          </a:prstGeom>
+          <a:solidFill>
+            <a:srgbClr val="92D050"/>
+          </a:solidFill>
+          <a:ln w="6350">
+            <a:solidFill>
+              <a:schemeClr val="tx1"/>
+            </a:solidFill>
+          </a:ln>
+        </p:spPr>
+        <p:style>
+          <a:lnRef idx="2">
+            <a:schemeClr val="accent1">
+              <a:shade val="50000"/>
+            </a:schemeClr>
+          </a:lnRef>
+          <a:fillRef idx="1">
+            <a:schemeClr val="accent1"/>
+          </a:fillRef>
+          <a:effectRef idx="0">
+            <a:schemeClr val="accent1"/>
+          </a:effectRef>
+          <a:fontRef idx="minor">
+            <a:schemeClr val="lt1"/>
+          </a:fontRef>
+        </p:style>
+        <p:txBody>
+          <a:bodyPr rtlCol="0" anchor="ctr"/>
+          <a:lstStyle/>
+          <a:p>
+            <a:pPr algn="ctr"/>
+            <a:endParaRPr lang="en-US"/>
+          </a:p>
+        </p:txBody>
+      </p:sp>
+      <p:sp>
+        <p:nvSpPr>
+          <p:cNvPr id="10" name="Cylinder 9">
+            <a:extLst>
+              <a:ext uri="{FF2B5EF4-FFF2-40B4-BE49-F238E27FC236}">
+                <a16:creationId xmlns:a16="http://schemas.microsoft.com/office/drawing/2014/main" id="{C57F3A3C-CDCC-4171-977C-D19BDF4A45DE}"/>
+              </a:ext>
+            </a:extLst>
+          </p:cNvPr>
+          <p:cNvSpPr/>
+          <p:nvPr/>
+        </p:nvSpPr>
+        <p:spPr>
+          <a:xfrm>
+            <a:off x="6089633" y="2363511"/>
+            <a:ext cx="118872" cy="82296"/>
+          </a:xfrm>
+          <a:prstGeom prst="can">
+            <a:avLst>
+              <a:gd name="adj" fmla="val 50000"/>
+            </a:avLst>
+          </a:prstGeom>
+          <a:solidFill>
+            <a:srgbClr val="FF0000"/>
+          </a:solidFill>
+          <a:ln w="6350">
+            <a:solidFill>
+              <a:schemeClr val="tx1"/>
+            </a:solidFill>
+          </a:ln>
+        </p:spPr>
+        <p:style>
+          <a:lnRef idx="2">
+            <a:schemeClr val="accent1">
+              <a:shade val="50000"/>
+            </a:schemeClr>
+          </a:lnRef>
+          <a:fillRef idx="1">
+            <a:schemeClr val="accent1"/>
+          </a:fillRef>
+          <a:effectRef idx="0">
+            <a:schemeClr val="accent1"/>
+          </a:effectRef>
+          <a:fontRef idx="minor">
+            <a:schemeClr val="lt1"/>
+          </a:fontRef>
+        </p:style>
+        <p:txBody>
+          <a:bodyPr rtlCol="0" anchor="ctr"/>
+          <a:lstStyle/>
+          <a:p>
+            <a:pPr algn="ctr"/>
+            <a:endParaRPr lang="en-US"/>
+          </a:p>
+        </p:txBody>
+      </p:sp>
+      <p:sp>
+        <p:nvSpPr>
+          <p:cNvPr id="11" name="Cylinder 10">
+            <a:extLst>
+              <a:ext uri="{FF2B5EF4-FFF2-40B4-BE49-F238E27FC236}">
+                <a16:creationId xmlns:a16="http://schemas.microsoft.com/office/drawing/2014/main" id="{78B6FA44-E101-4559-AFC6-9CE118C2E8EE}"/>
+              </a:ext>
+            </a:extLst>
+          </p:cNvPr>
+          <p:cNvSpPr/>
+          <p:nvPr/>
+        </p:nvSpPr>
+        <p:spPr>
+          <a:xfrm>
+            <a:off x="6049938" y="2629204"/>
+            <a:ext cx="137160" cy="91440"/>
+          </a:xfrm>
+          <a:prstGeom prst="can">
+            <a:avLst>
+              <a:gd name="adj" fmla="val 50000"/>
+            </a:avLst>
+          </a:prstGeom>
+          <a:solidFill>
+            <a:srgbClr val="92D050"/>
+          </a:solidFill>
+          <a:ln w="6350">
+            <a:solidFill>
+              <a:schemeClr val="tx1"/>
+            </a:solidFill>
+          </a:ln>
+        </p:spPr>
+        <p:style>
+          <a:lnRef idx="2">
+            <a:schemeClr val="accent1">
+              <a:shade val="50000"/>
+            </a:schemeClr>
+          </a:lnRef>
+          <a:fillRef idx="1">
+            <a:schemeClr val="accent1"/>
+          </a:fillRef>
+          <a:effectRef idx="0">
+            <a:schemeClr val="accent1"/>
+          </a:effectRef>
+          <a:fontRef idx="minor">
+            <a:schemeClr val="lt1"/>
+          </a:fontRef>
+        </p:style>
+        <p:txBody>
+          <a:bodyPr rtlCol="0" anchor="ctr"/>
+          <a:lstStyle/>
+          <a:p>
+            <a:pPr algn="ctr"/>
+            <a:endParaRPr lang="en-US" dirty="0"/>
+          </a:p>
+        </p:txBody>
+      </p:sp>
+      <p:grpSp>
+        <p:nvGrpSpPr>
+          <p:cNvPr id="81" name="Group 80">
+            <a:extLst>
+              <a:ext uri="{FF2B5EF4-FFF2-40B4-BE49-F238E27FC236}">
+                <a16:creationId xmlns:a16="http://schemas.microsoft.com/office/drawing/2014/main" id="{F7D31EEA-E693-41FC-BDF6-E6B54894EA66}"/>
+              </a:ext>
+            </a:extLst>
+          </p:cNvPr>
+          <p:cNvGrpSpPr/>
+          <p:nvPr/>
+        </p:nvGrpSpPr>
+        <p:grpSpPr>
+          <a:xfrm>
+            <a:off x="2210437" y="1309597"/>
+            <a:ext cx="978444" cy="1086185"/>
+            <a:chOff x="4668206" y="981937"/>
+            <a:chExt cx="978444" cy="1086185"/>
+          </a:xfrm>
+        </p:grpSpPr>
+        <p:grpSp>
+          <p:nvGrpSpPr>
+            <p:cNvPr id="64" name="Group 63">
+              <a:extLst>
+                <a:ext uri="{FF2B5EF4-FFF2-40B4-BE49-F238E27FC236}">
+                  <a16:creationId xmlns:a16="http://schemas.microsoft.com/office/drawing/2014/main" id="{EB92FF03-016F-4022-8261-77F69C0F5547}"/>
+                </a:ext>
+              </a:extLst>
+            </p:cNvPr>
+            <p:cNvGrpSpPr/>
+            <p:nvPr/>
+          </p:nvGrpSpPr>
+          <p:grpSpPr>
+            <a:xfrm>
+              <a:off x="4762818" y="981937"/>
+              <a:ext cx="795556" cy="786389"/>
+              <a:chOff x="649013" y="2552863"/>
+              <a:chExt cx="795556" cy="786389"/>
+            </a:xfrm>
+          </p:grpSpPr>
+          <p:sp>
+            <p:nvSpPr>
+              <p:cNvPr id="66" name="Flowchart: Connector 65">
+                <a:extLst>
+                  <a:ext uri="{FF2B5EF4-FFF2-40B4-BE49-F238E27FC236}">
+                    <a16:creationId xmlns:a16="http://schemas.microsoft.com/office/drawing/2014/main" id="{E6FDBDDF-8B00-436D-B28A-DFC420B57686}"/>
+                  </a:ext>
+                </a:extLst>
+              </p:cNvPr>
+              <p:cNvSpPr/>
+              <p:nvPr/>
+            </p:nvSpPr>
+            <p:spPr>
+              <a:xfrm>
+                <a:off x="982134" y="3071839"/>
+                <a:ext cx="116994" cy="116994"/>
+              </a:xfrm>
+              <a:prstGeom prst="flowChartConnector">
+                <a:avLst/>
+              </a:prstGeom>
+            </p:spPr>
+            <p:style>
+              <a:lnRef idx="2">
+                <a:schemeClr val="accent1">
+                  <a:shade val="50000"/>
+                </a:schemeClr>
+              </a:lnRef>
+              <a:fillRef idx="1">
+                <a:schemeClr val="accent1"/>
+              </a:fillRef>
+              <a:effectRef idx="0">
+                <a:schemeClr val="accent1"/>
+              </a:effectRef>
+              <a:fontRef idx="minor">
+                <a:schemeClr val="lt1"/>
+              </a:fontRef>
+            </p:style>
+            <p:txBody>
+              <a:bodyPr rtlCol="0" anchor="ctr"/>
+              <a:lstStyle/>
+              <a:p>
+                <a:pPr algn="ctr"/>
+                <a:endParaRPr lang="en-US"/>
+              </a:p>
+            </p:txBody>
+          </p:sp>
+          <p:sp>
+            <p:nvSpPr>
+              <p:cNvPr id="67" name="Flowchart: Connector 66">
+                <a:extLst>
+                  <a:ext uri="{FF2B5EF4-FFF2-40B4-BE49-F238E27FC236}">
+                    <a16:creationId xmlns:a16="http://schemas.microsoft.com/office/drawing/2014/main" id="{8847966E-9D35-45D3-ADBB-D8BBD89857E5}"/>
+                  </a:ext>
+                </a:extLst>
+              </p:cNvPr>
+              <p:cNvSpPr/>
+              <p:nvPr/>
+            </p:nvSpPr>
+            <p:spPr>
+              <a:xfrm>
+                <a:off x="851590" y="2812821"/>
+                <a:ext cx="116994" cy="116994"/>
+              </a:xfrm>
+              <a:prstGeom prst="flowChartConnector">
+                <a:avLst/>
+              </a:prstGeom>
+              <a:solidFill>
+                <a:srgbClr val="7030A0"/>
+              </a:solidFill>
+            </p:spPr>
+            <p:style>
+              <a:lnRef idx="2">
+                <a:schemeClr val="accent1">
+                  <a:shade val="50000"/>
+                </a:schemeClr>
+              </a:lnRef>
+              <a:fillRef idx="1">
+                <a:schemeClr val="accent1"/>
+              </a:fillRef>
+              <a:effectRef idx="0">
+                <a:schemeClr val="accent1"/>
+              </a:effectRef>
+              <a:fontRef idx="minor">
+                <a:schemeClr val="lt1"/>
+              </a:fontRef>
+            </p:style>
+            <p:txBody>
+              <a:bodyPr rtlCol="0" anchor="ctr"/>
+              <a:lstStyle/>
+              <a:p>
+                <a:pPr algn="ctr"/>
+                <a:endParaRPr lang="en-US"/>
+              </a:p>
+            </p:txBody>
+          </p:sp>
+          <p:sp>
+            <p:nvSpPr>
+              <p:cNvPr id="72" name="Rectangle 71">
+                <a:extLst>
+                  <a:ext uri="{FF2B5EF4-FFF2-40B4-BE49-F238E27FC236}">
+                    <a16:creationId xmlns:a16="http://schemas.microsoft.com/office/drawing/2014/main" id="{9239AC2D-80F1-47A2-B34B-D644294B670C}"/>
+                  </a:ext>
+                </a:extLst>
+              </p:cNvPr>
+              <p:cNvSpPr/>
+              <p:nvPr/>
+            </p:nvSpPr>
+            <p:spPr>
+              <a:xfrm>
+                <a:off x="649013" y="2552863"/>
+                <a:ext cx="795556" cy="786389"/>
+              </a:xfrm>
+              <a:prstGeom prst="rect">
+                <a:avLst/>
+              </a:prstGeom>
+              <a:noFill/>
+              <a:ln w="6350">
+                <a:solidFill>
+                  <a:schemeClr val="tx1"/>
+                </a:solidFill>
+              </a:ln>
+            </p:spPr>
+            <p:style>
+              <a:lnRef idx="2">
+                <a:schemeClr val="accent1">
+                  <a:shade val="50000"/>
+                </a:schemeClr>
+              </a:lnRef>
+              <a:fillRef idx="1">
+                <a:schemeClr val="accent1"/>
+              </a:fillRef>
+              <a:effectRef idx="0">
+                <a:schemeClr val="accent1"/>
+              </a:effectRef>
+              <a:fontRef idx="minor">
+                <a:schemeClr val="lt1"/>
+              </a:fontRef>
+            </p:style>
+            <p:txBody>
+              <a:bodyPr rtlCol="0" anchor="ctr"/>
+              <a:lstStyle/>
+              <a:p>
+                <a:pPr algn="ctr"/>
+                <a:endParaRPr lang="en-US"/>
+              </a:p>
+            </p:txBody>
+          </p:sp>
+        </p:grpSp>
+        <mc:AlternateContent xmlns:mc="http://schemas.openxmlformats.org/markup-compatibility/2006" xmlns:a14="http://schemas.microsoft.com/office/drawing/2010/main">
+          <mc:Choice Requires="a14">
+            <p:sp>
+              <p:nvSpPr>
+                <p:cNvPr id="65" name="TextBox 64">
+                  <a:extLst>
+                    <a:ext uri="{FF2B5EF4-FFF2-40B4-BE49-F238E27FC236}">
+                      <a16:creationId xmlns:a16="http://schemas.microsoft.com/office/drawing/2014/main" id="{F4DAE835-79DD-4BBD-B35D-E543E4A8FA46}"/>
+                    </a:ext>
+                  </a:extLst>
+                </p:cNvPr>
+                <p:cNvSpPr txBox="1"/>
+                <p:nvPr/>
+              </p:nvSpPr>
+              <p:spPr>
+                <a:xfrm>
+                  <a:off x="4668206" y="1729568"/>
+                  <a:ext cx="978444" cy="338554"/>
+                </a:xfrm>
+                <a:prstGeom prst="rect">
+                  <a:avLst/>
+                </a:prstGeom>
+                <a:noFill/>
+              </p:spPr>
+              <p:txBody>
+                <a:bodyPr wrap="square" rtlCol="0">
+                  <a:spAutoFit/>
+                </a:bodyPr>
+                <a:lstStyle/>
+                <a:p>
+                  <a:pPr/>
+                  <a14:m>
+                    <m:oMathPara xmlns:m="http://schemas.openxmlformats.org/officeDocument/2006/math">
+                      <m:oMathParaPr>
+                        <m:jc m:val="center"/>
+                      </m:oMathParaPr>
+                      <m:oMath xmlns:m="http://schemas.openxmlformats.org/officeDocument/2006/math">
+                        <m:r>
+                          <a:rPr lang="en-US" sz="1600" b="0" i="1" spc="-150" smtClean="0">
+                            <a:latin typeface="Cambria Math" panose="02040503050406030204" pitchFamily="18" charset="0"/>
+                          </a:rPr>
+                          <m:t>𝑂</m:t>
+                        </m:r>
+                        <m:r>
+                          <a:rPr lang="en-US" sz="1600" b="0" i="1" spc="-150" smtClean="0">
+                            <a:latin typeface="Cambria Math" panose="02040503050406030204" pitchFamily="18" charset="0"/>
+                          </a:rPr>
+                          <m:t>(</m:t>
+                        </m:r>
+                        <m:r>
+                          <a:rPr lang="en-US" sz="1600" b="0" i="1" spc="-150" smtClean="0">
+                            <a:latin typeface="Cambria Math" panose="02040503050406030204" pitchFamily="18" charset="0"/>
+                          </a:rPr>
+                          <m:t>𝑡</m:t>
+                        </m:r>
+                        <m:r>
+                          <a:rPr lang="en-US" sz="1600" b="0" i="1" spc="-150" smtClean="0">
+                            <a:latin typeface="Cambria Math" panose="02040503050406030204" pitchFamily="18" charset="0"/>
+                          </a:rPr>
+                          <m:t>−1, </m:t>
+                        </m:r>
+                        <m:r>
+                          <a:rPr lang="en-US" sz="1600" b="0" i="1" spc="-150" smtClean="0">
+                            <a:latin typeface="Cambria Math" panose="02040503050406030204" pitchFamily="18" charset="0"/>
+                          </a:rPr>
+                          <m:t>𝑡</m:t>
+                        </m:r>
+                        <m:r>
+                          <a:rPr lang="en-US" sz="1600" b="0" i="1" spc="-150" smtClean="0">
+                            <a:latin typeface="Cambria Math" panose="02040503050406030204" pitchFamily="18" charset="0"/>
+                          </a:rPr>
+                          <m:t>)</m:t>
+                        </m:r>
+                      </m:oMath>
+                    </m:oMathPara>
+                  </a14:m>
+                  <a:endParaRPr lang="en-US" sz="1600" spc="-150" dirty="0"/>
+                </a:p>
+              </p:txBody>
+            </p:sp>
+          </mc:Choice>
+          <mc:Fallback xmlns="">
+            <p:sp>
+              <p:nvSpPr>
+                <p:cNvPr id="65" name="TextBox 64">
+                  <a:extLst>
+                    <a:ext uri="{FF2B5EF4-FFF2-40B4-BE49-F238E27FC236}">
+                      <a16:creationId xmlns:a16="http://schemas.microsoft.com/office/drawing/2014/main" id="{F4DAE835-79DD-4BBD-B35D-E543E4A8FA46}"/>
+                    </a:ext>
+                  </a:extLst>
+                </p:cNvPr>
+                <p:cNvSpPr txBox="1">
+                  <a:spLocks noRot="1" noChangeAspect="1" noMove="1" noResize="1" noEditPoints="1" noAdjustHandles="1" noChangeArrowheads="1" noChangeShapeType="1" noTextEdit="1"/>
+                </p:cNvSpPr>
+                <p:nvPr/>
+              </p:nvSpPr>
+              <p:spPr>
+                <a:xfrm>
+                  <a:off x="4668206" y="1729568"/>
+                  <a:ext cx="978444" cy="338554"/>
+                </a:xfrm>
+                <a:prstGeom prst="rect">
+                  <a:avLst/>
+                </a:prstGeom>
+                <a:blipFill>
+                  <a:blip r:embed="rId5"/>
+                  <a:stretch>
+                    <a:fillRect b="-10909"/>
+                  </a:stretch>
+                </a:blipFill>
+              </p:spPr>
+              <p:txBody>
+                <a:bodyPr/>
+                <a:lstStyle/>
+                <a:p>
+                  <a:r>
+                    <a:rPr lang="en-US">
+                      <a:noFill/>
+                    </a:rPr>
+                    <a:t> </a:t>
+                  </a:r>
+                </a:p>
+              </p:txBody>
+            </p:sp>
+          </mc:Fallback>
+        </mc:AlternateContent>
+        <p:sp>
+          <p:nvSpPr>
+            <p:cNvPr id="73" name="Flowchart: Connector 72">
+              <a:extLst>
+                <a:ext uri="{FF2B5EF4-FFF2-40B4-BE49-F238E27FC236}">
+                  <a16:creationId xmlns:a16="http://schemas.microsoft.com/office/drawing/2014/main" id="{DDF3CDCD-F44E-4871-A99B-EDEEACE13521}"/>
+                </a:ext>
+              </a:extLst>
+            </p:cNvPr>
+            <p:cNvSpPr/>
+            <p:nvPr/>
+          </p:nvSpPr>
+          <p:spPr>
+            <a:xfrm>
+              <a:off x="5215014" y="1166556"/>
+              <a:ext cx="116994" cy="116994"/>
+            </a:xfrm>
+            <a:prstGeom prst="flowChartConnector">
+              <a:avLst/>
+            </a:prstGeom>
+            <a:solidFill>
+              <a:srgbClr val="7030A0"/>
+            </a:solidFill>
+          </p:spPr>
+          <p:style>
+            <a:lnRef idx="2">
+              <a:schemeClr val="accent1">
+                <a:shade val="50000"/>
+              </a:schemeClr>
+            </a:lnRef>
+            <a:fillRef idx="1">
+              <a:schemeClr val="accent1"/>
+            </a:fillRef>
+            <a:effectRef idx="0">
+              <a:schemeClr val="accent1"/>
+            </a:effectRef>
+            <a:fontRef idx="minor">
+              <a:schemeClr val="lt1"/>
+            </a:fontRef>
+          </p:style>
+          <p:txBody>
+            <a:bodyPr rtlCol="0" anchor="ctr"/>
+            <a:lstStyle/>
+            <a:p>
+              <a:pPr algn="ctr"/>
+              <a:endParaRPr lang="en-US"/>
+            </a:p>
+          </p:txBody>
+        </p:sp>
+        <p:cxnSp>
+          <p:nvCxnSpPr>
+            <p:cNvPr id="77" name="Straight Arrow Connector 76">
+              <a:extLst>
+                <a:ext uri="{FF2B5EF4-FFF2-40B4-BE49-F238E27FC236}">
+                  <a16:creationId xmlns:a16="http://schemas.microsoft.com/office/drawing/2014/main" id="{DE04BFA7-A1B8-4BB7-A503-4036D94A8268}"/>
+                </a:ext>
+              </a:extLst>
+            </p:cNvPr>
+            <p:cNvCxnSpPr>
+              <a:cxnSpLocks/>
+              <a:stCxn id="67" idx="6"/>
+              <a:endCxn id="73" idx="3"/>
+            </p:cNvCxnSpPr>
+            <p:nvPr/>
+          </p:nvCxnSpPr>
+          <p:spPr>
+            <a:xfrm flipV="1">
+              <a:off x="5082389" y="1266417"/>
+              <a:ext cx="149758" cy="33975"/>
+            </a:xfrm>
+            <a:prstGeom prst="straightConnector1">
+              <a:avLst/>
+            </a:prstGeom>
+            <a:ln>
+              <a:solidFill>
+                <a:schemeClr val="tx1"/>
+              </a:solidFill>
+              <a:tailEnd type="triangle"/>
+            </a:ln>
+          </p:spPr>
+          <p:style>
+            <a:lnRef idx="1">
+              <a:schemeClr val="accent1"/>
+            </a:lnRef>
+            <a:fillRef idx="0">
+              <a:schemeClr val="accent1"/>
+            </a:fillRef>
+            <a:effectRef idx="0">
+              <a:schemeClr val="accent1"/>
+            </a:effectRef>
+            <a:fontRef idx="minor">
+              <a:schemeClr val="tx1"/>
+            </a:fontRef>
+          </p:style>
+        </p:cxnSp>
+      </p:grpSp>
+      <p:cxnSp>
+        <p:nvCxnSpPr>
+          <p:cNvPr id="91" name="Straight Arrow Connector 90">
+            <a:extLst>
+              <a:ext uri="{FF2B5EF4-FFF2-40B4-BE49-F238E27FC236}">
+                <a16:creationId xmlns:a16="http://schemas.microsoft.com/office/drawing/2014/main" id="{A88EA29A-1662-4EC9-A976-33782CC21B79}"/>
+              </a:ext>
+            </a:extLst>
+          </p:cNvPr>
+          <p:cNvCxnSpPr>
+            <a:cxnSpLocks/>
+            <a:stCxn id="72" idx="3"/>
+          </p:cNvCxnSpPr>
+          <p:nvPr/>
+        </p:nvCxnSpPr>
+        <p:spPr>
+          <a:xfrm>
+            <a:off x="3100605" y="1702792"/>
+            <a:ext cx="226161" cy="0"/>
+          </a:xfrm>
+          <a:prstGeom prst="straightConnector1">
+            <a:avLst/>
+          </a:prstGeom>
+          <a:ln w="8890">
+            <a:solidFill>
+              <a:schemeClr val="tx1"/>
+            </a:solidFill>
+            <a:tailEnd type="triangle" w="sm" len="med"/>
+          </a:ln>
+        </p:spPr>
+        <p:style>
+          <a:lnRef idx="1">
+            <a:schemeClr val="accent1"/>
+          </a:lnRef>
+          <a:fillRef idx="0">
+            <a:schemeClr val="accent1"/>
+          </a:fillRef>
+          <a:effectRef idx="0">
+            <a:schemeClr val="accent1"/>
+          </a:effectRef>
+          <a:fontRef idx="minor">
+            <a:schemeClr val="tx1"/>
+          </a:fontRef>
+        </p:style>
+      </p:cxnSp>
+      <p:cxnSp>
+        <p:nvCxnSpPr>
+          <p:cNvPr id="94" name="Straight Arrow Connector 93">
+            <a:extLst>
+              <a:ext uri="{FF2B5EF4-FFF2-40B4-BE49-F238E27FC236}">
+                <a16:creationId xmlns:a16="http://schemas.microsoft.com/office/drawing/2014/main" id="{AC66DFE7-3AE9-4A55-8379-FC036B628019}"/>
+              </a:ext>
+            </a:extLst>
+          </p:cNvPr>
+          <p:cNvCxnSpPr>
+            <a:cxnSpLocks/>
+            <a:stCxn id="13" idx="6"/>
+          </p:cNvCxnSpPr>
+          <p:nvPr/>
+        </p:nvCxnSpPr>
+        <p:spPr>
+          <a:xfrm flipV="1">
+            <a:off x="3996483" y="1717861"/>
+            <a:ext cx="585405" cy="4812"/>
+          </a:xfrm>
+          <a:prstGeom prst="straightConnector1">
+            <a:avLst/>
+          </a:prstGeom>
+          <a:ln w="8890">
+            <a:solidFill>
+              <a:schemeClr val="tx1"/>
+            </a:solidFill>
+            <a:tailEnd type="triangle" w="sm" len="med"/>
+          </a:ln>
+        </p:spPr>
+        <p:style>
+          <a:lnRef idx="1">
+            <a:schemeClr val="accent1"/>
+          </a:lnRef>
+          <a:fillRef idx="0">
+            <a:schemeClr val="accent1"/>
+          </a:fillRef>
+          <a:effectRef idx="0">
+            <a:schemeClr val="accent1"/>
+          </a:effectRef>
+          <a:fontRef idx="minor">
+            <a:schemeClr val="tx1"/>
+          </a:fontRef>
+        </p:style>
+      </p:cxnSp>
+      <p:cxnSp>
+        <p:nvCxnSpPr>
+          <p:cNvPr id="98" name="Straight Arrow Connector 97">
+            <a:extLst>
+              <a:ext uri="{FF2B5EF4-FFF2-40B4-BE49-F238E27FC236}">
+                <a16:creationId xmlns:a16="http://schemas.microsoft.com/office/drawing/2014/main" id="{B264975C-416A-4556-A9ED-32FE309AE673}"/>
+              </a:ext>
+            </a:extLst>
+          </p:cNvPr>
+          <p:cNvCxnSpPr>
+            <a:cxnSpLocks/>
+          </p:cNvCxnSpPr>
+          <p:nvPr/>
+        </p:nvCxnSpPr>
+        <p:spPr>
+          <a:xfrm flipV="1">
+            <a:off x="3882937" y="2367448"/>
+            <a:ext cx="0" cy="271965"/>
+          </a:xfrm>
+          <a:prstGeom prst="straightConnector1">
+            <a:avLst/>
+          </a:prstGeom>
+          <a:ln w="8890">
+            <a:solidFill>
+              <a:schemeClr val="tx1"/>
+            </a:solidFill>
+            <a:tailEnd type="triangle" w="sm" len="med"/>
+          </a:ln>
+        </p:spPr>
+        <p:style>
+          <a:lnRef idx="1">
+            <a:schemeClr val="accent1"/>
+          </a:lnRef>
+          <a:fillRef idx="0">
+            <a:schemeClr val="accent1"/>
+          </a:fillRef>
+          <a:effectRef idx="0">
+            <a:schemeClr val="accent1"/>
+          </a:effectRef>
+          <a:fontRef idx="minor">
+            <a:schemeClr val="tx1"/>
+          </a:fontRef>
+        </p:style>
+      </p:cxnSp>
+      <p:sp>
+        <p:nvSpPr>
+          <p:cNvPr id="5" name="TextBox 4">
+            <a:extLst>
+              <a:ext uri="{FF2B5EF4-FFF2-40B4-BE49-F238E27FC236}">
+                <a16:creationId xmlns:a16="http://schemas.microsoft.com/office/drawing/2014/main" id="{3292342F-7587-432D-9A7F-14CF16D840D9}"/>
+              </a:ext>
+            </a:extLst>
+          </p:cNvPr>
+          <p:cNvSpPr txBox="1"/>
+          <p:nvPr/>
+        </p:nvSpPr>
+        <p:spPr>
+          <a:xfrm>
+            <a:off x="4596125" y="4006013"/>
+            <a:ext cx="272832" cy="307777"/>
+          </a:xfrm>
+          <a:prstGeom prst="rect">
+            <a:avLst/>
+          </a:prstGeom>
+          <a:noFill/>
+        </p:spPr>
+        <p:txBody>
+          <a:bodyPr wrap="none" rtlCol="0">
+            <a:spAutoFit/>
+          </a:bodyPr>
+          <a:lstStyle/>
+          <a:p>
+            <a:r>
+              <a:rPr lang="en-US" sz="1400" b="1" i="1" dirty="0"/>
+              <a:t>T</a:t>
+            </a:r>
+          </a:p>
+        </p:txBody>
+      </p:sp>
+      <p:sp>
+        <p:nvSpPr>
+          <p:cNvPr id="175" name="TextBox 174">
+            <a:extLst>
+              <a:ext uri="{FF2B5EF4-FFF2-40B4-BE49-F238E27FC236}">
+                <a16:creationId xmlns:a16="http://schemas.microsoft.com/office/drawing/2014/main" id="{1DFB0503-8CF8-4BEF-9515-D1A7AED2DDA4}"/>
+              </a:ext>
+            </a:extLst>
+          </p:cNvPr>
+          <p:cNvSpPr txBox="1"/>
+          <p:nvPr/>
+        </p:nvSpPr>
+        <p:spPr>
+          <a:xfrm>
+            <a:off x="6173796" y="2278929"/>
+            <a:ext cx="256802" cy="230832"/>
+          </a:xfrm>
+          <a:prstGeom prst="rect">
+            <a:avLst/>
+          </a:prstGeom>
+          <a:noFill/>
+        </p:spPr>
+        <p:txBody>
+          <a:bodyPr wrap="none" rtlCol="0">
+            <a:spAutoFit/>
+          </a:bodyPr>
+          <a:lstStyle/>
+          <a:p>
+            <a:r>
+              <a:rPr lang="en-US" sz="900" b="1" i="1" dirty="0"/>
+              <a:t>H</a:t>
+            </a:r>
+          </a:p>
+        </p:txBody>
+      </p:sp>
+      <p:sp>
+        <p:nvSpPr>
+          <p:cNvPr id="176" name="TextBox 175">
+            <a:extLst>
+              <a:ext uri="{FF2B5EF4-FFF2-40B4-BE49-F238E27FC236}">
+                <a16:creationId xmlns:a16="http://schemas.microsoft.com/office/drawing/2014/main" id="{ED2AB991-838C-444B-B6A1-988FFE6BC7A3}"/>
+              </a:ext>
+            </a:extLst>
+          </p:cNvPr>
+          <p:cNvSpPr txBox="1"/>
+          <p:nvPr/>
+        </p:nvSpPr>
+        <p:spPr>
+          <a:xfrm>
+            <a:off x="5851088" y="3420131"/>
+            <a:ext cx="333746" cy="276999"/>
+          </a:xfrm>
+          <a:prstGeom prst="rect">
+            <a:avLst/>
+          </a:prstGeom>
+          <a:noFill/>
+        </p:spPr>
+        <p:txBody>
+          <a:bodyPr wrap="none" rtlCol="0">
+            <a:spAutoFit/>
+          </a:bodyPr>
+          <a:lstStyle/>
+          <a:p>
+            <a:r>
+              <a:rPr lang="en-US" sz="1200" b="1" i="1" dirty="0"/>
+              <a:t>F3</a:t>
+            </a:r>
+          </a:p>
+        </p:txBody>
+      </p:sp>
+      <p:sp>
+        <p:nvSpPr>
+          <p:cNvPr id="177" name="TextBox 176">
+            <a:extLst>
+              <a:ext uri="{FF2B5EF4-FFF2-40B4-BE49-F238E27FC236}">
+                <a16:creationId xmlns:a16="http://schemas.microsoft.com/office/drawing/2014/main" id="{72C4F93B-E976-4892-B501-43423441E850}"/>
+              </a:ext>
+            </a:extLst>
+          </p:cNvPr>
+          <p:cNvSpPr txBox="1"/>
+          <p:nvPr/>
+        </p:nvSpPr>
+        <p:spPr>
+          <a:xfrm>
+            <a:off x="5768733" y="2842633"/>
+            <a:ext cx="320922" cy="261610"/>
+          </a:xfrm>
+          <a:prstGeom prst="rect">
+            <a:avLst/>
+          </a:prstGeom>
+          <a:noFill/>
+        </p:spPr>
+        <p:txBody>
+          <a:bodyPr wrap="none" rtlCol="0">
+            <a:spAutoFit/>
+          </a:bodyPr>
+          <a:lstStyle/>
+          <a:p>
+            <a:r>
+              <a:rPr lang="en-US" sz="1050" b="1" i="1" dirty="0"/>
+              <a:t>F2</a:t>
+            </a:r>
+          </a:p>
+        </p:txBody>
+      </p:sp>
+      <p:sp>
+        <p:nvSpPr>
+          <p:cNvPr id="178" name="TextBox 177">
+            <a:extLst>
+              <a:ext uri="{FF2B5EF4-FFF2-40B4-BE49-F238E27FC236}">
+                <a16:creationId xmlns:a16="http://schemas.microsoft.com/office/drawing/2014/main" id="{40EA22B0-9D1A-4FC6-B3D2-A4779FB1845D}"/>
+              </a:ext>
+            </a:extLst>
+          </p:cNvPr>
+          <p:cNvSpPr txBox="1"/>
+          <p:nvPr/>
+        </p:nvSpPr>
+        <p:spPr>
+          <a:xfrm>
+            <a:off x="6190242" y="2554882"/>
+            <a:ext cx="309700" cy="246221"/>
+          </a:xfrm>
+          <a:prstGeom prst="rect">
+            <a:avLst/>
+          </a:prstGeom>
+          <a:noFill/>
+        </p:spPr>
+        <p:txBody>
+          <a:bodyPr wrap="none" rtlCol="0">
+            <a:spAutoFit/>
+          </a:bodyPr>
+          <a:lstStyle/>
+          <a:p>
+            <a:r>
+              <a:rPr lang="en-US" sz="1000" b="1" i="1" dirty="0"/>
+              <a:t>F1</a:t>
+            </a:r>
+          </a:p>
+        </p:txBody>
+      </p:sp>
+      <p:sp>
+        <p:nvSpPr>
+          <p:cNvPr id="13" name="Flowchart: Or 12">
+            <a:extLst>
+              <a:ext uri="{FF2B5EF4-FFF2-40B4-BE49-F238E27FC236}">
+                <a16:creationId xmlns:a16="http://schemas.microsoft.com/office/drawing/2014/main" id="{150D97C8-8A06-4F6A-9522-C14B3616A29C}"/>
+              </a:ext>
+            </a:extLst>
+          </p:cNvPr>
+          <p:cNvSpPr/>
+          <p:nvPr/>
+        </p:nvSpPr>
+        <p:spPr>
+          <a:xfrm>
+            <a:off x="3779489" y="1614176"/>
+            <a:ext cx="216994" cy="216994"/>
+          </a:xfrm>
+          <a:prstGeom prst="flowChartOr">
+            <a:avLst/>
+          </a:prstGeom>
+          <a:solidFill>
+            <a:schemeClr val="bg1"/>
+          </a:solidFill>
+          <a:ln w="8890">
+            <a:solidFill>
+              <a:schemeClr val="tx1"/>
+            </a:solidFill>
+          </a:ln>
+        </p:spPr>
+        <p:style>
+          <a:lnRef idx="2">
+            <a:schemeClr val="accent1">
+              <a:shade val="50000"/>
+            </a:schemeClr>
+          </a:lnRef>
+          <a:fillRef idx="1">
+            <a:schemeClr val="accent1"/>
+          </a:fillRef>
+          <a:effectRef idx="0">
+            <a:schemeClr val="accent1"/>
+          </a:effectRef>
+          <a:fontRef idx="minor">
+            <a:schemeClr val="lt1"/>
+          </a:fontRef>
+        </p:style>
+        <p:txBody>
+          <a:bodyPr rtlCol="0" anchor="ctr"/>
+          <a:lstStyle/>
+          <a:p>
+            <a:pPr algn="ctr"/>
+            <a:endParaRPr lang="en-US"/>
+          </a:p>
+        </p:txBody>
+      </p:sp>
+      <mc:AlternateContent xmlns:mc="http://schemas.openxmlformats.org/markup-compatibility/2006">
+        <mc:Choice xmlns:a14="http://schemas.microsoft.com/office/drawing/2010/main" Requires="a14">
+          <p:sp>
+            <p:nvSpPr>
+              <p:cNvPr id="39" name="TextBox 38">
+                <a:extLst>
+                  <a:ext uri="{FF2B5EF4-FFF2-40B4-BE49-F238E27FC236}">
+                    <a16:creationId xmlns:a16="http://schemas.microsoft.com/office/drawing/2014/main" id="{C312B2A4-04E2-41DF-81C9-D4001FC7C40F}"/>
+                  </a:ext>
+                </a:extLst>
+              </p:cNvPr>
+              <p:cNvSpPr txBox="1"/>
+              <p:nvPr/>
+            </p:nvSpPr>
+            <p:spPr>
+              <a:xfrm>
+                <a:off x="2388131" y="4003552"/>
+                <a:ext cx="798989" cy="338554"/>
+              </a:xfrm>
+              <a:prstGeom prst="rect">
+                <a:avLst/>
+              </a:prstGeom>
+              <a:noFill/>
+            </p:spPr>
+            <p:txBody>
+              <a:bodyPr wrap="square" rtlCol="0">
+                <a:spAutoFit/>
+              </a:bodyPr>
+              <a:lstStyle/>
+              <a:p>
+                <a:pPr/>
+                <a14:m>
+                  <m:oMathPara xmlns:m="http://schemas.openxmlformats.org/officeDocument/2006/math">
+                    <m:oMathParaPr>
+                      <m:jc m:val="center"/>
+                    </m:oMathParaPr>
+                    <m:oMath xmlns:m="http://schemas.openxmlformats.org/officeDocument/2006/math">
+                      <m:r>
+                        <a:rPr lang="en-US" sz="1600" b="0" i="1" spc="-150" smtClean="0">
+                          <a:latin typeface="Cambria Math" panose="02040503050406030204" pitchFamily="18" charset="0"/>
+                        </a:rPr>
+                        <m:t>h</m:t>
+                      </m:r>
+                      <m:r>
+                        <a:rPr lang="en-US" sz="1600" b="0" i="1" spc="-150" smtClean="0">
+                          <a:latin typeface="Cambria Math" panose="02040503050406030204" pitchFamily="18" charset="0"/>
+                        </a:rPr>
+                        <m:t>(</m:t>
+                      </m:r>
+                      <m:r>
+                        <a:rPr lang="en-US" sz="1600" b="0" i="1" spc="-150" smtClean="0">
+                          <a:latin typeface="Cambria Math" panose="02040503050406030204" pitchFamily="18" charset="0"/>
+                        </a:rPr>
+                        <m:t>𝑡</m:t>
+                      </m:r>
+                      <m:r>
+                        <a:rPr lang="en-US" sz="1600" b="0" i="1" spc="-150" smtClean="0">
+                          <a:latin typeface="Cambria Math" panose="02040503050406030204" pitchFamily="18" charset="0"/>
+                        </a:rPr>
+                        <m:t>−</m:t>
+                      </m:r>
+                      <m:r>
+                        <a:rPr lang="en-US" sz="1600" b="0" i="1" spc="-150" smtClean="0">
+                          <a:latin typeface="Cambria Math" panose="02040503050406030204" pitchFamily="18" charset="0"/>
+                        </a:rPr>
+                        <m:t>𝜏</m:t>
+                      </m:r>
+                      <m:r>
+                        <a:rPr lang="en-US" sz="1600" b="0" i="1" spc="-150" smtClean="0">
+                          <a:latin typeface="Cambria Math" panose="02040503050406030204" pitchFamily="18" charset="0"/>
+                        </a:rPr>
+                        <m:t>)</m:t>
+                      </m:r>
+                    </m:oMath>
+                  </m:oMathPara>
+                </a14:m>
+                <a:endParaRPr lang="en-US" sz="1600" spc="-150" dirty="0"/>
+              </a:p>
+            </p:txBody>
+          </p:sp>
+        </mc:Choice>
+        <mc:Fallback>
+          <p:sp>
+            <p:nvSpPr>
+              <p:cNvPr id="39" name="TextBox 38">
+                <a:extLst>
+                  <a:ext uri="{FF2B5EF4-FFF2-40B4-BE49-F238E27FC236}">
+                    <a16:creationId xmlns:a16="http://schemas.microsoft.com/office/drawing/2014/main" id="{C312B2A4-04E2-41DF-81C9-D4001FC7C40F}"/>
+                  </a:ext>
+                </a:extLst>
+              </p:cNvPr>
+              <p:cNvSpPr txBox="1">
+                <a:spLocks noRot="1" noChangeAspect="1" noMove="1" noResize="1" noEditPoints="1" noAdjustHandles="1" noChangeArrowheads="1" noChangeShapeType="1" noTextEdit="1"/>
+              </p:cNvSpPr>
+              <p:nvPr/>
+            </p:nvSpPr>
+            <p:spPr>
+              <a:xfrm>
+                <a:off x="2388131" y="4003552"/>
+                <a:ext cx="798989" cy="338554"/>
+              </a:xfrm>
+              <a:prstGeom prst="rect">
+                <a:avLst/>
+              </a:prstGeom>
+              <a:blipFill>
+                <a:blip r:embed="rId6"/>
+                <a:stretch>
+                  <a:fillRect b="-10909"/>
+                </a:stretch>
+              </a:blipFill>
+            </p:spPr>
+            <p:txBody>
+              <a:bodyPr/>
+              <a:lstStyle/>
+              <a:p>
+                <a:r>
+                  <a:rPr lang="en-US">
+                    <a:noFill/>
+                  </a:rPr>
+                  <a:t> </a:t>
+                </a:r>
+              </a:p>
+            </p:txBody>
+          </p:sp>
+        </mc:Fallback>
+      </mc:AlternateContent>
+      <mc:AlternateContent xmlns:mc="http://schemas.openxmlformats.org/markup-compatibility/2006" xmlns:a14="http://schemas.microsoft.com/office/drawing/2010/main">
+        <mc:Choice Requires="a14">
+          <p:sp>
+            <p:nvSpPr>
+              <p:cNvPr id="54" name="TextBox 53">
+                <a:extLst>
+                  <a:ext uri="{FF2B5EF4-FFF2-40B4-BE49-F238E27FC236}">
+                    <a16:creationId xmlns:a16="http://schemas.microsoft.com/office/drawing/2014/main" id="{C1F4DA63-10E5-46EB-9BEA-E094ADA570DE}"/>
+                  </a:ext>
+                </a:extLst>
+              </p:cNvPr>
+              <p:cNvSpPr txBox="1"/>
+              <p:nvPr/>
+            </p:nvSpPr>
+            <p:spPr>
+              <a:xfrm>
+                <a:off x="3566009" y="4003552"/>
+                <a:ext cx="808064" cy="338554"/>
+              </a:xfrm>
+              <a:prstGeom prst="rect">
+                <a:avLst/>
+              </a:prstGeom>
+              <a:noFill/>
+            </p:spPr>
+            <p:txBody>
+              <a:bodyPr wrap="square" rtlCol="0">
+                <a:spAutoFit/>
+              </a:bodyPr>
+              <a:lstStyle/>
+              <a:p>
+                <a:pPr/>
+                <a14:m>
+                  <m:oMathPara xmlns:m="http://schemas.openxmlformats.org/officeDocument/2006/math">
+                    <m:oMathParaPr>
+                      <m:jc m:val="center"/>
+                    </m:oMathParaPr>
+                    <m:oMath xmlns:m="http://schemas.openxmlformats.org/officeDocument/2006/math">
+                      <m:r>
+                        <a:rPr lang="en-US" sz="1600" b="0" i="1" spc="-150" smtClean="0">
+                          <a:latin typeface="Cambria Math" panose="02040503050406030204" pitchFamily="18" charset="0"/>
+                        </a:rPr>
+                        <m:t>h</m:t>
+                      </m:r>
+                      <m:r>
+                        <a:rPr lang="en-US" sz="1600" b="0" i="1" spc="-150" smtClean="0">
+                          <a:latin typeface="Cambria Math" panose="02040503050406030204" pitchFamily="18" charset="0"/>
+                        </a:rPr>
+                        <m:t>(</m:t>
+                      </m:r>
+                      <m:r>
+                        <a:rPr lang="en-US" sz="1600" b="0" i="1" spc="-150" smtClean="0">
+                          <a:latin typeface="Cambria Math" panose="02040503050406030204" pitchFamily="18" charset="0"/>
+                        </a:rPr>
+                        <m:t>𝑡</m:t>
+                      </m:r>
+                      <m:r>
+                        <a:rPr lang="en-US" sz="1600" b="0" i="1" spc="-150" smtClean="0">
+                          <a:latin typeface="Cambria Math" panose="02040503050406030204" pitchFamily="18" charset="0"/>
+                        </a:rPr>
+                        <m:t>−2)</m:t>
+                      </m:r>
+                    </m:oMath>
+                  </m:oMathPara>
+                </a14:m>
+                <a:endParaRPr lang="en-US" sz="1600" spc="-150" dirty="0"/>
+              </a:p>
+            </p:txBody>
+          </p:sp>
+        </mc:Choice>
+        <mc:Fallback xmlns="">
+          <p:sp>
+            <p:nvSpPr>
+              <p:cNvPr id="54" name="TextBox 53">
+                <a:extLst>
+                  <a:ext uri="{FF2B5EF4-FFF2-40B4-BE49-F238E27FC236}">
+                    <a16:creationId xmlns:a16="http://schemas.microsoft.com/office/drawing/2014/main" id="{C1F4DA63-10E5-46EB-9BEA-E094ADA570DE}"/>
+                  </a:ext>
+                </a:extLst>
+              </p:cNvPr>
+              <p:cNvSpPr txBox="1">
+                <a:spLocks noRot="1" noChangeAspect="1" noMove="1" noResize="1" noEditPoints="1" noAdjustHandles="1" noChangeArrowheads="1" noChangeShapeType="1" noTextEdit="1"/>
+              </p:cNvSpPr>
+              <p:nvPr/>
+            </p:nvSpPr>
+            <p:spPr>
+              <a:xfrm>
+                <a:off x="3566009" y="4003552"/>
+                <a:ext cx="808064" cy="338554"/>
+              </a:xfrm>
+              <a:prstGeom prst="rect">
+                <a:avLst/>
+              </a:prstGeom>
+              <a:blipFill>
+                <a:blip r:embed="rId8"/>
+                <a:stretch>
+                  <a:fillRect b="-10909"/>
+                </a:stretch>
+              </a:blipFill>
+            </p:spPr>
+            <p:txBody>
+              <a:bodyPr/>
+              <a:lstStyle/>
+              <a:p>
+                <a:r>
+                  <a:rPr lang="en-US">
+                    <a:noFill/>
+                  </a:rPr>
+                  <a:t> </a:t>
+                </a:r>
+              </a:p>
+            </p:txBody>
+          </p:sp>
+        </mc:Fallback>
+      </mc:AlternateContent>
+      <p:sp>
+        <p:nvSpPr>
+          <p:cNvPr id="62" name="TextBox 61">
+            <a:extLst>
+              <a:ext uri="{FF2B5EF4-FFF2-40B4-BE49-F238E27FC236}">
+                <a16:creationId xmlns:a16="http://schemas.microsoft.com/office/drawing/2014/main" id="{523FB744-9242-491C-A1AB-BCEE52B539F2}"/>
+              </a:ext>
+            </a:extLst>
+          </p:cNvPr>
+          <p:cNvSpPr txBox="1"/>
+          <p:nvPr/>
+        </p:nvSpPr>
+        <p:spPr>
+          <a:xfrm>
+            <a:off x="3123422" y="2957247"/>
+            <a:ext cx="503664" cy="646331"/>
+          </a:xfrm>
+          <a:prstGeom prst="rect">
+            <a:avLst/>
+          </a:prstGeom>
+          <a:noFill/>
+        </p:spPr>
+        <p:txBody>
+          <a:bodyPr wrap="none" rtlCol="0">
+            <a:spAutoFit/>
+          </a:bodyPr>
+          <a:lstStyle/>
+          <a:p>
+            <a:r>
+              <a:rPr lang="en-US" sz="3600" dirty="0"/>
+              <a:t>…</a:t>
+            </a:r>
+          </a:p>
+        </p:txBody>
+      </p:sp>
+      <p:sp>
+        <p:nvSpPr>
+          <p:cNvPr id="50" name="Freeform: Shape 49">
+            <a:extLst>
+              <a:ext uri="{FF2B5EF4-FFF2-40B4-BE49-F238E27FC236}">
+                <a16:creationId xmlns:a16="http://schemas.microsoft.com/office/drawing/2014/main" id="{1E362A88-2CA4-4608-A08C-0790C7E1FBF2}"/>
+              </a:ext>
+            </a:extLst>
+          </p:cNvPr>
+          <p:cNvSpPr/>
+          <p:nvPr/>
+        </p:nvSpPr>
+        <p:spPr>
+          <a:xfrm>
+            <a:off x="2741174" y="2806700"/>
+            <a:ext cx="257632" cy="1022350"/>
+          </a:xfrm>
+          <a:custGeom>
+            <a:avLst/>
+            <a:gdLst>
+              <a:gd name="connsiteX0" fmla="*/ 22682 w 257632"/>
+              <a:gd name="connsiteY0" fmla="*/ 1022350 h 1022350"/>
+              <a:gd name="connsiteX1" fmla="*/ 130632 w 257632"/>
+              <a:gd name="connsiteY1" fmla="*/ 781050 h 1022350"/>
+              <a:gd name="connsiteX2" fmla="*/ 16332 w 257632"/>
+              <a:gd name="connsiteY2" fmla="*/ 565150 h 1022350"/>
+              <a:gd name="connsiteX3" fmla="*/ 16332 w 257632"/>
+              <a:gd name="connsiteY3" fmla="*/ 304800 h 1022350"/>
+              <a:gd name="connsiteX4" fmla="*/ 162382 w 257632"/>
+              <a:gd name="connsiteY4" fmla="*/ 82550 h 1022350"/>
+              <a:gd name="connsiteX5" fmla="*/ 257632 w 257632"/>
+              <a:gd name="connsiteY5" fmla="*/ 0 h 1022350"/>
+            </a:gdLst>
+            <a:ahLst/>
+            <a:cxnLst>
+              <a:cxn ang="0">
+                <a:pos x="connsiteX0" y="connsiteY0"/>
+              </a:cxn>
+              <a:cxn ang="0">
+                <a:pos x="connsiteX1" y="connsiteY1"/>
+              </a:cxn>
+              <a:cxn ang="0">
+                <a:pos x="connsiteX2" y="connsiteY2"/>
+              </a:cxn>
+              <a:cxn ang="0">
+                <a:pos x="connsiteX3" y="connsiteY3"/>
+              </a:cxn>
+              <a:cxn ang="0">
+                <a:pos x="connsiteX4" y="connsiteY4"/>
+              </a:cxn>
+              <a:cxn ang="0">
+                <a:pos x="connsiteX5" y="connsiteY5"/>
+              </a:cxn>
+            </a:cxnLst>
+            <a:rect l="l" t="t" r="r" b="b"/>
+            <a:pathLst>
+              <a:path w="257632" h="1022350">
+                <a:moveTo>
+                  <a:pt x="22682" y="1022350"/>
+                </a:moveTo>
+                <a:cubicBezTo>
+                  <a:pt x="77186" y="939800"/>
+                  <a:pt x="131690" y="857250"/>
+                  <a:pt x="130632" y="781050"/>
+                </a:cubicBezTo>
+                <a:cubicBezTo>
+                  <a:pt x="129574" y="704850"/>
+                  <a:pt x="35382" y="644525"/>
+                  <a:pt x="16332" y="565150"/>
+                </a:cubicBezTo>
+                <a:cubicBezTo>
+                  <a:pt x="-2718" y="485775"/>
+                  <a:pt x="-8010" y="385233"/>
+                  <a:pt x="16332" y="304800"/>
+                </a:cubicBezTo>
+                <a:cubicBezTo>
+                  <a:pt x="40674" y="224367"/>
+                  <a:pt x="122165" y="133350"/>
+                  <a:pt x="162382" y="82550"/>
+                </a:cubicBezTo>
+                <a:cubicBezTo>
+                  <a:pt x="202599" y="31750"/>
+                  <a:pt x="230115" y="15875"/>
+                  <a:pt x="257632" y="0"/>
+                </a:cubicBezTo>
+              </a:path>
+            </a:pathLst>
+          </a:custGeom>
+          <a:noFill/>
+          <a:ln w="8890">
+            <a:solidFill>
+              <a:schemeClr val="accent3"/>
+            </a:solidFill>
+            <a:tailEnd type="triangle" w="sm" len="sm"/>
+          </a:ln>
+        </p:spPr>
+        <p:style>
+          <a:lnRef idx="2">
+            <a:schemeClr val="accent1">
+              <a:shade val="50000"/>
+            </a:schemeClr>
+          </a:lnRef>
+          <a:fillRef idx="1">
+            <a:schemeClr val="accent1"/>
+          </a:fillRef>
+          <a:effectRef idx="0">
+            <a:schemeClr val="accent1"/>
+          </a:effectRef>
+          <a:fontRef idx="minor">
+            <a:schemeClr val="lt1"/>
+          </a:fontRef>
+        </p:style>
+        <p:txBody>
+          <a:bodyPr rtlCol="0" anchor="ctr"/>
+          <a:lstStyle/>
+          <a:p>
+            <a:pPr algn="ctr"/>
+            <a:endParaRPr lang="en-US"/>
+          </a:p>
+        </p:txBody>
+      </p:sp>
+      <p:grpSp>
+        <p:nvGrpSpPr>
+          <p:cNvPr id="251" name="Group 250">
+            <a:extLst>
+              <a:ext uri="{FF2B5EF4-FFF2-40B4-BE49-F238E27FC236}">
+                <a16:creationId xmlns:a16="http://schemas.microsoft.com/office/drawing/2014/main" id="{12EEE8AA-4A53-4648-AF37-2142DF8FB686}"/>
+              </a:ext>
+            </a:extLst>
+          </p:cNvPr>
+          <p:cNvGrpSpPr/>
+          <p:nvPr/>
+        </p:nvGrpSpPr>
+        <p:grpSpPr>
+          <a:xfrm>
+            <a:off x="3374485" y="2231204"/>
+            <a:ext cx="987643" cy="136498"/>
+            <a:chOff x="393192" y="1608318"/>
+            <a:chExt cx="987643" cy="136498"/>
+          </a:xfrm>
+        </p:grpSpPr>
+        <p:sp>
+          <p:nvSpPr>
+            <p:cNvPr id="253" name="Cube 252">
+              <a:extLst>
+                <a:ext uri="{FF2B5EF4-FFF2-40B4-BE49-F238E27FC236}">
+                  <a16:creationId xmlns:a16="http://schemas.microsoft.com/office/drawing/2014/main" id="{35BDD2F7-FB10-4EEC-A7D5-C315046B84EB}"/>
+                </a:ext>
+              </a:extLst>
+            </p:cNvPr>
+            <p:cNvSpPr/>
+            <p:nvPr/>
+          </p:nvSpPr>
+          <p:spPr>
+            <a:xfrm>
+              <a:off x="393192" y="1608434"/>
+              <a:ext cx="114296" cy="136244"/>
+            </a:xfrm>
+            <a:prstGeom prst="cube">
+              <a:avLst/>
+            </a:prstGeom>
+            <a:ln w="6350"/>
+          </p:spPr>
+          <p:style>
+            <a:lnRef idx="2">
+              <a:schemeClr val="dk1"/>
+            </a:lnRef>
+            <a:fillRef idx="1">
+              <a:schemeClr val="lt1"/>
+            </a:fillRef>
+            <a:effectRef idx="0">
+              <a:schemeClr val="dk1"/>
+            </a:effectRef>
+            <a:fontRef idx="minor">
+              <a:schemeClr val="dk1"/>
+            </a:fontRef>
+          </p:style>
+          <p:txBody>
+            <a:bodyPr rtlCol="0" anchor="ctr"/>
+            <a:lstStyle/>
+            <a:p>
+              <a:pPr algn="ctr"/>
+              <a:endParaRPr lang="en-US"/>
+            </a:p>
+          </p:txBody>
+        </p:sp>
+        <p:sp>
+          <p:nvSpPr>
+            <p:cNvPr id="254" name="Cube 253">
+              <a:extLst>
+                <a:ext uri="{FF2B5EF4-FFF2-40B4-BE49-F238E27FC236}">
+                  <a16:creationId xmlns:a16="http://schemas.microsoft.com/office/drawing/2014/main" id="{07E80155-8CFB-4FEB-9A82-9AAE4316475E}"/>
+                </a:ext>
+              </a:extLst>
+            </p:cNvPr>
+            <p:cNvSpPr/>
+            <p:nvPr/>
+          </p:nvSpPr>
+          <p:spPr>
+            <a:xfrm>
+              <a:off x="477472" y="1608434"/>
+              <a:ext cx="114296" cy="136244"/>
+            </a:xfrm>
+            <a:prstGeom prst="cube">
+              <a:avLst/>
+            </a:prstGeom>
+            <a:solidFill>
+              <a:srgbClr val="FF0000"/>
+            </a:solidFill>
+            <a:ln w="6350"/>
+          </p:spPr>
+          <p:style>
+            <a:lnRef idx="2">
+              <a:schemeClr val="dk1"/>
+            </a:lnRef>
+            <a:fillRef idx="1">
+              <a:schemeClr val="lt1"/>
+            </a:fillRef>
+            <a:effectRef idx="0">
+              <a:schemeClr val="dk1"/>
+            </a:effectRef>
+            <a:fontRef idx="minor">
+              <a:schemeClr val="dk1"/>
+            </a:fontRef>
+          </p:style>
+          <p:txBody>
+            <a:bodyPr rtlCol="0" anchor="ctr"/>
+            <a:lstStyle/>
+            <a:p>
+              <a:pPr algn="ctr"/>
+              <a:endParaRPr lang="en-US"/>
+            </a:p>
+          </p:txBody>
+        </p:sp>
+        <p:sp>
+          <p:nvSpPr>
+            <p:cNvPr id="255" name="Cube 254">
+              <a:extLst>
+                <a:ext uri="{FF2B5EF4-FFF2-40B4-BE49-F238E27FC236}">
+                  <a16:creationId xmlns:a16="http://schemas.microsoft.com/office/drawing/2014/main" id="{A6D8CD57-30D3-4ECA-9F98-ABAC9F681478}"/>
+                </a:ext>
+              </a:extLst>
+            </p:cNvPr>
+            <p:cNvSpPr/>
+            <p:nvPr/>
+          </p:nvSpPr>
+          <p:spPr>
+            <a:xfrm>
+              <a:off x="565373" y="1608434"/>
+              <a:ext cx="114296" cy="136244"/>
+            </a:xfrm>
+            <a:prstGeom prst="cube">
+              <a:avLst/>
+            </a:prstGeom>
+            <a:solidFill>
+              <a:srgbClr val="FFC000"/>
+            </a:solidFill>
+            <a:ln w="6350"/>
+          </p:spPr>
+          <p:style>
+            <a:lnRef idx="2">
+              <a:schemeClr val="dk1"/>
+            </a:lnRef>
+            <a:fillRef idx="1">
+              <a:schemeClr val="lt1"/>
+            </a:fillRef>
+            <a:effectRef idx="0">
+              <a:schemeClr val="dk1"/>
+            </a:effectRef>
+            <a:fontRef idx="minor">
+              <a:schemeClr val="dk1"/>
+            </a:fontRef>
+          </p:style>
+          <p:txBody>
+            <a:bodyPr rtlCol="0" anchor="ctr"/>
+            <a:lstStyle/>
+            <a:p>
+              <a:pPr algn="ctr"/>
+              <a:endParaRPr lang="en-US"/>
+            </a:p>
+          </p:txBody>
+        </p:sp>
+        <p:sp>
+          <p:nvSpPr>
+            <p:cNvPr id="256" name="Cube 255">
+              <a:extLst>
+                <a:ext uri="{FF2B5EF4-FFF2-40B4-BE49-F238E27FC236}">
+                  <a16:creationId xmlns:a16="http://schemas.microsoft.com/office/drawing/2014/main" id="{8CE1A486-8EE5-48FD-8F8E-73ADE2986E18}"/>
+                </a:ext>
+              </a:extLst>
+            </p:cNvPr>
+            <p:cNvSpPr/>
+            <p:nvPr/>
+          </p:nvSpPr>
+          <p:spPr>
+            <a:xfrm>
+              <a:off x="653273" y="1608434"/>
+              <a:ext cx="114296" cy="136244"/>
+            </a:xfrm>
+            <a:prstGeom prst="cube">
+              <a:avLst/>
+            </a:prstGeom>
+            <a:solidFill>
+              <a:srgbClr val="FFFF00"/>
+            </a:solidFill>
+            <a:ln w="6350"/>
+          </p:spPr>
+          <p:style>
+            <a:lnRef idx="2">
+              <a:schemeClr val="dk1"/>
+            </a:lnRef>
+            <a:fillRef idx="1">
+              <a:schemeClr val="lt1"/>
+            </a:fillRef>
+            <a:effectRef idx="0">
+              <a:schemeClr val="dk1"/>
+            </a:effectRef>
+            <a:fontRef idx="minor">
+              <a:schemeClr val="dk1"/>
+            </a:fontRef>
+          </p:style>
+          <p:txBody>
+            <a:bodyPr rtlCol="0" anchor="ctr"/>
+            <a:lstStyle/>
+            <a:p>
+              <a:pPr algn="ctr"/>
+              <a:endParaRPr lang="en-US"/>
+            </a:p>
+          </p:txBody>
+        </p:sp>
+        <p:sp>
+          <p:nvSpPr>
+            <p:cNvPr id="257" name="Cube 256">
+              <a:extLst>
+                <a:ext uri="{FF2B5EF4-FFF2-40B4-BE49-F238E27FC236}">
+                  <a16:creationId xmlns:a16="http://schemas.microsoft.com/office/drawing/2014/main" id="{A4402EFE-5736-443A-AB00-D51529E3C7E5}"/>
+                </a:ext>
+              </a:extLst>
+            </p:cNvPr>
+            <p:cNvSpPr/>
+            <p:nvPr/>
+          </p:nvSpPr>
+          <p:spPr>
+            <a:xfrm>
+              <a:off x="737553" y="1608318"/>
+              <a:ext cx="303822" cy="136244"/>
+            </a:xfrm>
+            <a:prstGeom prst="cube">
+              <a:avLst>
+                <a:gd name="adj" fmla="val 19407"/>
+              </a:avLst>
+            </a:prstGeom>
+            <a:ln w="6350"/>
+          </p:spPr>
+          <p:style>
+            <a:lnRef idx="2">
+              <a:schemeClr val="dk1"/>
+            </a:lnRef>
+            <a:fillRef idx="1">
+              <a:schemeClr val="lt1"/>
+            </a:fillRef>
+            <a:effectRef idx="0">
+              <a:schemeClr val="dk1"/>
+            </a:effectRef>
+            <a:fontRef idx="minor">
+              <a:schemeClr val="dk1"/>
+            </a:fontRef>
+          </p:style>
+          <p:txBody>
+            <a:bodyPr rtlCol="0" anchor="ctr"/>
+            <a:lstStyle/>
+            <a:p>
+              <a:pPr algn="ctr"/>
+              <a:r>
+                <a:rPr lang="en-US" sz="500" dirty="0"/>
+                <a:t>. . . </a:t>
+              </a:r>
+            </a:p>
+          </p:txBody>
+        </p:sp>
+        <p:sp>
+          <p:nvSpPr>
+            <p:cNvPr id="258" name="Cube 257">
+              <a:extLst>
+                <a:ext uri="{FF2B5EF4-FFF2-40B4-BE49-F238E27FC236}">
+                  <a16:creationId xmlns:a16="http://schemas.microsoft.com/office/drawing/2014/main" id="{2D745358-3478-4DD4-AEA8-DED2288E45A6}"/>
+                </a:ext>
+              </a:extLst>
+            </p:cNvPr>
+            <p:cNvSpPr/>
+            <p:nvPr/>
+          </p:nvSpPr>
+          <p:spPr>
+            <a:xfrm>
+              <a:off x="1013460" y="1608318"/>
+              <a:ext cx="114296" cy="136244"/>
+            </a:xfrm>
+            <a:prstGeom prst="cube">
+              <a:avLst/>
+            </a:prstGeom>
+            <a:ln w="6350"/>
+          </p:spPr>
+          <p:style>
+            <a:lnRef idx="2">
+              <a:schemeClr val="dk1"/>
+            </a:lnRef>
+            <a:fillRef idx="1">
+              <a:schemeClr val="lt1"/>
+            </a:fillRef>
+            <a:effectRef idx="0">
+              <a:schemeClr val="dk1"/>
+            </a:effectRef>
+            <a:fontRef idx="minor">
+              <a:schemeClr val="dk1"/>
+            </a:fontRef>
+          </p:style>
+          <p:txBody>
+            <a:bodyPr rtlCol="0" anchor="ctr"/>
+            <a:lstStyle/>
+            <a:p>
+              <a:pPr algn="ctr"/>
+              <a:endParaRPr lang="en-US"/>
+            </a:p>
+          </p:txBody>
+        </p:sp>
+        <p:sp>
+          <p:nvSpPr>
+            <p:cNvPr id="259" name="Cube 258">
+              <a:extLst>
+                <a:ext uri="{FF2B5EF4-FFF2-40B4-BE49-F238E27FC236}">
+                  <a16:creationId xmlns:a16="http://schemas.microsoft.com/office/drawing/2014/main" id="{E564E47B-FCB2-4010-83EE-028D2B3505EB}"/>
+                </a:ext>
+              </a:extLst>
+            </p:cNvPr>
+            <p:cNvSpPr/>
+            <p:nvPr/>
+          </p:nvSpPr>
+          <p:spPr>
+            <a:xfrm>
+              <a:off x="1096420" y="1608318"/>
+              <a:ext cx="114296" cy="136244"/>
+            </a:xfrm>
+            <a:prstGeom prst="cube">
+              <a:avLst/>
+            </a:prstGeom>
+            <a:solidFill>
+              <a:srgbClr val="0B45FD"/>
+            </a:solidFill>
+            <a:ln w="6350"/>
+          </p:spPr>
+          <p:style>
+            <a:lnRef idx="2">
+              <a:schemeClr val="dk1"/>
+            </a:lnRef>
+            <a:fillRef idx="1">
+              <a:schemeClr val="lt1"/>
+            </a:fillRef>
+            <a:effectRef idx="0">
+              <a:schemeClr val="dk1"/>
+            </a:effectRef>
+            <a:fontRef idx="minor">
+              <a:schemeClr val="dk1"/>
+            </a:fontRef>
+          </p:style>
+          <p:txBody>
+            <a:bodyPr rtlCol="0" anchor="ctr"/>
+            <a:lstStyle/>
+            <a:p>
+              <a:pPr algn="ctr"/>
+              <a:endParaRPr lang="en-US"/>
+            </a:p>
+          </p:txBody>
+        </p:sp>
+        <p:sp>
+          <p:nvSpPr>
+            <p:cNvPr id="260" name="Cube 259">
+              <a:extLst>
+                <a:ext uri="{FF2B5EF4-FFF2-40B4-BE49-F238E27FC236}">
+                  <a16:creationId xmlns:a16="http://schemas.microsoft.com/office/drawing/2014/main" id="{2B9048E5-917F-4B4F-B237-3F90E64D9499}"/>
+                </a:ext>
+              </a:extLst>
+            </p:cNvPr>
+            <p:cNvSpPr/>
+            <p:nvPr/>
+          </p:nvSpPr>
+          <p:spPr>
+            <a:xfrm>
+              <a:off x="1182432" y="1608572"/>
+              <a:ext cx="114296" cy="136244"/>
+            </a:xfrm>
+            <a:prstGeom prst="cube">
+              <a:avLst/>
+            </a:prstGeom>
+            <a:ln w="6350"/>
+          </p:spPr>
+          <p:style>
+            <a:lnRef idx="2">
+              <a:schemeClr val="dk1"/>
+            </a:lnRef>
+            <a:fillRef idx="1">
+              <a:schemeClr val="lt1"/>
+            </a:fillRef>
+            <a:effectRef idx="0">
+              <a:schemeClr val="dk1"/>
+            </a:effectRef>
+            <a:fontRef idx="minor">
+              <a:schemeClr val="dk1"/>
+            </a:fontRef>
+          </p:style>
+          <p:txBody>
+            <a:bodyPr rtlCol="0" anchor="ctr"/>
+            <a:lstStyle/>
+            <a:p>
+              <a:pPr algn="ctr"/>
+              <a:endParaRPr lang="en-US"/>
+            </a:p>
+          </p:txBody>
+        </p:sp>
+        <p:sp>
+          <p:nvSpPr>
+            <p:cNvPr id="261" name="Cube 260">
+              <a:extLst>
+                <a:ext uri="{FF2B5EF4-FFF2-40B4-BE49-F238E27FC236}">
+                  <a16:creationId xmlns:a16="http://schemas.microsoft.com/office/drawing/2014/main" id="{06367CC5-3302-4F67-A0C4-19FFCD009446}"/>
+                </a:ext>
+              </a:extLst>
+            </p:cNvPr>
+            <p:cNvSpPr/>
+            <p:nvPr/>
+          </p:nvSpPr>
+          <p:spPr>
+            <a:xfrm>
+              <a:off x="1266539" y="1608566"/>
+              <a:ext cx="114296" cy="136244"/>
+            </a:xfrm>
+            <a:prstGeom prst="cube">
+              <a:avLst/>
+            </a:prstGeom>
+            <a:solidFill>
+              <a:schemeClr val="bg1">
+                <a:lumMod val="85000"/>
+              </a:schemeClr>
+            </a:solidFill>
+            <a:ln w="6350"/>
+          </p:spPr>
+          <p:style>
+            <a:lnRef idx="2">
+              <a:schemeClr val="dk1"/>
+            </a:lnRef>
+            <a:fillRef idx="1">
+              <a:schemeClr val="lt1"/>
+            </a:fillRef>
+            <a:effectRef idx="0">
+              <a:schemeClr val="dk1"/>
+            </a:effectRef>
+            <a:fontRef idx="minor">
+              <a:schemeClr val="dk1"/>
+            </a:fontRef>
+          </p:style>
+          <p:txBody>
+            <a:bodyPr rtlCol="0" anchor="ctr"/>
+            <a:lstStyle/>
+            <a:p>
+              <a:pPr algn="ctr"/>
+              <a:endParaRPr lang="en-US"/>
+            </a:p>
+          </p:txBody>
+        </p:sp>
+      </p:grpSp>
+      <p:grpSp>
+        <p:nvGrpSpPr>
+          <p:cNvPr id="19" name="Group 18">
+            <a:extLst>
+              <a:ext uri="{FF2B5EF4-FFF2-40B4-BE49-F238E27FC236}">
+                <a16:creationId xmlns:a16="http://schemas.microsoft.com/office/drawing/2014/main" id="{56036E0E-9899-4421-83DC-459B7117911F}"/>
+              </a:ext>
+            </a:extLst>
+          </p:cNvPr>
+          <p:cNvGrpSpPr/>
+          <p:nvPr/>
+        </p:nvGrpSpPr>
+        <p:grpSpPr>
+          <a:xfrm>
+            <a:off x="3341269" y="1268495"/>
+            <a:ext cx="115619" cy="821691"/>
+            <a:chOff x="6140262" y="824112"/>
+            <a:chExt cx="115619" cy="821691"/>
+          </a:xfrm>
+        </p:grpSpPr>
+        <p:sp>
+          <p:nvSpPr>
+            <p:cNvPr id="297" name="Cube 296">
+              <a:extLst>
+                <a:ext uri="{FF2B5EF4-FFF2-40B4-BE49-F238E27FC236}">
+                  <a16:creationId xmlns:a16="http://schemas.microsoft.com/office/drawing/2014/main" id="{BC7567CF-81A1-49DF-B2DD-7DF9D0764EC4}"/>
+                </a:ext>
+              </a:extLst>
+            </p:cNvPr>
+            <p:cNvSpPr/>
+            <p:nvPr/>
+          </p:nvSpPr>
+          <p:spPr>
+            <a:xfrm>
+              <a:off x="6140331" y="1509559"/>
+              <a:ext cx="114296" cy="136244"/>
+            </a:xfrm>
+            <a:prstGeom prst="cube">
+              <a:avLst/>
+            </a:prstGeom>
+            <a:solidFill>
+              <a:schemeClr val="accent3">
+                <a:lumMod val="20000"/>
+                <a:lumOff val="80000"/>
+              </a:schemeClr>
+            </a:solidFill>
+            <a:ln w="6350"/>
+          </p:spPr>
+          <p:style>
+            <a:lnRef idx="2">
+              <a:schemeClr val="dk1"/>
+            </a:lnRef>
+            <a:fillRef idx="1">
+              <a:schemeClr val="lt1"/>
+            </a:fillRef>
+            <a:effectRef idx="0">
+              <a:schemeClr val="dk1"/>
+            </a:effectRef>
+            <a:fontRef idx="minor">
+              <a:schemeClr val="dk1"/>
+            </a:fontRef>
+          </p:style>
+          <p:txBody>
+            <a:bodyPr rtlCol="0" anchor="ctr"/>
+            <a:lstStyle/>
+            <a:p>
+              <a:pPr algn="ctr"/>
+              <a:endParaRPr lang="en-US"/>
+            </a:p>
+          </p:txBody>
+        </p:sp>
+        <p:sp>
+          <p:nvSpPr>
+            <p:cNvPr id="288" name="Cube 287">
+              <a:extLst>
+                <a:ext uri="{FF2B5EF4-FFF2-40B4-BE49-F238E27FC236}">
+                  <a16:creationId xmlns:a16="http://schemas.microsoft.com/office/drawing/2014/main" id="{98D5B7FA-EF60-4ABD-918C-0B449F3E5C97}"/>
+                </a:ext>
+              </a:extLst>
+            </p:cNvPr>
+            <p:cNvSpPr/>
+            <p:nvPr/>
+          </p:nvSpPr>
+          <p:spPr>
+            <a:xfrm>
+              <a:off x="6140331" y="1409672"/>
+              <a:ext cx="114296" cy="136244"/>
+            </a:xfrm>
+            <a:prstGeom prst="cube">
+              <a:avLst/>
+            </a:prstGeom>
+            <a:solidFill>
+              <a:srgbClr val="FF0000"/>
+            </a:solidFill>
+            <a:ln w="6350"/>
+          </p:spPr>
+          <p:style>
+            <a:lnRef idx="2">
+              <a:schemeClr val="dk1"/>
+            </a:lnRef>
+            <a:fillRef idx="1">
+              <a:schemeClr val="lt1"/>
+            </a:fillRef>
+            <a:effectRef idx="0">
+              <a:schemeClr val="dk1"/>
+            </a:effectRef>
+            <a:fontRef idx="minor">
+              <a:schemeClr val="dk1"/>
+            </a:fontRef>
+          </p:style>
+          <p:txBody>
+            <a:bodyPr rtlCol="0" anchor="ctr"/>
+            <a:lstStyle/>
+            <a:p>
+              <a:pPr algn="ctr"/>
+              <a:endParaRPr lang="en-US"/>
+            </a:p>
+          </p:txBody>
+        </p:sp>
+        <p:sp>
+          <p:nvSpPr>
+            <p:cNvPr id="279" name="Cube 278">
+              <a:extLst>
+                <a:ext uri="{FF2B5EF4-FFF2-40B4-BE49-F238E27FC236}">
+                  <a16:creationId xmlns:a16="http://schemas.microsoft.com/office/drawing/2014/main" id="{FB833339-AB1A-46AD-9558-66B2493C30FF}"/>
+                </a:ext>
+              </a:extLst>
+            </p:cNvPr>
+            <p:cNvSpPr/>
+            <p:nvPr/>
+          </p:nvSpPr>
+          <p:spPr>
+            <a:xfrm>
+              <a:off x="6140331" y="1310848"/>
+              <a:ext cx="114296" cy="136244"/>
+            </a:xfrm>
+            <a:prstGeom prst="cube">
+              <a:avLst/>
+            </a:prstGeom>
+            <a:solidFill>
+              <a:srgbClr val="FFFF00"/>
+            </a:solidFill>
+            <a:ln w="6350"/>
+          </p:spPr>
+          <p:style>
+            <a:lnRef idx="2">
+              <a:schemeClr val="dk1"/>
+            </a:lnRef>
+            <a:fillRef idx="1">
+              <a:schemeClr val="lt1"/>
+            </a:fillRef>
+            <a:effectRef idx="0">
+              <a:schemeClr val="dk1"/>
+            </a:effectRef>
+            <a:fontRef idx="minor">
+              <a:schemeClr val="dk1"/>
+            </a:fontRef>
+          </p:style>
+          <p:txBody>
+            <a:bodyPr rtlCol="0" anchor="ctr"/>
+            <a:lstStyle/>
+            <a:p>
+              <a:pPr algn="ctr"/>
+              <a:endParaRPr lang="en-US"/>
+            </a:p>
+          </p:txBody>
+        </p:sp>
+        <p:sp>
+          <p:nvSpPr>
+            <p:cNvPr id="305" name="Cube 304">
+              <a:extLst>
+                <a:ext uri="{FF2B5EF4-FFF2-40B4-BE49-F238E27FC236}">
+                  <a16:creationId xmlns:a16="http://schemas.microsoft.com/office/drawing/2014/main" id="{5D6F3F06-88FB-431F-88C9-9977373BC80F}"/>
+                </a:ext>
+              </a:extLst>
+            </p:cNvPr>
+            <p:cNvSpPr/>
+            <p:nvPr/>
+          </p:nvSpPr>
+          <p:spPr>
+            <a:xfrm>
+              <a:off x="6140262" y="1130685"/>
+              <a:ext cx="114296" cy="210170"/>
+            </a:xfrm>
+            <a:prstGeom prst="cube">
+              <a:avLst/>
+            </a:prstGeom>
+            <a:ln w="6350"/>
+          </p:spPr>
+          <p:style>
+            <a:lnRef idx="2">
+              <a:schemeClr val="dk1"/>
+            </a:lnRef>
+            <a:fillRef idx="1">
+              <a:schemeClr val="lt1"/>
+            </a:fillRef>
+            <a:effectRef idx="0">
+              <a:schemeClr val="dk1"/>
+            </a:effectRef>
+            <a:fontRef idx="minor">
+              <a:schemeClr val="dk1"/>
+            </a:fontRef>
+          </p:style>
+          <p:txBody>
+            <a:bodyPr vert="eaVert" lIns="0" tIns="0" rIns="0" bIns="0" rtlCol="0" anchor="ctr"/>
+            <a:lstStyle/>
+            <a:p>
+              <a:pPr algn="ctr"/>
+              <a:r>
+                <a:rPr lang="en-US" sz="500" dirty="0"/>
+                <a:t>…</a:t>
+              </a:r>
+            </a:p>
+          </p:txBody>
+        </p:sp>
+        <p:sp>
+          <p:nvSpPr>
+            <p:cNvPr id="296" name="Cube 295">
+              <a:extLst>
+                <a:ext uri="{FF2B5EF4-FFF2-40B4-BE49-F238E27FC236}">
+                  <a16:creationId xmlns:a16="http://schemas.microsoft.com/office/drawing/2014/main" id="{63DAC562-7749-490B-BB76-CCC515C7D05E}"/>
+                </a:ext>
+              </a:extLst>
+            </p:cNvPr>
+            <p:cNvSpPr/>
+            <p:nvPr/>
+          </p:nvSpPr>
+          <p:spPr>
+            <a:xfrm>
+              <a:off x="6141585" y="1022823"/>
+              <a:ext cx="114296" cy="136244"/>
+            </a:xfrm>
+            <a:prstGeom prst="cube">
+              <a:avLst/>
+            </a:prstGeom>
+            <a:ln w="6350"/>
+          </p:spPr>
+          <p:style>
+            <a:lnRef idx="2">
+              <a:schemeClr val="dk1"/>
+            </a:lnRef>
+            <a:fillRef idx="1">
+              <a:schemeClr val="lt1"/>
+            </a:fillRef>
+            <a:effectRef idx="0">
+              <a:schemeClr val="dk1"/>
+            </a:effectRef>
+            <a:fontRef idx="minor">
+              <a:schemeClr val="dk1"/>
+            </a:fontRef>
+          </p:style>
+          <p:txBody>
+            <a:bodyPr rtlCol="0" anchor="ctr"/>
+            <a:lstStyle/>
+            <a:p>
+              <a:pPr algn="ctr"/>
+              <a:endParaRPr lang="en-US"/>
+            </a:p>
+          </p:txBody>
+        </p:sp>
+        <p:sp>
+          <p:nvSpPr>
+            <p:cNvPr id="287" name="Cube 286">
+              <a:extLst>
+                <a:ext uri="{FF2B5EF4-FFF2-40B4-BE49-F238E27FC236}">
+                  <a16:creationId xmlns:a16="http://schemas.microsoft.com/office/drawing/2014/main" id="{C77D5DC1-4ED6-45AE-B2D3-FE84D99A5AC2}"/>
+                </a:ext>
+              </a:extLst>
+            </p:cNvPr>
+            <p:cNvSpPr/>
+            <p:nvPr/>
+          </p:nvSpPr>
+          <p:spPr>
+            <a:xfrm>
+              <a:off x="6141585" y="922936"/>
+              <a:ext cx="114296" cy="136244"/>
+            </a:xfrm>
+            <a:prstGeom prst="cube">
+              <a:avLst/>
+            </a:prstGeom>
+            <a:solidFill>
+              <a:schemeClr val="accent1"/>
+            </a:solidFill>
+            <a:ln w="6350"/>
+          </p:spPr>
+          <p:style>
+            <a:lnRef idx="2">
+              <a:schemeClr val="dk1"/>
+            </a:lnRef>
+            <a:fillRef idx="1">
+              <a:schemeClr val="lt1"/>
+            </a:fillRef>
+            <a:effectRef idx="0">
+              <a:schemeClr val="dk1"/>
+            </a:effectRef>
+            <a:fontRef idx="minor">
+              <a:schemeClr val="dk1"/>
+            </a:fontRef>
+          </p:style>
+          <p:txBody>
+            <a:bodyPr rtlCol="0" anchor="ctr"/>
+            <a:lstStyle/>
+            <a:p>
+              <a:pPr algn="ctr"/>
+              <a:endParaRPr lang="en-US"/>
+            </a:p>
+          </p:txBody>
+        </p:sp>
+        <p:sp>
+          <p:nvSpPr>
+            <p:cNvPr id="278" name="Cube 277">
+              <a:extLst>
+                <a:ext uri="{FF2B5EF4-FFF2-40B4-BE49-F238E27FC236}">
+                  <a16:creationId xmlns:a16="http://schemas.microsoft.com/office/drawing/2014/main" id="{83C264F8-357A-4896-98A3-8C8CC8878954}"/>
+                </a:ext>
+              </a:extLst>
+            </p:cNvPr>
+            <p:cNvSpPr/>
+            <p:nvPr/>
+          </p:nvSpPr>
+          <p:spPr>
+            <a:xfrm>
+              <a:off x="6141585" y="824112"/>
+              <a:ext cx="114296" cy="136244"/>
+            </a:xfrm>
+            <a:prstGeom prst="cube">
+              <a:avLst/>
+            </a:prstGeom>
+            <a:solidFill>
+              <a:srgbClr val="FFC000"/>
+            </a:solidFill>
+            <a:ln w="6350"/>
+          </p:spPr>
+          <p:style>
+            <a:lnRef idx="2">
+              <a:schemeClr val="dk1"/>
+            </a:lnRef>
+            <a:fillRef idx="1">
+              <a:schemeClr val="lt1"/>
+            </a:fillRef>
+            <a:effectRef idx="0">
+              <a:schemeClr val="dk1"/>
+            </a:effectRef>
+            <a:fontRef idx="minor">
+              <a:schemeClr val="dk1"/>
+            </a:fontRef>
+          </p:style>
+          <p:txBody>
+            <a:bodyPr rtlCol="0" anchor="ctr"/>
+            <a:lstStyle/>
+            <a:p>
+              <a:pPr algn="ctr"/>
+              <a:endParaRPr lang="en-US"/>
+            </a:p>
+          </p:txBody>
+        </p:sp>
+      </p:grpSp>
+      <p:cxnSp>
+        <p:nvCxnSpPr>
+          <p:cNvPr id="306" name="Straight Arrow Connector 305">
+            <a:extLst>
+              <a:ext uri="{FF2B5EF4-FFF2-40B4-BE49-F238E27FC236}">
+                <a16:creationId xmlns:a16="http://schemas.microsoft.com/office/drawing/2014/main" id="{1ACF31F7-AC58-4D38-A4AE-5A59C306A00B}"/>
+              </a:ext>
+            </a:extLst>
+          </p:cNvPr>
+          <p:cNvCxnSpPr>
+            <a:cxnSpLocks/>
+          </p:cNvCxnSpPr>
+          <p:nvPr/>
+        </p:nvCxnSpPr>
+        <p:spPr>
+          <a:xfrm>
+            <a:off x="3464199" y="1722673"/>
+            <a:ext cx="302232" cy="0"/>
+          </a:xfrm>
+          <a:prstGeom prst="straightConnector1">
+            <a:avLst/>
+          </a:prstGeom>
+          <a:ln w="8890">
+            <a:solidFill>
+              <a:schemeClr val="tx1"/>
+            </a:solidFill>
+            <a:tailEnd type="triangle" w="sm" len="med"/>
+          </a:ln>
+        </p:spPr>
+        <p:style>
+          <a:lnRef idx="1">
+            <a:schemeClr val="accent1"/>
+          </a:lnRef>
+          <a:fillRef idx="0">
+            <a:schemeClr val="accent1"/>
+          </a:fillRef>
+          <a:effectRef idx="0">
+            <a:schemeClr val="accent1"/>
+          </a:effectRef>
+          <a:fontRef idx="minor">
+            <a:schemeClr val="tx1"/>
+          </a:fontRef>
+        </p:style>
+      </p:cxnSp>
+      <p:cxnSp>
+        <p:nvCxnSpPr>
+          <p:cNvPr id="307" name="Straight Arrow Connector 306">
+            <a:extLst>
+              <a:ext uri="{FF2B5EF4-FFF2-40B4-BE49-F238E27FC236}">
+                <a16:creationId xmlns:a16="http://schemas.microsoft.com/office/drawing/2014/main" id="{A04FA32E-E4A2-4E70-8A83-92E60AD7CA20}"/>
+              </a:ext>
+            </a:extLst>
+          </p:cNvPr>
+          <p:cNvCxnSpPr>
+            <a:cxnSpLocks/>
+            <a:stCxn id="257" idx="0"/>
+            <a:endCxn id="13" idx="4"/>
+          </p:cNvCxnSpPr>
+          <p:nvPr/>
+        </p:nvCxnSpPr>
+        <p:spPr>
+          <a:xfrm flipV="1">
+            <a:off x="3883977" y="1831170"/>
+            <a:ext cx="4009" cy="400034"/>
+          </a:xfrm>
+          <a:prstGeom prst="straightConnector1">
+            <a:avLst/>
+          </a:prstGeom>
+          <a:ln w="8890">
+            <a:solidFill>
+              <a:schemeClr val="tx1"/>
+            </a:solidFill>
+            <a:tailEnd type="triangle" w="sm" len="med"/>
+          </a:ln>
+        </p:spPr>
+        <p:style>
+          <a:lnRef idx="1">
+            <a:schemeClr val="accent1"/>
+          </a:lnRef>
+          <a:fillRef idx="0">
+            <a:schemeClr val="accent1"/>
+          </a:fillRef>
+          <a:effectRef idx="0">
+            <a:schemeClr val="accent1"/>
+          </a:effectRef>
+          <a:fontRef idx="minor">
+            <a:schemeClr val="tx1"/>
+          </a:fontRef>
+        </p:style>
+      </p:cxnSp>
+      <p:sp>
+        <p:nvSpPr>
+          <p:cNvPr id="311" name="Rectangle 310">
+            <a:extLst>
+              <a:ext uri="{FF2B5EF4-FFF2-40B4-BE49-F238E27FC236}">
+                <a16:creationId xmlns:a16="http://schemas.microsoft.com/office/drawing/2014/main" id="{FC54202B-79DF-4889-BA67-817386DD76D3}"/>
+              </a:ext>
+            </a:extLst>
+          </p:cNvPr>
+          <p:cNvSpPr/>
+          <p:nvPr/>
+        </p:nvSpPr>
+        <p:spPr>
+          <a:xfrm>
+            <a:off x="4588181" y="1309597"/>
+            <a:ext cx="795556" cy="781354"/>
+          </a:xfrm>
+          <a:prstGeom prst="rect">
+            <a:avLst/>
+          </a:prstGeom>
+          <a:pattFill prst="dashUpDiag">
+            <a:fgClr>
+              <a:schemeClr val="accent5"/>
+            </a:fgClr>
+            <a:bgClr>
+              <a:schemeClr val="bg1"/>
+            </a:bgClr>
+          </a:pattFill>
+          <a:ln w="6350">
+            <a:solidFill>
+              <a:schemeClr val="tx1"/>
+            </a:solidFill>
+          </a:ln>
+        </p:spPr>
+        <p:style>
+          <a:lnRef idx="2">
+            <a:schemeClr val="accent1">
+              <a:shade val="50000"/>
+            </a:schemeClr>
+          </a:lnRef>
+          <a:fillRef idx="1">
+            <a:schemeClr val="accent1"/>
+          </a:fillRef>
+          <a:effectRef idx="0">
+            <a:schemeClr val="accent1"/>
+          </a:effectRef>
+          <a:fontRef idx="minor">
+            <a:schemeClr val="lt1"/>
+          </a:fontRef>
+        </p:style>
+        <p:txBody>
+          <a:bodyPr rtlCol="0" anchor="ctr"/>
+          <a:lstStyle/>
+          <a:p>
+            <a:pPr algn="ctr"/>
+            <a:endParaRPr lang="en-US"/>
+          </a:p>
+        </p:txBody>
+      </p:sp>
+      <p:sp>
+        <p:nvSpPr>
+          <p:cNvPr id="312" name="TextBox 311">
+            <a:extLst>
+              <a:ext uri="{FF2B5EF4-FFF2-40B4-BE49-F238E27FC236}">
+                <a16:creationId xmlns:a16="http://schemas.microsoft.com/office/drawing/2014/main" id="{48F2DAF7-9FEC-46D6-ABC0-5CBD30E583AE}"/>
+              </a:ext>
+            </a:extLst>
+          </p:cNvPr>
+          <p:cNvSpPr txBox="1"/>
+          <p:nvPr/>
+        </p:nvSpPr>
+        <p:spPr>
+          <a:xfrm>
+            <a:off x="5023901" y="1361550"/>
+            <a:ext cx="264816" cy="246221"/>
+          </a:xfrm>
+          <a:prstGeom prst="rect">
+            <a:avLst/>
+          </a:prstGeom>
+          <a:noFill/>
+        </p:spPr>
+        <p:txBody>
+          <a:bodyPr wrap="none" rtlCol="0">
+            <a:spAutoFit/>
+          </a:bodyPr>
+          <a:lstStyle/>
+          <a:p>
+            <a:r>
+              <a:rPr lang="en-US" sz="1000" b="1" i="1" dirty="0"/>
+              <a:t>H</a:t>
+            </a:r>
+          </a:p>
+        </p:txBody>
+      </p:sp>
+      <p:sp>
+        <p:nvSpPr>
+          <p:cNvPr id="313" name="TextBox 312">
+            <a:extLst>
+              <a:ext uri="{FF2B5EF4-FFF2-40B4-BE49-F238E27FC236}">
+                <a16:creationId xmlns:a16="http://schemas.microsoft.com/office/drawing/2014/main" id="{BB194818-10FF-49F5-AEA0-CB63A213BB04}"/>
+              </a:ext>
+            </a:extLst>
+          </p:cNvPr>
+          <p:cNvSpPr txBox="1"/>
+          <p:nvPr/>
+        </p:nvSpPr>
+        <p:spPr>
+          <a:xfrm>
+            <a:off x="5084532" y="1607787"/>
+            <a:ext cx="309700" cy="246221"/>
+          </a:xfrm>
+          <a:prstGeom prst="rect">
+            <a:avLst/>
+          </a:prstGeom>
+          <a:noFill/>
+        </p:spPr>
+        <p:txBody>
+          <a:bodyPr wrap="none" rtlCol="0">
+            <a:spAutoFit/>
+          </a:bodyPr>
+          <a:lstStyle/>
+          <a:p>
+            <a:r>
+              <a:rPr lang="en-US" sz="1000" b="1" i="1" dirty="0"/>
+              <a:t>F1</a:t>
+            </a:r>
+          </a:p>
+        </p:txBody>
+      </p:sp>
+      <p:sp>
+        <p:nvSpPr>
+          <p:cNvPr id="314" name="TextBox 313">
+            <a:extLst>
+              <a:ext uri="{FF2B5EF4-FFF2-40B4-BE49-F238E27FC236}">
+                <a16:creationId xmlns:a16="http://schemas.microsoft.com/office/drawing/2014/main" id="{5B9AB7A9-09DB-48CA-911D-3FEB42F11D1B}"/>
+              </a:ext>
+            </a:extLst>
+          </p:cNvPr>
+          <p:cNvSpPr txBox="1"/>
+          <p:nvPr/>
+        </p:nvSpPr>
+        <p:spPr>
+          <a:xfrm>
+            <a:off x="4893538" y="1799863"/>
+            <a:ext cx="309700" cy="246221"/>
+          </a:xfrm>
+          <a:prstGeom prst="rect">
+            <a:avLst/>
+          </a:prstGeom>
+          <a:noFill/>
+        </p:spPr>
+        <p:txBody>
+          <a:bodyPr wrap="none" rtlCol="0">
+            <a:spAutoFit/>
+          </a:bodyPr>
+          <a:lstStyle/>
+          <a:p>
+            <a:r>
+              <a:rPr lang="en-US" sz="1000" b="1" i="1" dirty="0"/>
+              <a:t>F2</a:t>
+            </a:r>
+          </a:p>
+        </p:txBody>
+      </p:sp>
+      <p:grpSp>
+        <p:nvGrpSpPr>
+          <p:cNvPr id="14" name="Group 13">
+            <a:extLst>
+              <a:ext uri="{FF2B5EF4-FFF2-40B4-BE49-F238E27FC236}">
+                <a16:creationId xmlns:a16="http://schemas.microsoft.com/office/drawing/2014/main" id="{EBB33873-6644-4C78-8E72-0D32306C1C8F}"/>
+              </a:ext>
+            </a:extLst>
+          </p:cNvPr>
+          <p:cNvGrpSpPr/>
+          <p:nvPr/>
+        </p:nvGrpSpPr>
+        <p:grpSpPr>
+          <a:xfrm>
+            <a:off x="2391565" y="2752602"/>
+            <a:ext cx="795556" cy="1289708"/>
+            <a:chOff x="1240609" y="2652278"/>
+            <a:chExt cx="795556" cy="1289708"/>
+          </a:xfrm>
+        </p:grpSpPr>
+        <p:sp>
+          <p:nvSpPr>
+            <p:cNvPr id="36" name="Rectangle 35">
+              <a:extLst>
+                <a:ext uri="{FF2B5EF4-FFF2-40B4-BE49-F238E27FC236}">
+                  <a16:creationId xmlns:a16="http://schemas.microsoft.com/office/drawing/2014/main" id="{F96EDC97-EAB9-424A-A031-4D6C3EFED4AD}"/>
+                </a:ext>
+              </a:extLst>
+            </p:cNvPr>
+            <p:cNvSpPr/>
+            <p:nvPr/>
+          </p:nvSpPr>
+          <p:spPr>
+            <a:xfrm>
+              <a:off x="1240609" y="2652278"/>
+              <a:ext cx="795556" cy="1289708"/>
+            </a:xfrm>
+            <a:prstGeom prst="rect">
+              <a:avLst/>
+            </a:prstGeom>
+            <a:noFill/>
+            <a:ln w="6350">
+              <a:solidFill>
+                <a:schemeClr val="tx1"/>
+              </a:solidFill>
+            </a:ln>
+          </p:spPr>
+          <p:style>
+            <a:lnRef idx="2">
+              <a:schemeClr val="accent1">
+                <a:shade val="50000"/>
+              </a:schemeClr>
+            </a:lnRef>
+            <a:fillRef idx="1">
+              <a:schemeClr val="accent1"/>
+            </a:fillRef>
+            <a:effectRef idx="0">
+              <a:schemeClr val="accent1"/>
+            </a:effectRef>
+            <a:fontRef idx="minor">
+              <a:schemeClr val="lt1"/>
+            </a:fontRef>
+          </p:style>
+          <p:txBody>
+            <a:bodyPr rtlCol="0" anchor="ctr"/>
+            <a:lstStyle/>
+            <a:p>
+              <a:pPr algn="ctr"/>
+              <a:endParaRPr lang="en-US"/>
+            </a:p>
+          </p:txBody>
+        </p:sp>
+        <p:sp>
+          <p:nvSpPr>
+            <p:cNvPr id="183" name="TextBox 182">
+              <a:extLst>
+                <a:ext uri="{FF2B5EF4-FFF2-40B4-BE49-F238E27FC236}">
+                  <a16:creationId xmlns:a16="http://schemas.microsoft.com/office/drawing/2014/main" id="{E2AE90D0-0C24-438A-95F0-F300377B9C83}"/>
+                </a:ext>
+              </a:extLst>
+            </p:cNvPr>
+            <p:cNvSpPr txBox="1"/>
+            <p:nvPr/>
+          </p:nvSpPr>
+          <p:spPr>
+            <a:xfrm>
+              <a:off x="1757885" y="2661823"/>
+              <a:ext cx="264816" cy="246221"/>
+            </a:xfrm>
+            <a:prstGeom prst="rect">
+              <a:avLst/>
+            </a:prstGeom>
+            <a:noFill/>
+          </p:spPr>
+          <p:txBody>
+            <a:bodyPr wrap="none" rtlCol="0">
+              <a:spAutoFit/>
+            </a:bodyPr>
+            <a:lstStyle/>
+            <a:p>
+              <a:r>
+                <a:rPr lang="en-US" sz="1000" b="1" i="1" dirty="0"/>
+                <a:t>H</a:t>
+              </a:r>
+            </a:p>
+          </p:txBody>
+        </p:sp>
+        <p:sp>
+          <p:nvSpPr>
+            <p:cNvPr id="186" name="TextBox 185">
+              <a:extLst>
+                <a:ext uri="{FF2B5EF4-FFF2-40B4-BE49-F238E27FC236}">
+                  <a16:creationId xmlns:a16="http://schemas.microsoft.com/office/drawing/2014/main" id="{A5466F38-375E-403E-9283-93111B5AB3E5}"/>
+                </a:ext>
+              </a:extLst>
+            </p:cNvPr>
+            <p:cNvSpPr txBox="1"/>
+            <p:nvPr/>
+          </p:nvSpPr>
+          <p:spPr>
+            <a:xfrm>
+              <a:off x="1622538" y="2908059"/>
+              <a:ext cx="309700" cy="246221"/>
+            </a:xfrm>
+            <a:prstGeom prst="rect">
+              <a:avLst/>
+            </a:prstGeom>
+            <a:noFill/>
+          </p:spPr>
+          <p:txBody>
+            <a:bodyPr wrap="none" rtlCol="0">
+              <a:spAutoFit/>
+            </a:bodyPr>
+            <a:lstStyle/>
+            <a:p>
+              <a:r>
+                <a:rPr lang="en-US" sz="1000" b="1" i="1" dirty="0"/>
+                <a:t>F1</a:t>
+              </a:r>
+            </a:p>
+          </p:txBody>
+        </p:sp>
+        <p:sp>
+          <p:nvSpPr>
+            <p:cNvPr id="189" name="TextBox 188">
+              <a:extLst>
+                <a:ext uri="{FF2B5EF4-FFF2-40B4-BE49-F238E27FC236}">
+                  <a16:creationId xmlns:a16="http://schemas.microsoft.com/office/drawing/2014/main" id="{4F11C0CD-176A-44C3-8278-1C5EFFF9283C}"/>
+                </a:ext>
+              </a:extLst>
+            </p:cNvPr>
+            <p:cNvSpPr txBox="1"/>
+            <p:nvPr/>
+          </p:nvSpPr>
+          <p:spPr>
+            <a:xfrm>
+              <a:off x="1591219" y="3128712"/>
+              <a:ext cx="309700" cy="246221"/>
+            </a:xfrm>
+            <a:prstGeom prst="rect">
+              <a:avLst/>
+            </a:prstGeom>
+            <a:noFill/>
+          </p:spPr>
+          <p:txBody>
+            <a:bodyPr wrap="none" rtlCol="0">
+              <a:spAutoFit/>
+            </a:bodyPr>
+            <a:lstStyle/>
+            <a:p>
+              <a:r>
+                <a:rPr lang="en-US" sz="1000" b="1" i="1" dirty="0"/>
+                <a:t>F2</a:t>
+              </a:r>
+            </a:p>
+          </p:txBody>
+        </p:sp>
+        <p:sp>
+          <p:nvSpPr>
+            <p:cNvPr id="192" name="TextBox 191">
+              <a:extLst>
+                <a:ext uri="{FF2B5EF4-FFF2-40B4-BE49-F238E27FC236}">
+                  <a16:creationId xmlns:a16="http://schemas.microsoft.com/office/drawing/2014/main" id="{09FC32D4-13C8-4AE9-B0A3-83484B267A35}"/>
+                </a:ext>
+              </a:extLst>
+            </p:cNvPr>
+            <p:cNvSpPr txBox="1"/>
+            <p:nvPr/>
+          </p:nvSpPr>
+          <p:spPr>
+            <a:xfrm>
+              <a:off x="1714718" y="3345710"/>
+              <a:ext cx="309700" cy="246221"/>
+            </a:xfrm>
+            <a:prstGeom prst="rect">
+              <a:avLst/>
+            </a:prstGeom>
+            <a:noFill/>
+          </p:spPr>
+          <p:txBody>
+            <a:bodyPr wrap="none" rtlCol="0">
+              <a:spAutoFit/>
+            </a:bodyPr>
+            <a:lstStyle/>
+            <a:p>
+              <a:r>
+                <a:rPr lang="en-US" sz="1000" b="1" i="1" dirty="0"/>
+                <a:t>F3</a:t>
+              </a:r>
+            </a:p>
+          </p:txBody>
+        </p:sp>
+        <p:sp>
+          <p:nvSpPr>
+            <p:cNvPr id="195" name="TextBox 194">
+              <a:extLst>
+                <a:ext uri="{FF2B5EF4-FFF2-40B4-BE49-F238E27FC236}">
+                  <a16:creationId xmlns:a16="http://schemas.microsoft.com/office/drawing/2014/main" id="{2200003F-3006-4307-AA89-F33AFC9C54F1}"/>
+                </a:ext>
+              </a:extLst>
+            </p:cNvPr>
+            <p:cNvSpPr txBox="1"/>
+            <p:nvPr/>
+          </p:nvSpPr>
+          <p:spPr>
+            <a:xfrm>
+              <a:off x="1622538" y="3633964"/>
+              <a:ext cx="248786" cy="246221"/>
+            </a:xfrm>
+            <a:prstGeom prst="rect">
+              <a:avLst/>
+            </a:prstGeom>
+            <a:noFill/>
+          </p:spPr>
+          <p:txBody>
+            <a:bodyPr wrap="none" rtlCol="0">
+              <a:spAutoFit/>
+            </a:bodyPr>
+            <a:lstStyle/>
+            <a:p>
+              <a:r>
+                <a:rPr lang="en-US" sz="1000" b="1" i="1" dirty="0"/>
+                <a:t>T</a:t>
+              </a:r>
+            </a:p>
+          </p:txBody>
+        </p:sp>
+        <p:sp>
+          <p:nvSpPr>
+            <p:cNvPr id="30" name="Flowchart: Connector 29">
+              <a:extLst>
+                <a:ext uri="{FF2B5EF4-FFF2-40B4-BE49-F238E27FC236}">
+                  <a16:creationId xmlns:a16="http://schemas.microsoft.com/office/drawing/2014/main" id="{A3986CB1-1023-499A-A946-3A69CBE31C8F}"/>
+                </a:ext>
+              </a:extLst>
+            </p:cNvPr>
+            <p:cNvSpPr/>
+            <p:nvPr/>
+          </p:nvSpPr>
+          <p:spPr>
+            <a:xfrm>
+              <a:off x="1566953" y="3674573"/>
+              <a:ext cx="116994" cy="116994"/>
+            </a:xfrm>
+            <a:prstGeom prst="flowChartConnector">
+              <a:avLst/>
+            </a:prstGeom>
+          </p:spPr>
+          <p:style>
+            <a:lnRef idx="2">
+              <a:schemeClr val="accent1">
+                <a:shade val="50000"/>
+              </a:schemeClr>
+            </a:lnRef>
+            <a:fillRef idx="1">
+              <a:schemeClr val="accent1"/>
+            </a:fillRef>
+            <a:effectRef idx="0">
+              <a:schemeClr val="accent1"/>
+            </a:effectRef>
+            <a:fontRef idx="minor">
+              <a:schemeClr val="lt1"/>
+            </a:fontRef>
+          </p:style>
+          <p:txBody>
+            <a:bodyPr rtlCol="0" anchor="ctr"/>
+            <a:lstStyle/>
+            <a:p>
+              <a:pPr algn="ctr"/>
+              <a:endParaRPr lang="en-US"/>
+            </a:p>
+          </p:txBody>
+        </p:sp>
+        <p:sp>
+          <p:nvSpPr>
+            <p:cNvPr id="31" name="Flowchart: Connector 30">
+              <a:extLst>
+                <a:ext uri="{FF2B5EF4-FFF2-40B4-BE49-F238E27FC236}">
+                  <a16:creationId xmlns:a16="http://schemas.microsoft.com/office/drawing/2014/main" id="{8D5C25D5-6062-4C1C-99EC-DD05D41B38E0}"/>
+                </a:ext>
+              </a:extLst>
+            </p:cNvPr>
+            <p:cNvSpPr/>
+            <p:nvPr/>
+          </p:nvSpPr>
+          <p:spPr>
+            <a:xfrm>
+              <a:off x="1659938" y="3407936"/>
+              <a:ext cx="116994" cy="116994"/>
+            </a:xfrm>
+            <a:prstGeom prst="flowChartConnector">
+              <a:avLst/>
+            </a:prstGeom>
+            <a:solidFill>
+              <a:srgbClr val="7030A0"/>
+            </a:solidFill>
+          </p:spPr>
+          <p:style>
+            <a:lnRef idx="2">
+              <a:schemeClr val="accent1">
+                <a:shade val="50000"/>
+              </a:schemeClr>
+            </a:lnRef>
+            <a:fillRef idx="1">
+              <a:schemeClr val="accent1"/>
+            </a:fillRef>
+            <a:effectRef idx="0">
+              <a:schemeClr val="accent1"/>
+            </a:effectRef>
+            <a:fontRef idx="minor">
+              <a:schemeClr val="lt1"/>
+            </a:fontRef>
+          </p:style>
+          <p:txBody>
+            <a:bodyPr rtlCol="0" anchor="ctr"/>
+            <a:lstStyle/>
+            <a:p>
+              <a:pPr algn="ctr"/>
+              <a:endParaRPr lang="en-US"/>
+            </a:p>
+          </p:txBody>
+        </p:sp>
+        <p:sp>
+          <p:nvSpPr>
+            <p:cNvPr id="210" name="Flowchart: Connector 209">
+              <a:extLst>
+                <a:ext uri="{FF2B5EF4-FFF2-40B4-BE49-F238E27FC236}">
+                  <a16:creationId xmlns:a16="http://schemas.microsoft.com/office/drawing/2014/main" id="{16639B9B-A8F8-4D70-A195-BE5792573A2A}"/>
+                </a:ext>
+              </a:extLst>
+            </p:cNvPr>
+            <p:cNvSpPr/>
+            <p:nvPr/>
+          </p:nvSpPr>
+          <p:spPr>
+            <a:xfrm>
+              <a:off x="1528091" y="3203159"/>
+              <a:ext cx="116994" cy="116994"/>
+            </a:xfrm>
+            <a:prstGeom prst="flowChartConnector">
+              <a:avLst/>
+            </a:prstGeom>
+            <a:solidFill>
+              <a:srgbClr val="92D050"/>
+            </a:solidFill>
+          </p:spPr>
+          <p:style>
+            <a:lnRef idx="2">
+              <a:schemeClr val="accent1">
+                <a:shade val="50000"/>
+              </a:schemeClr>
+            </a:lnRef>
+            <a:fillRef idx="1">
+              <a:schemeClr val="accent1"/>
+            </a:fillRef>
+            <a:effectRef idx="0">
+              <a:schemeClr val="accent1"/>
+            </a:effectRef>
+            <a:fontRef idx="minor">
+              <a:schemeClr val="lt1"/>
+            </a:fontRef>
+          </p:style>
+          <p:txBody>
+            <a:bodyPr rtlCol="0" anchor="ctr"/>
+            <a:lstStyle/>
+            <a:p>
+              <a:pPr algn="ctr"/>
+              <a:endParaRPr lang="en-US"/>
+            </a:p>
+          </p:txBody>
+        </p:sp>
+        <p:sp>
+          <p:nvSpPr>
+            <p:cNvPr id="211" name="Flowchart: Connector 210">
+              <a:extLst>
+                <a:ext uri="{FF2B5EF4-FFF2-40B4-BE49-F238E27FC236}">
+                  <a16:creationId xmlns:a16="http://schemas.microsoft.com/office/drawing/2014/main" id="{61C37639-3A36-48F6-9EF0-D5D783F2530A}"/>
+                </a:ext>
+              </a:extLst>
+            </p:cNvPr>
+            <p:cNvSpPr/>
+            <p:nvPr/>
+          </p:nvSpPr>
+          <p:spPr>
+            <a:xfrm>
+              <a:off x="1540669" y="2959873"/>
+              <a:ext cx="116994" cy="116994"/>
+            </a:xfrm>
+            <a:prstGeom prst="flowChartConnector">
+              <a:avLst/>
+            </a:prstGeom>
+            <a:solidFill>
+              <a:srgbClr val="92D050"/>
+            </a:solidFill>
+          </p:spPr>
+          <p:style>
+            <a:lnRef idx="2">
+              <a:schemeClr val="accent1">
+                <a:shade val="50000"/>
+              </a:schemeClr>
+            </a:lnRef>
+            <a:fillRef idx="1">
+              <a:schemeClr val="accent1"/>
+            </a:fillRef>
+            <a:effectRef idx="0">
+              <a:schemeClr val="accent1"/>
+            </a:effectRef>
+            <a:fontRef idx="minor">
+              <a:schemeClr val="lt1"/>
+            </a:fontRef>
+          </p:style>
+          <p:txBody>
+            <a:bodyPr rtlCol="0" anchor="ctr"/>
+            <a:lstStyle/>
+            <a:p>
+              <a:pPr algn="ctr"/>
+              <a:endParaRPr lang="en-US"/>
+            </a:p>
+          </p:txBody>
+        </p:sp>
+        <p:sp>
+          <p:nvSpPr>
+            <p:cNvPr id="212" name="Flowchart: Connector 211">
+              <a:extLst>
+                <a:ext uri="{FF2B5EF4-FFF2-40B4-BE49-F238E27FC236}">
+                  <a16:creationId xmlns:a16="http://schemas.microsoft.com/office/drawing/2014/main" id="{7C2BE4DD-9751-4058-990A-0B21BC82874E}"/>
+                </a:ext>
+              </a:extLst>
+            </p:cNvPr>
+            <p:cNvSpPr/>
+            <p:nvPr/>
+          </p:nvSpPr>
+          <p:spPr>
+            <a:xfrm>
+              <a:off x="1691899" y="2733398"/>
+              <a:ext cx="116994" cy="116994"/>
+            </a:xfrm>
+            <a:prstGeom prst="flowChartConnector">
+              <a:avLst/>
+            </a:prstGeom>
+            <a:solidFill>
+              <a:srgbClr val="FF0000"/>
+            </a:solidFill>
+          </p:spPr>
+          <p:style>
+            <a:lnRef idx="2">
+              <a:schemeClr val="accent1">
+                <a:shade val="50000"/>
+              </a:schemeClr>
+            </a:lnRef>
+            <a:fillRef idx="1">
+              <a:schemeClr val="accent1"/>
+            </a:fillRef>
+            <a:effectRef idx="0">
+              <a:schemeClr val="accent1"/>
+            </a:effectRef>
+            <a:fontRef idx="minor">
+              <a:schemeClr val="lt1"/>
+            </a:fontRef>
+          </p:style>
+          <p:txBody>
+            <a:bodyPr rtlCol="0" anchor="ctr"/>
+            <a:lstStyle/>
+            <a:p>
+              <a:pPr algn="ctr"/>
+              <a:endParaRPr lang="en-US"/>
+            </a:p>
+          </p:txBody>
+        </p:sp>
+      </p:grpSp>
+      <p:sp>
+        <p:nvSpPr>
+          <p:cNvPr id="58" name="Freeform: Shape 57">
+            <a:extLst>
+              <a:ext uri="{FF2B5EF4-FFF2-40B4-BE49-F238E27FC236}">
+                <a16:creationId xmlns:a16="http://schemas.microsoft.com/office/drawing/2014/main" id="{520EBB30-ABB8-4246-AAED-B958B6851EC6}"/>
+              </a:ext>
+            </a:extLst>
+          </p:cNvPr>
+          <p:cNvSpPr/>
+          <p:nvPr/>
+        </p:nvSpPr>
+        <p:spPr>
+          <a:xfrm>
+            <a:off x="3895323" y="2794000"/>
+            <a:ext cx="162327" cy="1038225"/>
+          </a:xfrm>
+          <a:custGeom>
+            <a:avLst/>
+            <a:gdLst>
+              <a:gd name="connsiteX0" fmla="*/ 44852 w 162327"/>
+              <a:gd name="connsiteY0" fmla="*/ 1038225 h 1038225"/>
+              <a:gd name="connsiteX1" fmla="*/ 22627 w 162327"/>
+              <a:gd name="connsiteY1" fmla="*/ 793750 h 1038225"/>
+              <a:gd name="connsiteX2" fmla="*/ 102002 w 162327"/>
+              <a:gd name="connsiteY2" fmla="*/ 565150 h 1038225"/>
+              <a:gd name="connsiteX3" fmla="*/ 402 w 162327"/>
+              <a:gd name="connsiteY3" fmla="*/ 314325 h 1038225"/>
+              <a:gd name="connsiteX4" fmla="*/ 70252 w 162327"/>
+              <a:gd name="connsiteY4" fmla="*/ 98425 h 1038225"/>
+              <a:gd name="connsiteX5" fmla="*/ 162327 w 162327"/>
+              <a:gd name="connsiteY5" fmla="*/ 0 h 1038225"/>
+            </a:gdLst>
+            <a:ahLst/>
+            <a:cxnLst>
+              <a:cxn ang="0">
+                <a:pos x="connsiteX0" y="connsiteY0"/>
+              </a:cxn>
+              <a:cxn ang="0">
+                <a:pos x="connsiteX1" y="connsiteY1"/>
+              </a:cxn>
+              <a:cxn ang="0">
+                <a:pos x="connsiteX2" y="connsiteY2"/>
+              </a:cxn>
+              <a:cxn ang="0">
+                <a:pos x="connsiteX3" y="connsiteY3"/>
+              </a:cxn>
+              <a:cxn ang="0">
+                <a:pos x="connsiteX4" y="connsiteY4"/>
+              </a:cxn>
+              <a:cxn ang="0">
+                <a:pos x="connsiteX5" y="connsiteY5"/>
+              </a:cxn>
+            </a:cxnLst>
+            <a:rect l="l" t="t" r="r" b="b"/>
+            <a:pathLst>
+              <a:path w="162327" h="1038225">
+                <a:moveTo>
+                  <a:pt x="44852" y="1038225"/>
+                </a:moveTo>
+                <a:cubicBezTo>
+                  <a:pt x="28977" y="955410"/>
+                  <a:pt x="13102" y="872596"/>
+                  <a:pt x="22627" y="793750"/>
+                </a:cubicBezTo>
+                <a:cubicBezTo>
+                  <a:pt x="32152" y="714904"/>
+                  <a:pt x="105706" y="645054"/>
+                  <a:pt x="102002" y="565150"/>
+                </a:cubicBezTo>
+                <a:cubicBezTo>
+                  <a:pt x="98298" y="485246"/>
+                  <a:pt x="5694" y="392112"/>
+                  <a:pt x="402" y="314325"/>
+                </a:cubicBezTo>
+                <a:cubicBezTo>
+                  <a:pt x="-4890" y="236538"/>
+                  <a:pt x="43264" y="150812"/>
+                  <a:pt x="70252" y="98425"/>
+                </a:cubicBezTo>
+                <a:cubicBezTo>
+                  <a:pt x="97240" y="46037"/>
+                  <a:pt x="129783" y="23018"/>
+                  <a:pt x="162327" y="0"/>
+                </a:cubicBezTo>
+              </a:path>
+            </a:pathLst>
+          </a:custGeom>
+          <a:noFill/>
+          <a:ln w="8890">
+            <a:solidFill>
+              <a:schemeClr val="accent3"/>
+            </a:solidFill>
+            <a:tailEnd type="triangle" w="sm" len="sm"/>
+          </a:ln>
+        </p:spPr>
+        <p:style>
+          <a:lnRef idx="2">
+            <a:schemeClr val="accent1">
+              <a:shade val="50000"/>
+            </a:schemeClr>
+          </a:lnRef>
+          <a:fillRef idx="1">
+            <a:schemeClr val="accent1"/>
+          </a:fillRef>
+          <a:effectRef idx="0">
+            <a:schemeClr val="accent1"/>
+          </a:effectRef>
+          <a:fontRef idx="minor">
+            <a:schemeClr val="lt1"/>
+          </a:fontRef>
+        </p:style>
+        <p:txBody>
+          <a:bodyPr rtlCol="0" anchor="ctr"/>
+          <a:lstStyle/>
+          <a:p>
+            <a:pPr algn="ctr"/>
+            <a:endParaRPr lang="en-US"/>
+          </a:p>
+        </p:txBody>
+      </p:sp>
+      <p:grpSp>
+        <p:nvGrpSpPr>
+          <p:cNvPr id="238" name="Group 237">
+            <a:extLst>
+              <a:ext uri="{FF2B5EF4-FFF2-40B4-BE49-F238E27FC236}">
+                <a16:creationId xmlns:a16="http://schemas.microsoft.com/office/drawing/2014/main" id="{0A1ED28F-D84E-403F-8778-F07B22EC482F}"/>
+              </a:ext>
+            </a:extLst>
+          </p:cNvPr>
+          <p:cNvGrpSpPr/>
+          <p:nvPr/>
+        </p:nvGrpSpPr>
+        <p:grpSpPr>
+          <a:xfrm>
+            <a:off x="3558383" y="2751279"/>
+            <a:ext cx="795556" cy="1289708"/>
+            <a:chOff x="1240609" y="2652278"/>
+            <a:chExt cx="795556" cy="1289708"/>
+          </a:xfrm>
+        </p:grpSpPr>
+        <p:sp>
+          <p:nvSpPr>
+            <p:cNvPr id="239" name="Flowchart: Connector 238">
+              <a:extLst>
+                <a:ext uri="{FF2B5EF4-FFF2-40B4-BE49-F238E27FC236}">
+                  <a16:creationId xmlns:a16="http://schemas.microsoft.com/office/drawing/2014/main" id="{DE31556C-4F53-4165-AB67-DEE6B5212037}"/>
+                </a:ext>
+              </a:extLst>
+            </p:cNvPr>
+            <p:cNvSpPr/>
+            <p:nvPr/>
+          </p:nvSpPr>
+          <p:spPr>
+            <a:xfrm>
+              <a:off x="1566953" y="3674573"/>
+              <a:ext cx="116994" cy="116994"/>
+            </a:xfrm>
+            <a:prstGeom prst="flowChartConnector">
+              <a:avLst/>
+            </a:prstGeom>
+          </p:spPr>
+          <p:style>
+            <a:lnRef idx="2">
+              <a:schemeClr val="accent1">
+                <a:shade val="50000"/>
+              </a:schemeClr>
+            </a:lnRef>
+            <a:fillRef idx="1">
+              <a:schemeClr val="accent1"/>
+            </a:fillRef>
+            <a:effectRef idx="0">
+              <a:schemeClr val="accent1"/>
+            </a:effectRef>
+            <a:fontRef idx="minor">
+              <a:schemeClr val="lt1"/>
+            </a:fontRef>
+          </p:style>
+          <p:txBody>
+            <a:bodyPr rtlCol="0" anchor="ctr"/>
+            <a:lstStyle/>
+            <a:p>
+              <a:pPr algn="ctr"/>
+              <a:endParaRPr lang="en-US"/>
+            </a:p>
+          </p:txBody>
+        </p:sp>
+        <p:sp>
+          <p:nvSpPr>
+            <p:cNvPr id="240" name="Flowchart: Connector 239">
+              <a:extLst>
+                <a:ext uri="{FF2B5EF4-FFF2-40B4-BE49-F238E27FC236}">
+                  <a16:creationId xmlns:a16="http://schemas.microsoft.com/office/drawing/2014/main" id="{CB20B574-0DB0-4A0C-96B2-560802C58FB1}"/>
+                </a:ext>
+              </a:extLst>
+            </p:cNvPr>
+            <p:cNvSpPr/>
+            <p:nvPr/>
+          </p:nvSpPr>
+          <p:spPr>
+            <a:xfrm>
+              <a:off x="1540284" y="3436474"/>
+              <a:ext cx="116994" cy="116994"/>
+            </a:xfrm>
+            <a:prstGeom prst="flowChartConnector">
+              <a:avLst/>
+            </a:prstGeom>
+            <a:solidFill>
+              <a:srgbClr val="7030A0"/>
+            </a:solidFill>
+          </p:spPr>
+          <p:style>
+            <a:lnRef idx="2">
+              <a:schemeClr val="accent1">
+                <a:shade val="50000"/>
+              </a:schemeClr>
+            </a:lnRef>
+            <a:fillRef idx="1">
+              <a:schemeClr val="accent1"/>
+            </a:fillRef>
+            <a:effectRef idx="0">
+              <a:schemeClr val="accent1"/>
+            </a:effectRef>
+            <a:fontRef idx="minor">
+              <a:schemeClr val="lt1"/>
+            </a:fontRef>
+          </p:style>
+          <p:txBody>
+            <a:bodyPr rtlCol="0" anchor="ctr"/>
+            <a:lstStyle/>
+            <a:p>
+              <a:pPr algn="ctr"/>
+              <a:endParaRPr lang="en-US"/>
+            </a:p>
+          </p:txBody>
+        </p:sp>
+        <p:sp>
+          <p:nvSpPr>
+            <p:cNvPr id="241" name="Rectangle 240">
+              <a:extLst>
+                <a:ext uri="{FF2B5EF4-FFF2-40B4-BE49-F238E27FC236}">
+                  <a16:creationId xmlns:a16="http://schemas.microsoft.com/office/drawing/2014/main" id="{0FFC05C5-DBFB-481C-95BA-D0B6A0BCD221}"/>
+                </a:ext>
+              </a:extLst>
+            </p:cNvPr>
+            <p:cNvSpPr/>
+            <p:nvPr/>
+          </p:nvSpPr>
+          <p:spPr>
+            <a:xfrm>
+              <a:off x="1240609" y="2652278"/>
+              <a:ext cx="795556" cy="1289708"/>
+            </a:xfrm>
+            <a:prstGeom prst="rect">
+              <a:avLst/>
+            </a:prstGeom>
+            <a:noFill/>
+            <a:ln w="6350">
+              <a:solidFill>
+                <a:schemeClr val="tx1"/>
+              </a:solidFill>
+            </a:ln>
+          </p:spPr>
+          <p:style>
+            <a:lnRef idx="2">
+              <a:schemeClr val="accent1">
+                <a:shade val="50000"/>
+              </a:schemeClr>
+            </a:lnRef>
+            <a:fillRef idx="1">
+              <a:schemeClr val="accent1"/>
+            </a:fillRef>
+            <a:effectRef idx="0">
+              <a:schemeClr val="accent1"/>
+            </a:effectRef>
+            <a:fontRef idx="minor">
+              <a:schemeClr val="lt1"/>
+            </a:fontRef>
+          </p:style>
+          <p:txBody>
+            <a:bodyPr rtlCol="0" anchor="ctr"/>
+            <a:lstStyle/>
+            <a:p>
+              <a:pPr algn="ctr"/>
+              <a:endParaRPr lang="en-US"/>
+            </a:p>
+          </p:txBody>
+        </p:sp>
+        <p:sp>
+          <p:nvSpPr>
+            <p:cNvPr id="242" name="TextBox 241">
+              <a:extLst>
+                <a:ext uri="{FF2B5EF4-FFF2-40B4-BE49-F238E27FC236}">
+                  <a16:creationId xmlns:a16="http://schemas.microsoft.com/office/drawing/2014/main" id="{6039CAAF-24BA-4584-8940-BC00CDE47C0D}"/>
+                </a:ext>
+              </a:extLst>
+            </p:cNvPr>
+            <p:cNvSpPr txBox="1"/>
+            <p:nvPr/>
+          </p:nvSpPr>
+          <p:spPr>
+            <a:xfrm>
+              <a:off x="1657278" y="2661823"/>
+              <a:ext cx="264816" cy="246221"/>
+            </a:xfrm>
+            <a:prstGeom prst="rect">
+              <a:avLst/>
+            </a:prstGeom>
+            <a:noFill/>
+          </p:spPr>
+          <p:txBody>
+            <a:bodyPr wrap="none" rtlCol="0">
+              <a:spAutoFit/>
+            </a:bodyPr>
+            <a:lstStyle/>
+            <a:p>
+              <a:r>
+                <a:rPr lang="en-US" sz="1000" b="1" i="1" dirty="0"/>
+                <a:t>H</a:t>
+              </a:r>
+            </a:p>
+          </p:txBody>
+        </p:sp>
+        <p:sp>
+          <p:nvSpPr>
+            <p:cNvPr id="243" name="TextBox 242">
+              <a:extLst>
+                <a:ext uri="{FF2B5EF4-FFF2-40B4-BE49-F238E27FC236}">
+                  <a16:creationId xmlns:a16="http://schemas.microsoft.com/office/drawing/2014/main" id="{2026039F-D01A-49BA-961F-2596A64116C5}"/>
+                </a:ext>
+              </a:extLst>
+            </p:cNvPr>
+            <p:cNvSpPr txBox="1"/>
+            <p:nvPr/>
+          </p:nvSpPr>
+          <p:spPr>
+            <a:xfrm>
+              <a:off x="1609960" y="2908059"/>
+              <a:ext cx="309700" cy="246221"/>
+            </a:xfrm>
+            <a:prstGeom prst="rect">
+              <a:avLst/>
+            </a:prstGeom>
+            <a:noFill/>
+          </p:spPr>
+          <p:txBody>
+            <a:bodyPr wrap="none" rtlCol="0">
+              <a:spAutoFit/>
+            </a:bodyPr>
+            <a:lstStyle/>
+            <a:p>
+              <a:r>
+                <a:rPr lang="en-US" sz="1000" b="1" i="1" dirty="0"/>
+                <a:t>F1</a:t>
+              </a:r>
+            </a:p>
+          </p:txBody>
+        </p:sp>
+        <p:sp>
+          <p:nvSpPr>
+            <p:cNvPr id="244" name="TextBox 243">
+              <a:extLst>
+                <a:ext uri="{FF2B5EF4-FFF2-40B4-BE49-F238E27FC236}">
+                  <a16:creationId xmlns:a16="http://schemas.microsoft.com/office/drawing/2014/main" id="{66613D40-1E6B-43F7-92F8-0DD7B1077236}"/>
+                </a:ext>
+              </a:extLst>
+            </p:cNvPr>
+            <p:cNvSpPr txBox="1"/>
+            <p:nvPr/>
+          </p:nvSpPr>
+          <p:spPr>
+            <a:xfrm>
+              <a:off x="1685666" y="3128712"/>
+              <a:ext cx="309700" cy="246221"/>
+            </a:xfrm>
+            <a:prstGeom prst="rect">
+              <a:avLst/>
+            </a:prstGeom>
+            <a:noFill/>
+          </p:spPr>
+          <p:txBody>
+            <a:bodyPr wrap="none" rtlCol="0">
+              <a:spAutoFit/>
+            </a:bodyPr>
+            <a:lstStyle/>
+            <a:p>
+              <a:r>
+                <a:rPr lang="en-US" sz="1000" b="1" i="1" dirty="0"/>
+                <a:t>F2</a:t>
+              </a:r>
+            </a:p>
+          </p:txBody>
+        </p:sp>
+        <p:sp>
+          <p:nvSpPr>
+            <p:cNvPr id="245" name="TextBox 244">
+              <a:extLst>
+                <a:ext uri="{FF2B5EF4-FFF2-40B4-BE49-F238E27FC236}">
+                  <a16:creationId xmlns:a16="http://schemas.microsoft.com/office/drawing/2014/main" id="{86BBDACE-7E61-4E19-80CF-6B71B8589CE8}"/>
+                </a:ext>
+              </a:extLst>
+            </p:cNvPr>
+            <p:cNvSpPr txBox="1"/>
+            <p:nvPr/>
+          </p:nvSpPr>
+          <p:spPr>
+            <a:xfrm>
+              <a:off x="1609960" y="3375223"/>
+              <a:ext cx="309700" cy="246221"/>
+            </a:xfrm>
+            <a:prstGeom prst="rect">
+              <a:avLst/>
+            </a:prstGeom>
+            <a:noFill/>
+          </p:spPr>
+          <p:txBody>
+            <a:bodyPr wrap="none" rtlCol="0">
+              <a:spAutoFit/>
+            </a:bodyPr>
+            <a:lstStyle/>
+            <a:p>
+              <a:r>
+                <a:rPr lang="en-US" sz="1000" b="1" i="1" dirty="0"/>
+                <a:t>F3</a:t>
+              </a:r>
+            </a:p>
+          </p:txBody>
+        </p:sp>
+        <p:sp>
+          <p:nvSpPr>
+            <p:cNvPr id="246" name="TextBox 245">
+              <a:extLst>
+                <a:ext uri="{FF2B5EF4-FFF2-40B4-BE49-F238E27FC236}">
+                  <a16:creationId xmlns:a16="http://schemas.microsoft.com/office/drawing/2014/main" id="{F213E74C-4399-4A18-BEB5-7DE09560E4B7}"/>
+                </a:ext>
+              </a:extLst>
+            </p:cNvPr>
+            <p:cNvSpPr txBox="1"/>
+            <p:nvPr/>
+          </p:nvSpPr>
+          <p:spPr>
+            <a:xfrm>
+              <a:off x="1622538" y="3633964"/>
+              <a:ext cx="248786" cy="246221"/>
+            </a:xfrm>
+            <a:prstGeom prst="rect">
+              <a:avLst/>
+            </a:prstGeom>
+            <a:noFill/>
+          </p:spPr>
+          <p:txBody>
+            <a:bodyPr wrap="none" rtlCol="0">
+              <a:spAutoFit/>
+            </a:bodyPr>
+            <a:lstStyle/>
+            <a:p>
+              <a:r>
+                <a:rPr lang="en-US" sz="1000" b="1" i="1" dirty="0"/>
+                <a:t>T</a:t>
+              </a:r>
+            </a:p>
+          </p:txBody>
+        </p:sp>
+        <p:sp>
+          <p:nvSpPr>
+            <p:cNvPr id="247" name="Flowchart: Connector 246">
+              <a:extLst>
+                <a:ext uri="{FF2B5EF4-FFF2-40B4-BE49-F238E27FC236}">
+                  <a16:creationId xmlns:a16="http://schemas.microsoft.com/office/drawing/2014/main" id="{484BDBE8-5E01-44C5-A3E0-FB0F213F7844}"/>
+                </a:ext>
+              </a:extLst>
+            </p:cNvPr>
+            <p:cNvSpPr/>
+            <p:nvPr/>
+          </p:nvSpPr>
+          <p:spPr>
+            <a:xfrm>
+              <a:off x="1622538" y="3203159"/>
+              <a:ext cx="116994" cy="116994"/>
+            </a:xfrm>
+            <a:prstGeom prst="flowChartConnector">
+              <a:avLst/>
+            </a:prstGeom>
+            <a:solidFill>
+              <a:srgbClr val="92D050"/>
+            </a:solidFill>
+          </p:spPr>
+          <p:style>
+            <a:lnRef idx="2">
+              <a:schemeClr val="accent1">
+                <a:shade val="50000"/>
+              </a:schemeClr>
+            </a:lnRef>
+            <a:fillRef idx="1">
+              <a:schemeClr val="accent1"/>
+            </a:fillRef>
+            <a:effectRef idx="0">
+              <a:schemeClr val="accent1"/>
+            </a:effectRef>
+            <a:fontRef idx="minor">
+              <a:schemeClr val="lt1"/>
+            </a:fontRef>
+          </p:style>
+          <p:txBody>
+            <a:bodyPr rtlCol="0" anchor="ctr"/>
+            <a:lstStyle/>
+            <a:p>
+              <a:pPr algn="ctr"/>
+              <a:endParaRPr lang="en-US"/>
+            </a:p>
+          </p:txBody>
+        </p:sp>
+        <p:sp>
+          <p:nvSpPr>
+            <p:cNvPr id="248" name="Flowchart: Connector 247">
+              <a:extLst>
+                <a:ext uri="{FF2B5EF4-FFF2-40B4-BE49-F238E27FC236}">
+                  <a16:creationId xmlns:a16="http://schemas.microsoft.com/office/drawing/2014/main" id="{00797F39-E020-4EE4-BEB3-DBB3B270B337}"/>
+                </a:ext>
+              </a:extLst>
+            </p:cNvPr>
+            <p:cNvSpPr/>
+            <p:nvPr/>
+          </p:nvSpPr>
+          <p:spPr>
+            <a:xfrm>
+              <a:off x="1528091" y="2959873"/>
+              <a:ext cx="116994" cy="116994"/>
+            </a:xfrm>
+            <a:prstGeom prst="flowChartConnector">
+              <a:avLst/>
+            </a:prstGeom>
+            <a:solidFill>
+              <a:srgbClr val="92D050"/>
+            </a:solidFill>
+          </p:spPr>
+          <p:style>
+            <a:lnRef idx="2">
+              <a:schemeClr val="accent1">
+                <a:shade val="50000"/>
+              </a:schemeClr>
+            </a:lnRef>
+            <a:fillRef idx="1">
+              <a:schemeClr val="accent1"/>
+            </a:fillRef>
+            <a:effectRef idx="0">
+              <a:schemeClr val="accent1"/>
+            </a:effectRef>
+            <a:fontRef idx="minor">
+              <a:schemeClr val="lt1"/>
+            </a:fontRef>
+          </p:style>
+          <p:txBody>
+            <a:bodyPr rtlCol="0" anchor="ctr"/>
+            <a:lstStyle/>
+            <a:p>
+              <a:pPr algn="ctr"/>
+              <a:endParaRPr lang="en-US"/>
+            </a:p>
+          </p:txBody>
+        </p:sp>
+        <p:sp>
+          <p:nvSpPr>
+            <p:cNvPr id="249" name="Flowchart: Connector 248">
+              <a:extLst>
+                <a:ext uri="{FF2B5EF4-FFF2-40B4-BE49-F238E27FC236}">
+                  <a16:creationId xmlns:a16="http://schemas.microsoft.com/office/drawing/2014/main" id="{B78EC139-014E-4591-98BE-C3F9D7DD2DE4}"/>
+                </a:ext>
+              </a:extLst>
+            </p:cNvPr>
+            <p:cNvSpPr/>
+            <p:nvPr/>
+          </p:nvSpPr>
+          <p:spPr>
+            <a:xfrm>
+              <a:off x="1591292" y="2733398"/>
+              <a:ext cx="116994" cy="116994"/>
+            </a:xfrm>
+            <a:prstGeom prst="flowChartConnector">
+              <a:avLst/>
+            </a:prstGeom>
+            <a:solidFill>
+              <a:srgbClr val="FF0000"/>
+            </a:solidFill>
+          </p:spPr>
+          <p:style>
+            <a:lnRef idx="2">
+              <a:schemeClr val="accent1">
+                <a:shade val="50000"/>
+              </a:schemeClr>
+            </a:lnRef>
+            <a:fillRef idx="1">
+              <a:schemeClr val="accent1"/>
+            </a:fillRef>
+            <a:effectRef idx="0">
+              <a:schemeClr val="accent1"/>
+            </a:effectRef>
+            <a:fontRef idx="minor">
+              <a:schemeClr val="lt1"/>
+            </a:fontRef>
+          </p:style>
+          <p:txBody>
+            <a:bodyPr rtlCol="0" anchor="ctr"/>
+            <a:lstStyle/>
+            <a:p>
+              <a:pPr algn="ctr"/>
+              <a:endParaRPr lang="en-US"/>
+            </a:p>
+          </p:txBody>
+        </p:sp>
+      </p:grpSp>
+      <p:sp>
+        <p:nvSpPr>
+          <p:cNvPr id="69" name="Freeform: Shape 68">
+            <a:extLst>
+              <a:ext uri="{FF2B5EF4-FFF2-40B4-BE49-F238E27FC236}">
+                <a16:creationId xmlns:a16="http://schemas.microsoft.com/office/drawing/2014/main" id="{A7E3B07B-8C52-4840-A67E-8C646469C39D}"/>
+              </a:ext>
+            </a:extLst>
+          </p:cNvPr>
+          <p:cNvSpPr/>
+          <p:nvPr/>
+        </p:nvSpPr>
+        <p:spPr>
+          <a:xfrm>
+            <a:off x="4900613" y="1362075"/>
+            <a:ext cx="165349" cy="581025"/>
+          </a:xfrm>
+          <a:custGeom>
+            <a:avLst/>
+            <a:gdLst>
+              <a:gd name="connsiteX0" fmla="*/ 0 w 165349"/>
+              <a:gd name="connsiteY0" fmla="*/ 581025 h 581025"/>
+              <a:gd name="connsiteX1" fmla="*/ 161925 w 165349"/>
+              <a:gd name="connsiteY1" fmla="*/ 314325 h 581025"/>
+              <a:gd name="connsiteX2" fmla="*/ 104775 w 165349"/>
+              <a:gd name="connsiteY2" fmla="*/ 104775 h 581025"/>
+              <a:gd name="connsiteX3" fmla="*/ 38100 w 165349"/>
+              <a:gd name="connsiteY3" fmla="*/ 0 h 581025"/>
+            </a:gdLst>
+            <a:ahLst/>
+            <a:cxnLst>
+              <a:cxn ang="0">
+                <a:pos x="connsiteX0" y="connsiteY0"/>
+              </a:cxn>
+              <a:cxn ang="0">
+                <a:pos x="connsiteX1" y="connsiteY1"/>
+              </a:cxn>
+              <a:cxn ang="0">
+                <a:pos x="connsiteX2" y="connsiteY2"/>
+              </a:cxn>
+              <a:cxn ang="0">
+                <a:pos x="connsiteX3" y="connsiteY3"/>
+              </a:cxn>
+            </a:cxnLst>
+            <a:rect l="l" t="t" r="r" b="b"/>
+            <a:pathLst>
+              <a:path w="165349" h="581025">
+                <a:moveTo>
+                  <a:pt x="0" y="581025"/>
+                </a:moveTo>
+                <a:cubicBezTo>
+                  <a:pt x="72231" y="487362"/>
+                  <a:pt x="144463" y="393700"/>
+                  <a:pt x="161925" y="314325"/>
+                </a:cubicBezTo>
+                <a:cubicBezTo>
+                  <a:pt x="179387" y="234950"/>
+                  <a:pt x="125413" y="157162"/>
+                  <a:pt x="104775" y="104775"/>
+                </a:cubicBezTo>
+                <a:cubicBezTo>
+                  <a:pt x="84138" y="52387"/>
+                  <a:pt x="61119" y="26193"/>
+                  <a:pt x="38100" y="0"/>
+                </a:cubicBezTo>
+              </a:path>
+            </a:pathLst>
+          </a:custGeom>
+          <a:noFill/>
+          <a:ln w="8890">
+            <a:solidFill>
+              <a:schemeClr val="accent3"/>
+            </a:solidFill>
+            <a:headEnd type="none"/>
+            <a:tailEnd type="triangle" w="sm" len="sm"/>
+          </a:ln>
+        </p:spPr>
+        <p:style>
+          <a:lnRef idx="2">
+            <a:schemeClr val="accent1">
+              <a:shade val="50000"/>
+            </a:schemeClr>
+          </a:lnRef>
+          <a:fillRef idx="1">
+            <a:schemeClr val="accent1"/>
+          </a:fillRef>
+          <a:effectRef idx="0">
+            <a:schemeClr val="accent1"/>
+          </a:effectRef>
+          <a:fontRef idx="minor">
+            <a:schemeClr val="lt1"/>
+          </a:fontRef>
+        </p:style>
+        <p:txBody>
+          <a:bodyPr rtlCol="0" anchor="ctr"/>
+          <a:lstStyle/>
+          <a:p>
+            <a:pPr algn="ctr"/>
+            <a:endParaRPr lang="en-US"/>
+          </a:p>
+        </p:txBody>
+      </p:sp>
+      <p:sp>
+        <p:nvSpPr>
+          <p:cNvPr id="318" name="Flowchart: Connector 317">
+            <a:extLst>
+              <a:ext uri="{FF2B5EF4-FFF2-40B4-BE49-F238E27FC236}">
+                <a16:creationId xmlns:a16="http://schemas.microsoft.com/office/drawing/2014/main" id="{8AFE268A-32E0-4152-8D9A-04E2B7E1E9DC}"/>
+              </a:ext>
+            </a:extLst>
+          </p:cNvPr>
+          <p:cNvSpPr/>
+          <p:nvPr/>
+        </p:nvSpPr>
+        <p:spPr>
+          <a:xfrm>
+            <a:off x="5002663" y="1659601"/>
+            <a:ext cx="116994" cy="116994"/>
+          </a:xfrm>
+          <a:prstGeom prst="flowChartConnector">
+            <a:avLst/>
+          </a:prstGeom>
+          <a:solidFill>
+            <a:srgbClr val="92D050"/>
+          </a:solidFill>
+        </p:spPr>
+        <p:style>
+          <a:lnRef idx="2">
+            <a:schemeClr val="accent1">
+              <a:shade val="50000"/>
+            </a:schemeClr>
+          </a:lnRef>
+          <a:fillRef idx="1">
+            <a:schemeClr val="accent1"/>
+          </a:fillRef>
+          <a:effectRef idx="0">
+            <a:schemeClr val="accent1"/>
+          </a:effectRef>
+          <a:fontRef idx="minor">
+            <a:schemeClr val="lt1"/>
+          </a:fontRef>
+        </p:style>
+        <p:txBody>
+          <a:bodyPr rtlCol="0" anchor="ctr"/>
+          <a:lstStyle/>
+          <a:p>
+            <a:pPr algn="ctr"/>
+            <a:endParaRPr lang="en-US"/>
+          </a:p>
+        </p:txBody>
+      </p:sp>
+      <p:sp>
+        <p:nvSpPr>
+          <p:cNvPr id="319" name="Flowchart: Connector 318">
+            <a:extLst>
+              <a:ext uri="{FF2B5EF4-FFF2-40B4-BE49-F238E27FC236}">
+                <a16:creationId xmlns:a16="http://schemas.microsoft.com/office/drawing/2014/main" id="{50AD514D-7BE1-446F-8F8D-FBDFB00E042F}"/>
+              </a:ext>
+            </a:extLst>
+          </p:cNvPr>
+          <p:cNvSpPr/>
+          <p:nvPr/>
+        </p:nvSpPr>
+        <p:spPr>
+          <a:xfrm>
+            <a:off x="4957914" y="1433125"/>
+            <a:ext cx="116994" cy="116994"/>
+          </a:xfrm>
+          <a:prstGeom prst="flowChartConnector">
+            <a:avLst/>
+          </a:prstGeom>
+          <a:solidFill>
+            <a:srgbClr val="FF0000"/>
+          </a:solidFill>
+        </p:spPr>
+        <p:style>
+          <a:lnRef idx="2">
+            <a:schemeClr val="accent1">
+              <a:shade val="50000"/>
+            </a:schemeClr>
+          </a:lnRef>
+          <a:fillRef idx="1">
+            <a:schemeClr val="accent1"/>
+          </a:fillRef>
+          <a:effectRef idx="0">
+            <a:schemeClr val="accent1"/>
+          </a:effectRef>
+          <a:fontRef idx="minor">
+            <a:schemeClr val="lt1"/>
+          </a:fontRef>
+        </p:style>
+        <p:txBody>
+          <a:bodyPr rtlCol="0" anchor="ctr"/>
+          <a:lstStyle/>
+          <a:p>
+            <a:pPr algn="ctr"/>
+            <a:endParaRPr lang="en-US"/>
+          </a:p>
+        </p:txBody>
+      </p:sp>
+      <p:cxnSp>
+        <p:nvCxnSpPr>
+          <p:cNvPr id="76" name="Straight Connector 75">
+            <a:extLst>
+              <a:ext uri="{FF2B5EF4-FFF2-40B4-BE49-F238E27FC236}">
+                <a16:creationId xmlns:a16="http://schemas.microsoft.com/office/drawing/2014/main" id="{38631082-8953-49DD-9A26-9F53857AB749}"/>
+              </a:ext>
+            </a:extLst>
+          </p:cNvPr>
+          <p:cNvCxnSpPr>
+            <a:cxnSpLocks/>
+          </p:cNvCxnSpPr>
+          <p:nvPr/>
+        </p:nvCxnSpPr>
+        <p:spPr>
+          <a:xfrm flipH="1" flipV="1">
+            <a:off x="4588182" y="2090187"/>
+            <a:ext cx="647191" cy="1068853"/>
+          </a:xfrm>
+          <a:prstGeom prst="line">
+            <a:avLst/>
+          </a:prstGeom>
+          <a:ln>
+            <a:solidFill>
+              <a:schemeClr val="tx1"/>
+            </a:solidFill>
+            <a:prstDash val="dash"/>
+          </a:ln>
+        </p:spPr>
+        <p:style>
+          <a:lnRef idx="1">
+            <a:schemeClr val="accent1"/>
+          </a:lnRef>
+          <a:fillRef idx="0">
+            <a:schemeClr val="accent1"/>
+          </a:fillRef>
+          <a:effectRef idx="0">
+            <a:schemeClr val="accent1"/>
+          </a:effectRef>
+          <a:fontRef idx="minor">
+            <a:schemeClr val="tx1"/>
+          </a:fontRef>
+        </p:style>
+      </p:cxnSp>
+      <p:cxnSp>
+        <p:nvCxnSpPr>
+          <p:cNvPr id="79" name="Straight Connector 78">
+            <a:extLst>
+              <a:ext uri="{FF2B5EF4-FFF2-40B4-BE49-F238E27FC236}">
+                <a16:creationId xmlns:a16="http://schemas.microsoft.com/office/drawing/2014/main" id="{97C5CF08-9766-4780-B948-A53B722C22E4}"/>
+              </a:ext>
+            </a:extLst>
+          </p:cNvPr>
+          <p:cNvCxnSpPr>
+            <a:cxnSpLocks/>
+          </p:cNvCxnSpPr>
+          <p:nvPr/>
+        </p:nvCxnSpPr>
+        <p:spPr>
+          <a:xfrm flipH="1" flipV="1">
+            <a:off x="5383738" y="1309597"/>
+            <a:ext cx="1397480" cy="980103"/>
+          </a:xfrm>
+          <a:prstGeom prst="line">
+            <a:avLst/>
+          </a:prstGeom>
+          <a:ln>
+            <a:solidFill>
+              <a:schemeClr val="tx1"/>
+            </a:solidFill>
+            <a:prstDash val="dash"/>
+          </a:ln>
+        </p:spPr>
+        <p:style>
+          <a:lnRef idx="1">
+            <a:schemeClr val="accent1"/>
+          </a:lnRef>
+          <a:fillRef idx="0">
+            <a:schemeClr val="accent1"/>
+          </a:fillRef>
+          <a:effectRef idx="0">
+            <a:schemeClr val="accent1"/>
+          </a:effectRef>
+          <a:fontRef idx="minor">
+            <a:schemeClr val="tx1"/>
+          </a:fontRef>
+        </p:style>
+      </p:cxnSp>
+      <p:cxnSp>
+        <p:nvCxnSpPr>
+          <p:cNvPr id="119" name="Straight Connector 118">
+            <a:extLst>
+              <a:ext uri="{FF2B5EF4-FFF2-40B4-BE49-F238E27FC236}">
+                <a16:creationId xmlns:a16="http://schemas.microsoft.com/office/drawing/2014/main" id="{27DE14B9-B161-4023-A593-1357D4948A43}"/>
+              </a:ext>
+            </a:extLst>
+          </p:cNvPr>
+          <p:cNvCxnSpPr>
+            <a:cxnSpLocks/>
+          </p:cNvCxnSpPr>
+          <p:nvPr/>
+        </p:nvCxnSpPr>
+        <p:spPr>
+          <a:xfrm flipH="1" flipV="1">
+            <a:off x="5383737" y="2090187"/>
+            <a:ext cx="1089728" cy="1068852"/>
+          </a:xfrm>
+          <a:prstGeom prst="line">
+            <a:avLst/>
+          </a:prstGeom>
+          <a:ln>
+            <a:solidFill>
+              <a:schemeClr val="tx1"/>
+            </a:solidFill>
+            <a:prstDash val="dash"/>
+          </a:ln>
+        </p:spPr>
+        <p:style>
+          <a:lnRef idx="1">
+            <a:schemeClr val="accent1"/>
+          </a:lnRef>
+          <a:fillRef idx="0">
+            <a:schemeClr val="accent1"/>
+          </a:fillRef>
+          <a:effectRef idx="0">
+            <a:schemeClr val="accent1"/>
+          </a:effectRef>
+          <a:fontRef idx="minor">
+            <a:schemeClr val="tx1"/>
+          </a:fontRef>
+        </p:style>
+      </p:cxnSp>
+      <p:sp>
+        <p:nvSpPr>
+          <p:cNvPr id="325" name="Freeform: Shape 324">
+            <a:extLst>
+              <a:ext uri="{FF2B5EF4-FFF2-40B4-BE49-F238E27FC236}">
+                <a16:creationId xmlns:a16="http://schemas.microsoft.com/office/drawing/2014/main" id="{DC059AF9-4AB2-48C8-B3FD-978B2725FD0E}"/>
+              </a:ext>
+            </a:extLst>
+          </p:cNvPr>
+          <p:cNvSpPr/>
+          <p:nvPr/>
+        </p:nvSpPr>
+        <p:spPr>
+          <a:xfrm>
+            <a:off x="4837431" y="1943100"/>
+            <a:ext cx="45719" cy="149225"/>
+          </a:xfrm>
+          <a:custGeom>
+            <a:avLst/>
+            <a:gdLst>
+              <a:gd name="connsiteX0" fmla="*/ 62233 w 62233"/>
+              <a:gd name="connsiteY0" fmla="*/ 0 h 149225"/>
+              <a:gd name="connsiteX1" fmla="*/ 1908 w 62233"/>
+              <a:gd name="connsiteY1" fmla="*/ 101600 h 149225"/>
+              <a:gd name="connsiteX2" fmla="*/ 20958 w 62233"/>
+              <a:gd name="connsiteY2" fmla="*/ 149225 h 149225"/>
+            </a:gdLst>
+            <a:ahLst/>
+            <a:cxnLst>
+              <a:cxn ang="0">
+                <a:pos x="connsiteX0" y="connsiteY0"/>
+              </a:cxn>
+              <a:cxn ang="0">
+                <a:pos x="connsiteX1" y="connsiteY1"/>
+              </a:cxn>
+              <a:cxn ang="0">
+                <a:pos x="connsiteX2" y="connsiteY2"/>
+              </a:cxn>
+            </a:cxnLst>
+            <a:rect l="l" t="t" r="r" b="b"/>
+            <a:pathLst>
+              <a:path w="62233" h="149225">
+                <a:moveTo>
+                  <a:pt x="62233" y="0"/>
+                </a:moveTo>
+                <a:cubicBezTo>
+                  <a:pt x="35510" y="38364"/>
+                  <a:pt x="8787" y="76729"/>
+                  <a:pt x="1908" y="101600"/>
+                </a:cubicBezTo>
+                <a:cubicBezTo>
+                  <a:pt x="-4971" y="126471"/>
+                  <a:pt x="7993" y="137848"/>
+                  <a:pt x="20958" y="149225"/>
+                </a:cubicBezTo>
+              </a:path>
+            </a:pathLst>
+          </a:custGeom>
+          <a:noFill/>
+          <a:ln w="8890">
+            <a:solidFill>
+              <a:schemeClr val="accent3"/>
+            </a:solidFill>
+          </a:ln>
+        </p:spPr>
+        <p:style>
+          <a:lnRef idx="2">
+            <a:schemeClr val="accent1">
+              <a:shade val="50000"/>
+            </a:schemeClr>
+          </a:lnRef>
+          <a:fillRef idx="1">
+            <a:schemeClr val="accent1"/>
+          </a:fillRef>
+          <a:effectRef idx="0">
+            <a:schemeClr val="accent1"/>
+          </a:effectRef>
+          <a:fontRef idx="minor">
+            <a:schemeClr val="lt1"/>
+          </a:fontRef>
+        </p:style>
+        <p:txBody>
+          <a:bodyPr rtlCol="0" anchor="ctr"/>
+          <a:lstStyle/>
+          <a:p>
+            <a:pPr algn="ctr"/>
+            <a:endParaRPr lang="en-US"/>
+          </a:p>
+        </p:txBody>
+      </p:sp>
+      <p:sp>
+        <p:nvSpPr>
+          <p:cNvPr id="317" name="Flowchart: Connector 316">
+            <a:extLst>
+              <a:ext uri="{FF2B5EF4-FFF2-40B4-BE49-F238E27FC236}">
+                <a16:creationId xmlns:a16="http://schemas.microsoft.com/office/drawing/2014/main" id="{5414A15A-CAD2-4E5F-B28D-27CB65BF01BE}"/>
+              </a:ext>
+            </a:extLst>
+          </p:cNvPr>
+          <p:cNvSpPr/>
+          <p:nvPr/>
+        </p:nvSpPr>
+        <p:spPr>
+          <a:xfrm>
+            <a:off x="4830410" y="1874310"/>
+            <a:ext cx="116994" cy="116994"/>
+          </a:xfrm>
+          <a:prstGeom prst="flowChartConnector">
+            <a:avLst/>
+          </a:prstGeom>
+          <a:solidFill>
+            <a:srgbClr val="92D050"/>
+          </a:solidFill>
+        </p:spPr>
+        <p:style>
+          <a:lnRef idx="2">
+            <a:schemeClr val="accent1">
+              <a:shade val="50000"/>
+            </a:schemeClr>
+          </a:lnRef>
+          <a:fillRef idx="1">
+            <a:schemeClr val="accent1"/>
+          </a:fillRef>
+          <a:effectRef idx="0">
+            <a:schemeClr val="accent1"/>
+          </a:effectRef>
+          <a:fontRef idx="minor">
+            <a:schemeClr val="lt1"/>
+          </a:fontRef>
+        </p:style>
+        <p:txBody>
+          <a:bodyPr rtlCol="0" anchor="ctr"/>
+          <a:lstStyle/>
+          <a:p>
+            <a:pPr algn="ctr"/>
+            <a:endParaRPr lang="en-US"/>
+          </a:p>
+        </p:txBody>
+      </p:sp>
+      <p:sp>
+        <p:nvSpPr>
+          <p:cNvPr id="326" name="TextBox 325">
+            <a:extLst>
+              <a:ext uri="{FF2B5EF4-FFF2-40B4-BE49-F238E27FC236}">
+                <a16:creationId xmlns:a16="http://schemas.microsoft.com/office/drawing/2014/main" id="{85D93F46-26D1-4A5A-9AE6-0D1C89BF62D3}"/>
+              </a:ext>
+            </a:extLst>
+          </p:cNvPr>
+          <p:cNvSpPr txBox="1"/>
+          <p:nvPr/>
+        </p:nvSpPr>
+        <p:spPr>
+          <a:xfrm>
+            <a:off x="4609767" y="1088021"/>
+            <a:ext cx="785793" cy="261610"/>
+          </a:xfrm>
+          <a:prstGeom prst="rect">
+            <a:avLst/>
+          </a:prstGeom>
+          <a:noFill/>
+        </p:spPr>
+        <p:txBody>
+          <a:bodyPr wrap="none" rtlCol="0">
+            <a:spAutoFit/>
+          </a:bodyPr>
+          <a:lstStyle/>
+          <a:p>
+            <a:pPr algn="ctr"/>
+            <a:r>
+              <a:rPr lang="en-US" sz="1100" b="1" dirty="0"/>
+              <a:t>Prediction</a:t>
+            </a:r>
+          </a:p>
+        </p:txBody>
+      </p:sp>
+      <p:sp>
+        <p:nvSpPr>
+          <p:cNvPr id="327" name="TextBox 326">
+            <a:extLst>
+              <a:ext uri="{FF2B5EF4-FFF2-40B4-BE49-F238E27FC236}">
+                <a16:creationId xmlns:a16="http://schemas.microsoft.com/office/drawing/2014/main" id="{FC578B92-A298-4457-AAE0-B94F3B5D00B1}"/>
+              </a:ext>
+            </a:extLst>
+          </p:cNvPr>
+          <p:cNvSpPr txBox="1"/>
+          <p:nvPr/>
+        </p:nvSpPr>
+        <p:spPr>
+          <a:xfrm>
+            <a:off x="2267011" y="2434217"/>
+            <a:ext cx="1324402" cy="261610"/>
+          </a:xfrm>
+          <a:prstGeom prst="rect">
+            <a:avLst/>
+          </a:prstGeom>
+          <a:noFill/>
+        </p:spPr>
+        <p:txBody>
+          <a:bodyPr wrap="none" rtlCol="0">
+            <a:spAutoFit/>
+          </a:bodyPr>
+          <a:lstStyle/>
+          <a:p>
+            <a:pPr algn="ctr"/>
+            <a:r>
+              <a:rPr lang="en-US" sz="1100" b="1" dirty="0"/>
+              <a:t>Historical sequence</a:t>
+            </a:r>
+          </a:p>
+        </p:txBody>
+      </p:sp>
+      <p:sp>
+        <p:nvSpPr>
+          <p:cNvPr id="328" name="TextBox 327">
+            <a:extLst>
+              <a:ext uri="{FF2B5EF4-FFF2-40B4-BE49-F238E27FC236}">
+                <a16:creationId xmlns:a16="http://schemas.microsoft.com/office/drawing/2014/main" id="{100AF4D4-7C2B-4832-8EAF-55B207CFB89D}"/>
+              </a:ext>
+            </a:extLst>
+          </p:cNvPr>
+          <p:cNvSpPr txBox="1"/>
+          <p:nvPr/>
+        </p:nvSpPr>
+        <p:spPr>
+          <a:xfrm>
+            <a:off x="2269700" y="1100938"/>
+            <a:ext cx="904415" cy="261610"/>
+          </a:xfrm>
+          <a:prstGeom prst="rect">
+            <a:avLst/>
+          </a:prstGeom>
+          <a:noFill/>
+        </p:spPr>
+        <p:txBody>
+          <a:bodyPr wrap="none" rtlCol="0">
+            <a:spAutoFit/>
+          </a:bodyPr>
+          <a:lstStyle/>
+          <a:p>
+            <a:pPr algn="ctr"/>
+            <a:r>
+              <a:rPr lang="en-US" sz="1100" b="1" dirty="0"/>
+              <a:t>Observation</a:t>
+            </a:r>
+          </a:p>
+        </p:txBody>
+      </p:sp>
+      <p:sp>
+        <p:nvSpPr>
+          <p:cNvPr id="338" name="TextBox 337">
+            <a:extLst>
+              <a:ext uri="{FF2B5EF4-FFF2-40B4-BE49-F238E27FC236}">
+                <a16:creationId xmlns:a16="http://schemas.microsoft.com/office/drawing/2014/main" id="{63FCE8E3-3621-454D-9CE8-77695FD95C9A}"/>
+              </a:ext>
+            </a:extLst>
+          </p:cNvPr>
+          <p:cNvSpPr txBox="1"/>
+          <p:nvPr/>
+        </p:nvSpPr>
+        <p:spPr>
+          <a:xfrm>
+            <a:off x="2825297" y="1414393"/>
+            <a:ext cx="340158" cy="246221"/>
+          </a:xfrm>
+          <a:prstGeom prst="rect">
+            <a:avLst/>
+          </a:prstGeom>
+          <a:noFill/>
+        </p:spPr>
+        <p:txBody>
+          <a:bodyPr wrap="none" rtlCol="0">
+            <a:spAutoFit/>
+          </a:bodyPr>
+          <a:lstStyle/>
+          <a:p>
+            <a:r>
+              <a:rPr lang="en-US" sz="1000" b="1" i="1" dirty="0"/>
+              <a:t>F3’</a:t>
+            </a:r>
+          </a:p>
+        </p:txBody>
+      </p:sp>
+      <p:sp>
+        <p:nvSpPr>
+          <p:cNvPr id="339" name="TextBox 338">
+            <a:extLst>
+              <a:ext uri="{FF2B5EF4-FFF2-40B4-BE49-F238E27FC236}">
+                <a16:creationId xmlns:a16="http://schemas.microsoft.com/office/drawing/2014/main" id="{B8942934-F11E-4469-A0C9-CB63978BD7D8}"/>
+              </a:ext>
+            </a:extLst>
+          </p:cNvPr>
+          <p:cNvSpPr txBox="1"/>
+          <p:nvPr/>
+        </p:nvSpPr>
+        <p:spPr>
+          <a:xfrm>
+            <a:off x="2242166" y="1550734"/>
+            <a:ext cx="309700" cy="246221"/>
+          </a:xfrm>
+          <a:prstGeom prst="rect">
+            <a:avLst/>
+          </a:prstGeom>
+          <a:noFill/>
+        </p:spPr>
+        <p:txBody>
+          <a:bodyPr wrap="none" rtlCol="0">
+            <a:spAutoFit/>
+          </a:bodyPr>
+          <a:lstStyle/>
+          <a:p>
+            <a:r>
+              <a:rPr lang="en-US" sz="1000" b="1" i="1" dirty="0"/>
+              <a:t>F3</a:t>
+            </a:r>
+          </a:p>
+        </p:txBody>
+      </p:sp>
+      <p:sp>
+        <p:nvSpPr>
+          <p:cNvPr id="340" name="TextBox 339">
+            <a:extLst>
+              <a:ext uri="{FF2B5EF4-FFF2-40B4-BE49-F238E27FC236}">
+                <a16:creationId xmlns:a16="http://schemas.microsoft.com/office/drawing/2014/main" id="{C5B18739-C4DC-455D-BA41-5667AECE2AD0}"/>
+              </a:ext>
+            </a:extLst>
+          </p:cNvPr>
+          <p:cNvSpPr txBox="1"/>
+          <p:nvPr/>
+        </p:nvSpPr>
+        <p:spPr>
+          <a:xfrm>
+            <a:off x="2701179" y="1765214"/>
+            <a:ext cx="248786" cy="246221"/>
+          </a:xfrm>
+          <a:prstGeom prst="rect">
+            <a:avLst/>
+          </a:prstGeom>
+          <a:noFill/>
+        </p:spPr>
+        <p:txBody>
+          <a:bodyPr wrap="none" rtlCol="0">
+            <a:spAutoFit/>
+          </a:bodyPr>
+          <a:lstStyle/>
+          <a:p>
+            <a:r>
+              <a:rPr lang="en-US" sz="1000" b="1" i="1" dirty="0"/>
+              <a:t>T</a:t>
+            </a:r>
+          </a:p>
+        </p:txBody>
+      </p:sp>
+    </p:spTree>
+    <p:extLst>
+      <p:ext uri="{BB962C8B-B14F-4D97-AF65-F5344CB8AC3E}">
+        <p14:creationId xmlns:p14="http://schemas.microsoft.com/office/powerpoint/2010/main" val="1027536037"/>
+      </p:ext>
+    </p:extLst>
+  </p:cSld>
+  <p:clrMapOvr>
+    <a:masterClrMapping/>
+  </p:clrMapOvr>
+</p:sld>
+</file>
+
 <file path=ppt/theme/theme1.xml><?xml version="1.0" encoding="utf-8"?>
 <a:theme xmlns:a="http://schemas.openxmlformats.org/drawingml/2006/main" name="Office Theme">
   <a:themeElements>
